--- a/1phase/mvc-single-res/HT-MVC.pptx
+++ b/1phase/mvc-single-res/HT-MVC.pptx
@@ -5,10 +5,10 @@
     <p:sldMasterId id="2147483660" r:id="rId1"/>
   </p:sldMasterIdLst>
   <p:notesMasterIdLst>
-    <p:notesMasterId r:id="rId38"/>
+    <p:notesMasterId r:id="rId40"/>
   </p:notesMasterIdLst>
   <p:handoutMasterIdLst>
-    <p:handoutMasterId r:id="rId39"/>
+    <p:handoutMasterId r:id="rId41"/>
   </p:handoutMasterIdLst>
   <p:sldIdLst>
     <p:sldId id="256" r:id="rId2"/>
@@ -16,37 +16,39 @@
     <p:sldId id="290" r:id="rId4"/>
     <p:sldId id="257" r:id="rId5"/>
     <p:sldId id="258" r:id="rId6"/>
-    <p:sldId id="293" r:id="rId7"/>
-    <p:sldId id="284" r:id="rId8"/>
-    <p:sldId id="285" r:id="rId9"/>
-    <p:sldId id="286" r:id="rId10"/>
-    <p:sldId id="287" r:id="rId11"/>
-    <p:sldId id="259" r:id="rId12"/>
-    <p:sldId id="289" r:id="rId13"/>
-    <p:sldId id="260" r:id="rId14"/>
-    <p:sldId id="264" r:id="rId15"/>
-    <p:sldId id="261" r:id="rId16"/>
-    <p:sldId id="262" r:id="rId17"/>
-    <p:sldId id="263" r:id="rId18"/>
-    <p:sldId id="265" r:id="rId19"/>
-    <p:sldId id="266" r:id="rId20"/>
-    <p:sldId id="267" r:id="rId21"/>
-    <p:sldId id="279" r:id="rId22"/>
-    <p:sldId id="281" r:id="rId23"/>
-    <p:sldId id="282" r:id="rId24"/>
-    <p:sldId id="280" r:id="rId25"/>
-    <p:sldId id="291" r:id="rId26"/>
-    <p:sldId id="303" r:id="rId27"/>
-    <p:sldId id="304" r:id="rId28"/>
-    <p:sldId id="302" r:id="rId29"/>
-    <p:sldId id="298" r:id="rId30"/>
-    <p:sldId id="301" r:id="rId31"/>
-    <p:sldId id="300" r:id="rId32"/>
-    <p:sldId id="299" r:id="rId33"/>
-    <p:sldId id="297" r:id="rId34"/>
-    <p:sldId id="296" r:id="rId35"/>
-    <p:sldId id="305" r:id="rId36"/>
-    <p:sldId id="292" r:id="rId37"/>
+    <p:sldId id="306" r:id="rId7"/>
+    <p:sldId id="293" r:id="rId8"/>
+    <p:sldId id="284" r:id="rId9"/>
+    <p:sldId id="285" r:id="rId10"/>
+    <p:sldId id="286" r:id="rId11"/>
+    <p:sldId id="287" r:id="rId12"/>
+    <p:sldId id="259" r:id="rId13"/>
+    <p:sldId id="289" r:id="rId14"/>
+    <p:sldId id="260" r:id="rId15"/>
+    <p:sldId id="264" r:id="rId16"/>
+    <p:sldId id="261" r:id="rId17"/>
+    <p:sldId id="262" r:id="rId18"/>
+    <p:sldId id="263" r:id="rId19"/>
+    <p:sldId id="265" r:id="rId20"/>
+    <p:sldId id="266" r:id="rId21"/>
+    <p:sldId id="267" r:id="rId22"/>
+    <p:sldId id="279" r:id="rId23"/>
+    <p:sldId id="281" r:id="rId24"/>
+    <p:sldId id="282" r:id="rId25"/>
+    <p:sldId id="280" r:id="rId26"/>
+    <p:sldId id="291" r:id="rId27"/>
+    <p:sldId id="307" r:id="rId28"/>
+    <p:sldId id="303" r:id="rId29"/>
+    <p:sldId id="304" r:id="rId30"/>
+    <p:sldId id="302" r:id="rId31"/>
+    <p:sldId id="298" r:id="rId32"/>
+    <p:sldId id="301" r:id="rId33"/>
+    <p:sldId id="300" r:id="rId34"/>
+    <p:sldId id="299" r:id="rId35"/>
+    <p:sldId id="297" r:id="rId36"/>
+    <p:sldId id="296" r:id="rId37"/>
+    <p:sldId id="305" r:id="rId38"/>
+    <p:sldId id="292" r:id="rId39"/>
   </p:sldIdLst>
   <p:sldSz cx="9144000" cy="6858000" type="screen4x3"/>
   <p:notesSz cx="6858000" cy="9144000"/>
@@ -230,7 +232,7 @@
           <a:p>
             <a:fld id="{CAA47771-BE1A-0F41-A2AB-502D986D5C71}" type="datetimeFigureOut">
               <a:rPr lang="en-US" smtClean="0"/>
-              <a:t>9/18/15</a:t>
+              <a:t>10/29/15</a:t>
             </a:fld>
             <a:endParaRPr lang="en-US"/>
           </a:p>
@@ -396,7 +398,7 @@
           <a:p>
             <a:fld id="{4083CDE4-3FA1-6A4B-862D-E61F193A4941}" type="datetimeFigureOut">
               <a:rPr lang="en-US" smtClean="0"/>
-              <a:t>9/18/15</a:t>
+              <a:t>10/29/15</a:t>
             </a:fld>
             <a:endParaRPr lang="en-US"/>
           </a:p>
@@ -734,7 +736,7 @@
           <a:p>
             <a:fld id="{B8E85131-72B0-344C-846D-7A83BD8CA0B2}" type="slidenum">
               <a:rPr lang="en-US" smtClean="0"/>
-              <a:t>20</a:t>
+              <a:t>21</a:t>
             </a:fld>
             <a:endParaRPr lang="en-US"/>
           </a:p>
@@ -2280,131 +2282,122 @@
         </p:nvSpPr>
         <p:spPr>
           <a:xfrm>
-            <a:off x="175179" y="1310538"/>
-            <a:ext cx="8968821" cy="3877733"/>
+            <a:off x="380999" y="1533574"/>
+            <a:ext cx="8407893" cy="4760416"/>
           </a:xfrm>
         </p:spPr>
         <p:txBody>
           <a:bodyPr>
-            <a:noAutofit/>
+            <a:normAutofit/>
           </a:bodyPr>
           <a:lstStyle/>
           <a:p>
             <a:r>
-              <a:rPr lang="en-US" sz="2300" dirty="0" smtClean="0"/>
+              <a:rPr lang="en-US" sz="2500" dirty="0" smtClean="0"/>
               <a:t>The </a:t>
             </a:r>
             <a:r>
-              <a:rPr lang="en-US" sz="2300" dirty="0" smtClean="0">
+              <a:rPr lang="en-US" sz="2500" dirty="0" smtClean="0">
                 <a:solidFill>
                   <a:srgbClr val="FF0000"/>
                 </a:solidFill>
               </a:rPr>
-              <a:t>view (waiter) </a:t>
-            </a:r>
-            <a:r>
-              <a:rPr lang="en-US" sz="2300" dirty="0" smtClean="0"/>
-              <a:t>handles user interaction</a:t>
-            </a:r>
-          </a:p>
-          <a:p>
-            <a:r>
-              <a:rPr lang="en-US" sz="2300" dirty="0" smtClean="0"/>
-              <a:t>It shows information to the user and gets user input</a:t>
-            </a:r>
-          </a:p>
-          <a:p>
-            <a:endParaRPr lang="en-US" sz="2300" dirty="0"/>
-          </a:p>
-          <a:p>
-            <a:r>
-              <a:rPr lang="en-US" sz="2300" dirty="0" smtClean="0"/>
+              <a:t>waiters</a:t>
+            </a:r>
+            <a:r>
+              <a:rPr lang="en-US" sz="2500" dirty="0" smtClean="0"/>
+              <a:t> handle customer interaction</a:t>
+            </a:r>
+          </a:p>
+          <a:p>
+            <a:r>
+              <a:rPr lang="en-US" sz="2500" dirty="0" smtClean="0"/>
+              <a:t>They take your order and deliver your food</a:t>
+            </a:r>
+          </a:p>
+          <a:p>
+            <a:endParaRPr lang="en-US" sz="2500" dirty="0" smtClean="0"/>
+          </a:p>
+          <a:p>
+            <a:r>
+              <a:rPr lang="en-US" sz="2500" dirty="0" smtClean="0"/>
               <a:t>The </a:t>
             </a:r>
             <a:r>
-              <a:rPr lang="en-US" sz="2300" dirty="0" smtClean="0">
+              <a:rPr lang="en-US" sz="2500" dirty="0" smtClean="0">
                 <a:solidFill>
                   <a:srgbClr val="FF0000"/>
                 </a:solidFill>
               </a:rPr>
-              <a:t>model (chef)</a:t>
-            </a:r>
-            <a:r>
-              <a:rPr lang="en-US" sz="2300" dirty="0" smtClean="0"/>
-              <a:t> handles your data</a:t>
-            </a:r>
-          </a:p>
-          <a:p>
-            <a:r>
-              <a:rPr lang="en-US" sz="2300" dirty="0" smtClean="0"/>
-              <a:t>It interacts with a DB or data store of some kind, crunches the numbers and does the ‘heavy lifting’ in your application.</a:t>
-            </a:r>
-          </a:p>
-          <a:p>
-            <a:endParaRPr lang="en-US" sz="2300" dirty="0"/>
-          </a:p>
-          <a:p>
-            <a:r>
-              <a:rPr lang="en-US" sz="2300" dirty="0" smtClean="0"/>
+              <a:t>Chef</a:t>
+            </a:r>
+            <a:r>
+              <a:rPr lang="en-US" sz="2500" dirty="0" smtClean="0"/>
+              <a:t> combines ingredients to make the food</a:t>
+            </a:r>
+          </a:p>
+          <a:p>
+            <a:r>
+              <a:rPr lang="en-US" sz="2500" dirty="0" smtClean="0"/>
+              <a:t>They know the recipes </a:t>
+            </a:r>
+            <a:r>
+              <a:rPr lang="en-US" sz="2500" dirty="0" smtClean="0"/>
+              <a:t>and gather ingredients</a:t>
+            </a:r>
+          </a:p>
+          <a:p>
+            <a:endParaRPr lang="en-US" sz="2500" dirty="0" smtClean="0"/>
+          </a:p>
+          <a:p>
+            <a:r>
+              <a:rPr lang="en-US" sz="2500" dirty="0" smtClean="0"/>
               <a:t>The </a:t>
             </a:r>
             <a:r>
-              <a:rPr lang="en-US" sz="2300" dirty="0" smtClean="0">
+              <a:rPr lang="en-US" sz="2500" dirty="0" smtClean="0">
                 <a:solidFill>
                   <a:srgbClr val="FF0000"/>
                 </a:solidFill>
               </a:rPr>
-              <a:t>controller</a:t>
-            </a:r>
-            <a:r>
-              <a:rPr lang="en-US" sz="2300" dirty="0" smtClean="0"/>
-              <a:t> </a:t>
-            </a:r>
-            <a:r>
-              <a:rPr lang="en-US" sz="2300" dirty="0" smtClean="0">
-                <a:solidFill>
-                  <a:srgbClr val="FF0000"/>
-                </a:solidFill>
-              </a:rPr>
-              <a:t>(manager)</a:t>
-            </a:r>
-            <a:r>
-              <a:rPr lang="en-US" sz="2300" dirty="0" smtClean="0"/>
-              <a:t> manages communication between </a:t>
-            </a:r>
-            <a:r>
-              <a:rPr lang="en-US" sz="2300" dirty="0" smtClean="0">
-                <a:solidFill>
-                  <a:srgbClr val="FF0000"/>
-                </a:solidFill>
-              </a:rPr>
-              <a:t>model</a:t>
-            </a:r>
-            <a:r>
-              <a:rPr lang="en-US" sz="2300" dirty="0" smtClean="0"/>
-              <a:t> and </a:t>
-            </a:r>
-            <a:r>
-              <a:rPr lang="en-US" sz="2300" dirty="0" smtClean="0">
-                <a:solidFill>
-                  <a:srgbClr val="FF0000"/>
-                </a:solidFill>
-              </a:rPr>
-              <a:t>view</a:t>
-            </a:r>
-          </a:p>
-          <a:p>
-            <a:r>
-              <a:rPr lang="en-US" sz="2300" dirty="0" smtClean="0"/>
-              <a:t>It parses user input, gets the information it needs from the model, and passes it back to the view.</a:t>
-            </a:r>
-          </a:p>
-          <a:p>
-            <a:r>
-              <a:rPr lang="en-US" sz="2300" dirty="0" smtClean="0"/>
-              <a:t>It runs everything! Controllers are very... CONTROLLING.</a:t>
-            </a:r>
-            <a:endParaRPr lang="en-US" sz="2300" dirty="0"/>
+              <a:t>kitchen manager </a:t>
+            </a:r>
+            <a:r>
+              <a:rPr lang="en-US" sz="2500" dirty="0" smtClean="0"/>
+              <a:t>oversees the </a:t>
+            </a:r>
+            <a:r>
+              <a:rPr lang="en-US" sz="2500" dirty="0" smtClean="0"/>
+              <a:t>whole </a:t>
+            </a:r>
+            <a:r>
+              <a:rPr lang="en-US" sz="2500" dirty="0" smtClean="0"/>
+              <a:t>process</a:t>
+            </a:r>
+            <a:endParaRPr lang="en-US" sz="2500" dirty="0" smtClean="0"/>
+          </a:p>
+          <a:p>
+            <a:r>
+              <a:rPr lang="en-US" sz="2500" dirty="0" smtClean="0"/>
+              <a:t>They manage the orders coming in, tell the cooks what they need to make, and ensure the orders </a:t>
+            </a:r>
+            <a:r>
+              <a:rPr lang="en-US" sz="2500" dirty="0" smtClean="0"/>
+              <a:t>are</a:t>
+            </a:r>
+            <a:r>
+              <a:rPr lang="en-US" sz="2500" dirty="0" smtClean="0"/>
+              <a:t> properly put together </a:t>
+            </a:r>
+            <a:r>
+              <a:rPr lang="en-US" sz="2500" dirty="0" smtClean="0"/>
+              <a:t>for </a:t>
+            </a:r>
+            <a:r>
+              <a:rPr lang="en-US" sz="2500" dirty="0" smtClean="0"/>
+              <a:t>delivery to the waiter</a:t>
+            </a:r>
+            <a:endParaRPr lang="en-US" sz="2500" dirty="0"/>
           </a:p>
         </p:txBody>
       </p:sp>
@@ -2425,7 +2418,7 @@
           <a:p>
             <a:r>
               <a:rPr lang="en-US" dirty="0" smtClean="0"/>
-              <a:t>M-V-C Bits:</a:t>
+              <a:t>WHAT ROLES DO WE NEED?</a:t>
             </a:r>
             <a:endParaRPr lang="en-US" dirty="0"/>
           </a:p>
@@ -2434,7 +2427,7 @@
     </p:spTree>
     <p:extLst>
       <p:ext uri="{BB962C8B-B14F-4D97-AF65-F5344CB8AC3E}">
-        <p14:creationId xmlns:p14="http://schemas.microsoft.com/office/powerpoint/2010/main" val="1779732405"/>
+        <p14:creationId xmlns:p14="http://schemas.microsoft.com/office/powerpoint/2010/main" val="1521072834"/>
       </p:ext>
     </p:extLst>
   </p:cSld>
@@ -2470,6 +2463,249 @@
       </p:grpSpPr>
       <p:sp>
         <p:nvSpPr>
+          <p:cNvPr id="2" name="Content Placeholder 1"/>
+          <p:cNvSpPr>
+            <a:spLocks noGrp="1"/>
+          </p:cNvSpPr>
+          <p:nvPr>
+            <p:ph idx="1"/>
+          </p:nvPr>
+        </p:nvSpPr>
+        <p:spPr>
+          <a:xfrm>
+            <a:off x="175179" y="1310538"/>
+            <a:ext cx="8968821" cy="5298539"/>
+          </a:xfrm>
+        </p:spPr>
+        <p:txBody>
+          <a:bodyPr>
+            <a:noAutofit/>
+          </a:bodyPr>
+          <a:lstStyle/>
+          <a:p>
+            <a:r>
+              <a:rPr lang="en-US" sz="2300" dirty="0" smtClean="0"/>
+              <a:t>The </a:t>
+            </a:r>
+            <a:r>
+              <a:rPr lang="en-US" sz="2300" dirty="0" smtClean="0">
+                <a:solidFill>
+                  <a:srgbClr val="FF0000"/>
+                </a:solidFill>
+              </a:rPr>
+              <a:t>view (waiter) </a:t>
+            </a:r>
+            <a:r>
+              <a:rPr lang="en-US" sz="2300" dirty="0" smtClean="0"/>
+              <a:t>handles user interaction</a:t>
+            </a:r>
+          </a:p>
+          <a:p>
+            <a:r>
+              <a:rPr lang="en-US" sz="2300" dirty="0" smtClean="0"/>
+              <a:t>It shows information to the user and gets user input</a:t>
+            </a:r>
+          </a:p>
+          <a:p>
+            <a:endParaRPr lang="en-US" sz="2300" dirty="0"/>
+          </a:p>
+          <a:p>
+            <a:r>
+              <a:rPr lang="en-US" sz="2300" dirty="0" smtClean="0"/>
+              <a:t>The </a:t>
+            </a:r>
+            <a:r>
+              <a:rPr lang="en-US" sz="2300" dirty="0" smtClean="0">
+                <a:solidFill>
+                  <a:srgbClr val="FF0000"/>
+                </a:solidFill>
+              </a:rPr>
+              <a:t>model (chef)</a:t>
+            </a:r>
+            <a:r>
+              <a:rPr lang="en-US" sz="2300" dirty="0" smtClean="0"/>
+              <a:t> handles </a:t>
+            </a:r>
+            <a:r>
+              <a:rPr lang="en-US" sz="2300" dirty="0" smtClean="0"/>
+              <a:t>all the data</a:t>
+            </a:r>
+            <a:endParaRPr lang="en-US" sz="2300" dirty="0" smtClean="0"/>
+          </a:p>
+          <a:p>
+            <a:r>
+              <a:rPr lang="en-US" sz="2300" dirty="0" smtClean="0"/>
+              <a:t>It interacts with a </a:t>
+            </a:r>
+            <a:r>
+              <a:rPr lang="en-US" sz="2300" dirty="0" smtClean="0"/>
+              <a:t>DB, Web API </a:t>
+            </a:r>
+            <a:r>
+              <a:rPr lang="en-US" sz="2300" dirty="0" smtClean="0"/>
+              <a:t>or </a:t>
+            </a:r>
+            <a:r>
+              <a:rPr lang="en-US" sz="2300" dirty="0" smtClean="0"/>
+              <a:t>other data store, </a:t>
+            </a:r>
+            <a:r>
+              <a:rPr lang="en-US" sz="2300" dirty="0" smtClean="0"/>
+              <a:t>crunches the numbers and does the ‘heavy lifting’ in your application.</a:t>
+            </a:r>
+          </a:p>
+          <a:p>
+            <a:endParaRPr lang="en-US" sz="2300" dirty="0"/>
+          </a:p>
+          <a:p>
+            <a:r>
+              <a:rPr lang="en-US" sz="2300" dirty="0" smtClean="0"/>
+              <a:t>The </a:t>
+            </a:r>
+            <a:r>
+              <a:rPr lang="en-US" sz="2300" dirty="0" smtClean="0">
+                <a:solidFill>
+                  <a:srgbClr val="FF0000"/>
+                </a:solidFill>
+              </a:rPr>
+              <a:t>controller</a:t>
+            </a:r>
+            <a:r>
+              <a:rPr lang="en-US" sz="2300" dirty="0" smtClean="0"/>
+              <a:t> </a:t>
+            </a:r>
+            <a:r>
+              <a:rPr lang="en-US" sz="2300" dirty="0" smtClean="0">
+                <a:solidFill>
+                  <a:srgbClr val="FF0000"/>
+                </a:solidFill>
+              </a:rPr>
+              <a:t>(manager)</a:t>
+            </a:r>
+            <a:r>
+              <a:rPr lang="en-US" sz="2300" dirty="0" smtClean="0"/>
+              <a:t> manages communication between the </a:t>
+            </a:r>
+            <a:br>
+              <a:rPr lang="en-US" sz="2300" dirty="0" smtClean="0"/>
+            </a:br>
+            <a:r>
+              <a:rPr lang="en-US" sz="2300" dirty="0" smtClean="0">
+                <a:solidFill>
+                  <a:srgbClr val="FF0000"/>
+                </a:solidFill>
+              </a:rPr>
+              <a:t>model</a:t>
+            </a:r>
+            <a:r>
+              <a:rPr lang="en-US" sz="2300" dirty="0" smtClean="0"/>
+              <a:t> and </a:t>
+            </a:r>
+            <a:r>
+              <a:rPr lang="en-US" sz="2300" dirty="0" smtClean="0">
+                <a:solidFill>
+                  <a:srgbClr val="FF0000"/>
+                </a:solidFill>
+              </a:rPr>
+              <a:t>view. </a:t>
+            </a:r>
+            <a:r>
+              <a:rPr lang="en-US" sz="2300" dirty="0"/>
+              <a:t>It runs everything! </a:t>
+            </a:r>
+            <a:endParaRPr lang="en-US" sz="2300" dirty="0" smtClean="0">
+              <a:solidFill>
+                <a:srgbClr val="FF0000"/>
+              </a:solidFill>
+            </a:endParaRPr>
+          </a:p>
+          <a:p>
+            <a:r>
+              <a:rPr lang="en-US" sz="2300" dirty="0" smtClean="0"/>
+              <a:t>It kicks off various functionalities within your application based on the input it receives. Acquiring necessary information from the </a:t>
+            </a:r>
+            <a:r>
+              <a:rPr lang="en-US" sz="2300" dirty="0" smtClean="0"/>
+              <a:t>model, and </a:t>
+            </a:r>
+            <a:r>
+              <a:rPr lang="en-US" sz="2300" dirty="0" smtClean="0"/>
+              <a:t>passing </a:t>
+            </a:r>
+            <a:r>
+              <a:rPr lang="en-US" sz="2300" dirty="0" smtClean="0"/>
+              <a:t>it back to the view</a:t>
+            </a:r>
+            <a:r>
+              <a:rPr lang="en-US" sz="2300" dirty="0" smtClean="0"/>
+              <a:t>.</a:t>
+            </a:r>
+            <a:endParaRPr lang="en-US" sz="2300" dirty="0" smtClean="0"/>
+          </a:p>
+        </p:txBody>
+      </p:sp>
+      <p:sp>
+        <p:nvSpPr>
+          <p:cNvPr id="3" name="Title 2"/>
+          <p:cNvSpPr>
+            <a:spLocks noGrp="1"/>
+          </p:cNvSpPr>
+          <p:nvPr>
+            <p:ph type="title"/>
+          </p:nvPr>
+        </p:nvSpPr>
+        <p:spPr/>
+        <p:txBody>
+          <a:bodyPr/>
+          <a:lstStyle/>
+          <a:p>
+            <a:r>
+              <a:rPr lang="en-US" dirty="0" smtClean="0"/>
+              <a:t>M-V-C Bits:</a:t>
+            </a:r>
+            <a:endParaRPr lang="en-US" dirty="0"/>
+          </a:p>
+        </p:txBody>
+      </p:sp>
+    </p:spTree>
+    <p:extLst>
+      <p:ext uri="{BB962C8B-B14F-4D97-AF65-F5344CB8AC3E}">
+        <p14:creationId xmlns:p14="http://schemas.microsoft.com/office/powerpoint/2010/main" val="1779732405"/>
+      </p:ext>
+    </p:extLst>
+  </p:cSld>
+  <p:clrMapOvr>
+    <a:masterClrMapping/>
+  </p:clrMapOvr>
+  <p:timing>
+    <p:tnLst>
+      <p:par>
+        <p:cTn xmlns:p14="http://schemas.microsoft.com/office/powerpoint/2010/main" id="1" dur="indefinite" restart="never" nodeType="tmRoot"/>
+      </p:par>
+    </p:tnLst>
+  </p:timing>
+</p:sld>
+</file>
+
+<file path=ppt/slides/slide12.xml><?xml version="1.0" encoding="utf-8"?>
+<p:sld xmlns:a="http://schemas.openxmlformats.org/drawingml/2006/main" xmlns:r="http://schemas.openxmlformats.org/officeDocument/2006/relationships" xmlns:p="http://schemas.openxmlformats.org/presentationml/2006/main">
+  <p:cSld>
+    <p:spTree>
+      <p:nvGrpSpPr>
+        <p:cNvPr id="1" name=""/>
+        <p:cNvGrpSpPr/>
+        <p:nvPr/>
+      </p:nvGrpSpPr>
+      <p:grpSpPr>
+        <a:xfrm>
+          <a:off x="0" y="0"/>
+          <a:ext cx="0" cy="0"/>
+          <a:chOff x="0" y="0"/>
+          <a:chExt cx="0" cy="0"/>
+        </a:xfrm>
+      </p:grpSpPr>
+      <p:sp>
+        <p:nvSpPr>
           <p:cNvPr id="2" name="Title 1"/>
           <p:cNvSpPr>
             <a:spLocks noGrp="1"/>
@@ -2508,20 +2744,39 @@
           <a:p>
             <a:r>
               <a:rPr lang="en-US" dirty="0" smtClean="0"/>
-              <a:t>Data and business logic</a:t>
-            </a:r>
-          </a:p>
-          <a:p>
+              <a:t>You have some data </a:t>
+            </a:r>
             <a:r>
               <a:rPr lang="en-US" dirty="0" smtClean="0"/>
-              <a:t>User interface</a:t>
-            </a:r>
-          </a:p>
-          <a:p>
+              <a:t>and business </a:t>
+            </a:r>
             <a:r>
               <a:rPr lang="en-US" dirty="0" smtClean="0"/>
-              <a:t>Communication between them</a:t>
-            </a:r>
+              <a:t>logic that a backend team takes care of. </a:t>
+            </a:r>
+            <a:endParaRPr lang="en-US" dirty="0" smtClean="0"/>
+          </a:p>
+          <a:p>
+            <a:r>
+              <a:rPr lang="en-US" dirty="0" smtClean="0"/>
+              <a:t>Your </a:t>
+            </a:r>
+            <a:r>
+              <a:rPr lang="en-US" dirty="0"/>
+              <a:t>u</a:t>
+            </a:r>
+            <a:r>
+              <a:rPr lang="en-US" dirty="0" smtClean="0"/>
+              <a:t>ser interface is changing on a regular basis and rendered across multiple devices.</a:t>
+            </a:r>
+            <a:endParaRPr lang="en-US" dirty="0" smtClean="0"/>
+          </a:p>
+          <a:p>
+            <a:r>
+              <a:rPr lang="en-US" dirty="0" smtClean="0"/>
+              <a:t>You need to facilitate communications between them.</a:t>
+            </a:r>
+            <a:endParaRPr lang="en-US" dirty="0" smtClean="0"/>
           </a:p>
         </p:txBody>
       </p:sp>
@@ -2568,7 +2823,7 @@
 </p:sld>
 </file>
 
-<file path=ppt/slides/slide12.xml><?xml version="1.0" encoding="utf-8"?>
+<file path=ppt/slides/slide13.xml><?xml version="1.0" encoding="utf-8"?>
 <p:sld xmlns:a="http://schemas.openxmlformats.org/drawingml/2006/main" xmlns:r="http://schemas.openxmlformats.org/officeDocument/2006/relationships" xmlns:p="http://schemas.openxmlformats.org/presentationml/2006/main">
   <p:cSld>
     <p:bg>
@@ -2672,341 +2927,6 @@
     <p:extLst>
       <p:ext uri="{BB962C8B-B14F-4D97-AF65-F5344CB8AC3E}">
         <p14:creationId xmlns:p14="http://schemas.microsoft.com/office/powerpoint/2010/main" val="1107917812"/>
-      </p:ext>
-    </p:extLst>
-  </p:cSld>
-  <p:clrMapOvr>
-    <a:masterClrMapping/>
-  </p:clrMapOvr>
-  <p:timing>
-    <p:tnLst>
-      <p:par>
-        <p:cTn xmlns:p14="http://schemas.microsoft.com/office/powerpoint/2010/main" id="1" dur="indefinite" restart="never" nodeType="tmRoot"/>
-      </p:par>
-    </p:tnLst>
-  </p:timing>
-</p:sld>
-</file>
-
-<file path=ppt/slides/slide13.xml><?xml version="1.0" encoding="utf-8"?>
-<p:sld xmlns:a="http://schemas.openxmlformats.org/drawingml/2006/main" xmlns:r="http://schemas.openxmlformats.org/officeDocument/2006/relationships" xmlns:p="http://schemas.openxmlformats.org/presentationml/2006/main">
-  <p:cSld>
-    <p:spTree>
-      <p:nvGrpSpPr>
-        <p:cNvPr id="1" name=""/>
-        <p:cNvGrpSpPr/>
-        <p:nvPr/>
-      </p:nvGrpSpPr>
-      <p:grpSpPr>
-        <a:xfrm>
-          <a:off x="0" y="0"/>
-          <a:ext cx="0" cy="0"/>
-          <a:chOff x="0" y="0"/>
-          <a:chExt cx="0" cy="0"/>
-        </a:xfrm>
-      </p:grpSpPr>
-      <p:sp>
-        <p:nvSpPr>
-          <p:cNvPr id="2" name="Title 1"/>
-          <p:cNvSpPr>
-            <a:spLocks noGrp="1"/>
-          </p:cNvSpPr>
-          <p:nvPr>
-            <p:ph type="title"/>
-          </p:nvPr>
-        </p:nvSpPr>
-        <p:spPr/>
-        <p:txBody>
-          <a:bodyPr/>
-          <a:lstStyle/>
-          <a:p>
-            <a:r>
-              <a:rPr lang="en-US" dirty="0" smtClean="0"/>
-              <a:t>M-V-C Design Pattern</a:t>
-            </a:r>
-            <a:endParaRPr lang="en-US" dirty="0"/>
-          </a:p>
-        </p:txBody>
-      </p:sp>
-      <p:sp>
-        <p:nvSpPr>
-          <p:cNvPr id="3" name="Footer Placeholder 2"/>
-          <p:cNvSpPr>
-            <a:spLocks noGrp="1"/>
-          </p:cNvSpPr>
-          <p:nvPr>
-            <p:ph type="ftr" sz="quarter" idx="3"/>
-          </p:nvPr>
-        </p:nvSpPr>
-        <p:spPr/>
-        <p:txBody>
-          <a:bodyPr/>
-          <a:lstStyle/>
-          <a:p>
-            <a:r>
-              <a:rPr lang="en-US" smtClean="0"/>
-              <a:t>Model – View – Controller: A Design Pattern</a:t>
-            </a:r>
-            <a:endParaRPr lang="en-US" dirty="0"/>
-          </a:p>
-        </p:txBody>
-      </p:sp>
-      <p:sp>
-        <p:nvSpPr>
-          <p:cNvPr id="4" name="Rectangle 3"/>
-          <p:cNvSpPr/>
-          <p:nvPr/>
-        </p:nvSpPr>
-        <p:spPr>
-          <a:xfrm>
-            <a:off x="512064" y="2723877"/>
-            <a:ext cx="2150017" cy="3058909"/>
-          </a:xfrm>
-          <a:prstGeom prst="rect">
-            <a:avLst/>
-          </a:prstGeom>
-          <a:solidFill>
-            <a:srgbClr val="00A9B9"/>
-          </a:solidFill>
-          <a:ln>
-            <a:noFill/>
-          </a:ln>
-          <a:effectLst/>
-        </p:spPr>
-        <p:style>
-          <a:lnRef idx="1">
-            <a:schemeClr val="accent1"/>
-          </a:lnRef>
-          <a:fillRef idx="3">
-            <a:schemeClr val="accent1"/>
-          </a:fillRef>
-          <a:effectRef idx="2">
-            <a:schemeClr val="accent1"/>
-          </a:effectRef>
-          <a:fontRef idx="minor">
-            <a:schemeClr val="lt1"/>
-          </a:fontRef>
-        </p:style>
-        <p:txBody>
-          <a:bodyPr rtlCol="0" anchor="t"/>
-          <a:lstStyle/>
-          <a:p>
-            <a:r>
-              <a:rPr lang="en-US" sz="2200" dirty="0" smtClean="0">
-                <a:solidFill>
-                  <a:srgbClr val="F8F8F8"/>
-                </a:solidFill>
-              </a:rPr>
-              <a:t>  </a:t>
-            </a:r>
-          </a:p>
-          <a:p>
-            <a:r>
-              <a:rPr lang="en-US" sz="2200" dirty="0">
-                <a:solidFill>
-                  <a:srgbClr val="F8F8F8"/>
-                </a:solidFill>
-              </a:rPr>
-              <a:t> </a:t>
-            </a:r>
-          </a:p>
-        </p:txBody>
-      </p:sp>
-      <p:sp>
-        <p:nvSpPr>
-          <p:cNvPr id="5" name="Rectangle 4"/>
-          <p:cNvSpPr/>
-          <p:nvPr/>
-        </p:nvSpPr>
-        <p:spPr>
-          <a:xfrm>
-            <a:off x="3493911" y="2668662"/>
-            <a:ext cx="2150017" cy="3058909"/>
-          </a:xfrm>
-          <a:prstGeom prst="rect">
-            <a:avLst/>
-          </a:prstGeom>
-          <a:solidFill>
-            <a:srgbClr val="EA4A3C"/>
-          </a:solidFill>
-          <a:ln>
-            <a:noFill/>
-          </a:ln>
-          <a:effectLst/>
-        </p:spPr>
-        <p:style>
-          <a:lnRef idx="1">
-            <a:schemeClr val="accent1"/>
-          </a:lnRef>
-          <a:fillRef idx="3">
-            <a:schemeClr val="accent1"/>
-          </a:fillRef>
-          <a:effectRef idx="2">
-            <a:schemeClr val="accent1"/>
-          </a:effectRef>
-          <a:fontRef idx="minor">
-            <a:schemeClr val="lt1"/>
-          </a:fontRef>
-        </p:style>
-        <p:txBody>
-          <a:bodyPr rtlCol="0" anchor="ctr"/>
-          <a:lstStyle/>
-          <a:p>
-            <a:pPr algn="ctr"/>
-            <a:endParaRPr lang="en-US" sz="2200" dirty="0">
-              <a:solidFill>
-                <a:srgbClr val="F8F8F8"/>
-              </a:solidFill>
-            </a:endParaRPr>
-          </a:p>
-        </p:txBody>
-      </p:sp>
-      <p:sp>
-        <p:nvSpPr>
-          <p:cNvPr id="6" name="Rectangle 5"/>
-          <p:cNvSpPr/>
-          <p:nvPr/>
-        </p:nvSpPr>
-        <p:spPr>
-          <a:xfrm>
-            <a:off x="6536783" y="2723877"/>
-            <a:ext cx="2150017" cy="3058909"/>
-          </a:xfrm>
-          <a:prstGeom prst="rect">
-            <a:avLst/>
-          </a:prstGeom>
-          <a:solidFill>
-            <a:schemeClr val="accent6"/>
-          </a:solidFill>
-          <a:ln>
-            <a:noFill/>
-          </a:ln>
-          <a:effectLst/>
-        </p:spPr>
-        <p:style>
-          <a:lnRef idx="1">
-            <a:schemeClr val="accent1"/>
-          </a:lnRef>
-          <a:fillRef idx="3">
-            <a:schemeClr val="accent1"/>
-          </a:fillRef>
-          <a:effectRef idx="2">
-            <a:schemeClr val="accent1"/>
-          </a:effectRef>
-          <a:fontRef idx="minor">
-            <a:schemeClr val="lt1"/>
-          </a:fontRef>
-        </p:style>
-        <p:txBody>
-          <a:bodyPr rtlCol="0" anchor="ctr"/>
-          <a:lstStyle/>
-          <a:p>
-            <a:pPr algn="ctr"/>
-            <a:endParaRPr lang="en-US" sz="2200">
-              <a:solidFill>
-                <a:srgbClr val="F8F8F8"/>
-              </a:solidFill>
-            </a:endParaRPr>
-          </a:p>
-        </p:txBody>
-      </p:sp>
-      <p:sp>
-        <p:nvSpPr>
-          <p:cNvPr id="8" name="TextBox 7"/>
-          <p:cNvSpPr txBox="1"/>
-          <p:nvPr/>
-        </p:nvSpPr>
-        <p:spPr>
-          <a:xfrm>
-            <a:off x="457200" y="1865376"/>
-            <a:ext cx="2204881" cy="584776"/>
-          </a:xfrm>
-          <a:prstGeom prst="rect">
-            <a:avLst/>
-          </a:prstGeom>
-          <a:noFill/>
-        </p:spPr>
-        <p:txBody>
-          <a:bodyPr wrap="square" rtlCol="0">
-            <a:spAutoFit/>
-          </a:bodyPr>
-          <a:lstStyle/>
-          <a:p>
-            <a:pPr algn="ctr"/>
-            <a:r>
-              <a:rPr lang="en-US" sz="3200" dirty="0" smtClean="0"/>
-              <a:t>Model</a:t>
-            </a:r>
-            <a:endParaRPr lang="en-US" sz="3200" dirty="0"/>
-          </a:p>
-        </p:txBody>
-      </p:sp>
-      <p:sp>
-        <p:nvSpPr>
-          <p:cNvPr id="10" name="TextBox 9"/>
-          <p:cNvSpPr txBox="1"/>
-          <p:nvPr/>
-        </p:nvSpPr>
-        <p:spPr>
-          <a:xfrm>
-            <a:off x="3493911" y="1865376"/>
-            <a:ext cx="2204881" cy="584776"/>
-          </a:xfrm>
-          <a:prstGeom prst="rect">
-            <a:avLst/>
-          </a:prstGeom>
-          <a:noFill/>
-        </p:spPr>
-        <p:txBody>
-          <a:bodyPr wrap="square" rtlCol="0">
-            <a:spAutoFit/>
-          </a:bodyPr>
-          <a:lstStyle/>
-          <a:p>
-            <a:pPr algn="ctr"/>
-            <a:r>
-              <a:rPr lang="en-US" sz="3200" dirty="0" smtClean="0"/>
-              <a:t>Controller</a:t>
-            </a:r>
-            <a:endParaRPr lang="en-US" sz="3200" dirty="0"/>
-          </a:p>
-        </p:txBody>
-      </p:sp>
-      <p:sp>
-        <p:nvSpPr>
-          <p:cNvPr id="11" name="TextBox 10"/>
-          <p:cNvSpPr txBox="1"/>
-          <p:nvPr/>
-        </p:nvSpPr>
-        <p:spPr>
-          <a:xfrm>
-            <a:off x="6536783" y="1865376"/>
-            <a:ext cx="2204881" cy="584776"/>
-          </a:xfrm>
-          <a:prstGeom prst="rect">
-            <a:avLst/>
-          </a:prstGeom>
-          <a:noFill/>
-        </p:spPr>
-        <p:txBody>
-          <a:bodyPr wrap="square" rtlCol="0">
-            <a:spAutoFit/>
-          </a:bodyPr>
-          <a:lstStyle/>
-          <a:p>
-            <a:pPr algn="ctr"/>
-            <a:r>
-              <a:rPr lang="en-US" sz="3200" dirty="0" smtClean="0"/>
-              <a:t>View</a:t>
-            </a:r>
-            <a:endParaRPr lang="en-US" sz="3200" dirty="0"/>
-          </a:p>
-        </p:txBody>
-      </p:sp>
-    </p:spTree>
-    <p:extLst>
-      <p:ext uri="{BB962C8B-B14F-4D97-AF65-F5344CB8AC3E}">
-        <p14:creationId xmlns:p14="http://schemas.microsoft.com/office/powerpoint/2010/main" val="4010566210"/>
       </p:ext>
     </p:extLst>
   </p:cSld>
@@ -3088,6 +3008,67 @@
       </p:sp>
       <p:sp>
         <p:nvSpPr>
+          <p:cNvPr id="4" name="Rectangle 3"/>
+          <p:cNvSpPr/>
+          <p:nvPr/>
+        </p:nvSpPr>
+        <p:spPr>
+          <a:xfrm>
+            <a:off x="512064" y="2723877"/>
+            <a:ext cx="2150017" cy="3058909"/>
+          </a:xfrm>
+          <a:prstGeom prst="rect">
+            <a:avLst/>
+          </a:prstGeom>
+          <a:solidFill>
+            <a:srgbClr val="00A9B9"/>
+          </a:solidFill>
+          <a:ln>
+            <a:noFill/>
+          </a:ln>
+          <a:effectLst/>
+        </p:spPr>
+        <p:style>
+          <a:lnRef idx="1">
+            <a:schemeClr val="accent1"/>
+          </a:lnRef>
+          <a:fillRef idx="3">
+            <a:schemeClr val="accent1"/>
+          </a:fillRef>
+          <a:effectRef idx="2">
+            <a:schemeClr val="accent1"/>
+          </a:effectRef>
+          <a:fontRef idx="minor">
+            <a:schemeClr val="lt1"/>
+          </a:fontRef>
+        </p:style>
+        <p:txBody>
+          <a:bodyPr rtlCol="0" anchor="t"/>
+          <a:lstStyle/>
+          <a:p>
+            <a:r>
+              <a:rPr lang="en-US" sz="2200" dirty="0" smtClean="0">
+                <a:solidFill>
+                  <a:srgbClr val="F8F8F8"/>
+                </a:solidFill>
+              </a:rPr>
+              <a:t>  </a:t>
+            </a:r>
+          </a:p>
+          <a:p>
+            <a:r>
+              <a:rPr lang="en-US" sz="2200" dirty="0">
+                <a:solidFill>
+                  <a:srgbClr val="F8F8F8"/>
+                </a:solidFill>
+              </a:rPr>
+              <a:t> </a:t>
+            </a:r>
+          </a:p>
+        </p:txBody>
+      </p:sp>
+      <p:sp>
+        <p:nvSpPr>
           <p:cNvPr id="5" name="Rectangle 4"/>
           <p:cNvSpPr/>
           <p:nvPr/>
@@ -3127,7 +3108,11 @@
           <a:lstStyle/>
           <a:p>
             <a:pPr algn="ctr"/>
-            <a:endParaRPr lang="en-US" dirty="0"/>
+            <a:endParaRPr lang="en-US" sz="2200" dirty="0">
+              <a:solidFill>
+                <a:srgbClr val="F8F8F8"/>
+              </a:solidFill>
+            </a:endParaRPr>
           </a:p>
         </p:txBody>
       </p:sp>
@@ -3172,7 +3157,11 @@
           <a:lstStyle/>
           <a:p>
             <a:pPr algn="ctr"/>
-            <a:endParaRPr lang="en-US" sz="2200" dirty="0"/>
+            <a:endParaRPr lang="en-US" sz="2200">
+              <a:solidFill>
+                <a:srgbClr val="F8F8F8"/>
+              </a:solidFill>
+            </a:endParaRPr>
           </a:p>
         </p:txBody>
       </p:sp>
@@ -3269,88 +3258,10 @@
           </a:p>
         </p:txBody>
       </p:sp>
-      <p:sp>
-        <p:nvSpPr>
-          <p:cNvPr id="12" name="Rectangle 11"/>
-          <p:cNvSpPr/>
-          <p:nvPr/>
-        </p:nvSpPr>
-        <p:spPr>
-          <a:xfrm>
-            <a:off x="512064" y="2723877"/>
-            <a:ext cx="2150017" cy="3058909"/>
-          </a:xfrm>
-          <a:prstGeom prst="rect">
-            <a:avLst/>
-          </a:prstGeom>
-          <a:solidFill>
-            <a:srgbClr val="00A9B9"/>
-          </a:solidFill>
-          <a:ln>
-            <a:noFill/>
-          </a:ln>
-          <a:effectLst/>
-        </p:spPr>
-        <p:style>
-          <a:lnRef idx="1">
-            <a:schemeClr val="accent1"/>
-          </a:lnRef>
-          <a:fillRef idx="3">
-            <a:schemeClr val="accent1"/>
-          </a:fillRef>
-          <a:effectRef idx="2">
-            <a:schemeClr val="accent1"/>
-          </a:effectRef>
-          <a:fontRef idx="minor">
-            <a:schemeClr val="lt1"/>
-          </a:fontRef>
-        </p:style>
-        <p:txBody>
-          <a:bodyPr rtlCol="0" anchor="t"/>
-          <a:lstStyle/>
-          <a:p>
-            <a:r>
-              <a:rPr lang="en-US" sz="2200" dirty="0" smtClean="0">
-                <a:solidFill>
-                  <a:schemeClr val="accent1"/>
-                </a:solidFill>
-              </a:rPr>
-              <a:t> </a:t>
-            </a:r>
-            <a:endParaRPr lang="en-US" sz="2200" dirty="0">
-              <a:solidFill>
-                <a:schemeClr val="accent1"/>
-              </a:solidFill>
-            </a:endParaRPr>
-          </a:p>
-          <a:p>
-            <a:pPr marL="111125"/>
-            <a:r>
-              <a:rPr lang="en-US" sz="2200" dirty="0" smtClean="0">
-                <a:solidFill>
-                  <a:schemeClr val="accent1"/>
-                </a:solidFill>
-              </a:rPr>
-              <a:t>Data &amp;</a:t>
-            </a:r>
-          </a:p>
-          <a:p>
-            <a:pPr marL="111125"/>
-            <a:r>
-              <a:rPr lang="en-US" sz="2200" dirty="0" smtClean="0">
-                <a:solidFill>
-                  <a:schemeClr val="accent1"/>
-                </a:solidFill>
-              </a:rPr>
-              <a:t>Business logic</a:t>
-            </a:r>
-          </a:p>
-        </p:txBody>
-      </p:sp>
     </p:spTree>
     <p:extLst>
       <p:ext uri="{BB962C8B-B14F-4D97-AF65-F5344CB8AC3E}">
-        <p14:creationId xmlns:p14="http://schemas.microsoft.com/office/powerpoint/2010/main" val="2582257191"/>
+        <p14:creationId xmlns:p14="http://schemas.microsoft.com/office/powerpoint/2010/main" val="4010566210"/>
       </p:ext>
     </p:extLst>
   </p:cSld>
@@ -3689,62 +3600,12 @@
               <a:t>Business logic</a:t>
             </a:r>
           </a:p>
-          <a:p>
-            <a:pPr marL="111125"/>
-            <a:endParaRPr lang="en-US" sz="2200" dirty="0">
-              <a:solidFill>
-                <a:schemeClr val="accent1"/>
-              </a:solidFill>
-            </a:endParaRPr>
-          </a:p>
-          <a:p>
-            <a:pPr marL="342900" indent="-231775" defTabSz="349250">
-              <a:buFont typeface="Arial"/>
-              <a:buChar char="•"/>
-            </a:pPr>
-            <a:r>
-              <a:rPr lang="en-US" sz="2200" dirty="0" smtClean="0">
-                <a:solidFill>
-                  <a:schemeClr val="accent1"/>
-                </a:solidFill>
-              </a:rPr>
-              <a:t>classes</a:t>
-            </a:r>
-          </a:p>
-          <a:p>
-            <a:pPr marL="342900" indent="-231775" defTabSz="349250">
-              <a:buFont typeface="Arial"/>
-              <a:buChar char="•"/>
-            </a:pPr>
-            <a:r>
-              <a:rPr lang="en-US" sz="2200" dirty="0" smtClean="0">
-                <a:solidFill>
-                  <a:schemeClr val="accent1"/>
-                </a:solidFill>
-              </a:rPr>
-              <a:t>modules</a:t>
-            </a:r>
-          </a:p>
-          <a:p>
-            <a:pPr marL="342900" indent="-231775" defTabSz="349250">
-              <a:buFont typeface="Arial"/>
-              <a:buChar char="•"/>
-            </a:pPr>
-            <a:r>
-              <a:rPr lang="en-US" sz="2200" dirty="0" smtClean="0">
-                <a:solidFill>
-                  <a:schemeClr val="accent1"/>
-                </a:solidFill>
-              </a:rPr>
-              <a:t>databases</a:t>
-            </a:r>
-          </a:p>
         </p:txBody>
       </p:sp>
     </p:spTree>
     <p:extLst>
       <p:ext uri="{BB962C8B-B14F-4D97-AF65-F5344CB8AC3E}">
-        <p14:creationId xmlns:p14="http://schemas.microsoft.com/office/powerpoint/2010/main" val="1826671997"/>
+        <p14:creationId xmlns:p14="http://schemas.microsoft.com/office/powerpoint/2010/main" val="2582257191"/>
       </p:ext>
     </p:extLst>
   </p:cSld>
@@ -3861,14 +3722,11 @@
           </a:fontRef>
         </p:style>
         <p:txBody>
-          <a:bodyPr rtlCol="0" anchor="t"/>
-          <a:lstStyle/>
-          <a:p>
-            <a:endParaRPr lang="en-US" sz="2200" dirty="0">
-              <a:solidFill>
-                <a:srgbClr val="F8F8F8"/>
-              </a:solidFill>
-            </a:endParaRPr>
+          <a:bodyPr rtlCol="0" anchor="ctr"/>
+          <a:lstStyle/>
+          <a:p>
+            <a:pPr algn="ctr"/>
+            <a:endParaRPr lang="en-US" dirty="0"/>
           </a:p>
         </p:txBody>
       </p:sp>
@@ -3909,40 +3767,11 @@
           </a:fontRef>
         </p:style>
         <p:txBody>
-          <a:bodyPr rtlCol="0" anchor="t"/>
-          <a:lstStyle/>
-          <a:p>
-            <a:r>
-              <a:rPr lang="en-US" sz="2200" dirty="0" smtClean="0">
-                <a:solidFill>
-                  <a:srgbClr val="F8F8F8"/>
-                </a:solidFill>
-              </a:rPr>
-              <a:t>  </a:t>
-            </a:r>
-          </a:p>
-          <a:p>
-            <a:r>
-              <a:rPr lang="en-US" sz="2200" dirty="0">
-                <a:solidFill>
-                  <a:srgbClr val="F8F8F8"/>
-                </a:solidFill>
-              </a:rPr>
-              <a:t> </a:t>
-            </a:r>
-            <a:r>
-              <a:rPr lang="en-US" sz="2200" dirty="0" smtClean="0">
-                <a:solidFill>
-                  <a:srgbClr val="F8F8F8"/>
-                </a:solidFill>
-              </a:rPr>
-              <a:t> User interface</a:t>
-            </a:r>
-            <a:endParaRPr lang="en-US" sz="2200" dirty="0">
-              <a:solidFill>
-                <a:srgbClr val="F8F8F8"/>
-              </a:solidFill>
-            </a:endParaRPr>
+          <a:bodyPr rtlCol="0" anchor="ctr"/>
+          <a:lstStyle/>
+          <a:p>
+            <a:pPr algn="ctr"/>
+            <a:endParaRPr lang="en-US" sz="2200" dirty="0"/>
           </a:p>
         </p:txBody>
       </p:sp>
@@ -4041,7 +3870,7 @@
       </p:sp>
       <p:sp>
         <p:nvSpPr>
-          <p:cNvPr id="14" name="Rectangle 13"/>
+          <p:cNvPr id="12" name="Rectangle 11"/>
           <p:cNvSpPr/>
           <p:nvPr/>
         </p:nvSpPr>
@@ -4170,7 +3999,7 @@
     </p:spTree>
     <p:extLst>
       <p:ext uri="{BB962C8B-B14F-4D97-AF65-F5344CB8AC3E}">
-        <p14:creationId xmlns:p14="http://schemas.microsoft.com/office/powerpoint/2010/main" val="410750837"/>
+        <p14:creationId xmlns:p14="http://schemas.microsoft.com/office/powerpoint/2010/main" val="1826671997"/>
       </p:ext>
     </p:extLst>
   </p:cSld>
@@ -4290,7 +4119,7 @@
           <a:bodyPr rtlCol="0" anchor="t"/>
           <a:lstStyle/>
           <a:p>
-            <a:endParaRPr lang="en-US" sz="2200" dirty="0" smtClean="0">
+            <a:endParaRPr lang="en-US" sz="2200" dirty="0">
               <a:solidFill>
                 <a:srgbClr val="F8F8F8"/>
               </a:solidFill>
@@ -4338,95 +4167,38 @@
           <a:bodyPr rtlCol="0" anchor="t"/>
           <a:lstStyle/>
           <a:p>
-            <a:pPr marL="111125"/>
-            <a:endParaRPr lang="en-US" sz="2200" dirty="0" smtClean="0">
-              <a:solidFill>
-                <a:srgbClr val="F8F8F8"/>
-              </a:solidFill>
-            </a:endParaRPr>
-          </a:p>
-          <a:p>
-            <a:pPr marL="111125"/>
             <a:r>
               <a:rPr lang="en-US" sz="2200" dirty="0" smtClean="0">
                 <a:solidFill>
                   <a:srgbClr val="F8F8F8"/>
                 </a:solidFill>
               </a:rPr>
-              <a:t>User interface</a:t>
-            </a:r>
-          </a:p>
-          <a:p>
-            <a:pPr marL="111125"/>
+              <a:t>  </a:t>
+            </a:r>
+          </a:p>
+          <a:p>
+            <a:r>
+              <a:rPr lang="en-US" sz="2200" dirty="0">
+                <a:solidFill>
+                  <a:srgbClr val="F8F8F8"/>
+                </a:solidFill>
+              </a:rPr>
+              <a:t> </a:t>
+            </a:r>
+            <a:r>
+              <a:rPr lang="en-US" sz="2200" dirty="0" smtClean="0">
+                <a:solidFill>
+                  <a:srgbClr val="F8F8F8"/>
+                </a:solidFill>
+              </a:rPr>
+              <a:t> User interface</a:t>
+            </a:r>
             <a:endParaRPr lang="en-US" sz="2200" dirty="0">
               <a:solidFill>
                 <a:srgbClr val="F8F8F8"/>
               </a:solidFill>
             </a:endParaRPr>
           </a:p>
-          <a:p>
-            <a:pPr marL="111125"/>
-            <a:endParaRPr lang="en-US" sz="2200" dirty="0" smtClean="0">
-              <a:solidFill>
-                <a:srgbClr val="F8F8F8"/>
-              </a:solidFill>
-            </a:endParaRPr>
-          </a:p>
-          <a:p>
-            <a:pPr marL="454025" indent="-342900">
-              <a:buFont typeface="Arial"/>
-              <a:buChar char="•"/>
-            </a:pPr>
-            <a:r>
-              <a:rPr lang="en-US" sz="2200" dirty="0" smtClean="0">
-                <a:solidFill>
-                  <a:srgbClr val="F8F8F8"/>
-                </a:solidFill>
-              </a:rPr>
-              <a:t>get input</a:t>
-            </a:r>
-          </a:p>
-          <a:p>
-            <a:pPr marL="454025" indent="-342900">
-              <a:buFont typeface="Arial"/>
-              <a:buChar char="•"/>
-            </a:pPr>
-            <a:r>
-              <a:rPr lang="en-US" sz="2200" dirty="0" smtClean="0">
-                <a:solidFill>
-                  <a:srgbClr val="F8F8F8"/>
-                </a:solidFill>
-              </a:rPr>
-              <a:t>display data from </a:t>
-            </a:r>
-            <a:r>
-              <a:rPr lang="en-US" sz="2200" dirty="0" smtClean="0">
-                <a:solidFill>
-                  <a:srgbClr val="F8F8F8"/>
-                </a:solidFill>
-              </a:rPr>
-              <a:t>model</a:t>
-            </a:r>
-          </a:p>
-          <a:p>
-            <a:pPr marL="454025" indent="-342900">
-              <a:buFont typeface="Arial"/>
-              <a:buChar char="•"/>
-            </a:pPr>
-            <a:r>
-              <a:rPr lang="en-US" sz="2200" dirty="0" smtClean="0">
-                <a:solidFill>
-                  <a:srgbClr val="F8F8F8"/>
-                </a:solidFill>
-              </a:rPr>
-              <a:t>HTML</a:t>
-            </a:r>
-            <a:endParaRPr lang="en-US" sz="2200" dirty="0">
-              <a:solidFill>
-                <a:srgbClr val="F8F8F8"/>
-              </a:solidFill>
-            </a:endParaRPr>
-          </a:p>
         </p:txBody>
       </p:sp>
       <p:sp>
@@ -4524,7 +4296,7 @@
       </p:sp>
       <p:sp>
         <p:nvSpPr>
-          <p:cNvPr id="12" name="Rectangle 11"/>
+          <p:cNvPr id="14" name="Rectangle 13"/>
           <p:cNvSpPr/>
           <p:nvPr/>
         </p:nvSpPr>
@@ -4653,7 +4425,7 @@
     </p:spTree>
     <p:extLst>
       <p:ext uri="{BB962C8B-B14F-4D97-AF65-F5344CB8AC3E}">
-        <p14:creationId xmlns:p14="http://schemas.microsoft.com/office/powerpoint/2010/main" val="507295854"/>
+        <p14:creationId xmlns:p14="http://schemas.microsoft.com/office/powerpoint/2010/main" val="410750837"/>
       </p:ext>
     </p:extLst>
   </p:cSld>
@@ -4773,23 +4545,11 @@
           <a:bodyPr rtlCol="0" anchor="t"/>
           <a:lstStyle/>
           <a:p>
-            <a:pPr marL="111125"/>
             <a:endParaRPr lang="en-US" sz="2200" dirty="0" smtClean="0">
               <a:solidFill>
                 <a:srgbClr val="F8F8F8"/>
               </a:solidFill>
             </a:endParaRPr>
-          </a:p>
-          <a:p>
-            <a:pPr marL="111125"/>
-            <a:r>
-              <a:rPr lang="en-US" sz="2200" dirty="0" smtClean="0">
-                <a:solidFill>
-                  <a:srgbClr val="F8F8F8"/>
-                </a:solidFill>
-              </a:rPr>
-              <a:t>Communicate</a:t>
-            </a:r>
           </a:p>
         </p:txBody>
       </p:sp>
@@ -4892,15 +4652,7 @@
                   <a:srgbClr val="F8F8F8"/>
                 </a:solidFill>
               </a:rPr>
-              <a:t>display data from </a:t>
-            </a:r>
-            <a:r>
-              <a:rPr lang="en-US" sz="2200" dirty="0" smtClean="0">
-                <a:solidFill>
-                  <a:srgbClr val="F8F8F8"/>
-                </a:solidFill>
-              </a:rPr>
-              <a:t>model</a:t>
+              <a:t>display data from model</a:t>
             </a:r>
           </a:p>
           <a:p>
@@ -5148,7 +4900,7 @@
     </p:spTree>
     <p:extLst>
       <p:ext uri="{BB962C8B-B14F-4D97-AF65-F5344CB8AC3E}">
-        <p14:creationId xmlns:p14="http://schemas.microsoft.com/office/powerpoint/2010/main" val="1876545635"/>
+        <p14:creationId xmlns:p14="http://schemas.microsoft.com/office/powerpoint/2010/main" val="507295854"/>
       </p:ext>
     </p:extLst>
   </p:cSld>
@@ -5286,64 +5038,6 @@
               <a:t>Communicate</a:t>
             </a:r>
           </a:p>
-          <a:p>
-            <a:pPr marL="111125"/>
-            <a:endParaRPr lang="en-US" sz="2200" dirty="0" smtClean="0">
-              <a:solidFill>
-                <a:srgbClr val="F8F8F8"/>
-              </a:solidFill>
-            </a:endParaRPr>
-          </a:p>
-          <a:p>
-            <a:pPr marL="111125"/>
-            <a:endParaRPr lang="en-US" sz="2200" dirty="0">
-              <a:solidFill>
-                <a:srgbClr val="F8F8F8"/>
-              </a:solidFill>
-            </a:endParaRPr>
-          </a:p>
-          <a:p>
-            <a:pPr marL="295275" indent="-184150" defTabSz="349250">
-              <a:buFont typeface="Arial"/>
-              <a:buChar char="•"/>
-            </a:pPr>
-            <a:r>
-              <a:rPr lang="en-US" sz="2200" dirty="0" smtClean="0">
-                <a:solidFill>
-                  <a:srgbClr val="F8F8F8"/>
-                </a:solidFill>
-              </a:rPr>
-              <a:t>handle input</a:t>
-            </a:r>
-          </a:p>
-          <a:p>
-            <a:pPr marL="295275" indent="-184150">
-              <a:buFont typeface="Arial"/>
-              <a:buChar char="•"/>
-            </a:pPr>
-            <a:r>
-              <a:rPr lang="en-US" sz="2200" dirty="0" smtClean="0">
-                <a:solidFill>
-                  <a:srgbClr val="F8F8F8"/>
-                </a:solidFill>
-              </a:rPr>
-              <a:t>update model</a:t>
-            </a:r>
-          </a:p>
-          <a:p>
-            <a:pPr marL="295275" indent="-184150">
-              <a:buFont typeface="Arial"/>
-              <a:buChar char="•"/>
-            </a:pPr>
-            <a:r>
-              <a:rPr lang="en-US" sz="2200" dirty="0" smtClean="0">
-                <a:solidFill>
-                  <a:srgbClr val="F8F8F8"/>
-                </a:solidFill>
-              </a:rPr>
-              <a:t>send data to view</a:t>
-            </a:r>
-          </a:p>
         </p:txBody>
       </p:sp>
       <p:sp>
@@ -5445,15 +5139,7 @@
                   <a:srgbClr val="F8F8F8"/>
                 </a:solidFill>
               </a:rPr>
-              <a:t>display data from </a:t>
-            </a:r>
-            <a:r>
-              <a:rPr lang="en-US" sz="2200" dirty="0" smtClean="0">
-                <a:solidFill>
-                  <a:srgbClr val="F8F8F8"/>
-                </a:solidFill>
-              </a:rPr>
-              <a:t>model</a:t>
+              <a:t>display data from model</a:t>
             </a:r>
           </a:p>
           <a:p>
@@ -5701,7 +5387,7 @@
     </p:spTree>
     <p:extLst>
       <p:ext uri="{BB962C8B-B14F-4D97-AF65-F5344CB8AC3E}">
-        <p14:creationId xmlns:p14="http://schemas.microsoft.com/office/powerpoint/2010/main" val="1909170375"/>
+        <p14:creationId xmlns:p14="http://schemas.microsoft.com/office/powerpoint/2010/main" val="1876545635"/>
       </p:ext>
     </p:extLst>
   </p:cSld>
@@ -5766,16 +5452,8 @@
               <a:t>MVC code pattern makes it super easy for you to follow other </a:t>
             </a:r>
             <a:r>
-              <a:rPr lang="en-US" sz="3400" dirty="0" err="1"/>
-              <a:t>D</a:t>
-            </a:r>
-            <a:r>
-              <a:rPr lang="en-US" sz="3400" dirty="0" err="1" smtClean="0"/>
-              <a:t>ev’s</a:t>
-            </a:r>
-            <a:r>
               <a:rPr lang="en-US" sz="3400" dirty="0" smtClean="0"/>
-              <a:t> </a:t>
+              <a:t>Developers </a:t>
             </a:r>
             <a:r>
               <a:rPr lang="en-US" sz="3400" dirty="0" smtClean="0"/>
@@ -5867,30 +5545,7 @@
           <a:p>
             <a:r>
               <a:rPr lang="en-US" dirty="0" smtClean="0"/>
-              <a:t>M-V-C TODO's</a:t>
-            </a:r>
-            <a:endParaRPr lang="en-US" dirty="0"/>
-          </a:p>
-        </p:txBody>
-      </p:sp>
-      <p:sp>
-        <p:nvSpPr>
-          <p:cNvPr id="4" name="Content Placeholder 3"/>
-          <p:cNvSpPr>
-            <a:spLocks noGrp="1"/>
-          </p:cNvSpPr>
-          <p:nvPr>
-            <p:ph idx="1"/>
-          </p:nvPr>
-        </p:nvSpPr>
-        <p:spPr/>
-        <p:txBody>
-          <a:bodyPr/>
-          <a:lstStyle/>
-          <a:p>
-            <a:r>
-              <a:rPr lang="en-US" dirty="0" smtClean="0"/>
-              <a:t>How would TODO's look following the M-V-C pattern?</a:t>
+              <a:t>M-V-C Design Pattern</a:t>
             </a:r>
             <a:endParaRPr lang="en-US" dirty="0"/>
           </a:p>
@@ -5919,10 +5574,472 @@
           </a:p>
         </p:txBody>
       </p:sp>
+      <p:sp>
+        <p:nvSpPr>
+          <p:cNvPr id="5" name="Rectangle 4"/>
+          <p:cNvSpPr/>
+          <p:nvPr/>
+        </p:nvSpPr>
+        <p:spPr>
+          <a:xfrm>
+            <a:off x="3493911" y="2668662"/>
+            <a:ext cx="2150017" cy="3058909"/>
+          </a:xfrm>
+          <a:prstGeom prst="rect">
+            <a:avLst/>
+          </a:prstGeom>
+          <a:solidFill>
+            <a:srgbClr val="EA4A3C"/>
+          </a:solidFill>
+          <a:ln>
+            <a:noFill/>
+          </a:ln>
+          <a:effectLst/>
+        </p:spPr>
+        <p:style>
+          <a:lnRef idx="1">
+            <a:schemeClr val="accent1"/>
+          </a:lnRef>
+          <a:fillRef idx="3">
+            <a:schemeClr val="accent1"/>
+          </a:fillRef>
+          <a:effectRef idx="2">
+            <a:schemeClr val="accent1"/>
+          </a:effectRef>
+          <a:fontRef idx="minor">
+            <a:schemeClr val="lt1"/>
+          </a:fontRef>
+        </p:style>
+        <p:txBody>
+          <a:bodyPr rtlCol="0" anchor="t"/>
+          <a:lstStyle/>
+          <a:p>
+            <a:pPr marL="111125"/>
+            <a:endParaRPr lang="en-US" sz="2200" dirty="0" smtClean="0">
+              <a:solidFill>
+                <a:srgbClr val="F8F8F8"/>
+              </a:solidFill>
+            </a:endParaRPr>
+          </a:p>
+          <a:p>
+            <a:pPr marL="111125"/>
+            <a:r>
+              <a:rPr lang="en-US" sz="2200" dirty="0" smtClean="0">
+                <a:solidFill>
+                  <a:srgbClr val="F8F8F8"/>
+                </a:solidFill>
+              </a:rPr>
+              <a:t>Communicate</a:t>
+            </a:r>
+          </a:p>
+          <a:p>
+            <a:pPr marL="111125"/>
+            <a:endParaRPr lang="en-US" sz="2200" dirty="0" smtClean="0">
+              <a:solidFill>
+                <a:srgbClr val="F8F8F8"/>
+              </a:solidFill>
+            </a:endParaRPr>
+          </a:p>
+          <a:p>
+            <a:pPr marL="111125"/>
+            <a:endParaRPr lang="en-US" sz="2200" dirty="0">
+              <a:solidFill>
+                <a:srgbClr val="F8F8F8"/>
+              </a:solidFill>
+            </a:endParaRPr>
+          </a:p>
+          <a:p>
+            <a:pPr marL="295275" indent="-184150" defTabSz="349250">
+              <a:buFont typeface="Arial"/>
+              <a:buChar char="•"/>
+            </a:pPr>
+            <a:r>
+              <a:rPr lang="en-US" sz="2200" dirty="0" smtClean="0">
+                <a:solidFill>
+                  <a:srgbClr val="F8F8F8"/>
+                </a:solidFill>
+              </a:rPr>
+              <a:t>handle input</a:t>
+            </a:r>
+          </a:p>
+          <a:p>
+            <a:pPr marL="295275" indent="-184150">
+              <a:buFont typeface="Arial"/>
+              <a:buChar char="•"/>
+            </a:pPr>
+            <a:r>
+              <a:rPr lang="en-US" sz="2200" dirty="0" smtClean="0">
+                <a:solidFill>
+                  <a:srgbClr val="F8F8F8"/>
+                </a:solidFill>
+              </a:rPr>
+              <a:t>update model</a:t>
+            </a:r>
+          </a:p>
+          <a:p>
+            <a:pPr marL="295275" indent="-184150">
+              <a:buFont typeface="Arial"/>
+              <a:buChar char="•"/>
+            </a:pPr>
+            <a:r>
+              <a:rPr lang="en-US" sz="2200" dirty="0" smtClean="0">
+                <a:solidFill>
+                  <a:srgbClr val="F8F8F8"/>
+                </a:solidFill>
+              </a:rPr>
+              <a:t>send data to view</a:t>
+            </a:r>
+          </a:p>
+        </p:txBody>
+      </p:sp>
+      <p:sp>
+        <p:nvSpPr>
+          <p:cNvPr id="6" name="Rectangle 5"/>
+          <p:cNvSpPr/>
+          <p:nvPr/>
+        </p:nvSpPr>
+        <p:spPr>
+          <a:xfrm>
+            <a:off x="6536783" y="2723877"/>
+            <a:ext cx="2150017" cy="3058909"/>
+          </a:xfrm>
+          <a:prstGeom prst="rect">
+            <a:avLst/>
+          </a:prstGeom>
+          <a:solidFill>
+            <a:schemeClr val="accent6"/>
+          </a:solidFill>
+          <a:ln>
+            <a:noFill/>
+          </a:ln>
+          <a:effectLst/>
+        </p:spPr>
+        <p:style>
+          <a:lnRef idx="1">
+            <a:schemeClr val="accent1"/>
+          </a:lnRef>
+          <a:fillRef idx="3">
+            <a:schemeClr val="accent1"/>
+          </a:fillRef>
+          <a:effectRef idx="2">
+            <a:schemeClr val="accent1"/>
+          </a:effectRef>
+          <a:fontRef idx="minor">
+            <a:schemeClr val="lt1"/>
+          </a:fontRef>
+        </p:style>
+        <p:txBody>
+          <a:bodyPr rtlCol="0" anchor="t"/>
+          <a:lstStyle/>
+          <a:p>
+            <a:pPr marL="111125"/>
+            <a:endParaRPr lang="en-US" sz="2200" dirty="0" smtClean="0">
+              <a:solidFill>
+                <a:srgbClr val="F8F8F8"/>
+              </a:solidFill>
+            </a:endParaRPr>
+          </a:p>
+          <a:p>
+            <a:pPr marL="111125"/>
+            <a:r>
+              <a:rPr lang="en-US" sz="2200" dirty="0" smtClean="0">
+                <a:solidFill>
+                  <a:srgbClr val="F8F8F8"/>
+                </a:solidFill>
+              </a:rPr>
+              <a:t>User interface</a:t>
+            </a:r>
+          </a:p>
+          <a:p>
+            <a:pPr marL="111125"/>
+            <a:endParaRPr lang="en-US" sz="2200" dirty="0">
+              <a:solidFill>
+                <a:srgbClr val="F8F8F8"/>
+              </a:solidFill>
+            </a:endParaRPr>
+          </a:p>
+          <a:p>
+            <a:pPr marL="111125"/>
+            <a:endParaRPr lang="en-US" sz="2200" dirty="0" smtClean="0">
+              <a:solidFill>
+                <a:srgbClr val="F8F8F8"/>
+              </a:solidFill>
+            </a:endParaRPr>
+          </a:p>
+          <a:p>
+            <a:pPr marL="454025" indent="-342900">
+              <a:buFont typeface="Arial"/>
+              <a:buChar char="•"/>
+            </a:pPr>
+            <a:r>
+              <a:rPr lang="en-US" sz="2200" dirty="0" smtClean="0">
+                <a:solidFill>
+                  <a:srgbClr val="F8F8F8"/>
+                </a:solidFill>
+              </a:rPr>
+              <a:t>get input</a:t>
+            </a:r>
+          </a:p>
+          <a:p>
+            <a:pPr marL="454025" indent="-342900">
+              <a:buFont typeface="Arial"/>
+              <a:buChar char="•"/>
+            </a:pPr>
+            <a:r>
+              <a:rPr lang="en-US" sz="2200" dirty="0" smtClean="0">
+                <a:solidFill>
+                  <a:srgbClr val="F8F8F8"/>
+                </a:solidFill>
+              </a:rPr>
+              <a:t>display data from model</a:t>
+            </a:r>
+          </a:p>
+          <a:p>
+            <a:pPr marL="454025" indent="-342900">
+              <a:buFont typeface="Arial"/>
+              <a:buChar char="•"/>
+            </a:pPr>
+            <a:r>
+              <a:rPr lang="en-US" sz="2200" dirty="0" smtClean="0">
+                <a:solidFill>
+                  <a:srgbClr val="F8F8F8"/>
+                </a:solidFill>
+              </a:rPr>
+              <a:t>HTML</a:t>
+            </a:r>
+            <a:endParaRPr lang="en-US" sz="2200" dirty="0">
+              <a:solidFill>
+                <a:srgbClr val="F8F8F8"/>
+              </a:solidFill>
+            </a:endParaRPr>
+          </a:p>
+        </p:txBody>
+      </p:sp>
+      <p:sp>
+        <p:nvSpPr>
+          <p:cNvPr id="8" name="TextBox 7"/>
+          <p:cNvSpPr txBox="1"/>
+          <p:nvPr/>
+        </p:nvSpPr>
+        <p:spPr>
+          <a:xfrm>
+            <a:off x="457200" y="1865376"/>
+            <a:ext cx="2204881" cy="584776"/>
+          </a:xfrm>
+          <a:prstGeom prst="rect">
+            <a:avLst/>
+          </a:prstGeom>
+          <a:noFill/>
+        </p:spPr>
+        <p:txBody>
+          <a:bodyPr wrap="square" rtlCol="0">
+            <a:spAutoFit/>
+          </a:bodyPr>
+          <a:lstStyle/>
+          <a:p>
+            <a:pPr algn="ctr"/>
+            <a:r>
+              <a:rPr lang="en-US" sz="3200" dirty="0" smtClean="0"/>
+              <a:t>Model</a:t>
+            </a:r>
+            <a:endParaRPr lang="en-US" sz="3200" dirty="0"/>
+          </a:p>
+        </p:txBody>
+      </p:sp>
+      <p:sp>
+        <p:nvSpPr>
+          <p:cNvPr id="10" name="TextBox 9"/>
+          <p:cNvSpPr txBox="1"/>
+          <p:nvPr/>
+        </p:nvSpPr>
+        <p:spPr>
+          <a:xfrm>
+            <a:off x="3493911" y="1865376"/>
+            <a:ext cx="2204881" cy="584776"/>
+          </a:xfrm>
+          <a:prstGeom prst="rect">
+            <a:avLst/>
+          </a:prstGeom>
+          <a:noFill/>
+        </p:spPr>
+        <p:txBody>
+          <a:bodyPr wrap="square" rtlCol="0">
+            <a:spAutoFit/>
+          </a:bodyPr>
+          <a:lstStyle/>
+          <a:p>
+            <a:pPr algn="ctr"/>
+            <a:r>
+              <a:rPr lang="en-US" sz="3200" dirty="0" smtClean="0"/>
+              <a:t>Controller</a:t>
+            </a:r>
+            <a:endParaRPr lang="en-US" sz="3200" dirty="0"/>
+          </a:p>
+        </p:txBody>
+      </p:sp>
+      <p:sp>
+        <p:nvSpPr>
+          <p:cNvPr id="11" name="TextBox 10"/>
+          <p:cNvSpPr txBox="1"/>
+          <p:nvPr/>
+        </p:nvSpPr>
+        <p:spPr>
+          <a:xfrm>
+            <a:off x="6536783" y="1865376"/>
+            <a:ext cx="2204881" cy="584776"/>
+          </a:xfrm>
+          <a:prstGeom prst="rect">
+            <a:avLst/>
+          </a:prstGeom>
+          <a:noFill/>
+        </p:spPr>
+        <p:txBody>
+          <a:bodyPr wrap="square" rtlCol="0">
+            <a:spAutoFit/>
+          </a:bodyPr>
+          <a:lstStyle/>
+          <a:p>
+            <a:pPr algn="ctr"/>
+            <a:r>
+              <a:rPr lang="en-US" sz="3200" dirty="0" smtClean="0"/>
+              <a:t>View</a:t>
+            </a:r>
+            <a:endParaRPr lang="en-US" sz="3200" dirty="0"/>
+          </a:p>
+        </p:txBody>
+      </p:sp>
+      <p:sp>
+        <p:nvSpPr>
+          <p:cNvPr id="12" name="Rectangle 11"/>
+          <p:cNvSpPr/>
+          <p:nvPr/>
+        </p:nvSpPr>
+        <p:spPr>
+          <a:xfrm>
+            <a:off x="512064" y="2723877"/>
+            <a:ext cx="2150017" cy="3058909"/>
+          </a:xfrm>
+          <a:prstGeom prst="rect">
+            <a:avLst/>
+          </a:prstGeom>
+          <a:solidFill>
+            <a:srgbClr val="00A9B9"/>
+          </a:solidFill>
+          <a:ln>
+            <a:noFill/>
+          </a:ln>
+          <a:effectLst/>
+        </p:spPr>
+        <p:style>
+          <a:lnRef idx="1">
+            <a:schemeClr val="accent1"/>
+          </a:lnRef>
+          <a:fillRef idx="3">
+            <a:schemeClr val="accent1"/>
+          </a:fillRef>
+          <a:effectRef idx="2">
+            <a:schemeClr val="accent1"/>
+          </a:effectRef>
+          <a:fontRef idx="minor">
+            <a:schemeClr val="lt1"/>
+          </a:fontRef>
+        </p:style>
+        <p:txBody>
+          <a:bodyPr rtlCol="0" anchor="t"/>
+          <a:lstStyle/>
+          <a:p>
+            <a:r>
+              <a:rPr lang="en-US" sz="2200" dirty="0" smtClean="0">
+                <a:solidFill>
+                  <a:schemeClr val="accent1"/>
+                </a:solidFill>
+              </a:rPr>
+              <a:t> </a:t>
+            </a:r>
+            <a:endParaRPr lang="en-US" sz="2200" dirty="0">
+              <a:solidFill>
+                <a:schemeClr val="accent1"/>
+              </a:solidFill>
+            </a:endParaRPr>
+          </a:p>
+          <a:p>
+            <a:pPr marL="111125"/>
+            <a:r>
+              <a:rPr lang="en-US" sz="2200" dirty="0" smtClean="0">
+                <a:solidFill>
+                  <a:schemeClr val="accent1"/>
+                </a:solidFill>
+              </a:rPr>
+              <a:t>Data &amp;</a:t>
+            </a:r>
+          </a:p>
+          <a:p>
+            <a:pPr marL="111125"/>
+            <a:r>
+              <a:rPr lang="en-US" sz="2200" dirty="0" smtClean="0">
+                <a:solidFill>
+                  <a:schemeClr val="accent1"/>
+                </a:solidFill>
+              </a:rPr>
+              <a:t>Business logic</a:t>
+            </a:r>
+          </a:p>
+          <a:p>
+            <a:pPr marL="111125"/>
+            <a:endParaRPr lang="en-US" sz="2200" dirty="0">
+              <a:solidFill>
+                <a:schemeClr val="accent1"/>
+              </a:solidFill>
+            </a:endParaRPr>
+          </a:p>
+          <a:p>
+            <a:pPr marL="342900" indent="-231775" defTabSz="349250">
+              <a:buFont typeface="Arial"/>
+              <a:buChar char="•"/>
+            </a:pPr>
+            <a:r>
+              <a:rPr lang="en-US" sz="2200" dirty="0" smtClean="0">
+                <a:solidFill>
+                  <a:schemeClr val="accent1"/>
+                </a:solidFill>
+              </a:rPr>
+              <a:t>classes</a:t>
+            </a:r>
+          </a:p>
+          <a:p>
+            <a:pPr marL="342900" indent="-231775" defTabSz="349250">
+              <a:buFont typeface="Arial"/>
+              <a:buChar char="•"/>
+            </a:pPr>
+            <a:r>
+              <a:rPr lang="en-US" sz="2200" dirty="0" smtClean="0">
+                <a:solidFill>
+                  <a:schemeClr val="accent1"/>
+                </a:solidFill>
+              </a:rPr>
+              <a:t>modules</a:t>
+            </a:r>
+          </a:p>
+          <a:p>
+            <a:pPr marL="342900" indent="-231775" defTabSz="349250">
+              <a:buFont typeface="Arial"/>
+              <a:buChar char="•"/>
+            </a:pPr>
+            <a:r>
+              <a:rPr lang="en-US" sz="2200" dirty="0" smtClean="0">
+                <a:solidFill>
+                  <a:schemeClr val="accent1"/>
+                </a:solidFill>
+              </a:rPr>
+              <a:t>databases</a:t>
+            </a:r>
+          </a:p>
+        </p:txBody>
+      </p:sp>
     </p:spTree>
     <p:extLst>
       <p:ext uri="{BB962C8B-B14F-4D97-AF65-F5344CB8AC3E}">
-        <p14:creationId xmlns:p14="http://schemas.microsoft.com/office/powerpoint/2010/main" val="1729405643"/>
+        <p14:creationId xmlns:p14="http://schemas.microsoft.com/office/powerpoint/2010/main" val="1909170375"/>
       </p:ext>
     </p:extLst>
   </p:cSld>
@@ -5972,12 +6089,31 @@
           <a:lstStyle/>
           <a:p>
             <a:r>
-              <a:rPr lang="en-US" dirty="0"/>
-              <a:t>M-V-C </a:t>
-            </a:r>
-            <a:r>
               <a:rPr lang="en-US" dirty="0" smtClean="0"/>
-              <a:t>TODO's</a:t>
+              <a:t>M-V-C TODO's</a:t>
+            </a:r>
+            <a:endParaRPr lang="en-US" dirty="0"/>
+          </a:p>
+        </p:txBody>
+      </p:sp>
+      <p:sp>
+        <p:nvSpPr>
+          <p:cNvPr id="4" name="Content Placeholder 3"/>
+          <p:cNvSpPr>
+            <a:spLocks noGrp="1"/>
+          </p:cNvSpPr>
+          <p:nvPr>
+            <p:ph idx="1"/>
+          </p:nvPr>
+        </p:nvSpPr>
+        <p:spPr/>
+        <p:txBody>
+          <a:bodyPr/>
+          <a:lstStyle/>
+          <a:p>
+            <a:r>
+              <a:rPr lang="en-US" dirty="0" smtClean="0"/>
+              <a:t>How would TODO's look following the M-V-C pattern?</a:t>
             </a:r>
             <a:endParaRPr lang="en-US" dirty="0"/>
           </a:p>
@@ -6006,341 +6142,10 @@
           </a:p>
         </p:txBody>
       </p:sp>
-      <p:sp>
-        <p:nvSpPr>
-          <p:cNvPr id="4" name="Rectangle 3"/>
-          <p:cNvSpPr/>
-          <p:nvPr/>
-        </p:nvSpPr>
-        <p:spPr>
-          <a:xfrm>
-            <a:off x="512064" y="2723877"/>
-            <a:ext cx="2150017" cy="3058909"/>
-          </a:xfrm>
-          <a:prstGeom prst="rect">
-            <a:avLst/>
-          </a:prstGeom>
-          <a:solidFill>
-            <a:srgbClr val="00A9B9"/>
-          </a:solidFill>
-          <a:ln>
-            <a:noFill/>
-          </a:ln>
-          <a:effectLst/>
-        </p:spPr>
-        <p:style>
-          <a:lnRef idx="1">
-            <a:schemeClr val="accent1"/>
-          </a:lnRef>
-          <a:fillRef idx="3">
-            <a:schemeClr val="accent1"/>
-          </a:fillRef>
-          <a:effectRef idx="2">
-            <a:schemeClr val="accent1"/>
-          </a:effectRef>
-          <a:fontRef idx="minor">
-            <a:schemeClr val="lt1"/>
-          </a:fontRef>
-        </p:style>
-        <p:txBody>
-          <a:bodyPr rtlCol="0" anchor="t"/>
-          <a:lstStyle/>
-          <a:p>
-            <a:r>
-              <a:rPr lang="en-US" sz="2200" dirty="0" smtClean="0">
-                <a:solidFill>
-                  <a:schemeClr val="accent1"/>
-                </a:solidFill>
-              </a:rPr>
-              <a:t> </a:t>
-            </a:r>
-            <a:endParaRPr lang="en-US" sz="2200" dirty="0">
-              <a:solidFill>
-                <a:schemeClr val="accent1"/>
-              </a:solidFill>
-            </a:endParaRPr>
-          </a:p>
-          <a:p>
-            <a:pPr marL="111125"/>
-            <a:r>
-              <a:rPr lang="en-US" sz="2200" dirty="0" smtClean="0">
-                <a:solidFill>
-                  <a:schemeClr val="accent1"/>
-                </a:solidFill>
-              </a:rPr>
-              <a:t>Data &amp;</a:t>
-            </a:r>
-          </a:p>
-          <a:p>
-            <a:pPr marL="111125"/>
-            <a:r>
-              <a:rPr lang="en-US" sz="2200" dirty="0" smtClean="0">
-                <a:solidFill>
-                  <a:schemeClr val="accent1"/>
-                </a:solidFill>
-              </a:rPr>
-              <a:t>Business logic</a:t>
-            </a:r>
-          </a:p>
-          <a:p>
-            <a:pPr marL="111125"/>
-            <a:endParaRPr lang="en-US" sz="2200" dirty="0">
-              <a:solidFill>
-                <a:schemeClr val="accent1"/>
-              </a:solidFill>
-            </a:endParaRPr>
-          </a:p>
-        </p:txBody>
-      </p:sp>
-      <p:sp>
-        <p:nvSpPr>
-          <p:cNvPr id="5" name="Rectangle 4"/>
-          <p:cNvSpPr/>
-          <p:nvPr/>
-        </p:nvSpPr>
-        <p:spPr>
-          <a:xfrm>
-            <a:off x="3493911" y="2668662"/>
-            <a:ext cx="2150017" cy="3058909"/>
-          </a:xfrm>
-          <a:prstGeom prst="rect">
-            <a:avLst/>
-          </a:prstGeom>
-          <a:solidFill>
-            <a:srgbClr val="EA4A3C"/>
-          </a:solidFill>
-          <a:ln>
-            <a:noFill/>
-          </a:ln>
-          <a:effectLst/>
-        </p:spPr>
-        <p:style>
-          <a:lnRef idx="1">
-            <a:schemeClr val="accent1"/>
-          </a:lnRef>
-          <a:fillRef idx="3">
-            <a:schemeClr val="accent1"/>
-          </a:fillRef>
-          <a:effectRef idx="2">
-            <a:schemeClr val="accent1"/>
-          </a:effectRef>
-          <a:fontRef idx="minor">
-            <a:schemeClr val="lt1"/>
-          </a:fontRef>
-        </p:style>
-        <p:txBody>
-          <a:bodyPr rtlCol="0" anchor="t"/>
-          <a:lstStyle/>
-          <a:p>
-            <a:pPr marL="111125"/>
-            <a:endParaRPr lang="en-US" sz="2200" dirty="0" smtClean="0">
-              <a:solidFill>
-                <a:srgbClr val="F8F8F8"/>
-              </a:solidFill>
-            </a:endParaRPr>
-          </a:p>
-          <a:p>
-            <a:pPr marL="111125"/>
-            <a:r>
-              <a:rPr lang="en-US" sz="2200" dirty="0" smtClean="0">
-                <a:solidFill>
-                  <a:srgbClr val="F8F8F8"/>
-                </a:solidFill>
-              </a:rPr>
-              <a:t>Communicate</a:t>
-            </a:r>
-          </a:p>
-          <a:p>
-            <a:pPr marL="111125"/>
-            <a:endParaRPr lang="en-US" sz="2200" dirty="0" smtClean="0">
-              <a:solidFill>
-                <a:srgbClr val="F8F8F8"/>
-              </a:solidFill>
-            </a:endParaRPr>
-          </a:p>
-          <a:p>
-            <a:pPr marL="111125"/>
-            <a:endParaRPr lang="en-US" sz="2200" dirty="0">
-              <a:solidFill>
-                <a:srgbClr val="F8F8F8"/>
-              </a:solidFill>
-            </a:endParaRPr>
-          </a:p>
-        </p:txBody>
-      </p:sp>
-      <p:sp>
-        <p:nvSpPr>
-          <p:cNvPr id="6" name="Rectangle 5"/>
-          <p:cNvSpPr/>
-          <p:nvPr/>
-        </p:nvSpPr>
-        <p:spPr>
-          <a:xfrm>
-            <a:off x="6536783" y="2723877"/>
-            <a:ext cx="2150017" cy="3058909"/>
-          </a:xfrm>
-          <a:prstGeom prst="rect">
-            <a:avLst/>
-          </a:prstGeom>
-          <a:solidFill>
-            <a:schemeClr val="accent6"/>
-          </a:solidFill>
-          <a:ln>
-            <a:noFill/>
-          </a:ln>
-          <a:effectLst/>
-        </p:spPr>
-        <p:style>
-          <a:lnRef idx="1">
-            <a:schemeClr val="accent1"/>
-          </a:lnRef>
-          <a:fillRef idx="3">
-            <a:schemeClr val="accent1"/>
-          </a:fillRef>
-          <a:effectRef idx="2">
-            <a:schemeClr val="accent1"/>
-          </a:effectRef>
-          <a:fontRef idx="minor">
-            <a:schemeClr val="lt1"/>
-          </a:fontRef>
-        </p:style>
-        <p:txBody>
-          <a:bodyPr rtlCol="0" anchor="t"/>
-          <a:lstStyle/>
-          <a:p>
-            <a:pPr marL="111125"/>
-            <a:endParaRPr lang="en-US" sz="2200" dirty="0" smtClean="0">
-              <a:solidFill>
-                <a:srgbClr val="F8F8F8"/>
-              </a:solidFill>
-            </a:endParaRPr>
-          </a:p>
-          <a:p>
-            <a:pPr marL="111125"/>
-            <a:r>
-              <a:rPr lang="en-US" sz="2200" dirty="0" smtClean="0">
-                <a:solidFill>
-                  <a:srgbClr val="F8F8F8"/>
-                </a:solidFill>
-              </a:rPr>
-              <a:t>User interface</a:t>
-            </a:r>
-          </a:p>
-          <a:p>
-            <a:pPr marL="111125"/>
-            <a:endParaRPr lang="en-US" sz="2200" dirty="0">
-              <a:solidFill>
-                <a:srgbClr val="F8F8F8"/>
-              </a:solidFill>
-            </a:endParaRPr>
-          </a:p>
-          <a:p>
-            <a:pPr marL="111125"/>
-            <a:endParaRPr lang="en-US" sz="2200" dirty="0" smtClean="0">
-              <a:solidFill>
-                <a:srgbClr val="F8F8F8"/>
-              </a:solidFill>
-            </a:endParaRPr>
-          </a:p>
-        </p:txBody>
-      </p:sp>
-      <p:sp>
-        <p:nvSpPr>
-          <p:cNvPr id="8" name="TextBox 7"/>
-          <p:cNvSpPr txBox="1"/>
-          <p:nvPr/>
-        </p:nvSpPr>
-        <p:spPr>
-          <a:xfrm>
-            <a:off x="457200" y="1865376"/>
-            <a:ext cx="2204881" cy="584776"/>
-          </a:xfrm>
-          <a:prstGeom prst="rect">
-            <a:avLst/>
-          </a:prstGeom>
-          <a:noFill/>
-        </p:spPr>
-        <p:txBody>
-          <a:bodyPr wrap="square" rtlCol="0">
-            <a:spAutoFit/>
-          </a:bodyPr>
-          <a:lstStyle/>
-          <a:p>
-            <a:pPr algn="ctr"/>
-            <a:r>
-              <a:rPr lang="en-US" sz="3200" dirty="0" smtClean="0"/>
-              <a:t>Model</a:t>
-            </a:r>
-            <a:endParaRPr lang="en-US" sz="3200" dirty="0"/>
-          </a:p>
-        </p:txBody>
-      </p:sp>
-      <p:sp>
-        <p:nvSpPr>
-          <p:cNvPr id="10" name="TextBox 9"/>
-          <p:cNvSpPr txBox="1"/>
-          <p:nvPr/>
-        </p:nvSpPr>
-        <p:spPr>
-          <a:xfrm>
-            <a:off x="3493911" y="1865376"/>
-            <a:ext cx="2204881" cy="584776"/>
-          </a:xfrm>
-          <a:prstGeom prst="rect">
-            <a:avLst/>
-          </a:prstGeom>
-          <a:noFill/>
-        </p:spPr>
-        <p:txBody>
-          <a:bodyPr wrap="square" rtlCol="0">
-            <a:spAutoFit/>
-          </a:bodyPr>
-          <a:lstStyle/>
-          <a:p>
-            <a:pPr algn="ctr"/>
-            <a:r>
-              <a:rPr lang="en-US" sz="3200" dirty="0" smtClean="0"/>
-              <a:t>Controller</a:t>
-            </a:r>
-            <a:endParaRPr lang="en-US" sz="3200" dirty="0"/>
-          </a:p>
-        </p:txBody>
-      </p:sp>
-      <p:sp>
-        <p:nvSpPr>
-          <p:cNvPr id="11" name="TextBox 10"/>
-          <p:cNvSpPr txBox="1"/>
-          <p:nvPr/>
-        </p:nvSpPr>
-        <p:spPr>
-          <a:xfrm>
-            <a:off x="6536783" y="1865376"/>
-            <a:ext cx="2204881" cy="584776"/>
-          </a:xfrm>
-          <a:prstGeom prst="rect">
-            <a:avLst/>
-          </a:prstGeom>
-          <a:noFill/>
-        </p:spPr>
-        <p:txBody>
-          <a:bodyPr wrap="square" rtlCol="0">
-            <a:spAutoFit/>
-          </a:bodyPr>
-          <a:lstStyle/>
-          <a:p>
-            <a:pPr algn="ctr"/>
-            <a:r>
-              <a:rPr lang="en-US" sz="3200" dirty="0" smtClean="0"/>
-              <a:t>View</a:t>
-            </a:r>
-            <a:endParaRPr lang="en-US" sz="3200" dirty="0"/>
-          </a:p>
-        </p:txBody>
-      </p:sp>
     </p:spTree>
     <p:extLst>
       <p:ext uri="{BB962C8B-B14F-4D97-AF65-F5344CB8AC3E}">
-        <p14:creationId xmlns:p14="http://schemas.microsoft.com/office/powerpoint/2010/main" val="1504888521"/>
+        <p14:creationId xmlns:p14="http://schemas.microsoft.com/office/powerpoint/2010/main" val="1729405643"/>
       </p:ext>
     </p:extLst>
   </p:cSld>
@@ -6502,53 +6307,6 @@
           </a:p>
           <a:p>
             <a:pPr marL="111125"/>
-            <a:endParaRPr lang="en-US" sz="2200" dirty="0" smtClean="0">
-              <a:solidFill>
-                <a:schemeClr val="accent1"/>
-              </a:solidFill>
-            </a:endParaRPr>
-          </a:p>
-          <a:p>
-            <a:pPr marL="349250" indent="-238125">
-              <a:buFont typeface="Arial"/>
-              <a:buChar char="•"/>
-            </a:pPr>
-            <a:r>
-              <a:rPr lang="en-US" sz="2200" dirty="0" smtClean="0">
-                <a:solidFill>
-                  <a:schemeClr val="accent1"/>
-                </a:solidFill>
-              </a:rPr>
-              <a:t>List</a:t>
-            </a:r>
-          </a:p>
-          <a:p>
-            <a:pPr marL="349250" indent="-238125">
-              <a:buFont typeface="Arial"/>
-              <a:buChar char="•"/>
-            </a:pPr>
-            <a:r>
-              <a:rPr lang="en-US" sz="2200" dirty="0" smtClean="0">
-                <a:solidFill>
-                  <a:schemeClr val="accent1"/>
-                </a:solidFill>
-              </a:rPr>
-              <a:t>Task</a:t>
-            </a:r>
-          </a:p>
-          <a:p>
-            <a:pPr marL="349250" indent="-238125">
-              <a:buFont typeface="Arial"/>
-              <a:buChar char="•"/>
-            </a:pPr>
-            <a:r>
-              <a:rPr lang="en-US" sz="2200" dirty="0" err="1" smtClean="0">
-                <a:solidFill>
-                  <a:schemeClr val="accent1"/>
-                </a:solidFill>
-              </a:rPr>
-              <a:t>CSVParsing</a:t>
-            </a:r>
             <a:endParaRPr lang="en-US" sz="2200" dirty="0">
               <a:solidFill>
                 <a:schemeClr val="accent1"/>
@@ -6805,7 +6563,7 @@
     </p:spTree>
     <p:extLst>
       <p:ext uri="{BB962C8B-B14F-4D97-AF65-F5344CB8AC3E}">
-        <p14:creationId xmlns:p14="http://schemas.microsoft.com/office/powerpoint/2010/main" val="3671947589"/>
+        <p14:creationId xmlns:p14="http://schemas.microsoft.com/office/powerpoint/2010/main" val="1504888521"/>
       </p:ext>
     </p:extLst>
   </p:cSld>
@@ -7096,28 +6854,6 @@
               </a:solidFill>
             </a:endParaRPr>
           </a:p>
-          <a:p>
-            <a:pPr marL="349250" indent="-238125">
-              <a:buFont typeface="Arial"/>
-              <a:buChar char="•"/>
-            </a:pPr>
-            <a:r>
-              <a:rPr lang="en-US" sz="2200" dirty="0" smtClean="0">
-                <a:solidFill>
-                  <a:srgbClr val="F8F8F8"/>
-                </a:solidFill>
-              </a:rPr>
-              <a:t>TODO-Controller</a:t>
-            </a:r>
-          </a:p>
-          <a:p>
-            <a:pPr marL="111125"/>
-            <a:endParaRPr lang="en-US" sz="2200" dirty="0">
-              <a:solidFill>
-                <a:srgbClr val="F8F8F8"/>
-              </a:solidFill>
-            </a:endParaRPr>
-          </a:p>
         </p:txBody>
       </p:sp>
       <p:sp>
@@ -7178,6 +6914,22 @@
               <a:t>User interface</a:t>
             </a:r>
           </a:p>
+          <a:p>
+            <a:pPr marL="111125"/>
+            <a:endParaRPr lang="en-US" sz="2200" dirty="0">
+              <a:solidFill>
+                <a:srgbClr val="F8F8F8"/>
+              </a:solidFill>
+            </a:endParaRPr>
+          </a:p>
+          <a:p>
+            <a:pPr marL="111125"/>
+            <a:endParaRPr lang="en-US" sz="2200" dirty="0" smtClean="0">
+              <a:solidFill>
+                <a:srgbClr val="F8F8F8"/>
+              </a:solidFill>
+            </a:endParaRPr>
+          </a:p>
         </p:txBody>
       </p:sp>
       <p:sp>
@@ -7276,7 +7028,7 @@
     </p:spTree>
     <p:extLst>
       <p:ext uri="{BB962C8B-B14F-4D97-AF65-F5344CB8AC3E}">
-        <p14:creationId xmlns:p14="http://schemas.microsoft.com/office/powerpoint/2010/main" val="2399005532"/>
+        <p14:creationId xmlns:p14="http://schemas.microsoft.com/office/powerpoint/2010/main" val="3671947589"/>
       </p:ext>
     </p:extLst>
   </p:cSld>
@@ -7578,15 +7330,7 @@
                   <a:srgbClr val="F8F8F8"/>
                 </a:solidFill>
               </a:rPr>
-              <a:t>TODO-</a:t>
-            </a:r>
-            <a:r>
-              <a:rPr lang="en-US" sz="2200" dirty="0" smtClean="0">
-                <a:solidFill>
-                  <a:srgbClr val="F8F8F8"/>
-                </a:solidFill>
-              </a:rPr>
-              <a:t>Controller</a:t>
+              <a:t>TODO-Controller</a:t>
             </a:r>
           </a:p>
           <a:p>
@@ -7657,78 +7401,6 @@
               <a:t>User interface</a:t>
             </a:r>
           </a:p>
-          <a:p>
-            <a:pPr marL="111125"/>
-            <a:endParaRPr lang="en-US" sz="2200" dirty="0" smtClean="0">
-              <a:solidFill>
-                <a:srgbClr val="F8F8F8"/>
-              </a:solidFill>
-            </a:endParaRPr>
-          </a:p>
-          <a:p>
-            <a:pPr marL="111125"/>
-            <a:endParaRPr lang="en-US" sz="2200" dirty="0">
-              <a:solidFill>
-                <a:srgbClr val="F8F8F8"/>
-              </a:solidFill>
-            </a:endParaRPr>
-          </a:p>
-          <a:p>
-            <a:pPr marL="349250" indent="-238125">
-              <a:buFont typeface="Arial"/>
-              <a:buChar char="•"/>
-            </a:pPr>
-            <a:r>
-              <a:rPr lang="en-US" sz="2200" dirty="0" smtClean="0">
-                <a:solidFill>
-                  <a:srgbClr val="F8F8F8"/>
-                </a:solidFill>
-              </a:rPr>
-              <a:t>Views</a:t>
-            </a:r>
-          </a:p>
-          <a:p>
-            <a:pPr marL="681038" lvl="1" indent="-331788">
-              <a:buFont typeface="Arial"/>
-              <a:buChar char="•"/>
-            </a:pPr>
-            <a:r>
-              <a:rPr lang="en-US" sz="2200" dirty="0" smtClean="0">
-                <a:solidFill>
-                  <a:srgbClr val="F8F8F8"/>
-                </a:solidFill>
-              </a:rPr>
-              <a:t>Options</a:t>
-            </a:r>
-          </a:p>
-          <a:p>
-            <a:pPr marL="681038" lvl="1" indent="-331788">
-              <a:buFont typeface="Arial"/>
-              <a:buChar char="•"/>
-            </a:pPr>
-            <a:r>
-              <a:rPr lang="en-US" sz="2200" dirty="0" smtClean="0">
-                <a:solidFill>
-                  <a:srgbClr val="F8F8F8"/>
-                </a:solidFill>
-              </a:rPr>
-              <a:t>Task List</a:t>
-            </a:r>
-          </a:p>
-          <a:p>
-            <a:pPr marL="681038" lvl="1" indent="-331788">
-              <a:buFont typeface="Arial"/>
-              <a:buChar char="•"/>
-            </a:pPr>
-            <a:r>
-              <a:rPr lang="en-US" sz="2200" dirty="0" smtClean="0">
-                <a:solidFill>
-                  <a:srgbClr val="F8F8F8"/>
-                </a:solidFill>
-              </a:rPr>
-              <a:t>Task View</a:t>
-            </a:r>
-          </a:p>
         </p:txBody>
       </p:sp>
       <p:sp>
@@ -7827,7 +7499,7 @@
     </p:spTree>
     <p:extLst>
       <p:ext uri="{BB962C8B-B14F-4D97-AF65-F5344CB8AC3E}">
-        <p14:creationId xmlns:p14="http://schemas.microsoft.com/office/powerpoint/2010/main" val="127540449"/>
+        <p14:creationId xmlns:p14="http://schemas.microsoft.com/office/powerpoint/2010/main" val="2399005532"/>
       </p:ext>
     </p:extLst>
   </p:cSld>
@@ -7877,8 +7549,12 @@
           <a:lstStyle/>
           <a:p>
             <a:r>
+              <a:rPr lang="en-US" dirty="0"/>
+              <a:t>M-V-C </a:t>
+            </a:r>
+            <a:r>
               <a:rPr lang="en-US" dirty="0" smtClean="0"/>
-              <a:t>Message Pattern</a:t>
+              <a:t>TODO's</a:t>
             </a:r>
             <a:endParaRPr lang="en-US" dirty="0"/>
           </a:p>
@@ -7909,14 +7585,377 @@
       </p:sp>
       <p:sp>
         <p:nvSpPr>
-          <p:cNvPr id="7" name="TextBox 6"/>
+          <p:cNvPr id="4" name="Rectangle 3"/>
+          <p:cNvSpPr/>
+          <p:nvPr/>
+        </p:nvSpPr>
+        <p:spPr>
+          <a:xfrm>
+            <a:off x="512064" y="2723877"/>
+            <a:ext cx="2150017" cy="3058909"/>
+          </a:xfrm>
+          <a:prstGeom prst="rect">
+            <a:avLst/>
+          </a:prstGeom>
+          <a:solidFill>
+            <a:srgbClr val="00A9B9"/>
+          </a:solidFill>
+          <a:ln>
+            <a:noFill/>
+          </a:ln>
+          <a:effectLst/>
+        </p:spPr>
+        <p:style>
+          <a:lnRef idx="1">
+            <a:schemeClr val="accent1"/>
+          </a:lnRef>
+          <a:fillRef idx="3">
+            <a:schemeClr val="accent1"/>
+          </a:fillRef>
+          <a:effectRef idx="2">
+            <a:schemeClr val="accent1"/>
+          </a:effectRef>
+          <a:fontRef idx="minor">
+            <a:schemeClr val="lt1"/>
+          </a:fontRef>
+        </p:style>
+        <p:txBody>
+          <a:bodyPr rtlCol="0" anchor="t"/>
+          <a:lstStyle/>
+          <a:p>
+            <a:r>
+              <a:rPr lang="en-US" sz="2200" dirty="0" smtClean="0">
+                <a:solidFill>
+                  <a:schemeClr val="accent1"/>
+                </a:solidFill>
+              </a:rPr>
+              <a:t> </a:t>
+            </a:r>
+            <a:endParaRPr lang="en-US" sz="2200" dirty="0">
+              <a:solidFill>
+                <a:schemeClr val="accent1"/>
+              </a:solidFill>
+            </a:endParaRPr>
+          </a:p>
+          <a:p>
+            <a:pPr marL="111125"/>
+            <a:r>
+              <a:rPr lang="en-US" sz="2200" dirty="0" smtClean="0">
+                <a:solidFill>
+                  <a:schemeClr val="accent1"/>
+                </a:solidFill>
+              </a:rPr>
+              <a:t>Data &amp;</a:t>
+            </a:r>
+          </a:p>
+          <a:p>
+            <a:pPr marL="111125"/>
+            <a:r>
+              <a:rPr lang="en-US" sz="2200" dirty="0" smtClean="0">
+                <a:solidFill>
+                  <a:schemeClr val="accent1"/>
+                </a:solidFill>
+              </a:rPr>
+              <a:t>Business logic</a:t>
+            </a:r>
+          </a:p>
+          <a:p>
+            <a:pPr marL="111125"/>
+            <a:endParaRPr lang="en-US" sz="2200" dirty="0" smtClean="0">
+              <a:solidFill>
+                <a:schemeClr val="accent1"/>
+              </a:solidFill>
+            </a:endParaRPr>
+          </a:p>
+          <a:p>
+            <a:pPr marL="349250" indent="-238125">
+              <a:buFont typeface="Arial"/>
+              <a:buChar char="•"/>
+            </a:pPr>
+            <a:r>
+              <a:rPr lang="en-US" sz="2200" dirty="0" smtClean="0">
+                <a:solidFill>
+                  <a:schemeClr val="accent1"/>
+                </a:solidFill>
+              </a:rPr>
+              <a:t>List</a:t>
+            </a:r>
+          </a:p>
+          <a:p>
+            <a:pPr marL="349250" indent="-238125">
+              <a:buFont typeface="Arial"/>
+              <a:buChar char="•"/>
+            </a:pPr>
+            <a:r>
+              <a:rPr lang="en-US" sz="2200" dirty="0" smtClean="0">
+                <a:solidFill>
+                  <a:schemeClr val="accent1"/>
+                </a:solidFill>
+              </a:rPr>
+              <a:t>Task</a:t>
+            </a:r>
+          </a:p>
+          <a:p>
+            <a:pPr marL="349250" indent="-238125">
+              <a:buFont typeface="Arial"/>
+              <a:buChar char="•"/>
+            </a:pPr>
+            <a:r>
+              <a:rPr lang="en-US" sz="2200" dirty="0" err="1" smtClean="0">
+                <a:solidFill>
+                  <a:schemeClr val="accent1"/>
+                </a:solidFill>
+              </a:rPr>
+              <a:t>CSVParsing</a:t>
+            </a:r>
+            <a:endParaRPr lang="en-US" sz="2200" dirty="0">
+              <a:solidFill>
+                <a:schemeClr val="accent1"/>
+              </a:solidFill>
+            </a:endParaRPr>
+          </a:p>
+        </p:txBody>
+      </p:sp>
+      <p:sp>
+        <p:nvSpPr>
+          <p:cNvPr id="5" name="Rectangle 4"/>
+          <p:cNvSpPr/>
+          <p:nvPr/>
+        </p:nvSpPr>
+        <p:spPr>
+          <a:xfrm>
+            <a:off x="3493911" y="2668662"/>
+            <a:ext cx="2150017" cy="3058909"/>
+          </a:xfrm>
+          <a:prstGeom prst="rect">
+            <a:avLst/>
+          </a:prstGeom>
+          <a:solidFill>
+            <a:srgbClr val="EA4A3C"/>
+          </a:solidFill>
+          <a:ln>
+            <a:noFill/>
+          </a:ln>
+          <a:effectLst/>
+        </p:spPr>
+        <p:style>
+          <a:lnRef idx="1">
+            <a:schemeClr val="accent1"/>
+          </a:lnRef>
+          <a:fillRef idx="3">
+            <a:schemeClr val="accent1"/>
+          </a:fillRef>
+          <a:effectRef idx="2">
+            <a:schemeClr val="accent1"/>
+          </a:effectRef>
+          <a:fontRef idx="minor">
+            <a:schemeClr val="lt1"/>
+          </a:fontRef>
+        </p:style>
+        <p:txBody>
+          <a:bodyPr rtlCol="0" anchor="t"/>
+          <a:lstStyle/>
+          <a:p>
+            <a:pPr marL="111125"/>
+            <a:endParaRPr lang="en-US" sz="2200" dirty="0" smtClean="0">
+              <a:solidFill>
+                <a:srgbClr val="F8F8F8"/>
+              </a:solidFill>
+            </a:endParaRPr>
+          </a:p>
+          <a:p>
+            <a:pPr marL="111125"/>
+            <a:r>
+              <a:rPr lang="en-US" sz="2200" dirty="0" smtClean="0">
+                <a:solidFill>
+                  <a:srgbClr val="F8F8F8"/>
+                </a:solidFill>
+              </a:rPr>
+              <a:t>Communicate</a:t>
+            </a:r>
+          </a:p>
+          <a:p>
+            <a:pPr marL="111125"/>
+            <a:endParaRPr lang="en-US" sz="2200" dirty="0" smtClean="0">
+              <a:solidFill>
+                <a:srgbClr val="F8F8F8"/>
+              </a:solidFill>
+            </a:endParaRPr>
+          </a:p>
+          <a:p>
+            <a:pPr marL="111125"/>
+            <a:endParaRPr lang="en-US" sz="2200" dirty="0">
+              <a:solidFill>
+                <a:srgbClr val="F8F8F8"/>
+              </a:solidFill>
+            </a:endParaRPr>
+          </a:p>
+          <a:p>
+            <a:pPr marL="349250" indent="-238125">
+              <a:buFont typeface="Arial"/>
+              <a:buChar char="•"/>
+            </a:pPr>
+            <a:r>
+              <a:rPr lang="en-US" sz="2200" dirty="0" smtClean="0">
+                <a:solidFill>
+                  <a:srgbClr val="F8F8F8"/>
+                </a:solidFill>
+              </a:rPr>
+              <a:t>TODO-Controller</a:t>
+            </a:r>
+          </a:p>
+          <a:p>
+            <a:pPr marL="111125"/>
+            <a:endParaRPr lang="en-US" sz="2200" dirty="0">
+              <a:solidFill>
+                <a:srgbClr val="F8F8F8"/>
+              </a:solidFill>
+            </a:endParaRPr>
+          </a:p>
+        </p:txBody>
+      </p:sp>
+      <p:sp>
+        <p:nvSpPr>
+          <p:cNvPr id="6" name="Rectangle 5"/>
+          <p:cNvSpPr/>
+          <p:nvPr/>
+        </p:nvSpPr>
+        <p:spPr>
+          <a:xfrm>
+            <a:off x="6536783" y="2723877"/>
+            <a:ext cx="2150017" cy="3058909"/>
+          </a:xfrm>
+          <a:prstGeom prst="rect">
+            <a:avLst/>
+          </a:prstGeom>
+          <a:solidFill>
+            <a:schemeClr val="accent6"/>
+          </a:solidFill>
+          <a:ln>
+            <a:noFill/>
+          </a:ln>
+          <a:effectLst/>
+        </p:spPr>
+        <p:style>
+          <a:lnRef idx="1">
+            <a:schemeClr val="accent1"/>
+          </a:lnRef>
+          <a:fillRef idx="3">
+            <a:schemeClr val="accent1"/>
+          </a:fillRef>
+          <a:effectRef idx="2">
+            <a:schemeClr val="accent1"/>
+          </a:effectRef>
+          <a:fontRef idx="minor">
+            <a:schemeClr val="lt1"/>
+          </a:fontRef>
+        </p:style>
+        <p:txBody>
+          <a:bodyPr rtlCol="0" anchor="t"/>
+          <a:lstStyle/>
+          <a:p>
+            <a:pPr marL="111125"/>
+            <a:endParaRPr lang="en-US" sz="2200" dirty="0" smtClean="0">
+              <a:solidFill>
+                <a:srgbClr val="F8F8F8"/>
+              </a:solidFill>
+            </a:endParaRPr>
+          </a:p>
+          <a:p>
+            <a:pPr marL="111125"/>
+            <a:r>
+              <a:rPr lang="en-US" sz="2200" dirty="0" smtClean="0">
+                <a:solidFill>
+                  <a:srgbClr val="F8F8F8"/>
+                </a:solidFill>
+              </a:rPr>
+              <a:t>User interface</a:t>
+            </a:r>
+          </a:p>
+          <a:p>
+            <a:pPr marL="111125"/>
+            <a:endParaRPr lang="en-US" sz="2200" dirty="0" smtClean="0">
+              <a:solidFill>
+                <a:srgbClr val="F8F8F8"/>
+              </a:solidFill>
+            </a:endParaRPr>
+          </a:p>
+          <a:p>
+            <a:pPr marL="111125"/>
+            <a:endParaRPr lang="en-US" sz="2200" dirty="0">
+              <a:solidFill>
+                <a:srgbClr val="F8F8F8"/>
+              </a:solidFill>
+            </a:endParaRPr>
+          </a:p>
+          <a:p>
+            <a:pPr marL="349250" indent="-238125">
+              <a:buFont typeface="Arial"/>
+              <a:buChar char="•"/>
+            </a:pPr>
+            <a:r>
+              <a:rPr lang="en-US" sz="2200" dirty="0" smtClean="0">
+                <a:solidFill>
+                  <a:srgbClr val="F8F8F8"/>
+                </a:solidFill>
+              </a:rPr>
+              <a:t>Views</a:t>
+            </a:r>
+          </a:p>
+          <a:p>
+            <a:pPr marL="681038" lvl="1" indent="-331788">
+              <a:buFont typeface="Arial"/>
+              <a:buChar char="•"/>
+            </a:pPr>
+            <a:r>
+              <a:rPr lang="en-US" sz="2200" dirty="0" smtClean="0">
+                <a:solidFill>
+                  <a:srgbClr val="F8F8F8"/>
+                </a:solidFill>
+              </a:rPr>
+              <a:t>Options</a:t>
+            </a:r>
+          </a:p>
+          <a:p>
+            <a:pPr marL="681038" lvl="1" indent="-331788">
+              <a:buFont typeface="Arial"/>
+              <a:buChar char="•"/>
+            </a:pPr>
+            <a:r>
+              <a:rPr lang="en-US" sz="2200" dirty="0" smtClean="0">
+                <a:solidFill>
+                  <a:srgbClr val="F8F8F8"/>
+                </a:solidFill>
+              </a:rPr>
+              <a:t>Task List</a:t>
+            </a:r>
+          </a:p>
+          <a:p>
+            <a:pPr marL="681038" lvl="1" indent="-331788">
+              <a:buFont typeface="Arial"/>
+              <a:buChar char="•"/>
+            </a:pPr>
+            <a:r>
+              <a:rPr lang="en-US" sz="2200" dirty="0" smtClean="0">
+                <a:solidFill>
+                  <a:srgbClr val="F8F8F8"/>
+                </a:solidFill>
+              </a:rPr>
+              <a:t>Task View</a:t>
+            </a:r>
+          </a:p>
+        </p:txBody>
+      </p:sp>
+      <p:sp>
+        <p:nvSpPr>
+          <p:cNvPr id="8" name="TextBox 7"/>
           <p:cNvSpPr txBox="1"/>
           <p:nvPr/>
         </p:nvSpPr>
         <p:spPr>
           <a:xfrm>
-            <a:off x="512064" y="1755076"/>
-            <a:ext cx="8174737" cy="4031873"/>
+            <a:off x="457200" y="1865376"/>
+            <a:ext cx="2204881" cy="584776"/>
           </a:xfrm>
           <a:prstGeom prst="rect">
             <a:avLst/>
@@ -7929,47 +7968,72 @@
           </a:bodyPr>
           <a:lstStyle/>
           <a:p>
-            <a:pPr marL="457200" indent="-457200">
-              <a:buFont typeface="Arial"/>
-              <a:buChar char="•"/>
-            </a:pPr>
+            <a:pPr algn="ctr"/>
             <a:r>
               <a:rPr lang="en-US" sz="3200" dirty="0" smtClean="0"/>
-              <a:t>All of programming is essentially passing messages between all the things. </a:t>
-            </a:r>
-          </a:p>
-          <a:p>
-            <a:pPr marL="457200" indent="-457200">
-              <a:buFont typeface="Arial"/>
-              <a:buChar char="•"/>
-            </a:pPr>
-            <a:endParaRPr lang="en-US" sz="3200" dirty="0" smtClean="0"/>
-          </a:p>
-          <a:p>
-            <a:pPr marL="457200" indent="-457200">
-              <a:buFont typeface="Arial"/>
-              <a:buChar char="•"/>
-            </a:pPr>
+              <a:t>Model</a:t>
+            </a:r>
+            <a:endParaRPr lang="en-US" sz="3200" dirty="0"/>
+          </a:p>
+        </p:txBody>
+      </p:sp>
+      <p:sp>
+        <p:nvSpPr>
+          <p:cNvPr id="10" name="TextBox 9"/>
+          <p:cNvSpPr txBox="1"/>
+          <p:nvPr/>
+        </p:nvSpPr>
+        <p:spPr>
+          <a:xfrm>
+            <a:off x="3493911" y="1865376"/>
+            <a:ext cx="2204881" cy="584776"/>
+          </a:xfrm>
+          <a:prstGeom prst="rect">
+            <a:avLst/>
+          </a:prstGeom>
+          <a:noFill/>
+        </p:spPr>
+        <p:txBody>
+          <a:bodyPr wrap="square" rtlCol="0">
+            <a:spAutoFit/>
+          </a:bodyPr>
+          <a:lstStyle/>
+          <a:p>
+            <a:pPr algn="ctr"/>
             <a:r>
               <a:rPr lang="en-US" sz="3200" dirty="0" smtClean="0"/>
-              <a:t>Start thinking of your methods/classes as a means of passing a message to a place.</a:t>
-            </a:r>
-          </a:p>
-          <a:p>
-            <a:pPr marL="457200" indent="-457200">
-              <a:buFont typeface="Arial"/>
-              <a:buChar char="•"/>
-            </a:pPr>
-            <a:endParaRPr lang="en-US" sz="3200" dirty="0" smtClean="0"/>
-          </a:p>
-          <a:p>
-            <a:pPr marL="457200" indent="-457200">
-              <a:buFont typeface="Arial"/>
-              <a:buChar char="•"/>
-            </a:pPr>
+              <a:t>Controller</a:t>
+            </a:r>
+            <a:endParaRPr lang="en-US" sz="3200" dirty="0"/>
+          </a:p>
+        </p:txBody>
+      </p:sp>
+      <p:sp>
+        <p:nvSpPr>
+          <p:cNvPr id="11" name="TextBox 10"/>
+          <p:cNvSpPr txBox="1"/>
+          <p:nvPr/>
+        </p:nvSpPr>
+        <p:spPr>
+          <a:xfrm>
+            <a:off x="6536783" y="1865376"/>
+            <a:ext cx="2204881" cy="584776"/>
+          </a:xfrm>
+          <a:prstGeom prst="rect">
+            <a:avLst/>
+          </a:prstGeom>
+          <a:noFill/>
+        </p:spPr>
+        <p:txBody>
+          <a:bodyPr wrap="square" rtlCol="0">
+            <a:spAutoFit/>
+          </a:bodyPr>
+          <a:lstStyle/>
+          <a:p>
+            <a:pPr algn="ctr"/>
             <a:r>
               <a:rPr lang="en-US" sz="3200" dirty="0" smtClean="0"/>
-              <a:t>That place does a thing and passes some message back. </a:t>
+              <a:t>View</a:t>
             </a:r>
             <a:endParaRPr lang="en-US" sz="3200" dirty="0"/>
           </a:p>
@@ -7978,7 +8042,7 @@
     </p:spTree>
     <p:extLst>
       <p:ext uri="{BB962C8B-B14F-4D97-AF65-F5344CB8AC3E}">
-        <p14:creationId xmlns:p14="http://schemas.microsoft.com/office/powerpoint/2010/main" val="200250533"/>
+        <p14:creationId xmlns:p14="http://schemas.microsoft.com/office/powerpoint/2010/main" val="127540449"/>
       </p:ext>
     </p:extLst>
   </p:cSld>
@@ -8022,21 +8086,14 @@
             <p:ph type="title"/>
           </p:nvPr>
         </p:nvSpPr>
-        <p:spPr>
-          <a:xfrm>
-            <a:off x="285416" y="105308"/>
-            <a:ext cx="8648090" cy="1143000"/>
-          </a:xfrm>
-        </p:spPr>
-        <p:txBody>
-          <a:bodyPr>
-            <a:normAutofit/>
-          </a:bodyPr>
+        <p:spPr/>
+        <p:txBody>
+          <a:bodyPr/>
           <a:lstStyle/>
           <a:p>
             <a:r>
               <a:rPr lang="en-US" dirty="0" smtClean="0"/>
-              <a:t>TODO’s: List</a:t>
+              <a:t>Message Pattern</a:t>
             </a:r>
             <a:endParaRPr lang="en-US" dirty="0"/>
           </a:p>
@@ -8067,184 +8124,14 @@
       </p:sp>
       <p:sp>
         <p:nvSpPr>
-          <p:cNvPr id="4" name="Rectangle 3"/>
-          <p:cNvSpPr/>
-          <p:nvPr/>
-        </p:nvSpPr>
-        <p:spPr>
-          <a:xfrm>
-            <a:off x="512064" y="2723877"/>
-            <a:ext cx="2150017" cy="3058909"/>
-          </a:xfrm>
-          <a:prstGeom prst="rect">
-            <a:avLst/>
-          </a:prstGeom>
-          <a:solidFill>
-            <a:srgbClr val="00A9B9"/>
-          </a:solidFill>
-          <a:ln>
-            <a:noFill/>
-          </a:ln>
-          <a:effectLst/>
-        </p:spPr>
-        <p:style>
-          <a:lnRef idx="1">
-            <a:schemeClr val="accent1"/>
-          </a:lnRef>
-          <a:fillRef idx="3">
-            <a:schemeClr val="accent1"/>
-          </a:fillRef>
-          <a:effectRef idx="2">
-            <a:schemeClr val="accent1"/>
-          </a:effectRef>
-          <a:fontRef idx="minor">
-            <a:schemeClr val="lt1"/>
-          </a:fontRef>
-        </p:style>
-        <p:txBody>
-          <a:bodyPr rtlCol="0" anchor="t"/>
-          <a:lstStyle/>
-          <a:p>
-            <a:endParaRPr lang="en-US" sz="2200" dirty="0">
-              <a:solidFill>
-                <a:schemeClr val="accent1"/>
-              </a:solidFill>
-            </a:endParaRPr>
-          </a:p>
-          <a:p>
-            <a:pPr marL="111125"/>
-            <a:endParaRPr lang="en-US" sz="2200" dirty="0" smtClean="0">
-              <a:solidFill>
-                <a:schemeClr val="accent1"/>
-              </a:solidFill>
-            </a:endParaRPr>
-          </a:p>
-        </p:txBody>
-      </p:sp>
-      <p:sp>
-        <p:nvSpPr>
-          <p:cNvPr id="5" name="Rectangle 4"/>
-          <p:cNvSpPr/>
-          <p:nvPr/>
-        </p:nvSpPr>
-        <p:spPr>
-          <a:xfrm>
-            <a:off x="3493911" y="2668662"/>
-            <a:ext cx="2150017" cy="3058909"/>
-          </a:xfrm>
-          <a:prstGeom prst="rect">
-            <a:avLst/>
-          </a:prstGeom>
-          <a:solidFill>
-            <a:srgbClr val="EA4A3C"/>
-          </a:solidFill>
-          <a:ln>
-            <a:noFill/>
-          </a:ln>
-          <a:effectLst/>
-        </p:spPr>
-        <p:style>
-          <a:lnRef idx="1">
-            <a:schemeClr val="accent1"/>
-          </a:lnRef>
-          <a:fillRef idx="3">
-            <a:schemeClr val="accent1"/>
-          </a:fillRef>
-          <a:effectRef idx="2">
-            <a:schemeClr val="accent1"/>
-          </a:effectRef>
-          <a:fontRef idx="minor">
-            <a:schemeClr val="lt1"/>
-          </a:fontRef>
-        </p:style>
-        <p:txBody>
-          <a:bodyPr rtlCol="0" anchor="t"/>
-          <a:lstStyle/>
-          <a:p>
-            <a:pPr marL="111125"/>
-            <a:endParaRPr lang="en-US" sz="2200" dirty="0" smtClean="0">
-              <a:solidFill>
-                <a:srgbClr val="F8F8F8"/>
-              </a:solidFill>
-            </a:endParaRPr>
-          </a:p>
-          <a:p>
-            <a:pPr marL="111125"/>
-            <a:endParaRPr lang="en-US" sz="2200" dirty="0" smtClean="0">
-              <a:solidFill>
-                <a:srgbClr val="F8F8F8"/>
-              </a:solidFill>
-            </a:endParaRPr>
-          </a:p>
-        </p:txBody>
-      </p:sp>
-      <p:sp>
-        <p:nvSpPr>
-          <p:cNvPr id="6" name="Rectangle 5"/>
-          <p:cNvSpPr/>
-          <p:nvPr/>
-        </p:nvSpPr>
-        <p:spPr>
-          <a:xfrm>
-            <a:off x="6536783" y="2723877"/>
-            <a:ext cx="2150017" cy="3058909"/>
-          </a:xfrm>
-          <a:prstGeom prst="rect">
-            <a:avLst/>
-          </a:prstGeom>
-          <a:solidFill>
-            <a:schemeClr val="accent6"/>
-          </a:solidFill>
-          <a:ln>
-            <a:noFill/>
-          </a:ln>
-          <a:effectLst/>
-        </p:spPr>
-        <p:style>
-          <a:lnRef idx="1">
-            <a:schemeClr val="accent1"/>
-          </a:lnRef>
-          <a:fillRef idx="3">
-            <a:schemeClr val="accent1"/>
-          </a:fillRef>
-          <a:effectRef idx="2">
-            <a:schemeClr val="accent1"/>
-          </a:effectRef>
-          <a:fontRef idx="minor">
-            <a:schemeClr val="lt1"/>
-          </a:fontRef>
-        </p:style>
-        <p:txBody>
-          <a:bodyPr rtlCol="0" anchor="t"/>
-          <a:lstStyle/>
-          <a:p>
-            <a:pPr marL="111125"/>
-            <a:endParaRPr lang="en-US" sz="2200" dirty="0" smtClean="0">
-              <a:solidFill>
-                <a:srgbClr val="F8F8F8"/>
-              </a:solidFill>
-            </a:endParaRPr>
-          </a:p>
-          <a:p>
-            <a:pPr marL="111125"/>
-            <a:endParaRPr lang="en-US" sz="2200" dirty="0" smtClean="0">
-              <a:solidFill>
-                <a:srgbClr val="F8F8F8"/>
-              </a:solidFill>
-            </a:endParaRPr>
-          </a:p>
-        </p:txBody>
-      </p:sp>
-      <p:sp>
-        <p:nvSpPr>
-          <p:cNvPr id="8" name="TextBox 7"/>
+          <p:cNvPr id="7" name="TextBox 6"/>
           <p:cNvSpPr txBox="1"/>
           <p:nvPr/>
         </p:nvSpPr>
         <p:spPr>
           <a:xfrm>
-            <a:off x="457200" y="1865376"/>
-            <a:ext cx="2204881" cy="584776"/>
+            <a:off x="512064" y="1755076"/>
+            <a:ext cx="8174737" cy="4031873"/>
           </a:xfrm>
           <a:prstGeom prst="rect">
             <a:avLst/>
@@ -8257,140 +8144,56 @@
           </a:bodyPr>
           <a:lstStyle/>
           <a:p>
-            <a:pPr algn="ctr"/>
+            <a:pPr marL="457200" indent="-457200">
+              <a:buFont typeface="Arial"/>
+              <a:buChar char="•"/>
+            </a:pPr>
             <a:r>
               <a:rPr lang="en-US" sz="3200" dirty="0" smtClean="0"/>
-              <a:t>Model</a:t>
+              <a:t>All of programming is essentially passing messages between all the things. </a:t>
+            </a:r>
+          </a:p>
+          <a:p>
+            <a:pPr marL="457200" indent="-457200">
+              <a:buFont typeface="Arial"/>
+              <a:buChar char="•"/>
+            </a:pPr>
+            <a:endParaRPr lang="en-US" sz="3200" dirty="0" smtClean="0"/>
+          </a:p>
+          <a:p>
+            <a:pPr marL="457200" indent="-457200">
+              <a:buFont typeface="Arial"/>
+              <a:buChar char="•"/>
+            </a:pPr>
+            <a:r>
+              <a:rPr lang="en-US" sz="3200" dirty="0" smtClean="0"/>
+              <a:t>Start thinking of your methods/classes as a means of passing a message to a place.</a:t>
+            </a:r>
+          </a:p>
+          <a:p>
+            <a:pPr marL="457200" indent="-457200">
+              <a:buFont typeface="Arial"/>
+              <a:buChar char="•"/>
+            </a:pPr>
+            <a:endParaRPr lang="en-US" sz="3200" dirty="0" smtClean="0"/>
+          </a:p>
+          <a:p>
+            <a:pPr marL="457200" indent="-457200">
+              <a:buFont typeface="Arial"/>
+              <a:buChar char="•"/>
+            </a:pPr>
+            <a:r>
+              <a:rPr lang="en-US" sz="3200" dirty="0" smtClean="0"/>
+              <a:t>That place does a thing and passes some message back. </a:t>
             </a:r>
             <a:endParaRPr lang="en-US" sz="3200" dirty="0"/>
-          </a:p>
-        </p:txBody>
-      </p:sp>
-      <p:sp>
-        <p:nvSpPr>
-          <p:cNvPr id="10" name="TextBox 9"/>
-          <p:cNvSpPr txBox="1"/>
-          <p:nvPr/>
-        </p:nvSpPr>
-        <p:spPr>
-          <a:xfrm>
-            <a:off x="3493911" y="1865376"/>
-            <a:ext cx="2204881" cy="584776"/>
-          </a:xfrm>
-          <a:prstGeom prst="rect">
-            <a:avLst/>
-          </a:prstGeom>
-          <a:noFill/>
-        </p:spPr>
-        <p:txBody>
-          <a:bodyPr wrap="square" rtlCol="0">
-            <a:spAutoFit/>
-          </a:bodyPr>
-          <a:lstStyle/>
-          <a:p>
-            <a:pPr algn="ctr"/>
-            <a:r>
-              <a:rPr lang="en-US" sz="3200" dirty="0" smtClean="0"/>
-              <a:t>Controller</a:t>
-            </a:r>
-            <a:endParaRPr lang="en-US" sz="3200" dirty="0"/>
-          </a:p>
-        </p:txBody>
-      </p:sp>
-      <p:sp>
-        <p:nvSpPr>
-          <p:cNvPr id="11" name="TextBox 10"/>
-          <p:cNvSpPr txBox="1"/>
-          <p:nvPr/>
-        </p:nvSpPr>
-        <p:spPr>
-          <a:xfrm>
-            <a:off x="6536783" y="1865376"/>
-            <a:ext cx="2204881" cy="584776"/>
-          </a:xfrm>
-          <a:prstGeom prst="rect">
-            <a:avLst/>
-          </a:prstGeom>
-          <a:noFill/>
-        </p:spPr>
-        <p:txBody>
-          <a:bodyPr wrap="square" rtlCol="0">
-            <a:spAutoFit/>
-          </a:bodyPr>
-          <a:lstStyle/>
-          <a:p>
-            <a:pPr algn="ctr"/>
-            <a:r>
-              <a:rPr lang="en-US" sz="3200" dirty="0" smtClean="0"/>
-              <a:t>View</a:t>
-            </a:r>
-            <a:endParaRPr lang="en-US" sz="3200" dirty="0"/>
-          </a:p>
-        </p:txBody>
-      </p:sp>
-      <p:sp>
-        <p:nvSpPr>
-          <p:cNvPr id="27" name="Rectangle 26"/>
-          <p:cNvSpPr/>
-          <p:nvPr/>
-        </p:nvSpPr>
-        <p:spPr>
-          <a:xfrm>
-            <a:off x="3699937" y="2858661"/>
-            <a:ext cx="1730320" cy="396667"/>
-          </a:xfrm>
-          <a:prstGeom prst="rect">
-            <a:avLst/>
-          </a:prstGeom>
-          <a:solidFill>
-            <a:schemeClr val="accent4"/>
-          </a:solidFill>
-          <a:ln w="28575" cmpd="sng">
-            <a:solidFill>
-              <a:schemeClr val="accent1"/>
-            </a:solidFill>
-          </a:ln>
-          <a:effectLst/>
-        </p:spPr>
-        <p:style>
-          <a:lnRef idx="1">
-            <a:schemeClr val="accent1"/>
-          </a:lnRef>
-          <a:fillRef idx="3">
-            <a:schemeClr val="accent1"/>
-          </a:fillRef>
-          <a:effectRef idx="2">
-            <a:schemeClr val="accent1"/>
-          </a:effectRef>
-          <a:fontRef idx="minor">
-            <a:schemeClr val="lt1"/>
-          </a:fontRef>
-        </p:style>
-        <p:txBody>
-          <a:bodyPr rtlCol="0" anchor="ctr"/>
-          <a:lstStyle/>
-          <a:p>
-            <a:pPr algn="ctr"/>
-            <a:r>
-              <a:rPr lang="en-US" dirty="0" smtClean="0">
-                <a:solidFill>
-                  <a:srgbClr val="F8F8F8"/>
-                </a:solidFill>
-              </a:rPr>
-              <a:t>Initiate Program</a:t>
-            </a:r>
-            <a:endParaRPr lang="en-US" dirty="0">
-              <a:solidFill>
-                <a:srgbClr val="F8F8F8"/>
-              </a:solidFill>
-            </a:endParaRPr>
           </a:p>
         </p:txBody>
       </p:sp>
     </p:spTree>
     <p:extLst>
       <p:ext uri="{BB962C8B-B14F-4D97-AF65-F5344CB8AC3E}">
-        <p14:creationId xmlns:p14="http://schemas.microsoft.com/office/powerpoint/2010/main" val="3774287812"/>
+        <p14:creationId xmlns:p14="http://schemas.microsoft.com/office/powerpoint/2010/main" val="200250533"/>
       </p:ext>
     </p:extLst>
   </p:cSld>
@@ -8434,21 +8237,14 @@
             <p:ph type="title"/>
           </p:nvPr>
         </p:nvSpPr>
-        <p:spPr>
-          <a:xfrm>
-            <a:off x="285416" y="105308"/>
-            <a:ext cx="8648090" cy="1143000"/>
-          </a:xfrm>
-        </p:spPr>
-        <p:txBody>
-          <a:bodyPr>
-            <a:normAutofit/>
-          </a:bodyPr>
+        <p:spPr/>
+        <p:txBody>
+          <a:bodyPr/>
           <a:lstStyle/>
           <a:p>
             <a:r>
               <a:rPr lang="en-US" dirty="0" smtClean="0"/>
-              <a:t>TODO’s: List</a:t>
+              <a:t>Single Responsibility</a:t>
             </a:r>
             <a:endParaRPr lang="en-US" dirty="0"/>
           </a:p>
@@ -8479,184 +8275,14 @@
       </p:sp>
       <p:sp>
         <p:nvSpPr>
-          <p:cNvPr id="4" name="Rectangle 3"/>
-          <p:cNvSpPr/>
-          <p:nvPr/>
-        </p:nvSpPr>
-        <p:spPr>
-          <a:xfrm>
-            <a:off x="512064" y="2723877"/>
-            <a:ext cx="2150017" cy="3058909"/>
-          </a:xfrm>
-          <a:prstGeom prst="rect">
-            <a:avLst/>
-          </a:prstGeom>
-          <a:solidFill>
-            <a:srgbClr val="00A9B9"/>
-          </a:solidFill>
-          <a:ln>
-            <a:noFill/>
-          </a:ln>
-          <a:effectLst/>
-        </p:spPr>
-        <p:style>
-          <a:lnRef idx="1">
-            <a:schemeClr val="accent1"/>
-          </a:lnRef>
-          <a:fillRef idx="3">
-            <a:schemeClr val="accent1"/>
-          </a:fillRef>
-          <a:effectRef idx="2">
-            <a:schemeClr val="accent1"/>
-          </a:effectRef>
-          <a:fontRef idx="minor">
-            <a:schemeClr val="lt1"/>
-          </a:fontRef>
-        </p:style>
-        <p:txBody>
-          <a:bodyPr rtlCol="0" anchor="t"/>
-          <a:lstStyle/>
-          <a:p>
-            <a:endParaRPr lang="en-US" sz="2200" dirty="0">
-              <a:solidFill>
-                <a:schemeClr val="accent1"/>
-              </a:solidFill>
-            </a:endParaRPr>
-          </a:p>
-          <a:p>
-            <a:pPr marL="111125"/>
-            <a:endParaRPr lang="en-US" sz="2200" dirty="0" smtClean="0">
-              <a:solidFill>
-                <a:schemeClr val="accent1"/>
-              </a:solidFill>
-            </a:endParaRPr>
-          </a:p>
-        </p:txBody>
-      </p:sp>
-      <p:sp>
-        <p:nvSpPr>
-          <p:cNvPr id="5" name="Rectangle 4"/>
-          <p:cNvSpPr/>
-          <p:nvPr/>
-        </p:nvSpPr>
-        <p:spPr>
-          <a:xfrm>
-            <a:off x="3493911" y="2668662"/>
-            <a:ext cx="2150017" cy="3058909"/>
-          </a:xfrm>
-          <a:prstGeom prst="rect">
-            <a:avLst/>
-          </a:prstGeom>
-          <a:solidFill>
-            <a:srgbClr val="EA4A3C"/>
-          </a:solidFill>
-          <a:ln>
-            <a:noFill/>
-          </a:ln>
-          <a:effectLst/>
-        </p:spPr>
-        <p:style>
-          <a:lnRef idx="1">
-            <a:schemeClr val="accent1"/>
-          </a:lnRef>
-          <a:fillRef idx="3">
-            <a:schemeClr val="accent1"/>
-          </a:fillRef>
-          <a:effectRef idx="2">
-            <a:schemeClr val="accent1"/>
-          </a:effectRef>
-          <a:fontRef idx="minor">
-            <a:schemeClr val="lt1"/>
-          </a:fontRef>
-        </p:style>
-        <p:txBody>
-          <a:bodyPr rtlCol="0" anchor="t"/>
-          <a:lstStyle/>
-          <a:p>
-            <a:pPr marL="111125"/>
-            <a:endParaRPr lang="en-US" sz="2200" dirty="0" smtClean="0">
-              <a:solidFill>
-                <a:srgbClr val="F8F8F8"/>
-              </a:solidFill>
-            </a:endParaRPr>
-          </a:p>
-          <a:p>
-            <a:pPr marL="111125"/>
-            <a:endParaRPr lang="en-US" sz="2200" dirty="0" smtClean="0">
-              <a:solidFill>
-                <a:srgbClr val="F8F8F8"/>
-              </a:solidFill>
-            </a:endParaRPr>
-          </a:p>
-        </p:txBody>
-      </p:sp>
-      <p:sp>
-        <p:nvSpPr>
-          <p:cNvPr id="6" name="Rectangle 5"/>
-          <p:cNvSpPr/>
-          <p:nvPr/>
-        </p:nvSpPr>
-        <p:spPr>
-          <a:xfrm>
-            <a:off x="6536783" y="2723877"/>
-            <a:ext cx="2150017" cy="3058909"/>
-          </a:xfrm>
-          <a:prstGeom prst="rect">
-            <a:avLst/>
-          </a:prstGeom>
-          <a:solidFill>
-            <a:schemeClr val="accent6"/>
-          </a:solidFill>
-          <a:ln>
-            <a:noFill/>
-          </a:ln>
-          <a:effectLst/>
-        </p:spPr>
-        <p:style>
-          <a:lnRef idx="1">
-            <a:schemeClr val="accent1"/>
-          </a:lnRef>
-          <a:fillRef idx="3">
-            <a:schemeClr val="accent1"/>
-          </a:fillRef>
-          <a:effectRef idx="2">
-            <a:schemeClr val="accent1"/>
-          </a:effectRef>
-          <a:fontRef idx="minor">
-            <a:schemeClr val="lt1"/>
-          </a:fontRef>
-        </p:style>
-        <p:txBody>
-          <a:bodyPr rtlCol="0" anchor="t"/>
-          <a:lstStyle/>
-          <a:p>
-            <a:pPr marL="111125"/>
-            <a:endParaRPr lang="en-US" sz="2200" dirty="0" smtClean="0">
-              <a:solidFill>
-                <a:srgbClr val="F8F8F8"/>
-              </a:solidFill>
-            </a:endParaRPr>
-          </a:p>
-          <a:p>
-            <a:pPr marL="111125"/>
-            <a:endParaRPr lang="en-US" sz="2200" dirty="0" smtClean="0">
-              <a:solidFill>
-                <a:srgbClr val="F8F8F8"/>
-              </a:solidFill>
-            </a:endParaRPr>
-          </a:p>
-        </p:txBody>
-      </p:sp>
-      <p:sp>
-        <p:nvSpPr>
-          <p:cNvPr id="8" name="TextBox 7"/>
+          <p:cNvPr id="7" name="TextBox 6"/>
           <p:cNvSpPr txBox="1"/>
           <p:nvPr/>
         </p:nvSpPr>
         <p:spPr>
           <a:xfrm>
-            <a:off x="457200" y="1865376"/>
-            <a:ext cx="2204881" cy="584776"/>
+            <a:off x="512064" y="1755076"/>
+            <a:ext cx="8174737" cy="4031873"/>
           </a:xfrm>
           <a:prstGeom prst="rect">
             <a:avLst/>
@@ -8669,312 +8295,60 @@
           </a:bodyPr>
           <a:lstStyle/>
           <a:p>
-            <a:pPr algn="ctr"/>
+            <a:pPr marL="457200" indent="-457200">
+              <a:buFont typeface="Arial"/>
+              <a:buChar char="•"/>
+            </a:pPr>
             <a:r>
               <a:rPr lang="en-US" sz="3200" dirty="0" smtClean="0"/>
-              <a:t>Model</a:t>
-            </a:r>
+              <a:t>A design pattern whereby you structure your methods to carry out one specific task.</a:t>
+            </a:r>
+          </a:p>
+          <a:p>
+            <a:pPr marL="457200" indent="-457200">
+              <a:buFont typeface="Arial"/>
+              <a:buChar char="•"/>
+            </a:pPr>
             <a:endParaRPr lang="en-US" sz="3200" dirty="0"/>
           </a:p>
-        </p:txBody>
-      </p:sp>
-      <p:sp>
-        <p:nvSpPr>
-          <p:cNvPr id="10" name="TextBox 9"/>
-          <p:cNvSpPr txBox="1"/>
-          <p:nvPr/>
-        </p:nvSpPr>
-        <p:spPr>
-          <a:xfrm>
-            <a:off x="3493911" y="1865376"/>
-            <a:ext cx="2204881" cy="584776"/>
-          </a:xfrm>
-          <a:prstGeom prst="rect">
-            <a:avLst/>
-          </a:prstGeom>
-          <a:noFill/>
-        </p:spPr>
-        <p:txBody>
-          <a:bodyPr wrap="square" rtlCol="0">
-            <a:spAutoFit/>
-          </a:bodyPr>
-          <a:lstStyle/>
-          <a:p>
-            <a:pPr algn="ctr"/>
+          <a:p>
+            <a:pPr marL="457200" indent="-457200">
+              <a:buFont typeface="Arial"/>
+              <a:buChar char="•"/>
+            </a:pPr>
             <a:r>
               <a:rPr lang="en-US" sz="3200" dirty="0" smtClean="0"/>
-              <a:t>Controller</a:t>
-            </a:r>
+              <a:t>This DOES NOT mean everything you write is a one liner.</a:t>
+            </a:r>
+          </a:p>
+          <a:p>
+            <a:pPr marL="457200" indent="-457200">
+              <a:buFont typeface="Arial"/>
+              <a:buChar char="•"/>
+            </a:pPr>
             <a:endParaRPr lang="en-US" sz="3200" dirty="0"/>
           </a:p>
-        </p:txBody>
-      </p:sp>
-      <p:sp>
-        <p:nvSpPr>
-          <p:cNvPr id="11" name="TextBox 10"/>
-          <p:cNvSpPr txBox="1"/>
-          <p:nvPr/>
-        </p:nvSpPr>
-        <p:spPr>
-          <a:xfrm>
-            <a:off x="6536783" y="1865376"/>
-            <a:ext cx="2204881" cy="584776"/>
-          </a:xfrm>
-          <a:prstGeom prst="rect">
-            <a:avLst/>
-          </a:prstGeom>
-          <a:noFill/>
-        </p:spPr>
-        <p:txBody>
-          <a:bodyPr wrap="square" rtlCol="0">
-            <a:spAutoFit/>
-          </a:bodyPr>
-          <a:lstStyle/>
-          <a:p>
-            <a:pPr algn="ctr"/>
+          <a:p>
+            <a:pPr marL="457200" indent="-457200">
+              <a:buFont typeface="Arial"/>
+              <a:buChar char="•"/>
+            </a:pPr>
             <a:r>
               <a:rPr lang="en-US" sz="3200" dirty="0" smtClean="0"/>
-              <a:t>View</a:t>
+              <a:t>Greatly increases the modularity and reusability of your </a:t>
+            </a:r>
+            <a:r>
+              <a:rPr lang="en-US" sz="3200" smtClean="0"/>
+              <a:t>code base.</a:t>
             </a:r>
             <a:endParaRPr lang="en-US" sz="3200" dirty="0"/>
-          </a:p>
-        </p:txBody>
-      </p:sp>
-      <p:cxnSp>
-        <p:nvCxnSpPr>
-          <p:cNvPr id="24" name="Straight Arrow Connector 23"/>
-          <p:cNvCxnSpPr/>
-          <p:nvPr/>
-        </p:nvCxnSpPr>
-        <p:spPr>
-          <a:xfrm>
-            <a:off x="5430257" y="3056995"/>
-            <a:ext cx="1325350" cy="0"/>
-          </a:xfrm>
-          <a:prstGeom prst="straightConnector1">
-            <a:avLst/>
-          </a:prstGeom>
-          <a:ln w="57150" cmpd="sng">
-            <a:solidFill>
-              <a:schemeClr val="accent2"/>
-            </a:solidFill>
-            <a:headEnd type="none"/>
-            <a:tailEnd type="triangle"/>
-          </a:ln>
-          <a:effectLst/>
-        </p:spPr>
-        <p:style>
-          <a:lnRef idx="2">
-            <a:schemeClr val="accent1"/>
-          </a:lnRef>
-          <a:fillRef idx="0">
-            <a:schemeClr val="accent1"/>
-          </a:fillRef>
-          <a:effectRef idx="1">
-            <a:schemeClr val="accent1"/>
-          </a:effectRef>
-          <a:fontRef idx="minor">
-            <a:schemeClr val="tx1"/>
-          </a:fontRef>
-        </p:style>
-      </p:cxnSp>
-      <p:sp>
-        <p:nvSpPr>
-          <p:cNvPr id="25" name="Rectangle 24"/>
-          <p:cNvSpPr/>
-          <p:nvPr/>
-        </p:nvSpPr>
-        <p:spPr>
-          <a:xfrm>
-            <a:off x="6755607" y="2858661"/>
-            <a:ext cx="1730320" cy="396667"/>
-          </a:xfrm>
-          <a:prstGeom prst="rect">
-            <a:avLst/>
-          </a:prstGeom>
-          <a:solidFill>
-            <a:schemeClr val="accent6"/>
-          </a:solidFill>
-          <a:ln w="28575" cmpd="sng">
-            <a:solidFill>
-              <a:schemeClr val="accent1"/>
-            </a:solidFill>
-          </a:ln>
-          <a:effectLst/>
-        </p:spPr>
-        <p:style>
-          <a:lnRef idx="1">
-            <a:schemeClr val="accent1"/>
-          </a:lnRef>
-          <a:fillRef idx="3">
-            <a:schemeClr val="accent1"/>
-          </a:fillRef>
-          <a:effectRef idx="2">
-            <a:schemeClr val="accent1"/>
-          </a:effectRef>
-          <a:fontRef idx="minor">
-            <a:schemeClr val="lt1"/>
-          </a:fontRef>
-        </p:style>
-        <p:txBody>
-          <a:bodyPr rtlCol="0" anchor="ctr"/>
-          <a:lstStyle/>
-          <a:p>
-            <a:pPr algn="ctr"/>
-            <a:r>
-              <a:rPr lang="en-US" dirty="0">
-                <a:solidFill>
-                  <a:srgbClr val="F8F8F8"/>
-                </a:solidFill>
-              </a:rPr>
-              <a:t>p</a:t>
-            </a:r>
-            <a:r>
-              <a:rPr lang="en-US" dirty="0" smtClean="0">
-                <a:solidFill>
-                  <a:srgbClr val="F8F8F8"/>
-                </a:solidFill>
-              </a:rPr>
-              <a:t>rompt user</a:t>
-            </a:r>
-            <a:endParaRPr lang="en-US" dirty="0">
-              <a:solidFill>
-                <a:srgbClr val="F8F8F8"/>
-              </a:solidFill>
-            </a:endParaRPr>
-          </a:p>
-        </p:txBody>
-      </p:sp>
-      <p:sp>
-        <p:nvSpPr>
-          <p:cNvPr id="27" name="Rectangle 26"/>
-          <p:cNvSpPr/>
-          <p:nvPr/>
-        </p:nvSpPr>
-        <p:spPr>
-          <a:xfrm>
-            <a:off x="3699937" y="2858661"/>
-            <a:ext cx="1730320" cy="396667"/>
-          </a:xfrm>
-          <a:prstGeom prst="rect">
-            <a:avLst/>
-          </a:prstGeom>
-          <a:solidFill>
-            <a:schemeClr val="accent4"/>
-          </a:solidFill>
-          <a:ln w="28575" cmpd="sng">
-            <a:solidFill>
-              <a:schemeClr val="accent1"/>
-            </a:solidFill>
-          </a:ln>
-          <a:effectLst/>
-        </p:spPr>
-        <p:style>
-          <a:lnRef idx="1">
-            <a:schemeClr val="accent1"/>
-          </a:lnRef>
-          <a:fillRef idx="3">
-            <a:schemeClr val="accent1"/>
-          </a:fillRef>
-          <a:effectRef idx="2">
-            <a:schemeClr val="accent1"/>
-          </a:effectRef>
-          <a:fontRef idx="minor">
-            <a:schemeClr val="lt1"/>
-          </a:fontRef>
-        </p:style>
-        <p:txBody>
-          <a:bodyPr rtlCol="0" anchor="ctr"/>
-          <a:lstStyle/>
-          <a:p>
-            <a:pPr algn="ctr"/>
-            <a:r>
-              <a:rPr lang="en-US" dirty="0" smtClean="0">
-                <a:solidFill>
-                  <a:srgbClr val="F8F8F8"/>
-                </a:solidFill>
-              </a:rPr>
-              <a:t>Initiate Program</a:t>
-            </a:r>
-            <a:endParaRPr lang="en-US" dirty="0">
-              <a:solidFill>
-                <a:srgbClr val="F8F8F8"/>
-              </a:solidFill>
-            </a:endParaRPr>
-          </a:p>
-        </p:txBody>
-      </p:sp>
-      <p:sp>
-        <p:nvSpPr>
-          <p:cNvPr id="35" name="Rectangle 34"/>
-          <p:cNvSpPr/>
-          <p:nvPr/>
-        </p:nvSpPr>
-        <p:spPr>
-          <a:xfrm>
-            <a:off x="702737" y="2862107"/>
-            <a:ext cx="1730320" cy="396667"/>
-          </a:xfrm>
-          <a:prstGeom prst="rect">
-            <a:avLst/>
-          </a:prstGeom>
-          <a:solidFill>
-            <a:schemeClr val="accent5"/>
-          </a:solidFill>
-          <a:ln w="28575" cmpd="sng">
-            <a:solidFill>
-              <a:schemeClr val="accent1"/>
-            </a:solidFill>
-          </a:ln>
-          <a:effectLst/>
-        </p:spPr>
-        <p:style>
-          <a:lnRef idx="1">
-            <a:schemeClr val="accent1"/>
-          </a:lnRef>
-          <a:fillRef idx="3">
-            <a:schemeClr val="accent1"/>
-          </a:fillRef>
-          <a:effectRef idx="2">
-            <a:schemeClr val="accent1"/>
-          </a:effectRef>
-          <a:fontRef idx="minor">
-            <a:schemeClr val="lt1"/>
-          </a:fontRef>
-        </p:style>
-        <p:txBody>
-          <a:bodyPr rtlCol="0" anchor="ctr"/>
-          <a:lstStyle/>
-          <a:p>
-            <a:pPr algn="ctr"/>
-            <a:r>
-              <a:rPr lang="en-US" dirty="0">
-                <a:solidFill>
-                  <a:srgbClr val="F8F8F8"/>
-                </a:solidFill>
-              </a:rPr>
-              <a:t>i</a:t>
-            </a:r>
-            <a:r>
-              <a:rPr lang="en-US" dirty="0" smtClean="0">
-                <a:solidFill>
-                  <a:srgbClr val="F8F8F8"/>
-                </a:solidFill>
-              </a:rPr>
-              <a:t>nitiate data </a:t>
-            </a:r>
-            <a:endParaRPr lang="en-US" dirty="0">
-              <a:solidFill>
-                <a:srgbClr val="F8F8F8"/>
-              </a:solidFill>
-            </a:endParaRPr>
           </a:p>
         </p:txBody>
       </p:sp>
     </p:spTree>
     <p:extLst>
       <p:ext uri="{BB962C8B-B14F-4D97-AF65-F5344CB8AC3E}">
-        <p14:creationId xmlns:p14="http://schemas.microsoft.com/office/powerpoint/2010/main" val="3440086341"/>
+        <p14:creationId xmlns:p14="http://schemas.microsoft.com/office/powerpoint/2010/main" val="3910748382"/>
       </p:ext>
     </p:extLst>
   </p:cSld>
@@ -9326,208 +8700,6 @@
       </p:sp>
       <p:sp>
         <p:nvSpPr>
-          <p:cNvPr id="7" name="Rectangle 6"/>
-          <p:cNvSpPr/>
-          <p:nvPr/>
-        </p:nvSpPr>
-        <p:spPr>
-          <a:xfrm>
-            <a:off x="6755607" y="3533858"/>
-            <a:ext cx="1730320" cy="396667"/>
-          </a:xfrm>
-          <a:prstGeom prst="rect">
-            <a:avLst/>
-          </a:prstGeom>
-          <a:solidFill>
-            <a:schemeClr val="accent6"/>
-          </a:solidFill>
-          <a:ln w="28575" cmpd="sng">
-            <a:solidFill>
-              <a:schemeClr val="accent1"/>
-            </a:solidFill>
-          </a:ln>
-          <a:effectLst/>
-        </p:spPr>
-        <p:style>
-          <a:lnRef idx="1">
-            <a:schemeClr val="accent1"/>
-          </a:lnRef>
-          <a:fillRef idx="3">
-            <a:schemeClr val="accent1"/>
-          </a:fillRef>
-          <a:effectRef idx="2">
-            <a:schemeClr val="accent1"/>
-          </a:effectRef>
-          <a:fontRef idx="minor">
-            <a:schemeClr val="lt1"/>
-          </a:fontRef>
-        </p:style>
-        <p:txBody>
-          <a:bodyPr rtlCol="0" anchor="ctr"/>
-          <a:lstStyle/>
-          <a:p>
-            <a:pPr algn="ctr"/>
-            <a:r>
-              <a:rPr lang="en-US" dirty="0" smtClean="0">
-                <a:solidFill>
-                  <a:srgbClr val="F8F8F8"/>
-                </a:solidFill>
-              </a:rPr>
-              <a:t>send input</a:t>
-            </a:r>
-            <a:endParaRPr lang="en-US" dirty="0">
-              <a:solidFill>
-                <a:srgbClr val="F8F8F8"/>
-              </a:solidFill>
-            </a:endParaRPr>
-          </a:p>
-        </p:txBody>
-      </p:sp>
-      <p:cxnSp>
-        <p:nvCxnSpPr>
-          <p:cNvPr id="24" name="Straight Arrow Connector 23"/>
-          <p:cNvCxnSpPr/>
-          <p:nvPr/>
-        </p:nvCxnSpPr>
-        <p:spPr>
-          <a:xfrm>
-            <a:off x="5430257" y="3056995"/>
-            <a:ext cx="1325350" cy="0"/>
-          </a:xfrm>
-          <a:prstGeom prst="straightConnector1">
-            <a:avLst/>
-          </a:prstGeom>
-          <a:ln w="57150" cmpd="sng">
-            <a:solidFill>
-              <a:schemeClr val="accent2"/>
-            </a:solidFill>
-            <a:headEnd type="none"/>
-            <a:tailEnd type="triangle"/>
-          </a:ln>
-          <a:effectLst/>
-        </p:spPr>
-        <p:style>
-          <a:lnRef idx="2">
-            <a:schemeClr val="accent1"/>
-          </a:lnRef>
-          <a:fillRef idx="0">
-            <a:schemeClr val="accent1"/>
-          </a:fillRef>
-          <a:effectRef idx="1">
-            <a:schemeClr val="accent1"/>
-          </a:effectRef>
-          <a:fontRef idx="minor">
-            <a:schemeClr val="tx1"/>
-          </a:fontRef>
-        </p:style>
-      </p:cxnSp>
-      <p:cxnSp>
-        <p:nvCxnSpPr>
-          <p:cNvPr id="26" name="Straight Arrow Connector 25"/>
-          <p:cNvCxnSpPr/>
-          <p:nvPr/>
-        </p:nvCxnSpPr>
-        <p:spPr>
-          <a:xfrm>
-            <a:off x="7619091" y="2941410"/>
-            <a:ext cx="0" cy="614240"/>
-          </a:xfrm>
-          <a:prstGeom prst="straightConnector1">
-            <a:avLst/>
-          </a:prstGeom>
-          <a:ln w="57150" cmpd="sng">
-            <a:solidFill>
-              <a:schemeClr val="accent2"/>
-            </a:solidFill>
-            <a:headEnd type="none"/>
-            <a:tailEnd type="triangle"/>
-          </a:ln>
-          <a:effectLst/>
-        </p:spPr>
-        <p:style>
-          <a:lnRef idx="2">
-            <a:schemeClr val="accent1"/>
-          </a:lnRef>
-          <a:fillRef idx="0">
-            <a:schemeClr val="accent1"/>
-          </a:fillRef>
-          <a:effectRef idx="1">
-            <a:schemeClr val="accent1"/>
-          </a:effectRef>
-          <a:fontRef idx="minor">
-            <a:schemeClr val="tx1"/>
-          </a:fontRef>
-        </p:style>
-      </p:cxnSp>
-      <p:sp>
-        <p:nvSpPr>
-          <p:cNvPr id="25" name="Rectangle 24"/>
-          <p:cNvSpPr/>
-          <p:nvPr/>
-        </p:nvSpPr>
-        <p:spPr>
-          <a:xfrm>
-            <a:off x="6755607" y="2858661"/>
-            <a:ext cx="1730320" cy="396667"/>
-          </a:xfrm>
-          <a:prstGeom prst="rect">
-            <a:avLst/>
-          </a:prstGeom>
-          <a:solidFill>
-            <a:schemeClr val="accent6"/>
-          </a:solidFill>
-          <a:ln w="28575" cmpd="sng">
-            <a:solidFill>
-              <a:schemeClr val="accent1"/>
-            </a:solidFill>
-          </a:ln>
-          <a:effectLst/>
-        </p:spPr>
-        <p:style>
-          <a:lnRef idx="1">
-            <a:schemeClr val="accent1"/>
-          </a:lnRef>
-          <a:fillRef idx="3">
-            <a:schemeClr val="accent1"/>
-          </a:fillRef>
-          <a:effectRef idx="2">
-            <a:schemeClr val="accent1"/>
-          </a:effectRef>
-          <a:fontRef idx="minor">
-            <a:schemeClr val="lt1"/>
-          </a:fontRef>
-        </p:style>
-        <p:txBody>
-          <a:bodyPr rtlCol="0" anchor="ctr"/>
-          <a:lstStyle/>
-          <a:p>
-            <a:pPr algn="ctr"/>
-            <a:r>
-              <a:rPr lang="en-US" dirty="0">
-                <a:solidFill>
-                  <a:srgbClr val="F8F8F8"/>
-                </a:solidFill>
-              </a:rPr>
-              <a:t>p</a:t>
-            </a:r>
-            <a:r>
-              <a:rPr lang="en-US" dirty="0" smtClean="0">
-                <a:solidFill>
-                  <a:srgbClr val="F8F8F8"/>
-                </a:solidFill>
-              </a:rPr>
-              <a:t>rompt user</a:t>
-            </a:r>
-            <a:endParaRPr lang="en-US" dirty="0">
-              <a:solidFill>
-                <a:srgbClr val="F8F8F8"/>
-              </a:solidFill>
-            </a:endParaRPr>
-          </a:p>
-        </p:txBody>
-      </p:sp>
-      <p:sp>
-        <p:nvSpPr>
           <p:cNvPr id="27" name="Rectangle 26"/>
           <p:cNvSpPr/>
           <p:nvPr/>
@@ -9585,77 +8757,10 @@
           </a:p>
         </p:txBody>
       </p:sp>
-      <p:sp>
-        <p:nvSpPr>
-          <p:cNvPr id="35" name="Rectangle 34"/>
-          <p:cNvSpPr/>
-          <p:nvPr/>
-        </p:nvSpPr>
-        <p:spPr>
-          <a:xfrm>
-            <a:off x="702737" y="2862107"/>
-            <a:ext cx="1730320" cy="396667"/>
-          </a:xfrm>
-          <a:prstGeom prst="rect">
-            <a:avLst/>
-          </a:prstGeom>
-          <a:solidFill>
-            <a:schemeClr val="accent5"/>
-          </a:solidFill>
-          <a:ln w="28575" cmpd="sng">
-            <a:solidFill>
-              <a:schemeClr val="accent1"/>
-            </a:solidFill>
-          </a:ln>
-          <a:effectLst/>
-        </p:spPr>
-        <p:style>
-          <a:lnRef idx="1">
-            <a:schemeClr val="accent1"/>
-          </a:lnRef>
-          <a:fillRef idx="3">
-            <a:schemeClr val="accent1"/>
-          </a:fillRef>
-          <a:effectRef idx="2">
-            <a:schemeClr val="accent1"/>
-          </a:effectRef>
-          <a:fontRef idx="minor">
-            <a:schemeClr val="lt1"/>
-          </a:fontRef>
-        </p:style>
-        <p:txBody>
-          <a:bodyPr rtlCol="0" anchor="ctr"/>
-          <a:lstStyle/>
-          <a:p>
-            <a:pPr algn="ctr"/>
-            <a:r>
-              <a:rPr lang="en-US" dirty="0">
-                <a:solidFill>
-                  <a:srgbClr val="F8F8F8"/>
-                </a:solidFill>
-              </a:rPr>
-              <a:t>i</a:t>
-            </a:r>
-            <a:r>
-              <a:rPr lang="en-US" dirty="0" smtClean="0">
-                <a:solidFill>
-                  <a:srgbClr val="F8F8F8"/>
-                </a:solidFill>
-              </a:rPr>
-              <a:t>nitiate data </a:t>
-            </a:r>
-            <a:endParaRPr lang="en-US" dirty="0">
-              <a:solidFill>
-                <a:srgbClr val="F8F8F8"/>
-              </a:solidFill>
-            </a:endParaRPr>
-          </a:p>
-        </p:txBody>
-      </p:sp>
     </p:spTree>
     <p:extLst>
       <p:ext uri="{BB962C8B-B14F-4D97-AF65-F5344CB8AC3E}">
-        <p14:creationId xmlns:p14="http://schemas.microsoft.com/office/powerpoint/2010/main" val="1766437960"/>
+        <p14:creationId xmlns:p14="http://schemas.microsoft.com/office/powerpoint/2010/main" val="3774287812"/>
       </p:ext>
     </p:extLst>
   </p:cSld>
@@ -10007,16 +9112,14 @@
       </p:sp>
       <p:cxnSp>
         <p:nvCxnSpPr>
-          <p:cNvPr id="12" name="Straight Arrow Connector 11"/>
-          <p:cNvCxnSpPr>
-            <a:stCxn id="7" idx="1"/>
-          </p:cNvCxnSpPr>
+          <p:cNvPr id="24" name="Straight Arrow Connector 23"/>
+          <p:cNvCxnSpPr/>
           <p:nvPr/>
         </p:nvCxnSpPr>
         <p:spPr>
-          <a:xfrm flipH="1">
-            <a:off x="5537200" y="3732192"/>
-            <a:ext cx="1218407" cy="0"/>
+          <a:xfrm>
+            <a:off x="5430257" y="3056995"/>
+            <a:ext cx="1325350" cy="0"/>
           </a:xfrm>
           <a:prstGeom prst="straightConnector1">
             <a:avLst/>
@@ -10047,13 +9150,13 @@
       </p:cxnSp>
       <p:sp>
         <p:nvSpPr>
-          <p:cNvPr id="7" name="Rectangle 6"/>
+          <p:cNvPr id="25" name="Rectangle 24"/>
           <p:cNvSpPr/>
           <p:nvPr/>
         </p:nvSpPr>
         <p:spPr>
           <a:xfrm>
-            <a:off x="6755607" y="3533858"/>
+            <a:off x="6755607" y="2858661"/>
             <a:ext cx="1730320" cy="396667"/>
           </a:xfrm>
           <a:prstGeom prst="rect">
@@ -10089,12 +9192,20 @@
           <a:p>
             <a:pPr algn="ctr"/>
             <a:r>
+              <a:rPr lang="en-US" dirty="0">
+                <a:solidFill>
+                  <a:srgbClr val="F8F8F8"/>
+                </a:solidFill>
+              </a:rPr>
+              <a:t>p</a:t>
+            </a:r>
+            <a:r>
               <a:rPr lang="en-US" dirty="0" smtClean="0">
                 <a:solidFill>
                   <a:srgbClr val="F8F8F8"/>
                 </a:solidFill>
               </a:rPr>
-              <a:t>send input</a:t>
+              <a:t>rompt user</a:t>
             </a:r>
             <a:endParaRPr lang="en-US" dirty="0">
               <a:solidFill>
@@ -10106,13 +9217,13 @@
       </p:sp>
       <p:sp>
         <p:nvSpPr>
-          <p:cNvPr id="13" name="Rectangle 12"/>
+          <p:cNvPr id="27" name="Rectangle 26"/>
           <p:cNvSpPr/>
           <p:nvPr/>
         </p:nvSpPr>
         <p:spPr>
           <a:xfrm>
-            <a:off x="3699937" y="3533858"/>
+            <a:off x="3699937" y="2858661"/>
             <a:ext cx="1730320" cy="396667"/>
           </a:xfrm>
           <a:prstGeom prst="rect">
@@ -10153,208 +9264,6 @@
                   <a:srgbClr val="F8F8F8"/>
                 </a:solidFill>
               </a:rPr>
-              <a:t>interpret input</a:t>
-            </a:r>
-            <a:endParaRPr lang="en-US" dirty="0">
-              <a:solidFill>
-                <a:srgbClr val="F8F8F8"/>
-              </a:solidFill>
-            </a:endParaRPr>
-          </a:p>
-        </p:txBody>
-      </p:sp>
-      <p:cxnSp>
-        <p:nvCxnSpPr>
-          <p:cNvPr id="24" name="Straight Arrow Connector 23"/>
-          <p:cNvCxnSpPr/>
-          <p:nvPr/>
-        </p:nvCxnSpPr>
-        <p:spPr>
-          <a:xfrm>
-            <a:off x="5430257" y="3056995"/>
-            <a:ext cx="1325350" cy="0"/>
-          </a:xfrm>
-          <a:prstGeom prst="straightConnector1">
-            <a:avLst/>
-          </a:prstGeom>
-          <a:ln w="57150" cmpd="sng">
-            <a:solidFill>
-              <a:schemeClr val="accent2"/>
-            </a:solidFill>
-            <a:headEnd type="none"/>
-            <a:tailEnd type="triangle"/>
-          </a:ln>
-          <a:effectLst/>
-        </p:spPr>
-        <p:style>
-          <a:lnRef idx="2">
-            <a:schemeClr val="accent1"/>
-          </a:lnRef>
-          <a:fillRef idx="0">
-            <a:schemeClr val="accent1"/>
-          </a:fillRef>
-          <a:effectRef idx="1">
-            <a:schemeClr val="accent1"/>
-          </a:effectRef>
-          <a:fontRef idx="minor">
-            <a:schemeClr val="tx1"/>
-          </a:fontRef>
-        </p:style>
-      </p:cxnSp>
-      <p:cxnSp>
-        <p:nvCxnSpPr>
-          <p:cNvPr id="26" name="Straight Arrow Connector 25"/>
-          <p:cNvCxnSpPr/>
-          <p:nvPr/>
-        </p:nvCxnSpPr>
-        <p:spPr>
-          <a:xfrm>
-            <a:off x="7619091" y="2941410"/>
-            <a:ext cx="0" cy="614240"/>
-          </a:xfrm>
-          <a:prstGeom prst="straightConnector1">
-            <a:avLst/>
-          </a:prstGeom>
-          <a:ln w="57150" cmpd="sng">
-            <a:solidFill>
-              <a:schemeClr val="accent2"/>
-            </a:solidFill>
-            <a:headEnd type="none"/>
-            <a:tailEnd type="triangle"/>
-          </a:ln>
-          <a:effectLst/>
-        </p:spPr>
-        <p:style>
-          <a:lnRef idx="2">
-            <a:schemeClr val="accent1"/>
-          </a:lnRef>
-          <a:fillRef idx="0">
-            <a:schemeClr val="accent1"/>
-          </a:fillRef>
-          <a:effectRef idx="1">
-            <a:schemeClr val="accent1"/>
-          </a:effectRef>
-          <a:fontRef idx="minor">
-            <a:schemeClr val="tx1"/>
-          </a:fontRef>
-        </p:style>
-      </p:cxnSp>
-      <p:sp>
-        <p:nvSpPr>
-          <p:cNvPr id="25" name="Rectangle 24"/>
-          <p:cNvSpPr/>
-          <p:nvPr/>
-        </p:nvSpPr>
-        <p:spPr>
-          <a:xfrm>
-            <a:off x="6755607" y="2858661"/>
-            <a:ext cx="1730320" cy="396667"/>
-          </a:xfrm>
-          <a:prstGeom prst="rect">
-            <a:avLst/>
-          </a:prstGeom>
-          <a:solidFill>
-            <a:schemeClr val="accent6"/>
-          </a:solidFill>
-          <a:ln w="28575" cmpd="sng">
-            <a:solidFill>
-              <a:schemeClr val="accent1"/>
-            </a:solidFill>
-          </a:ln>
-          <a:effectLst/>
-        </p:spPr>
-        <p:style>
-          <a:lnRef idx="1">
-            <a:schemeClr val="accent1"/>
-          </a:lnRef>
-          <a:fillRef idx="3">
-            <a:schemeClr val="accent1"/>
-          </a:fillRef>
-          <a:effectRef idx="2">
-            <a:schemeClr val="accent1"/>
-          </a:effectRef>
-          <a:fontRef idx="minor">
-            <a:schemeClr val="lt1"/>
-          </a:fontRef>
-        </p:style>
-        <p:txBody>
-          <a:bodyPr rtlCol="0" anchor="ctr"/>
-          <a:lstStyle/>
-          <a:p>
-            <a:pPr algn="ctr"/>
-            <a:r>
-              <a:rPr lang="en-US" dirty="0">
-                <a:solidFill>
-                  <a:srgbClr val="F8F8F8"/>
-                </a:solidFill>
-              </a:rPr>
-              <a:t>p</a:t>
-            </a:r>
-            <a:r>
-              <a:rPr lang="en-US" dirty="0" smtClean="0">
-                <a:solidFill>
-                  <a:srgbClr val="F8F8F8"/>
-                </a:solidFill>
-              </a:rPr>
-              <a:t>rompt user</a:t>
-            </a:r>
-            <a:endParaRPr lang="en-US" dirty="0">
-              <a:solidFill>
-                <a:srgbClr val="F8F8F8"/>
-              </a:solidFill>
-            </a:endParaRPr>
-          </a:p>
-        </p:txBody>
-      </p:sp>
-      <p:sp>
-        <p:nvSpPr>
-          <p:cNvPr id="27" name="Rectangle 26"/>
-          <p:cNvSpPr/>
-          <p:nvPr/>
-        </p:nvSpPr>
-        <p:spPr>
-          <a:xfrm>
-            <a:off x="3699937" y="2858661"/>
-            <a:ext cx="1730320" cy="396667"/>
-          </a:xfrm>
-          <a:prstGeom prst="rect">
-            <a:avLst/>
-          </a:prstGeom>
-          <a:solidFill>
-            <a:schemeClr val="accent4"/>
-          </a:solidFill>
-          <a:ln w="28575" cmpd="sng">
-            <a:solidFill>
-              <a:schemeClr val="accent1"/>
-            </a:solidFill>
-          </a:ln>
-          <a:effectLst/>
-        </p:spPr>
-        <p:style>
-          <a:lnRef idx="1">
-            <a:schemeClr val="accent1"/>
-          </a:lnRef>
-          <a:fillRef idx="3">
-            <a:schemeClr val="accent1"/>
-          </a:fillRef>
-          <a:effectRef idx="2">
-            <a:schemeClr val="accent1"/>
-          </a:effectRef>
-          <a:fontRef idx="minor">
-            <a:schemeClr val="lt1"/>
-          </a:fontRef>
-        </p:style>
-        <p:txBody>
-          <a:bodyPr rtlCol="0" anchor="ctr"/>
-          <a:lstStyle/>
-          <a:p>
-            <a:pPr algn="ctr"/>
-            <a:r>
-              <a:rPr lang="en-US" dirty="0" smtClean="0">
-                <a:solidFill>
-                  <a:srgbClr val="F8F8F8"/>
-                </a:solidFill>
-              </a:rPr>
               <a:t>Initiate Program</a:t>
             </a:r>
             <a:endParaRPr lang="en-US" dirty="0">
@@ -10435,7 +9344,7 @@
     </p:spTree>
     <p:extLst>
       <p:ext uri="{BB962C8B-B14F-4D97-AF65-F5344CB8AC3E}">
-        <p14:creationId xmlns:p14="http://schemas.microsoft.com/office/powerpoint/2010/main" val="4268115242"/>
+        <p14:creationId xmlns:p14="http://schemas.microsoft.com/office/powerpoint/2010/main" val="3440086341"/>
       </p:ext>
     </p:extLst>
   </p:cSld>
@@ -10517,7 +9426,6 @@
               <a:rPr lang="en-US" sz="3400" dirty="0" smtClean="0"/>
               <a:t>The difference being a pattern of organization which allows us to separate out responsibilities in a standardized way.</a:t>
             </a:r>
-            <a:endParaRPr lang="en-US" sz="3400" dirty="0" smtClean="0"/>
           </a:p>
           <a:p>
             <a:pPr marL="45720" indent="0">
@@ -10903,46 +9811,6 @@
           </a:p>
         </p:txBody>
       </p:sp>
-      <p:cxnSp>
-        <p:nvCxnSpPr>
-          <p:cNvPr id="12" name="Straight Arrow Connector 11"/>
-          <p:cNvCxnSpPr>
-            <a:stCxn id="7" idx="1"/>
-          </p:cNvCxnSpPr>
-          <p:nvPr/>
-        </p:nvCxnSpPr>
-        <p:spPr>
-          <a:xfrm flipH="1">
-            <a:off x="5537200" y="3732192"/>
-            <a:ext cx="1218407" cy="0"/>
-          </a:xfrm>
-          <a:prstGeom prst="straightConnector1">
-            <a:avLst/>
-          </a:prstGeom>
-          <a:ln w="57150" cmpd="sng">
-            <a:solidFill>
-              <a:schemeClr val="accent2"/>
-            </a:solidFill>
-            <a:headEnd type="none"/>
-            <a:tailEnd type="triangle"/>
-          </a:ln>
-          <a:effectLst/>
-        </p:spPr>
-        <p:style>
-          <a:lnRef idx="2">
-            <a:schemeClr val="accent1"/>
-          </a:lnRef>
-          <a:fillRef idx="0">
-            <a:schemeClr val="accent1"/>
-          </a:fillRef>
-          <a:effectRef idx="1">
-            <a:schemeClr val="accent1"/>
-          </a:effectRef>
-          <a:fontRef idx="minor">
-            <a:schemeClr val="tx1"/>
-          </a:fontRef>
-        </p:style>
-      </p:cxnSp>
       <p:sp>
         <p:nvSpPr>
           <p:cNvPr id="7" name="Rectangle 6"/>
@@ -10993,162 +9861,6 @@
                 </a:solidFill>
               </a:rPr>
               <a:t>send input</a:t>
-            </a:r>
-            <a:endParaRPr lang="en-US" dirty="0">
-              <a:solidFill>
-                <a:srgbClr val="F8F8F8"/>
-              </a:solidFill>
-            </a:endParaRPr>
-          </a:p>
-        </p:txBody>
-      </p:sp>
-      <p:cxnSp>
-        <p:nvCxnSpPr>
-          <p:cNvPr id="15" name="Straight Arrow Connector 14"/>
-          <p:cNvCxnSpPr/>
-          <p:nvPr/>
-        </p:nvCxnSpPr>
-        <p:spPr>
-          <a:xfrm>
-            <a:off x="4565097" y="3673683"/>
-            <a:ext cx="0" cy="614240"/>
-          </a:xfrm>
-          <a:prstGeom prst="straightConnector1">
-            <a:avLst/>
-          </a:prstGeom>
-          <a:ln w="57150" cmpd="sng">
-            <a:solidFill>
-              <a:schemeClr val="accent2"/>
-            </a:solidFill>
-            <a:headEnd type="none"/>
-            <a:tailEnd type="triangle"/>
-          </a:ln>
-          <a:effectLst/>
-        </p:spPr>
-        <p:style>
-          <a:lnRef idx="2">
-            <a:schemeClr val="accent1"/>
-          </a:lnRef>
-          <a:fillRef idx="0">
-            <a:schemeClr val="accent1"/>
-          </a:fillRef>
-          <a:effectRef idx="1">
-            <a:schemeClr val="accent1"/>
-          </a:effectRef>
-          <a:fontRef idx="minor">
-            <a:schemeClr val="tx1"/>
-          </a:fontRef>
-        </p:style>
-      </p:cxnSp>
-      <p:sp>
-        <p:nvSpPr>
-          <p:cNvPr id="13" name="Rectangle 12"/>
-          <p:cNvSpPr/>
-          <p:nvPr/>
-        </p:nvSpPr>
-        <p:spPr>
-          <a:xfrm>
-            <a:off x="3699937" y="3533858"/>
-            <a:ext cx="1730320" cy="396667"/>
-          </a:xfrm>
-          <a:prstGeom prst="rect">
-            <a:avLst/>
-          </a:prstGeom>
-          <a:solidFill>
-            <a:schemeClr val="accent4"/>
-          </a:solidFill>
-          <a:ln w="28575" cmpd="sng">
-            <a:solidFill>
-              <a:schemeClr val="accent1"/>
-            </a:solidFill>
-          </a:ln>
-          <a:effectLst/>
-        </p:spPr>
-        <p:style>
-          <a:lnRef idx="1">
-            <a:schemeClr val="accent1"/>
-          </a:lnRef>
-          <a:fillRef idx="3">
-            <a:schemeClr val="accent1"/>
-          </a:fillRef>
-          <a:effectRef idx="2">
-            <a:schemeClr val="accent1"/>
-          </a:effectRef>
-          <a:fontRef idx="minor">
-            <a:schemeClr val="lt1"/>
-          </a:fontRef>
-        </p:style>
-        <p:txBody>
-          <a:bodyPr rtlCol="0" anchor="ctr"/>
-          <a:lstStyle/>
-          <a:p>
-            <a:pPr algn="ctr"/>
-            <a:r>
-              <a:rPr lang="en-US" dirty="0" smtClean="0">
-                <a:solidFill>
-                  <a:srgbClr val="F8F8F8"/>
-                </a:solidFill>
-              </a:rPr>
-              <a:t>interpret input</a:t>
-            </a:r>
-            <a:endParaRPr lang="en-US" dirty="0">
-              <a:solidFill>
-                <a:srgbClr val="F8F8F8"/>
-              </a:solidFill>
-            </a:endParaRPr>
-          </a:p>
-        </p:txBody>
-      </p:sp>
-      <p:sp>
-        <p:nvSpPr>
-          <p:cNvPr id="14" name="Rectangle 13"/>
-          <p:cNvSpPr/>
-          <p:nvPr/>
-        </p:nvSpPr>
-        <p:spPr>
-          <a:xfrm>
-            <a:off x="3699937" y="4285338"/>
-            <a:ext cx="1730320" cy="396667"/>
-          </a:xfrm>
-          <a:prstGeom prst="rect">
-            <a:avLst/>
-          </a:prstGeom>
-          <a:solidFill>
-            <a:schemeClr val="accent4"/>
-          </a:solidFill>
-          <a:ln w="28575" cmpd="sng">
-            <a:solidFill>
-              <a:schemeClr val="accent1"/>
-            </a:solidFill>
-          </a:ln>
-          <a:effectLst/>
-        </p:spPr>
-        <p:style>
-          <a:lnRef idx="1">
-            <a:schemeClr val="accent1"/>
-          </a:lnRef>
-          <a:fillRef idx="3">
-            <a:schemeClr val="accent1"/>
-          </a:fillRef>
-          <a:effectRef idx="2">
-            <a:schemeClr val="accent1"/>
-          </a:effectRef>
-          <a:fontRef idx="minor">
-            <a:schemeClr val="lt1"/>
-          </a:fontRef>
-        </p:style>
-        <p:txBody>
-          <a:bodyPr rtlCol="0" anchor="ctr"/>
-          <a:lstStyle/>
-          <a:p>
-            <a:pPr algn="ctr"/>
-            <a:r>
-              <a:rPr lang="en-US" dirty="0" smtClean="0">
-                <a:solidFill>
-                  <a:srgbClr val="F8F8F8"/>
-                </a:solidFill>
-              </a:rPr>
-              <a:t>request data</a:t>
             </a:r>
             <a:endParaRPr lang="en-US" dirty="0">
               <a:solidFill>
@@ -11430,7 +10142,7 @@
     </p:spTree>
     <p:extLst>
       <p:ext uri="{BB962C8B-B14F-4D97-AF65-F5344CB8AC3E}">
-        <p14:creationId xmlns:p14="http://schemas.microsoft.com/office/powerpoint/2010/main" val="1228894101"/>
+        <p14:creationId xmlns:p14="http://schemas.microsoft.com/office/powerpoint/2010/main" val="1766437960"/>
       </p:ext>
     </p:extLst>
   </p:cSld>
@@ -11879,44 +10591,6 @@
           </a:p>
         </p:txBody>
       </p:sp>
-      <p:cxnSp>
-        <p:nvCxnSpPr>
-          <p:cNvPr id="15" name="Straight Arrow Connector 14"/>
-          <p:cNvCxnSpPr/>
-          <p:nvPr/>
-        </p:nvCxnSpPr>
-        <p:spPr>
-          <a:xfrm>
-            <a:off x="4565097" y="3673683"/>
-            <a:ext cx="0" cy="614240"/>
-          </a:xfrm>
-          <a:prstGeom prst="straightConnector1">
-            <a:avLst/>
-          </a:prstGeom>
-          <a:ln w="57150" cmpd="sng">
-            <a:solidFill>
-              <a:schemeClr val="accent2"/>
-            </a:solidFill>
-            <a:headEnd type="none"/>
-            <a:tailEnd type="triangle"/>
-          </a:ln>
-          <a:effectLst/>
-        </p:spPr>
-        <p:style>
-          <a:lnRef idx="2">
-            <a:schemeClr val="accent1"/>
-          </a:lnRef>
-          <a:fillRef idx="0">
-            <a:schemeClr val="accent1"/>
-          </a:fillRef>
-          <a:effectRef idx="1">
-            <a:schemeClr val="accent1"/>
-          </a:effectRef>
-          <a:fontRef idx="minor">
-            <a:schemeClr val="tx1"/>
-          </a:fontRef>
-        </p:style>
-      </p:cxnSp>
       <p:sp>
         <p:nvSpPr>
           <p:cNvPr id="13" name="Rectangle 12"/>
@@ -11967,162 +10641,6 @@
                 </a:solidFill>
               </a:rPr>
               <a:t>interpret input</a:t>
-            </a:r>
-            <a:endParaRPr lang="en-US" dirty="0">
-              <a:solidFill>
-                <a:srgbClr val="F8F8F8"/>
-              </a:solidFill>
-            </a:endParaRPr>
-          </a:p>
-        </p:txBody>
-      </p:sp>
-      <p:cxnSp>
-        <p:nvCxnSpPr>
-          <p:cNvPr id="17" name="Straight Arrow Connector 16"/>
-          <p:cNvCxnSpPr/>
-          <p:nvPr/>
-        </p:nvCxnSpPr>
-        <p:spPr>
-          <a:xfrm flipH="1">
-            <a:off x="2445133" y="4494636"/>
-            <a:ext cx="1218407" cy="0"/>
-          </a:xfrm>
-          <a:prstGeom prst="straightConnector1">
-            <a:avLst/>
-          </a:prstGeom>
-          <a:ln w="57150" cmpd="sng">
-            <a:solidFill>
-              <a:schemeClr val="accent2"/>
-            </a:solidFill>
-            <a:headEnd type="none"/>
-            <a:tailEnd type="triangle"/>
-          </a:ln>
-          <a:effectLst/>
-        </p:spPr>
-        <p:style>
-          <a:lnRef idx="2">
-            <a:schemeClr val="accent1"/>
-          </a:lnRef>
-          <a:fillRef idx="0">
-            <a:schemeClr val="accent1"/>
-          </a:fillRef>
-          <a:effectRef idx="1">
-            <a:schemeClr val="accent1"/>
-          </a:effectRef>
-          <a:fontRef idx="minor">
-            <a:schemeClr val="tx1"/>
-          </a:fontRef>
-        </p:style>
-      </p:cxnSp>
-      <p:sp>
-        <p:nvSpPr>
-          <p:cNvPr id="14" name="Rectangle 13"/>
-          <p:cNvSpPr/>
-          <p:nvPr/>
-        </p:nvSpPr>
-        <p:spPr>
-          <a:xfrm>
-            <a:off x="3699937" y="4285338"/>
-            <a:ext cx="1730320" cy="396667"/>
-          </a:xfrm>
-          <a:prstGeom prst="rect">
-            <a:avLst/>
-          </a:prstGeom>
-          <a:solidFill>
-            <a:schemeClr val="accent4"/>
-          </a:solidFill>
-          <a:ln w="28575" cmpd="sng">
-            <a:solidFill>
-              <a:schemeClr val="accent1"/>
-            </a:solidFill>
-          </a:ln>
-          <a:effectLst/>
-        </p:spPr>
-        <p:style>
-          <a:lnRef idx="1">
-            <a:schemeClr val="accent1"/>
-          </a:lnRef>
-          <a:fillRef idx="3">
-            <a:schemeClr val="accent1"/>
-          </a:fillRef>
-          <a:effectRef idx="2">
-            <a:schemeClr val="accent1"/>
-          </a:effectRef>
-          <a:fontRef idx="minor">
-            <a:schemeClr val="lt1"/>
-          </a:fontRef>
-        </p:style>
-        <p:txBody>
-          <a:bodyPr rtlCol="0" anchor="ctr"/>
-          <a:lstStyle/>
-          <a:p>
-            <a:pPr algn="ctr"/>
-            <a:r>
-              <a:rPr lang="en-US" dirty="0" smtClean="0">
-                <a:solidFill>
-                  <a:srgbClr val="F8F8F8"/>
-                </a:solidFill>
-              </a:rPr>
-              <a:t>request data</a:t>
-            </a:r>
-            <a:endParaRPr lang="en-US" dirty="0">
-              <a:solidFill>
-                <a:srgbClr val="F8F8F8"/>
-              </a:solidFill>
-            </a:endParaRPr>
-          </a:p>
-        </p:txBody>
-      </p:sp>
-      <p:sp>
-        <p:nvSpPr>
-          <p:cNvPr id="16" name="Rectangle 15"/>
-          <p:cNvSpPr/>
-          <p:nvPr/>
-        </p:nvSpPr>
-        <p:spPr>
-          <a:xfrm>
-            <a:off x="702737" y="4285338"/>
-            <a:ext cx="1730320" cy="396667"/>
-          </a:xfrm>
-          <a:prstGeom prst="rect">
-            <a:avLst/>
-          </a:prstGeom>
-          <a:solidFill>
-            <a:schemeClr val="accent5"/>
-          </a:solidFill>
-          <a:ln w="28575" cmpd="sng">
-            <a:solidFill>
-              <a:schemeClr val="accent1"/>
-            </a:solidFill>
-          </a:ln>
-          <a:effectLst/>
-        </p:spPr>
-        <p:style>
-          <a:lnRef idx="1">
-            <a:schemeClr val="accent1"/>
-          </a:lnRef>
-          <a:fillRef idx="3">
-            <a:schemeClr val="accent1"/>
-          </a:fillRef>
-          <a:effectRef idx="2">
-            <a:schemeClr val="accent1"/>
-          </a:effectRef>
-          <a:fontRef idx="minor">
-            <a:schemeClr val="lt1"/>
-          </a:fontRef>
-        </p:style>
-        <p:txBody>
-          <a:bodyPr rtlCol="0" anchor="ctr"/>
-          <a:lstStyle/>
-          <a:p>
-            <a:pPr algn="ctr"/>
-            <a:r>
-              <a:rPr lang="en-US" dirty="0" smtClean="0">
-                <a:solidFill>
-                  <a:srgbClr val="F8F8F8"/>
-                </a:solidFill>
-              </a:rPr>
-              <a:t>gather data</a:t>
             </a:r>
             <a:endParaRPr lang="en-US" dirty="0">
               <a:solidFill>
@@ -12404,7 +10922,7 @@
     </p:spTree>
     <p:extLst>
       <p:ext uri="{BB962C8B-B14F-4D97-AF65-F5344CB8AC3E}">
-        <p14:creationId xmlns:p14="http://schemas.microsoft.com/office/powerpoint/2010/main" val="1911309529"/>
+        <p14:creationId xmlns:p14="http://schemas.microsoft.com/office/powerpoint/2010/main" val="4268115242"/>
       </p:ext>
     </p:extLst>
   </p:cSld>
@@ -12950,44 +11468,6 @@
           </a:p>
         </p:txBody>
       </p:sp>
-      <p:cxnSp>
-        <p:nvCxnSpPr>
-          <p:cNvPr id="17" name="Straight Arrow Connector 16"/>
-          <p:cNvCxnSpPr/>
-          <p:nvPr/>
-        </p:nvCxnSpPr>
-        <p:spPr>
-          <a:xfrm flipH="1">
-            <a:off x="2445133" y="4494636"/>
-            <a:ext cx="1218407" cy="0"/>
-          </a:xfrm>
-          <a:prstGeom prst="straightConnector1">
-            <a:avLst/>
-          </a:prstGeom>
-          <a:ln w="57150" cmpd="sng">
-            <a:solidFill>
-              <a:schemeClr val="accent2"/>
-            </a:solidFill>
-            <a:headEnd type="none"/>
-            <a:tailEnd type="triangle"/>
-          </a:ln>
-          <a:effectLst/>
-        </p:spPr>
-        <p:style>
-          <a:lnRef idx="2">
-            <a:schemeClr val="accent1"/>
-          </a:lnRef>
-          <a:fillRef idx="0">
-            <a:schemeClr val="accent1"/>
-          </a:fillRef>
-          <a:effectRef idx="1">
-            <a:schemeClr val="accent1"/>
-          </a:effectRef>
-          <a:fontRef idx="minor">
-            <a:schemeClr val="tx1"/>
-          </a:fontRef>
-        </p:style>
-      </p:cxnSp>
       <p:sp>
         <p:nvSpPr>
           <p:cNvPr id="14" name="Rectangle 13"/>
@@ -13038,162 +11518,6 @@
                 </a:solidFill>
               </a:rPr>
               <a:t>request data</a:t>
-            </a:r>
-            <a:endParaRPr lang="en-US" dirty="0">
-              <a:solidFill>
-                <a:srgbClr val="F8F8F8"/>
-              </a:solidFill>
-            </a:endParaRPr>
-          </a:p>
-        </p:txBody>
-      </p:sp>
-      <p:cxnSp>
-        <p:nvCxnSpPr>
-          <p:cNvPr id="19" name="Straight Arrow Connector 18"/>
-          <p:cNvCxnSpPr/>
-          <p:nvPr/>
-        </p:nvCxnSpPr>
-        <p:spPr>
-          <a:xfrm>
-            <a:off x="1567897" y="4410894"/>
-            <a:ext cx="0" cy="614240"/>
-          </a:xfrm>
-          <a:prstGeom prst="straightConnector1">
-            <a:avLst/>
-          </a:prstGeom>
-          <a:ln w="57150" cmpd="sng">
-            <a:solidFill>
-              <a:schemeClr val="accent2"/>
-            </a:solidFill>
-            <a:headEnd type="none"/>
-            <a:tailEnd type="triangle"/>
-          </a:ln>
-          <a:effectLst/>
-        </p:spPr>
-        <p:style>
-          <a:lnRef idx="2">
-            <a:schemeClr val="accent1"/>
-          </a:lnRef>
-          <a:fillRef idx="0">
-            <a:schemeClr val="accent1"/>
-          </a:fillRef>
-          <a:effectRef idx="1">
-            <a:schemeClr val="accent1"/>
-          </a:effectRef>
-          <a:fontRef idx="minor">
-            <a:schemeClr val="tx1"/>
-          </a:fontRef>
-        </p:style>
-      </p:cxnSp>
-      <p:sp>
-        <p:nvSpPr>
-          <p:cNvPr id="16" name="Rectangle 15"/>
-          <p:cNvSpPr/>
-          <p:nvPr/>
-        </p:nvSpPr>
-        <p:spPr>
-          <a:xfrm>
-            <a:off x="702737" y="4285338"/>
-            <a:ext cx="1730320" cy="396667"/>
-          </a:xfrm>
-          <a:prstGeom prst="rect">
-            <a:avLst/>
-          </a:prstGeom>
-          <a:solidFill>
-            <a:schemeClr val="accent5"/>
-          </a:solidFill>
-          <a:ln w="28575" cmpd="sng">
-            <a:solidFill>
-              <a:schemeClr val="accent1"/>
-            </a:solidFill>
-          </a:ln>
-          <a:effectLst/>
-        </p:spPr>
-        <p:style>
-          <a:lnRef idx="1">
-            <a:schemeClr val="accent1"/>
-          </a:lnRef>
-          <a:fillRef idx="3">
-            <a:schemeClr val="accent1"/>
-          </a:fillRef>
-          <a:effectRef idx="2">
-            <a:schemeClr val="accent1"/>
-          </a:effectRef>
-          <a:fontRef idx="minor">
-            <a:schemeClr val="lt1"/>
-          </a:fontRef>
-        </p:style>
-        <p:txBody>
-          <a:bodyPr rtlCol="0" anchor="ctr"/>
-          <a:lstStyle/>
-          <a:p>
-            <a:pPr algn="ctr"/>
-            <a:r>
-              <a:rPr lang="en-US" dirty="0" smtClean="0">
-                <a:solidFill>
-                  <a:srgbClr val="F8F8F8"/>
-                </a:solidFill>
-              </a:rPr>
-              <a:t>gather data</a:t>
-            </a:r>
-            <a:endParaRPr lang="en-US" dirty="0">
-              <a:solidFill>
-                <a:srgbClr val="F8F8F8"/>
-              </a:solidFill>
-            </a:endParaRPr>
-          </a:p>
-        </p:txBody>
-      </p:sp>
-      <p:sp>
-        <p:nvSpPr>
-          <p:cNvPr id="18" name="Rectangle 17"/>
-          <p:cNvSpPr/>
-          <p:nvPr/>
-        </p:nvSpPr>
-        <p:spPr>
-          <a:xfrm>
-            <a:off x="702737" y="5093893"/>
-            <a:ext cx="1730320" cy="396667"/>
-          </a:xfrm>
-          <a:prstGeom prst="rect">
-            <a:avLst/>
-          </a:prstGeom>
-          <a:solidFill>
-            <a:schemeClr val="accent5"/>
-          </a:solidFill>
-          <a:ln w="28575" cmpd="sng">
-            <a:solidFill>
-              <a:schemeClr val="accent1"/>
-            </a:solidFill>
-          </a:ln>
-          <a:effectLst/>
-        </p:spPr>
-        <p:style>
-          <a:lnRef idx="1">
-            <a:schemeClr val="accent1"/>
-          </a:lnRef>
-          <a:fillRef idx="3">
-            <a:schemeClr val="accent1"/>
-          </a:fillRef>
-          <a:effectRef idx="2">
-            <a:schemeClr val="accent1"/>
-          </a:effectRef>
-          <a:fontRef idx="minor">
-            <a:schemeClr val="lt1"/>
-          </a:fontRef>
-        </p:style>
-        <p:txBody>
-          <a:bodyPr rtlCol="0" anchor="ctr"/>
-          <a:lstStyle/>
-          <a:p>
-            <a:pPr algn="ctr"/>
-            <a:r>
-              <a:rPr lang="en-US" dirty="0" smtClean="0">
-                <a:solidFill>
-                  <a:srgbClr val="F8F8F8"/>
-                </a:solidFill>
-              </a:rPr>
-              <a:t>return data</a:t>
             </a:r>
             <a:endParaRPr lang="en-US" dirty="0">
               <a:solidFill>
@@ -13475,7 +11799,7 @@
     </p:spTree>
     <p:extLst>
       <p:ext uri="{BB962C8B-B14F-4D97-AF65-F5344CB8AC3E}">
-        <p14:creationId xmlns:p14="http://schemas.microsoft.com/office/powerpoint/2010/main" val="2161236216"/>
+        <p14:creationId xmlns:p14="http://schemas.microsoft.com/office/powerpoint/2010/main" val="1228894101"/>
       </p:ext>
     </p:extLst>
   </p:cSld>
@@ -14118,44 +12442,6 @@
           </a:p>
         </p:txBody>
       </p:sp>
-      <p:cxnSp>
-        <p:nvCxnSpPr>
-          <p:cNvPr id="19" name="Straight Arrow Connector 18"/>
-          <p:cNvCxnSpPr/>
-          <p:nvPr/>
-        </p:nvCxnSpPr>
-        <p:spPr>
-          <a:xfrm>
-            <a:off x="1567897" y="4410894"/>
-            <a:ext cx="0" cy="614240"/>
-          </a:xfrm>
-          <a:prstGeom prst="straightConnector1">
-            <a:avLst/>
-          </a:prstGeom>
-          <a:ln w="57150" cmpd="sng">
-            <a:solidFill>
-              <a:schemeClr val="accent2"/>
-            </a:solidFill>
-            <a:headEnd type="none"/>
-            <a:tailEnd type="triangle"/>
-          </a:ln>
-          <a:effectLst/>
-        </p:spPr>
-        <p:style>
-          <a:lnRef idx="2">
-            <a:schemeClr val="accent1"/>
-          </a:lnRef>
-          <a:fillRef idx="0">
-            <a:schemeClr val="accent1"/>
-          </a:fillRef>
-          <a:effectRef idx="1">
-            <a:schemeClr val="accent1"/>
-          </a:effectRef>
-          <a:fontRef idx="minor">
-            <a:schemeClr val="tx1"/>
-          </a:fontRef>
-        </p:style>
-      </p:cxnSp>
       <p:sp>
         <p:nvSpPr>
           <p:cNvPr id="16" name="Rectangle 15"/>
@@ -14206,162 +12492,6 @@
                 </a:solidFill>
               </a:rPr>
               <a:t>gather data</a:t>
-            </a:r>
-            <a:endParaRPr lang="en-US" dirty="0">
-              <a:solidFill>
-                <a:srgbClr val="F8F8F8"/>
-              </a:solidFill>
-            </a:endParaRPr>
-          </a:p>
-        </p:txBody>
-      </p:sp>
-      <p:cxnSp>
-        <p:nvCxnSpPr>
-          <p:cNvPr id="21" name="Straight Arrow Connector 20"/>
-          <p:cNvCxnSpPr/>
-          <p:nvPr/>
-        </p:nvCxnSpPr>
-        <p:spPr>
-          <a:xfrm>
-            <a:off x="2382257" y="5300588"/>
-            <a:ext cx="1218407" cy="0"/>
-          </a:xfrm>
-          <a:prstGeom prst="straightConnector1">
-            <a:avLst/>
-          </a:prstGeom>
-          <a:ln w="57150" cmpd="sng">
-            <a:solidFill>
-              <a:schemeClr val="accent2"/>
-            </a:solidFill>
-            <a:headEnd type="none"/>
-            <a:tailEnd type="triangle"/>
-          </a:ln>
-          <a:effectLst/>
-        </p:spPr>
-        <p:style>
-          <a:lnRef idx="2">
-            <a:schemeClr val="accent1"/>
-          </a:lnRef>
-          <a:fillRef idx="0">
-            <a:schemeClr val="accent1"/>
-          </a:fillRef>
-          <a:effectRef idx="1">
-            <a:schemeClr val="accent1"/>
-          </a:effectRef>
-          <a:fontRef idx="minor">
-            <a:schemeClr val="tx1"/>
-          </a:fontRef>
-        </p:style>
-      </p:cxnSp>
-      <p:sp>
-        <p:nvSpPr>
-          <p:cNvPr id="18" name="Rectangle 17"/>
-          <p:cNvSpPr/>
-          <p:nvPr/>
-        </p:nvSpPr>
-        <p:spPr>
-          <a:xfrm>
-            <a:off x="702737" y="5093893"/>
-            <a:ext cx="1730320" cy="396667"/>
-          </a:xfrm>
-          <a:prstGeom prst="rect">
-            <a:avLst/>
-          </a:prstGeom>
-          <a:solidFill>
-            <a:schemeClr val="accent5"/>
-          </a:solidFill>
-          <a:ln w="28575" cmpd="sng">
-            <a:solidFill>
-              <a:schemeClr val="accent1"/>
-            </a:solidFill>
-          </a:ln>
-          <a:effectLst/>
-        </p:spPr>
-        <p:style>
-          <a:lnRef idx="1">
-            <a:schemeClr val="accent1"/>
-          </a:lnRef>
-          <a:fillRef idx="3">
-            <a:schemeClr val="accent1"/>
-          </a:fillRef>
-          <a:effectRef idx="2">
-            <a:schemeClr val="accent1"/>
-          </a:effectRef>
-          <a:fontRef idx="minor">
-            <a:schemeClr val="lt1"/>
-          </a:fontRef>
-        </p:style>
-        <p:txBody>
-          <a:bodyPr rtlCol="0" anchor="ctr"/>
-          <a:lstStyle/>
-          <a:p>
-            <a:pPr algn="ctr"/>
-            <a:r>
-              <a:rPr lang="en-US" dirty="0" smtClean="0">
-                <a:solidFill>
-                  <a:srgbClr val="F8F8F8"/>
-                </a:solidFill>
-              </a:rPr>
-              <a:t>return data</a:t>
-            </a:r>
-            <a:endParaRPr lang="en-US" dirty="0">
-              <a:solidFill>
-                <a:srgbClr val="F8F8F8"/>
-              </a:solidFill>
-            </a:endParaRPr>
-          </a:p>
-        </p:txBody>
-      </p:sp>
-      <p:sp>
-        <p:nvSpPr>
-          <p:cNvPr id="20" name="Rectangle 19"/>
-          <p:cNvSpPr/>
-          <p:nvPr/>
-        </p:nvSpPr>
-        <p:spPr>
-          <a:xfrm>
-            <a:off x="3699937" y="5093893"/>
-            <a:ext cx="1730320" cy="396667"/>
-          </a:xfrm>
-          <a:prstGeom prst="rect">
-            <a:avLst/>
-          </a:prstGeom>
-          <a:solidFill>
-            <a:schemeClr val="accent4"/>
-          </a:solidFill>
-          <a:ln w="28575" cmpd="sng">
-            <a:solidFill>
-              <a:schemeClr val="accent1"/>
-            </a:solidFill>
-          </a:ln>
-          <a:effectLst/>
-        </p:spPr>
-        <p:style>
-          <a:lnRef idx="1">
-            <a:schemeClr val="accent1"/>
-          </a:lnRef>
-          <a:fillRef idx="3">
-            <a:schemeClr val="accent1"/>
-          </a:fillRef>
-          <a:effectRef idx="2">
-            <a:schemeClr val="accent1"/>
-          </a:effectRef>
-          <a:fontRef idx="minor">
-            <a:schemeClr val="lt1"/>
-          </a:fontRef>
-        </p:style>
-        <p:txBody>
-          <a:bodyPr rtlCol="0" anchor="ctr"/>
-          <a:lstStyle/>
-          <a:p>
-            <a:pPr algn="ctr"/>
-            <a:r>
-              <a:rPr lang="en-US" dirty="0" smtClean="0">
-                <a:solidFill>
-                  <a:srgbClr val="F8F8F8"/>
-                </a:solidFill>
-              </a:rPr>
-              <a:t>forward data</a:t>
             </a:r>
             <a:endParaRPr lang="en-US" dirty="0">
               <a:solidFill>
@@ -14643,7 +12773,7 @@
     </p:spTree>
     <p:extLst>
       <p:ext uri="{BB962C8B-B14F-4D97-AF65-F5344CB8AC3E}">
-        <p14:creationId xmlns:p14="http://schemas.microsoft.com/office/powerpoint/2010/main" val="4197247014"/>
+        <p14:creationId xmlns:p14="http://schemas.microsoft.com/office/powerpoint/2010/main" val="1911309529"/>
       </p:ext>
     </p:extLst>
   </p:cSld>
@@ -15383,44 +13513,6 @@
           </a:p>
         </p:txBody>
       </p:sp>
-      <p:cxnSp>
-        <p:nvCxnSpPr>
-          <p:cNvPr id="21" name="Straight Arrow Connector 20"/>
-          <p:cNvCxnSpPr/>
-          <p:nvPr/>
-        </p:nvCxnSpPr>
-        <p:spPr>
-          <a:xfrm>
-            <a:off x="2382257" y="5300588"/>
-            <a:ext cx="1218407" cy="0"/>
-          </a:xfrm>
-          <a:prstGeom prst="straightConnector1">
-            <a:avLst/>
-          </a:prstGeom>
-          <a:ln w="57150" cmpd="sng">
-            <a:solidFill>
-              <a:schemeClr val="accent2"/>
-            </a:solidFill>
-            <a:headEnd type="none"/>
-            <a:tailEnd type="triangle"/>
-          </a:ln>
-          <a:effectLst/>
-        </p:spPr>
-        <p:style>
-          <a:lnRef idx="2">
-            <a:schemeClr val="accent1"/>
-          </a:lnRef>
-          <a:fillRef idx="0">
-            <a:schemeClr val="accent1"/>
-          </a:fillRef>
-          <a:effectRef idx="1">
-            <a:schemeClr val="accent1"/>
-          </a:effectRef>
-          <a:fontRef idx="minor">
-            <a:schemeClr val="tx1"/>
-          </a:fontRef>
-        </p:style>
-      </p:cxnSp>
       <p:sp>
         <p:nvSpPr>
           <p:cNvPr id="18" name="Rectangle 17"/>
@@ -15471,162 +13563,6 @@
                 </a:solidFill>
               </a:rPr>
               <a:t>return data</a:t>
-            </a:r>
-            <a:endParaRPr lang="en-US" dirty="0">
-              <a:solidFill>
-                <a:srgbClr val="F8F8F8"/>
-              </a:solidFill>
-            </a:endParaRPr>
-          </a:p>
-        </p:txBody>
-      </p:sp>
-      <p:sp>
-        <p:nvSpPr>
-          <p:cNvPr id="22" name="Rectangle 21"/>
-          <p:cNvSpPr/>
-          <p:nvPr/>
-        </p:nvSpPr>
-        <p:spPr>
-          <a:xfrm>
-            <a:off x="6755607" y="5102254"/>
-            <a:ext cx="1730320" cy="396667"/>
-          </a:xfrm>
-          <a:prstGeom prst="rect">
-            <a:avLst/>
-          </a:prstGeom>
-          <a:solidFill>
-            <a:schemeClr val="accent6"/>
-          </a:solidFill>
-          <a:ln w="28575" cmpd="sng">
-            <a:solidFill>
-              <a:schemeClr val="accent1"/>
-            </a:solidFill>
-          </a:ln>
-          <a:effectLst/>
-        </p:spPr>
-        <p:style>
-          <a:lnRef idx="1">
-            <a:schemeClr val="accent1"/>
-          </a:lnRef>
-          <a:fillRef idx="3">
-            <a:schemeClr val="accent1"/>
-          </a:fillRef>
-          <a:effectRef idx="2">
-            <a:schemeClr val="accent1"/>
-          </a:effectRef>
-          <a:fontRef idx="minor">
-            <a:schemeClr val="lt1"/>
-          </a:fontRef>
-        </p:style>
-        <p:txBody>
-          <a:bodyPr rtlCol="0" anchor="ctr"/>
-          <a:lstStyle/>
-          <a:p>
-            <a:pPr algn="ctr"/>
-            <a:r>
-              <a:rPr lang="en-US" dirty="0" smtClean="0">
-                <a:solidFill>
-                  <a:srgbClr val="F8F8F8"/>
-                </a:solidFill>
-              </a:rPr>
-              <a:t>display data</a:t>
-            </a:r>
-            <a:endParaRPr lang="en-US" dirty="0">
-              <a:solidFill>
-                <a:srgbClr val="F8F8F8"/>
-              </a:solidFill>
-            </a:endParaRPr>
-          </a:p>
-        </p:txBody>
-      </p:sp>
-      <p:cxnSp>
-        <p:nvCxnSpPr>
-          <p:cNvPr id="23" name="Straight Arrow Connector 22"/>
-          <p:cNvCxnSpPr/>
-          <p:nvPr/>
-        </p:nvCxnSpPr>
-        <p:spPr>
-          <a:xfrm>
-            <a:off x="5430257" y="5300588"/>
-            <a:ext cx="1218407" cy="0"/>
-          </a:xfrm>
-          <a:prstGeom prst="straightConnector1">
-            <a:avLst/>
-          </a:prstGeom>
-          <a:ln w="57150" cmpd="sng">
-            <a:solidFill>
-              <a:schemeClr val="accent2"/>
-            </a:solidFill>
-            <a:headEnd type="none"/>
-            <a:tailEnd type="triangle"/>
-          </a:ln>
-          <a:effectLst/>
-        </p:spPr>
-        <p:style>
-          <a:lnRef idx="2">
-            <a:schemeClr val="accent1"/>
-          </a:lnRef>
-          <a:fillRef idx="0">
-            <a:schemeClr val="accent1"/>
-          </a:fillRef>
-          <a:effectRef idx="1">
-            <a:schemeClr val="accent1"/>
-          </a:effectRef>
-          <a:fontRef idx="minor">
-            <a:schemeClr val="tx1"/>
-          </a:fontRef>
-        </p:style>
-      </p:cxnSp>
-      <p:sp>
-        <p:nvSpPr>
-          <p:cNvPr id="20" name="Rectangle 19"/>
-          <p:cNvSpPr/>
-          <p:nvPr/>
-        </p:nvSpPr>
-        <p:spPr>
-          <a:xfrm>
-            <a:off x="3699937" y="5093893"/>
-            <a:ext cx="1730320" cy="396667"/>
-          </a:xfrm>
-          <a:prstGeom prst="rect">
-            <a:avLst/>
-          </a:prstGeom>
-          <a:solidFill>
-            <a:schemeClr val="accent4"/>
-          </a:solidFill>
-          <a:ln w="28575" cmpd="sng">
-            <a:solidFill>
-              <a:schemeClr val="accent1"/>
-            </a:solidFill>
-          </a:ln>
-          <a:effectLst/>
-        </p:spPr>
-        <p:style>
-          <a:lnRef idx="1">
-            <a:schemeClr val="accent1"/>
-          </a:lnRef>
-          <a:fillRef idx="3">
-            <a:schemeClr val="accent1"/>
-          </a:fillRef>
-          <a:effectRef idx="2">
-            <a:schemeClr val="accent1"/>
-          </a:effectRef>
-          <a:fontRef idx="minor">
-            <a:schemeClr val="lt1"/>
-          </a:fontRef>
-        </p:style>
-        <p:txBody>
-          <a:bodyPr rtlCol="0" anchor="ctr"/>
-          <a:lstStyle/>
-          <a:p>
-            <a:pPr algn="ctr"/>
-            <a:r>
-              <a:rPr lang="en-US" dirty="0" smtClean="0">
-                <a:solidFill>
-                  <a:srgbClr val="F8F8F8"/>
-                </a:solidFill>
-              </a:rPr>
-              <a:t>forward data</a:t>
             </a:r>
             <a:endParaRPr lang="en-US" dirty="0">
               <a:solidFill>
@@ -15908,7 +13844,7 @@
     </p:spTree>
     <p:extLst>
       <p:ext uri="{BB962C8B-B14F-4D97-AF65-F5344CB8AC3E}">
-        <p14:creationId xmlns:p14="http://schemas.microsoft.com/office/powerpoint/2010/main" val="1743989980"/>
+        <p14:creationId xmlns:p14="http://schemas.microsoft.com/office/powerpoint/2010/main" val="2161236216"/>
       </p:ext>
     </p:extLst>
   </p:cSld>
@@ -15960,6 +13896,2439 @@
         </p:spPr>
         <p:txBody>
           <a:bodyPr>
+            <a:normAutofit/>
+          </a:bodyPr>
+          <a:lstStyle/>
+          <a:p>
+            <a:r>
+              <a:rPr lang="en-US" dirty="0" smtClean="0"/>
+              <a:t>TODO’s: List</a:t>
+            </a:r>
+            <a:endParaRPr lang="en-US" dirty="0"/>
+          </a:p>
+        </p:txBody>
+      </p:sp>
+      <p:sp>
+        <p:nvSpPr>
+          <p:cNvPr id="3" name="Footer Placeholder 2"/>
+          <p:cNvSpPr>
+            <a:spLocks noGrp="1"/>
+          </p:cNvSpPr>
+          <p:nvPr>
+            <p:ph type="ftr" sz="quarter" idx="3"/>
+          </p:nvPr>
+        </p:nvSpPr>
+        <p:spPr/>
+        <p:txBody>
+          <a:bodyPr/>
+          <a:lstStyle/>
+          <a:p>
+            <a:r>
+              <a:rPr lang="en-US" smtClean="0"/>
+              <a:t>Model – View – Controller: A Design Pattern</a:t>
+            </a:r>
+            <a:endParaRPr lang="en-US" dirty="0"/>
+          </a:p>
+        </p:txBody>
+      </p:sp>
+      <p:sp>
+        <p:nvSpPr>
+          <p:cNvPr id="4" name="Rectangle 3"/>
+          <p:cNvSpPr/>
+          <p:nvPr/>
+        </p:nvSpPr>
+        <p:spPr>
+          <a:xfrm>
+            <a:off x="512064" y="2723877"/>
+            <a:ext cx="2150017" cy="3058909"/>
+          </a:xfrm>
+          <a:prstGeom prst="rect">
+            <a:avLst/>
+          </a:prstGeom>
+          <a:solidFill>
+            <a:srgbClr val="00A9B9"/>
+          </a:solidFill>
+          <a:ln>
+            <a:noFill/>
+          </a:ln>
+          <a:effectLst/>
+        </p:spPr>
+        <p:style>
+          <a:lnRef idx="1">
+            <a:schemeClr val="accent1"/>
+          </a:lnRef>
+          <a:fillRef idx="3">
+            <a:schemeClr val="accent1"/>
+          </a:fillRef>
+          <a:effectRef idx="2">
+            <a:schemeClr val="accent1"/>
+          </a:effectRef>
+          <a:fontRef idx="minor">
+            <a:schemeClr val="lt1"/>
+          </a:fontRef>
+        </p:style>
+        <p:txBody>
+          <a:bodyPr rtlCol="0" anchor="t"/>
+          <a:lstStyle/>
+          <a:p>
+            <a:endParaRPr lang="en-US" sz="2200" dirty="0">
+              <a:solidFill>
+                <a:schemeClr val="accent1"/>
+              </a:solidFill>
+            </a:endParaRPr>
+          </a:p>
+          <a:p>
+            <a:pPr marL="111125"/>
+            <a:endParaRPr lang="en-US" sz="2200" dirty="0" smtClean="0">
+              <a:solidFill>
+                <a:schemeClr val="accent1"/>
+              </a:solidFill>
+            </a:endParaRPr>
+          </a:p>
+        </p:txBody>
+      </p:sp>
+      <p:sp>
+        <p:nvSpPr>
+          <p:cNvPr id="5" name="Rectangle 4"/>
+          <p:cNvSpPr/>
+          <p:nvPr/>
+        </p:nvSpPr>
+        <p:spPr>
+          <a:xfrm>
+            <a:off x="3493911" y="2668662"/>
+            <a:ext cx="2150017" cy="3058909"/>
+          </a:xfrm>
+          <a:prstGeom prst="rect">
+            <a:avLst/>
+          </a:prstGeom>
+          <a:solidFill>
+            <a:srgbClr val="EA4A3C"/>
+          </a:solidFill>
+          <a:ln>
+            <a:noFill/>
+          </a:ln>
+          <a:effectLst/>
+        </p:spPr>
+        <p:style>
+          <a:lnRef idx="1">
+            <a:schemeClr val="accent1"/>
+          </a:lnRef>
+          <a:fillRef idx="3">
+            <a:schemeClr val="accent1"/>
+          </a:fillRef>
+          <a:effectRef idx="2">
+            <a:schemeClr val="accent1"/>
+          </a:effectRef>
+          <a:fontRef idx="minor">
+            <a:schemeClr val="lt1"/>
+          </a:fontRef>
+        </p:style>
+        <p:txBody>
+          <a:bodyPr rtlCol="0" anchor="t"/>
+          <a:lstStyle/>
+          <a:p>
+            <a:pPr marL="111125"/>
+            <a:endParaRPr lang="en-US" sz="2200" dirty="0" smtClean="0">
+              <a:solidFill>
+                <a:srgbClr val="F8F8F8"/>
+              </a:solidFill>
+            </a:endParaRPr>
+          </a:p>
+          <a:p>
+            <a:pPr marL="111125"/>
+            <a:endParaRPr lang="en-US" sz="2200" dirty="0" smtClean="0">
+              <a:solidFill>
+                <a:srgbClr val="F8F8F8"/>
+              </a:solidFill>
+            </a:endParaRPr>
+          </a:p>
+        </p:txBody>
+      </p:sp>
+      <p:sp>
+        <p:nvSpPr>
+          <p:cNvPr id="6" name="Rectangle 5"/>
+          <p:cNvSpPr/>
+          <p:nvPr/>
+        </p:nvSpPr>
+        <p:spPr>
+          <a:xfrm>
+            <a:off x="6536783" y="2723877"/>
+            <a:ext cx="2150017" cy="3058909"/>
+          </a:xfrm>
+          <a:prstGeom prst="rect">
+            <a:avLst/>
+          </a:prstGeom>
+          <a:solidFill>
+            <a:schemeClr val="accent6"/>
+          </a:solidFill>
+          <a:ln>
+            <a:noFill/>
+          </a:ln>
+          <a:effectLst/>
+        </p:spPr>
+        <p:style>
+          <a:lnRef idx="1">
+            <a:schemeClr val="accent1"/>
+          </a:lnRef>
+          <a:fillRef idx="3">
+            <a:schemeClr val="accent1"/>
+          </a:fillRef>
+          <a:effectRef idx="2">
+            <a:schemeClr val="accent1"/>
+          </a:effectRef>
+          <a:fontRef idx="minor">
+            <a:schemeClr val="lt1"/>
+          </a:fontRef>
+        </p:style>
+        <p:txBody>
+          <a:bodyPr rtlCol="0" anchor="t"/>
+          <a:lstStyle/>
+          <a:p>
+            <a:pPr marL="111125"/>
+            <a:endParaRPr lang="en-US" sz="2200" dirty="0" smtClean="0">
+              <a:solidFill>
+                <a:srgbClr val="F8F8F8"/>
+              </a:solidFill>
+            </a:endParaRPr>
+          </a:p>
+          <a:p>
+            <a:pPr marL="111125"/>
+            <a:endParaRPr lang="en-US" sz="2200" dirty="0" smtClean="0">
+              <a:solidFill>
+                <a:srgbClr val="F8F8F8"/>
+              </a:solidFill>
+            </a:endParaRPr>
+          </a:p>
+        </p:txBody>
+      </p:sp>
+      <p:sp>
+        <p:nvSpPr>
+          <p:cNvPr id="8" name="TextBox 7"/>
+          <p:cNvSpPr txBox="1"/>
+          <p:nvPr/>
+        </p:nvSpPr>
+        <p:spPr>
+          <a:xfrm>
+            <a:off x="457200" y="1865376"/>
+            <a:ext cx="2204881" cy="584776"/>
+          </a:xfrm>
+          <a:prstGeom prst="rect">
+            <a:avLst/>
+          </a:prstGeom>
+          <a:noFill/>
+        </p:spPr>
+        <p:txBody>
+          <a:bodyPr wrap="square" rtlCol="0">
+            <a:spAutoFit/>
+          </a:bodyPr>
+          <a:lstStyle/>
+          <a:p>
+            <a:pPr algn="ctr"/>
+            <a:r>
+              <a:rPr lang="en-US" sz="3200" dirty="0" smtClean="0"/>
+              <a:t>Model</a:t>
+            </a:r>
+            <a:endParaRPr lang="en-US" sz="3200" dirty="0"/>
+          </a:p>
+        </p:txBody>
+      </p:sp>
+      <p:sp>
+        <p:nvSpPr>
+          <p:cNvPr id="10" name="TextBox 9"/>
+          <p:cNvSpPr txBox="1"/>
+          <p:nvPr/>
+        </p:nvSpPr>
+        <p:spPr>
+          <a:xfrm>
+            <a:off x="3493911" y="1865376"/>
+            <a:ext cx="2204881" cy="584776"/>
+          </a:xfrm>
+          <a:prstGeom prst="rect">
+            <a:avLst/>
+          </a:prstGeom>
+          <a:noFill/>
+        </p:spPr>
+        <p:txBody>
+          <a:bodyPr wrap="square" rtlCol="0">
+            <a:spAutoFit/>
+          </a:bodyPr>
+          <a:lstStyle/>
+          <a:p>
+            <a:pPr algn="ctr"/>
+            <a:r>
+              <a:rPr lang="en-US" sz="3200" dirty="0" smtClean="0"/>
+              <a:t>Controller</a:t>
+            </a:r>
+            <a:endParaRPr lang="en-US" sz="3200" dirty="0"/>
+          </a:p>
+        </p:txBody>
+      </p:sp>
+      <p:sp>
+        <p:nvSpPr>
+          <p:cNvPr id="11" name="TextBox 10"/>
+          <p:cNvSpPr txBox="1"/>
+          <p:nvPr/>
+        </p:nvSpPr>
+        <p:spPr>
+          <a:xfrm>
+            <a:off x="6536783" y="1865376"/>
+            <a:ext cx="2204881" cy="584776"/>
+          </a:xfrm>
+          <a:prstGeom prst="rect">
+            <a:avLst/>
+          </a:prstGeom>
+          <a:noFill/>
+        </p:spPr>
+        <p:txBody>
+          <a:bodyPr wrap="square" rtlCol="0">
+            <a:spAutoFit/>
+          </a:bodyPr>
+          <a:lstStyle/>
+          <a:p>
+            <a:pPr algn="ctr"/>
+            <a:r>
+              <a:rPr lang="en-US" sz="3200" dirty="0" smtClean="0"/>
+              <a:t>View</a:t>
+            </a:r>
+            <a:endParaRPr lang="en-US" sz="3200" dirty="0"/>
+          </a:p>
+        </p:txBody>
+      </p:sp>
+      <p:cxnSp>
+        <p:nvCxnSpPr>
+          <p:cNvPr id="12" name="Straight Arrow Connector 11"/>
+          <p:cNvCxnSpPr>
+            <a:stCxn id="7" idx="1"/>
+          </p:cNvCxnSpPr>
+          <p:nvPr/>
+        </p:nvCxnSpPr>
+        <p:spPr>
+          <a:xfrm flipH="1">
+            <a:off x="5537200" y="3732192"/>
+            <a:ext cx="1218407" cy="0"/>
+          </a:xfrm>
+          <a:prstGeom prst="straightConnector1">
+            <a:avLst/>
+          </a:prstGeom>
+          <a:ln w="57150" cmpd="sng">
+            <a:solidFill>
+              <a:schemeClr val="accent2"/>
+            </a:solidFill>
+            <a:headEnd type="none"/>
+            <a:tailEnd type="triangle"/>
+          </a:ln>
+          <a:effectLst/>
+        </p:spPr>
+        <p:style>
+          <a:lnRef idx="2">
+            <a:schemeClr val="accent1"/>
+          </a:lnRef>
+          <a:fillRef idx="0">
+            <a:schemeClr val="accent1"/>
+          </a:fillRef>
+          <a:effectRef idx="1">
+            <a:schemeClr val="accent1"/>
+          </a:effectRef>
+          <a:fontRef idx="minor">
+            <a:schemeClr val="tx1"/>
+          </a:fontRef>
+        </p:style>
+      </p:cxnSp>
+      <p:sp>
+        <p:nvSpPr>
+          <p:cNvPr id="7" name="Rectangle 6"/>
+          <p:cNvSpPr/>
+          <p:nvPr/>
+        </p:nvSpPr>
+        <p:spPr>
+          <a:xfrm>
+            <a:off x="6755607" y="3533858"/>
+            <a:ext cx="1730320" cy="396667"/>
+          </a:xfrm>
+          <a:prstGeom prst="rect">
+            <a:avLst/>
+          </a:prstGeom>
+          <a:solidFill>
+            <a:schemeClr val="accent6"/>
+          </a:solidFill>
+          <a:ln w="28575" cmpd="sng">
+            <a:solidFill>
+              <a:schemeClr val="accent1"/>
+            </a:solidFill>
+          </a:ln>
+          <a:effectLst/>
+        </p:spPr>
+        <p:style>
+          <a:lnRef idx="1">
+            <a:schemeClr val="accent1"/>
+          </a:lnRef>
+          <a:fillRef idx="3">
+            <a:schemeClr val="accent1"/>
+          </a:fillRef>
+          <a:effectRef idx="2">
+            <a:schemeClr val="accent1"/>
+          </a:effectRef>
+          <a:fontRef idx="minor">
+            <a:schemeClr val="lt1"/>
+          </a:fontRef>
+        </p:style>
+        <p:txBody>
+          <a:bodyPr rtlCol="0" anchor="ctr"/>
+          <a:lstStyle/>
+          <a:p>
+            <a:pPr algn="ctr"/>
+            <a:r>
+              <a:rPr lang="en-US" dirty="0" smtClean="0">
+                <a:solidFill>
+                  <a:srgbClr val="F8F8F8"/>
+                </a:solidFill>
+              </a:rPr>
+              <a:t>send input</a:t>
+            </a:r>
+            <a:endParaRPr lang="en-US" dirty="0">
+              <a:solidFill>
+                <a:srgbClr val="F8F8F8"/>
+              </a:solidFill>
+            </a:endParaRPr>
+          </a:p>
+        </p:txBody>
+      </p:sp>
+      <p:cxnSp>
+        <p:nvCxnSpPr>
+          <p:cNvPr id="15" name="Straight Arrow Connector 14"/>
+          <p:cNvCxnSpPr/>
+          <p:nvPr/>
+        </p:nvCxnSpPr>
+        <p:spPr>
+          <a:xfrm>
+            <a:off x="4565097" y="3673683"/>
+            <a:ext cx="0" cy="614240"/>
+          </a:xfrm>
+          <a:prstGeom prst="straightConnector1">
+            <a:avLst/>
+          </a:prstGeom>
+          <a:ln w="57150" cmpd="sng">
+            <a:solidFill>
+              <a:schemeClr val="accent2"/>
+            </a:solidFill>
+            <a:headEnd type="none"/>
+            <a:tailEnd type="triangle"/>
+          </a:ln>
+          <a:effectLst/>
+        </p:spPr>
+        <p:style>
+          <a:lnRef idx="2">
+            <a:schemeClr val="accent1"/>
+          </a:lnRef>
+          <a:fillRef idx="0">
+            <a:schemeClr val="accent1"/>
+          </a:fillRef>
+          <a:effectRef idx="1">
+            <a:schemeClr val="accent1"/>
+          </a:effectRef>
+          <a:fontRef idx="minor">
+            <a:schemeClr val="tx1"/>
+          </a:fontRef>
+        </p:style>
+      </p:cxnSp>
+      <p:sp>
+        <p:nvSpPr>
+          <p:cNvPr id="13" name="Rectangle 12"/>
+          <p:cNvSpPr/>
+          <p:nvPr/>
+        </p:nvSpPr>
+        <p:spPr>
+          <a:xfrm>
+            <a:off x="3699937" y="3533858"/>
+            <a:ext cx="1730320" cy="396667"/>
+          </a:xfrm>
+          <a:prstGeom prst="rect">
+            <a:avLst/>
+          </a:prstGeom>
+          <a:solidFill>
+            <a:schemeClr val="accent4"/>
+          </a:solidFill>
+          <a:ln w="28575" cmpd="sng">
+            <a:solidFill>
+              <a:schemeClr val="accent1"/>
+            </a:solidFill>
+          </a:ln>
+          <a:effectLst/>
+        </p:spPr>
+        <p:style>
+          <a:lnRef idx="1">
+            <a:schemeClr val="accent1"/>
+          </a:lnRef>
+          <a:fillRef idx="3">
+            <a:schemeClr val="accent1"/>
+          </a:fillRef>
+          <a:effectRef idx="2">
+            <a:schemeClr val="accent1"/>
+          </a:effectRef>
+          <a:fontRef idx="minor">
+            <a:schemeClr val="lt1"/>
+          </a:fontRef>
+        </p:style>
+        <p:txBody>
+          <a:bodyPr rtlCol="0" anchor="ctr"/>
+          <a:lstStyle/>
+          <a:p>
+            <a:pPr algn="ctr"/>
+            <a:r>
+              <a:rPr lang="en-US" dirty="0" smtClean="0">
+                <a:solidFill>
+                  <a:srgbClr val="F8F8F8"/>
+                </a:solidFill>
+              </a:rPr>
+              <a:t>interpret input</a:t>
+            </a:r>
+            <a:endParaRPr lang="en-US" dirty="0">
+              <a:solidFill>
+                <a:srgbClr val="F8F8F8"/>
+              </a:solidFill>
+            </a:endParaRPr>
+          </a:p>
+        </p:txBody>
+      </p:sp>
+      <p:cxnSp>
+        <p:nvCxnSpPr>
+          <p:cNvPr id="17" name="Straight Arrow Connector 16"/>
+          <p:cNvCxnSpPr/>
+          <p:nvPr/>
+        </p:nvCxnSpPr>
+        <p:spPr>
+          <a:xfrm flipH="1">
+            <a:off x="2445133" y="4494636"/>
+            <a:ext cx="1218407" cy="0"/>
+          </a:xfrm>
+          <a:prstGeom prst="straightConnector1">
+            <a:avLst/>
+          </a:prstGeom>
+          <a:ln w="57150" cmpd="sng">
+            <a:solidFill>
+              <a:schemeClr val="accent2"/>
+            </a:solidFill>
+            <a:headEnd type="none"/>
+            <a:tailEnd type="triangle"/>
+          </a:ln>
+          <a:effectLst/>
+        </p:spPr>
+        <p:style>
+          <a:lnRef idx="2">
+            <a:schemeClr val="accent1"/>
+          </a:lnRef>
+          <a:fillRef idx="0">
+            <a:schemeClr val="accent1"/>
+          </a:fillRef>
+          <a:effectRef idx="1">
+            <a:schemeClr val="accent1"/>
+          </a:effectRef>
+          <a:fontRef idx="minor">
+            <a:schemeClr val="tx1"/>
+          </a:fontRef>
+        </p:style>
+      </p:cxnSp>
+      <p:sp>
+        <p:nvSpPr>
+          <p:cNvPr id="14" name="Rectangle 13"/>
+          <p:cNvSpPr/>
+          <p:nvPr/>
+        </p:nvSpPr>
+        <p:spPr>
+          <a:xfrm>
+            <a:off x="3699937" y="4285338"/>
+            <a:ext cx="1730320" cy="396667"/>
+          </a:xfrm>
+          <a:prstGeom prst="rect">
+            <a:avLst/>
+          </a:prstGeom>
+          <a:solidFill>
+            <a:schemeClr val="accent4"/>
+          </a:solidFill>
+          <a:ln w="28575" cmpd="sng">
+            <a:solidFill>
+              <a:schemeClr val="accent1"/>
+            </a:solidFill>
+          </a:ln>
+          <a:effectLst/>
+        </p:spPr>
+        <p:style>
+          <a:lnRef idx="1">
+            <a:schemeClr val="accent1"/>
+          </a:lnRef>
+          <a:fillRef idx="3">
+            <a:schemeClr val="accent1"/>
+          </a:fillRef>
+          <a:effectRef idx="2">
+            <a:schemeClr val="accent1"/>
+          </a:effectRef>
+          <a:fontRef idx="minor">
+            <a:schemeClr val="lt1"/>
+          </a:fontRef>
+        </p:style>
+        <p:txBody>
+          <a:bodyPr rtlCol="0" anchor="ctr"/>
+          <a:lstStyle/>
+          <a:p>
+            <a:pPr algn="ctr"/>
+            <a:r>
+              <a:rPr lang="en-US" dirty="0" smtClean="0">
+                <a:solidFill>
+                  <a:srgbClr val="F8F8F8"/>
+                </a:solidFill>
+              </a:rPr>
+              <a:t>request data</a:t>
+            </a:r>
+            <a:endParaRPr lang="en-US" dirty="0">
+              <a:solidFill>
+                <a:srgbClr val="F8F8F8"/>
+              </a:solidFill>
+            </a:endParaRPr>
+          </a:p>
+        </p:txBody>
+      </p:sp>
+      <p:cxnSp>
+        <p:nvCxnSpPr>
+          <p:cNvPr id="19" name="Straight Arrow Connector 18"/>
+          <p:cNvCxnSpPr/>
+          <p:nvPr/>
+        </p:nvCxnSpPr>
+        <p:spPr>
+          <a:xfrm>
+            <a:off x="1567897" y="4410894"/>
+            <a:ext cx="0" cy="614240"/>
+          </a:xfrm>
+          <a:prstGeom prst="straightConnector1">
+            <a:avLst/>
+          </a:prstGeom>
+          <a:ln w="57150" cmpd="sng">
+            <a:solidFill>
+              <a:schemeClr val="accent2"/>
+            </a:solidFill>
+            <a:headEnd type="none"/>
+            <a:tailEnd type="triangle"/>
+          </a:ln>
+          <a:effectLst/>
+        </p:spPr>
+        <p:style>
+          <a:lnRef idx="2">
+            <a:schemeClr val="accent1"/>
+          </a:lnRef>
+          <a:fillRef idx="0">
+            <a:schemeClr val="accent1"/>
+          </a:fillRef>
+          <a:effectRef idx="1">
+            <a:schemeClr val="accent1"/>
+          </a:effectRef>
+          <a:fontRef idx="minor">
+            <a:schemeClr val="tx1"/>
+          </a:fontRef>
+        </p:style>
+      </p:cxnSp>
+      <p:sp>
+        <p:nvSpPr>
+          <p:cNvPr id="16" name="Rectangle 15"/>
+          <p:cNvSpPr/>
+          <p:nvPr/>
+        </p:nvSpPr>
+        <p:spPr>
+          <a:xfrm>
+            <a:off x="702737" y="4285338"/>
+            <a:ext cx="1730320" cy="396667"/>
+          </a:xfrm>
+          <a:prstGeom prst="rect">
+            <a:avLst/>
+          </a:prstGeom>
+          <a:solidFill>
+            <a:schemeClr val="accent5"/>
+          </a:solidFill>
+          <a:ln w="28575" cmpd="sng">
+            <a:solidFill>
+              <a:schemeClr val="accent1"/>
+            </a:solidFill>
+          </a:ln>
+          <a:effectLst/>
+        </p:spPr>
+        <p:style>
+          <a:lnRef idx="1">
+            <a:schemeClr val="accent1"/>
+          </a:lnRef>
+          <a:fillRef idx="3">
+            <a:schemeClr val="accent1"/>
+          </a:fillRef>
+          <a:effectRef idx="2">
+            <a:schemeClr val="accent1"/>
+          </a:effectRef>
+          <a:fontRef idx="minor">
+            <a:schemeClr val="lt1"/>
+          </a:fontRef>
+        </p:style>
+        <p:txBody>
+          <a:bodyPr rtlCol="0" anchor="ctr"/>
+          <a:lstStyle/>
+          <a:p>
+            <a:pPr algn="ctr"/>
+            <a:r>
+              <a:rPr lang="en-US" dirty="0" smtClean="0">
+                <a:solidFill>
+                  <a:srgbClr val="F8F8F8"/>
+                </a:solidFill>
+              </a:rPr>
+              <a:t>gather data</a:t>
+            </a:r>
+            <a:endParaRPr lang="en-US" dirty="0">
+              <a:solidFill>
+                <a:srgbClr val="F8F8F8"/>
+              </a:solidFill>
+            </a:endParaRPr>
+          </a:p>
+        </p:txBody>
+      </p:sp>
+      <p:cxnSp>
+        <p:nvCxnSpPr>
+          <p:cNvPr id="21" name="Straight Arrow Connector 20"/>
+          <p:cNvCxnSpPr/>
+          <p:nvPr/>
+        </p:nvCxnSpPr>
+        <p:spPr>
+          <a:xfrm>
+            <a:off x="2382257" y="5300588"/>
+            <a:ext cx="1218407" cy="0"/>
+          </a:xfrm>
+          <a:prstGeom prst="straightConnector1">
+            <a:avLst/>
+          </a:prstGeom>
+          <a:ln w="57150" cmpd="sng">
+            <a:solidFill>
+              <a:schemeClr val="accent2"/>
+            </a:solidFill>
+            <a:headEnd type="none"/>
+            <a:tailEnd type="triangle"/>
+          </a:ln>
+          <a:effectLst/>
+        </p:spPr>
+        <p:style>
+          <a:lnRef idx="2">
+            <a:schemeClr val="accent1"/>
+          </a:lnRef>
+          <a:fillRef idx="0">
+            <a:schemeClr val="accent1"/>
+          </a:fillRef>
+          <a:effectRef idx="1">
+            <a:schemeClr val="accent1"/>
+          </a:effectRef>
+          <a:fontRef idx="minor">
+            <a:schemeClr val="tx1"/>
+          </a:fontRef>
+        </p:style>
+      </p:cxnSp>
+      <p:sp>
+        <p:nvSpPr>
+          <p:cNvPr id="18" name="Rectangle 17"/>
+          <p:cNvSpPr/>
+          <p:nvPr/>
+        </p:nvSpPr>
+        <p:spPr>
+          <a:xfrm>
+            <a:off x="702737" y="5093893"/>
+            <a:ext cx="1730320" cy="396667"/>
+          </a:xfrm>
+          <a:prstGeom prst="rect">
+            <a:avLst/>
+          </a:prstGeom>
+          <a:solidFill>
+            <a:schemeClr val="accent5"/>
+          </a:solidFill>
+          <a:ln w="28575" cmpd="sng">
+            <a:solidFill>
+              <a:schemeClr val="accent1"/>
+            </a:solidFill>
+          </a:ln>
+          <a:effectLst/>
+        </p:spPr>
+        <p:style>
+          <a:lnRef idx="1">
+            <a:schemeClr val="accent1"/>
+          </a:lnRef>
+          <a:fillRef idx="3">
+            <a:schemeClr val="accent1"/>
+          </a:fillRef>
+          <a:effectRef idx="2">
+            <a:schemeClr val="accent1"/>
+          </a:effectRef>
+          <a:fontRef idx="minor">
+            <a:schemeClr val="lt1"/>
+          </a:fontRef>
+        </p:style>
+        <p:txBody>
+          <a:bodyPr rtlCol="0" anchor="ctr"/>
+          <a:lstStyle/>
+          <a:p>
+            <a:pPr algn="ctr"/>
+            <a:r>
+              <a:rPr lang="en-US" dirty="0" smtClean="0">
+                <a:solidFill>
+                  <a:srgbClr val="F8F8F8"/>
+                </a:solidFill>
+              </a:rPr>
+              <a:t>return data</a:t>
+            </a:r>
+            <a:endParaRPr lang="en-US" dirty="0">
+              <a:solidFill>
+                <a:srgbClr val="F8F8F8"/>
+              </a:solidFill>
+            </a:endParaRPr>
+          </a:p>
+        </p:txBody>
+      </p:sp>
+      <p:sp>
+        <p:nvSpPr>
+          <p:cNvPr id="20" name="Rectangle 19"/>
+          <p:cNvSpPr/>
+          <p:nvPr/>
+        </p:nvSpPr>
+        <p:spPr>
+          <a:xfrm>
+            <a:off x="3699937" y="5093893"/>
+            <a:ext cx="1730320" cy="396667"/>
+          </a:xfrm>
+          <a:prstGeom prst="rect">
+            <a:avLst/>
+          </a:prstGeom>
+          <a:solidFill>
+            <a:schemeClr val="accent4"/>
+          </a:solidFill>
+          <a:ln w="28575" cmpd="sng">
+            <a:solidFill>
+              <a:schemeClr val="accent1"/>
+            </a:solidFill>
+          </a:ln>
+          <a:effectLst/>
+        </p:spPr>
+        <p:style>
+          <a:lnRef idx="1">
+            <a:schemeClr val="accent1"/>
+          </a:lnRef>
+          <a:fillRef idx="3">
+            <a:schemeClr val="accent1"/>
+          </a:fillRef>
+          <a:effectRef idx="2">
+            <a:schemeClr val="accent1"/>
+          </a:effectRef>
+          <a:fontRef idx="minor">
+            <a:schemeClr val="lt1"/>
+          </a:fontRef>
+        </p:style>
+        <p:txBody>
+          <a:bodyPr rtlCol="0" anchor="ctr"/>
+          <a:lstStyle/>
+          <a:p>
+            <a:pPr algn="ctr"/>
+            <a:r>
+              <a:rPr lang="en-US" dirty="0" smtClean="0">
+                <a:solidFill>
+                  <a:srgbClr val="F8F8F8"/>
+                </a:solidFill>
+              </a:rPr>
+              <a:t>forward data</a:t>
+            </a:r>
+            <a:endParaRPr lang="en-US" dirty="0">
+              <a:solidFill>
+                <a:srgbClr val="F8F8F8"/>
+              </a:solidFill>
+            </a:endParaRPr>
+          </a:p>
+        </p:txBody>
+      </p:sp>
+      <p:cxnSp>
+        <p:nvCxnSpPr>
+          <p:cNvPr id="24" name="Straight Arrow Connector 23"/>
+          <p:cNvCxnSpPr/>
+          <p:nvPr/>
+        </p:nvCxnSpPr>
+        <p:spPr>
+          <a:xfrm>
+            <a:off x="5430257" y="3056995"/>
+            <a:ext cx="1325350" cy="0"/>
+          </a:xfrm>
+          <a:prstGeom prst="straightConnector1">
+            <a:avLst/>
+          </a:prstGeom>
+          <a:ln w="57150" cmpd="sng">
+            <a:solidFill>
+              <a:schemeClr val="accent2"/>
+            </a:solidFill>
+            <a:headEnd type="none"/>
+            <a:tailEnd type="triangle"/>
+          </a:ln>
+          <a:effectLst/>
+        </p:spPr>
+        <p:style>
+          <a:lnRef idx="2">
+            <a:schemeClr val="accent1"/>
+          </a:lnRef>
+          <a:fillRef idx="0">
+            <a:schemeClr val="accent1"/>
+          </a:fillRef>
+          <a:effectRef idx="1">
+            <a:schemeClr val="accent1"/>
+          </a:effectRef>
+          <a:fontRef idx="minor">
+            <a:schemeClr val="tx1"/>
+          </a:fontRef>
+        </p:style>
+      </p:cxnSp>
+      <p:cxnSp>
+        <p:nvCxnSpPr>
+          <p:cNvPr id="26" name="Straight Arrow Connector 25"/>
+          <p:cNvCxnSpPr/>
+          <p:nvPr/>
+        </p:nvCxnSpPr>
+        <p:spPr>
+          <a:xfrm>
+            <a:off x="7619091" y="2941410"/>
+            <a:ext cx="0" cy="614240"/>
+          </a:xfrm>
+          <a:prstGeom prst="straightConnector1">
+            <a:avLst/>
+          </a:prstGeom>
+          <a:ln w="57150" cmpd="sng">
+            <a:solidFill>
+              <a:schemeClr val="accent2"/>
+            </a:solidFill>
+            <a:headEnd type="none"/>
+            <a:tailEnd type="triangle"/>
+          </a:ln>
+          <a:effectLst/>
+        </p:spPr>
+        <p:style>
+          <a:lnRef idx="2">
+            <a:schemeClr val="accent1"/>
+          </a:lnRef>
+          <a:fillRef idx="0">
+            <a:schemeClr val="accent1"/>
+          </a:fillRef>
+          <a:effectRef idx="1">
+            <a:schemeClr val="accent1"/>
+          </a:effectRef>
+          <a:fontRef idx="minor">
+            <a:schemeClr val="tx1"/>
+          </a:fontRef>
+        </p:style>
+      </p:cxnSp>
+      <p:sp>
+        <p:nvSpPr>
+          <p:cNvPr id="25" name="Rectangle 24"/>
+          <p:cNvSpPr/>
+          <p:nvPr/>
+        </p:nvSpPr>
+        <p:spPr>
+          <a:xfrm>
+            <a:off x="6755607" y="2858661"/>
+            <a:ext cx="1730320" cy="396667"/>
+          </a:xfrm>
+          <a:prstGeom prst="rect">
+            <a:avLst/>
+          </a:prstGeom>
+          <a:solidFill>
+            <a:schemeClr val="accent6"/>
+          </a:solidFill>
+          <a:ln w="28575" cmpd="sng">
+            <a:solidFill>
+              <a:schemeClr val="accent1"/>
+            </a:solidFill>
+          </a:ln>
+          <a:effectLst/>
+        </p:spPr>
+        <p:style>
+          <a:lnRef idx="1">
+            <a:schemeClr val="accent1"/>
+          </a:lnRef>
+          <a:fillRef idx="3">
+            <a:schemeClr val="accent1"/>
+          </a:fillRef>
+          <a:effectRef idx="2">
+            <a:schemeClr val="accent1"/>
+          </a:effectRef>
+          <a:fontRef idx="minor">
+            <a:schemeClr val="lt1"/>
+          </a:fontRef>
+        </p:style>
+        <p:txBody>
+          <a:bodyPr rtlCol="0" anchor="ctr"/>
+          <a:lstStyle/>
+          <a:p>
+            <a:pPr algn="ctr"/>
+            <a:r>
+              <a:rPr lang="en-US" dirty="0">
+                <a:solidFill>
+                  <a:srgbClr val="F8F8F8"/>
+                </a:solidFill>
+              </a:rPr>
+              <a:t>p</a:t>
+            </a:r>
+            <a:r>
+              <a:rPr lang="en-US" dirty="0" smtClean="0">
+                <a:solidFill>
+                  <a:srgbClr val="F8F8F8"/>
+                </a:solidFill>
+              </a:rPr>
+              <a:t>rompt user</a:t>
+            </a:r>
+            <a:endParaRPr lang="en-US" dirty="0">
+              <a:solidFill>
+                <a:srgbClr val="F8F8F8"/>
+              </a:solidFill>
+            </a:endParaRPr>
+          </a:p>
+        </p:txBody>
+      </p:sp>
+      <p:sp>
+        <p:nvSpPr>
+          <p:cNvPr id="27" name="Rectangle 26"/>
+          <p:cNvSpPr/>
+          <p:nvPr/>
+        </p:nvSpPr>
+        <p:spPr>
+          <a:xfrm>
+            <a:off x="3699937" y="2858661"/>
+            <a:ext cx="1730320" cy="396667"/>
+          </a:xfrm>
+          <a:prstGeom prst="rect">
+            <a:avLst/>
+          </a:prstGeom>
+          <a:solidFill>
+            <a:schemeClr val="accent4"/>
+          </a:solidFill>
+          <a:ln w="28575" cmpd="sng">
+            <a:solidFill>
+              <a:schemeClr val="accent1"/>
+            </a:solidFill>
+          </a:ln>
+          <a:effectLst/>
+        </p:spPr>
+        <p:style>
+          <a:lnRef idx="1">
+            <a:schemeClr val="accent1"/>
+          </a:lnRef>
+          <a:fillRef idx="3">
+            <a:schemeClr val="accent1"/>
+          </a:fillRef>
+          <a:effectRef idx="2">
+            <a:schemeClr val="accent1"/>
+          </a:effectRef>
+          <a:fontRef idx="minor">
+            <a:schemeClr val="lt1"/>
+          </a:fontRef>
+        </p:style>
+        <p:txBody>
+          <a:bodyPr rtlCol="0" anchor="ctr"/>
+          <a:lstStyle/>
+          <a:p>
+            <a:pPr algn="ctr"/>
+            <a:r>
+              <a:rPr lang="en-US" dirty="0" smtClean="0">
+                <a:solidFill>
+                  <a:srgbClr val="F8F8F8"/>
+                </a:solidFill>
+              </a:rPr>
+              <a:t>Initiate Program</a:t>
+            </a:r>
+            <a:endParaRPr lang="en-US" dirty="0">
+              <a:solidFill>
+                <a:srgbClr val="F8F8F8"/>
+              </a:solidFill>
+            </a:endParaRPr>
+          </a:p>
+        </p:txBody>
+      </p:sp>
+      <p:sp>
+        <p:nvSpPr>
+          <p:cNvPr id="35" name="Rectangle 34"/>
+          <p:cNvSpPr/>
+          <p:nvPr/>
+        </p:nvSpPr>
+        <p:spPr>
+          <a:xfrm>
+            <a:off x="702737" y="2862107"/>
+            <a:ext cx="1730320" cy="396667"/>
+          </a:xfrm>
+          <a:prstGeom prst="rect">
+            <a:avLst/>
+          </a:prstGeom>
+          <a:solidFill>
+            <a:schemeClr val="accent5"/>
+          </a:solidFill>
+          <a:ln w="28575" cmpd="sng">
+            <a:solidFill>
+              <a:schemeClr val="accent1"/>
+            </a:solidFill>
+          </a:ln>
+          <a:effectLst/>
+        </p:spPr>
+        <p:style>
+          <a:lnRef idx="1">
+            <a:schemeClr val="accent1"/>
+          </a:lnRef>
+          <a:fillRef idx="3">
+            <a:schemeClr val="accent1"/>
+          </a:fillRef>
+          <a:effectRef idx="2">
+            <a:schemeClr val="accent1"/>
+          </a:effectRef>
+          <a:fontRef idx="minor">
+            <a:schemeClr val="lt1"/>
+          </a:fontRef>
+        </p:style>
+        <p:txBody>
+          <a:bodyPr rtlCol="0" anchor="ctr"/>
+          <a:lstStyle/>
+          <a:p>
+            <a:pPr algn="ctr"/>
+            <a:r>
+              <a:rPr lang="en-US" dirty="0">
+                <a:solidFill>
+                  <a:srgbClr val="F8F8F8"/>
+                </a:solidFill>
+              </a:rPr>
+              <a:t>i</a:t>
+            </a:r>
+            <a:r>
+              <a:rPr lang="en-US" dirty="0" smtClean="0">
+                <a:solidFill>
+                  <a:srgbClr val="F8F8F8"/>
+                </a:solidFill>
+              </a:rPr>
+              <a:t>nitiate data </a:t>
+            </a:r>
+            <a:endParaRPr lang="en-US" dirty="0">
+              <a:solidFill>
+                <a:srgbClr val="F8F8F8"/>
+              </a:solidFill>
+            </a:endParaRPr>
+          </a:p>
+        </p:txBody>
+      </p:sp>
+    </p:spTree>
+    <p:extLst>
+      <p:ext uri="{BB962C8B-B14F-4D97-AF65-F5344CB8AC3E}">
+        <p14:creationId xmlns:p14="http://schemas.microsoft.com/office/powerpoint/2010/main" val="4197247014"/>
+      </p:ext>
+    </p:extLst>
+  </p:cSld>
+  <p:clrMapOvr>
+    <a:masterClrMapping/>
+  </p:clrMapOvr>
+  <p:timing>
+    <p:tnLst>
+      <p:par>
+        <p:cTn xmlns:p14="http://schemas.microsoft.com/office/powerpoint/2010/main" id="1" dur="indefinite" restart="never" nodeType="tmRoot"/>
+      </p:par>
+    </p:tnLst>
+  </p:timing>
+</p:sld>
+</file>
+
+<file path=ppt/slides/slide36.xml><?xml version="1.0" encoding="utf-8"?>
+<p:sld xmlns:a="http://schemas.openxmlformats.org/drawingml/2006/main" xmlns:r="http://schemas.openxmlformats.org/officeDocument/2006/relationships" xmlns:p="http://schemas.openxmlformats.org/presentationml/2006/main">
+  <p:cSld>
+    <p:spTree>
+      <p:nvGrpSpPr>
+        <p:cNvPr id="1" name=""/>
+        <p:cNvGrpSpPr/>
+        <p:nvPr/>
+      </p:nvGrpSpPr>
+      <p:grpSpPr>
+        <a:xfrm>
+          <a:off x="0" y="0"/>
+          <a:ext cx="0" cy="0"/>
+          <a:chOff x="0" y="0"/>
+          <a:chExt cx="0" cy="0"/>
+        </a:xfrm>
+      </p:grpSpPr>
+      <p:sp>
+        <p:nvSpPr>
+          <p:cNvPr id="2" name="Title 1"/>
+          <p:cNvSpPr>
+            <a:spLocks noGrp="1"/>
+          </p:cNvSpPr>
+          <p:nvPr>
+            <p:ph type="title"/>
+          </p:nvPr>
+        </p:nvSpPr>
+        <p:spPr>
+          <a:xfrm>
+            <a:off x="285416" y="105308"/>
+            <a:ext cx="8648090" cy="1143000"/>
+          </a:xfrm>
+        </p:spPr>
+        <p:txBody>
+          <a:bodyPr>
+            <a:normAutofit/>
+          </a:bodyPr>
+          <a:lstStyle/>
+          <a:p>
+            <a:r>
+              <a:rPr lang="en-US" dirty="0" smtClean="0"/>
+              <a:t>TODO’s: List</a:t>
+            </a:r>
+            <a:endParaRPr lang="en-US" dirty="0"/>
+          </a:p>
+        </p:txBody>
+      </p:sp>
+      <p:sp>
+        <p:nvSpPr>
+          <p:cNvPr id="3" name="Footer Placeholder 2"/>
+          <p:cNvSpPr>
+            <a:spLocks noGrp="1"/>
+          </p:cNvSpPr>
+          <p:nvPr>
+            <p:ph type="ftr" sz="quarter" idx="3"/>
+          </p:nvPr>
+        </p:nvSpPr>
+        <p:spPr/>
+        <p:txBody>
+          <a:bodyPr/>
+          <a:lstStyle/>
+          <a:p>
+            <a:r>
+              <a:rPr lang="en-US" smtClean="0"/>
+              <a:t>Model – View – Controller: A Design Pattern</a:t>
+            </a:r>
+            <a:endParaRPr lang="en-US" dirty="0"/>
+          </a:p>
+        </p:txBody>
+      </p:sp>
+      <p:sp>
+        <p:nvSpPr>
+          <p:cNvPr id="4" name="Rectangle 3"/>
+          <p:cNvSpPr/>
+          <p:nvPr/>
+        </p:nvSpPr>
+        <p:spPr>
+          <a:xfrm>
+            <a:off x="512064" y="2723877"/>
+            <a:ext cx="2150017" cy="3058909"/>
+          </a:xfrm>
+          <a:prstGeom prst="rect">
+            <a:avLst/>
+          </a:prstGeom>
+          <a:solidFill>
+            <a:srgbClr val="00A9B9"/>
+          </a:solidFill>
+          <a:ln>
+            <a:noFill/>
+          </a:ln>
+          <a:effectLst/>
+        </p:spPr>
+        <p:style>
+          <a:lnRef idx="1">
+            <a:schemeClr val="accent1"/>
+          </a:lnRef>
+          <a:fillRef idx="3">
+            <a:schemeClr val="accent1"/>
+          </a:fillRef>
+          <a:effectRef idx="2">
+            <a:schemeClr val="accent1"/>
+          </a:effectRef>
+          <a:fontRef idx="minor">
+            <a:schemeClr val="lt1"/>
+          </a:fontRef>
+        </p:style>
+        <p:txBody>
+          <a:bodyPr rtlCol="0" anchor="t"/>
+          <a:lstStyle/>
+          <a:p>
+            <a:endParaRPr lang="en-US" sz="2200" dirty="0">
+              <a:solidFill>
+                <a:schemeClr val="accent1"/>
+              </a:solidFill>
+            </a:endParaRPr>
+          </a:p>
+          <a:p>
+            <a:pPr marL="111125"/>
+            <a:endParaRPr lang="en-US" sz="2200" dirty="0" smtClean="0">
+              <a:solidFill>
+                <a:schemeClr val="accent1"/>
+              </a:solidFill>
+            </a:endParaRPr>
+          </a:p>
+        </p:txBody>
+      </p:sp>
+      <p:sp>
+        <p:nvSpPr>
+          <p:cNvPr id="5" name="Rectangle 4"/>
+          <p:cNvSpPr/>
+          <p:nvPr/>
+        </p:nvSpPr>
+        <p:spPr>
+          <a:xfrm>
+            <a:off x="3493911" y="2668662"/>
+            <a:ext cx="2150017" cy="3058909"/>
+          </a:xfrm>
+          <a:prstGeom prst="rect">
+            <a:avLst/>
+          </a:prstGeom>
+          <a:solidFill>
+            <a:srgbClr val="EA4A3C"/>
+          </a:solidFill>
+          <a:ln>
+            <a:noFill/>
+          </a:ln>
+          <a:effectLst/>
+        </p:spPr>
+        <p:style>
+          <a:lnRef idx="1">
+            <a:schemeClr val="accent1"/>
+          </a:lnRef>
+          <a:fillRef idx="3">
+            <a:schemeClr val="accent1"/>
+          </a:fillRef>
+          <a:effectRef idx="2">
+            <a:schemeClr val="accent1"/>
+          </a:effectRef>
+          <a:fontRef idx="minor">
+            <a:schemeClr val="lt1"/>
+          </a:fontRef>
+        </p:style>
+        <p:txBody>
+          <a:bodyPr rtlCol="0" anchor="t"/>
+          <a:lstStyle/>
+          <a:p>
+            <a:pPr marL="111125"/>
+            <a:endParaRPr lang="en-US" sz="2200" dirty="0" smtClean="0">
+              <a:solidFill>
+                <a:srgbClr val="F8F8F8"/>
+              </a:solidFill>
+            </a:endParaRPr>
+          </a:p>
+          <a:p>
+            <a:pPr marL="111125"/>
+            <a:endParaRPr lang="en-US" sz="2200" dirty="0" smtClean="0">
+              <a:solidFill>
+                <a:srgbClr val="F8F8F8"/>
+              </a:solidFill>
+            </a:endParaRPr>
+          </a:p>
+        </p:txBody>
+      </p:sp>
+      <p:sp>
+        <p:nvSpPr>
+          <p:cNvPr id="6" name="Rectangle 5"/>
+          <p:cNvSpPr/>
+          <p:nvPr/>
+        </p:nvSpPr>
+        <p:spPr>
+          <a:xfrm>
+            <a:off x="6536783" y="2723877"/>
+            <a:ext cx="2150017" cy="3058909"/>
+          </a:xfrm>
+          <a:prstGeom prst="rect">
+            <a:avLst/>
+          </a:prstGeom>
+          <a:solidFill>
+            <a:schemeClr val="accent6"/>
+          </a:solidFill>
+          <a:ln>
+            <a:noFill/>
+          </a:ln>
+          <a:effectLst/>
+        </p:spPr>
+        <p:style>
+          <a:lnRef idx="1">
+            <a:schemeClr val="accent1"/>
+          </a:lnRef>
+          <a:fillRef idx="3">
+            <a:schemeClr val="accent1"/>
+          </a:fillRef>
+          <a:effectRef idx="2">
+            <a:schemeClr val="accent1"/>
+          </a:effectRef>
+          <a:fontRef idx="minor">
+            <a:schemeClr val="lt1"/>
+          </a:fontRef>
+        </p:style>
+        <p:txBody>
+          <a:bodyPr rtlCol="0" anchor="t"/>
+          <a:lstStyle/>
+          <a:p>
+            <a:pPr marL="111125"/>
+            <a:endParaRPr lang="en-US" sz="2200" dirty="0" smtClean="0">
+              <a:solidFill>
+                <a:srgbClr val="F8F8F8"/>
+              </a:solidFill>
+            </a:endParaRPr>
+          </a:p>
+          <a:p>
+            <a:pPr marL="111125"/>
+            <a:endParaRPr lang="en-US" sz="2200" dirty="0" smtClean="0">
+              <a:solidFill>
+                <a:srgbClr val="F8F8F8"/>
+              </a:solidFill>
+            </a:endParaRPr>
+          </a:p>
+        </p:txBody>
+      </p:sp>
+      <p:sp>
+        <p:nvSpPr>
+          <p:cNvPr id="8" name="TextBox 7"/>
+          <p:cNvSpPr txBox="1"/>
+          <p:nvPr/>
+        </p:nvSpPr>
+        <p:spPr>
+          <a:xfrm>
+            <a:off x="457200" y="1865376"/>
+            <a:ext cx="2204881" cy="584776"/>
+          </a:xfrm>
+          <a:prstGeom prst="rect">
+            <a:avLst/>
+          </a:prstGeom>
+          <a:noFill/>
+        </p:spPr>
+        <p:txBody>
+          <a:bodyPr wrap="square" rtlCol="0">
+            <a:spAutoFit/>
+          </a:bodyPr>
+          <a:lstStyle/>
+          <a:p>
+            <a:pPr algn="ctr"/>
+            <a:r>
+              <a:rPr lang="en-US" sz="3200" dirty="0" smtClean="0"/>
+              <a:t>Model</a:t>
+            </a:r>
+            <a:endParaRPr lang="en-US" sz="3200" dirty="0"/>
+          </a:p>
+        </p:txBody>
+      </p:sp>
+      <p:sp>
+        <p:nvSpPr>
+          <p:cNvPr id="10" name="TextBox 9"/>
+          <p:cNvSpPr txBox="1"/>
+          <p:nvPr/>
+        </p:nvSpPr>
+        <p:spPr>
+          <a:xfrm>
+            <a:off x="3493911" y="1865376"/>
+            <a:ext cx="2204881" cy="584776"/>
+          </a:xfrm>
+          <a:prstGeom prst="rect">
+            <a:avLst/>
+          </a:prstGeom>
+          <a:noFill/>
+        </p:spPr>
+        <p:txBody>
+          <a:bodyPr wrap="square" rtlCol="0">
+            <a:spAutoFit/>
+          </a:bodyPr>
+          <a:lstStyle/>
+          <a:p>
+            <a:pPr algn="ctr"/>
+            <a:r>
+              <a:rPr lang="en-US" sz="3200" dirty="0" smtClean="0"/>
+              <a:t>Controller</a:t>
+            </a:r>
+            <a:endParaRPr lang="en-US" sz="3200" dirty="0"/>
+          </a:p>
+        </p:txBody>
+      </p:sp>
+      <p:sp>
+        <p:nvSpPr>
+          <p:cNvPr id="11" name="TextBox 10"/>
+          <p:cNvSpPr txBox="1"/>
+          <p:nvPr/>
+        </p:nvSpPr>
+        <p:spPr>
+          <a:xfrm>
+            <a:off x="6536783" y="1865376"/>
+            <a:ext cx="2204881" cy="584776"/>
+          </a:xfrm>
+          <a:prstGeom prst="rect">
+            <a:avLst/>
+          </a:prstGeom>
+          <a:noFill/>
+        </p:spPr>
+        <p:txBody>
+          <a:bodyPr wrap="square" rtlCol="0">
+            <a:spAutoFit/>
+          </a:bodyPr>
+          <a:lstStyle/>
+          <a:p>
+            <a:pPr algn="ctr"/>
+            <a:r>
+              <a:rPr lang="en-US" sz="3200" dirty="0" smtClean="0"/>
+              <a:t>View</a:t>
+            </a:r>
+            <a:endParaRPr lang="en-US" sz="3200" dirty="0"/>
+          </a:p>
+        </p:txBody>
+      </p:sp>
+      <p:cxnSp>
+        <p:nvCxnSpPr>
+          <p:cNvPr id="12" name="Straight Arrow Connector 11"/>
+          <p:cNvCxnSpPr>
+            <a:stCxn id="7" idx="1"/>
+          </p:cNvCxnSpPr>
+          <p:nvPr/>
+        </p:nvCxnSpPr>
+        <p:spPr>
+          <a:xfrm flipH="1">
+            <a:off x="5537200" y="3732192"/>
+            <a:ext cx="1218407" cy="0"/>
+          </a:xfrm>
+          <a:prstGeom prst="straightConnector1">
+            <a:avLst/>
+          </a:prstGeom>
+          <a:ln w="57150" cmpd="sng">
+            <a:solidFill>
+              <a:schemeClr val="accent2"/>
+            </a:solidFill>
+            <a:headEnd type="none"/>
+            <a:tailEnd type="triangle"/>
+          </a:ln>
+          <a:effectLst/>
+        </p:spPr>
+        <p:style>
+          <a:lnRef idx="2">
+            <a:schemeClr val="accent1"/>
+          </a:lnRef>
+          <a:fillRef idx="0">
+            <a:schemeClr val="accent1"/>
+          </a:fillRef>
+          <a:effectRef idx="1">
+            <a:schemeClr val="accent1"/>
+          </a:effectRef>
+          <a:fontRef idx="minor">
+            <a:schemeClr val="tx1"/>
+          </a:fontRef>
+        </p:style>
+      </p:cxnSp>
+      <p:sp>
+        <p:nvSpPr>
+          <p:cNvPr id="7" name="Rectangle 6"/>
+          <p:cNvSpPr/>
+          <p:nvPr/>
+        </p:nvSpPr>
+        <p:spPr>
+          <a:xfrm>
+            <a:off x="6755607" y="3533858"/>
+            <a:ext cx="1730320" cy="396667"/>
+          </a:xfrm>
+          <a:prstGeom prst="rect">
+            <a:avLst/>
+          </a:prstGeom>
+          <a:solidFill>
+            <a:schemeClr val="accent6"/>
+          </a:solidFill>
+          <a:ln w="28575" cmpd="sng">
+            <a:solidFill>
+              <a:schemeClr val="accent1"/>
+            </a:solidFill>
+          </a:ln>
+          <a:effectLst/>
+        </p:spPr>
+        <p:style>
+          <a:lnRef idx="1">
+            <a:schemeClr val="accent1"/>
+          </a:lnRef>
+          <a:fillRef idx="3">
+            <a:schemeClr val="accent1"/>
+          </a:fillRef>
+          <a:effectRef idx="2">
+            <a:schemeClr val="accent1"/>
+          </a:effectRef>
+          <a:fontRef idx="minor">
+            <a:schemeClr val="lt1"/>
+          </a:fontRef>
+        </p:style>
+        <p:txBody>
+          <a:bodyPr rtlCol="0" anchor="ctr"/>
+          <a:lstStyle/>
+          <a:p>
+            <a:pPr algn="ctr"/>
+            <a:r>
+              <a:rPr lang="en-US" dirty="0" smtClean="0">
+                <a:solidFill>
+                  <a:srgbClr val="F8F8F8"/>
+                </a:solidFill>
+              </a:rPr>
+              <a:t>send input</a:t>
+            </a:r>
+            <a:endParaRPr lang="en-US" dirty="0">
+              <a:solidFill>
+                <a:srgbClr val="F8F8F8"/>
+              </a:solidFill>
+            </a:endParaRPr>
+          </a:p>
+        </p:txBody>
+      </p:sp>
+      <p:cxnSp>
+        <p:nvCxnSpPr>
+          <p:cNvPr id="15" name="Straight Arrow Connector 14"/>
+          <p:cNvCxnSpPr/>
+          <p:nvPr/>
+        </p:nvCxnSpPr>
+        <p:spPr>
+          <a:xfrm>
+            <a:off x="4565097" y="3673683"/>
+            <a:ext cx="0" cy="614240"/>
+          </a:xfrm>
+          <a:prstGeom prst="straightConnector1">
+            <a:avLst/>
+          </a:prstGeom>
+          <a:ln w="57150" cmpd="sng">
+            <a:solidFill>
+              <a:schemeClr val="accent2"/>
+            </a:solidFill>
+            <a:headEnd type="none"/>
+            <a:tailEnd type="triangle"/>
+          </a:ln>
+          <a:effectLst/>
+        </p:spPr>
+        <p:style>
+          <a:lnRef idx="2">
+            <a:schemeClr val="accent1"/>
+          </a:lnRef>
+          <a:fillRef idx="0">
+            <a:schemeClr val="accent1"/>
+          </a:fillRef>
+          <a:effectRef idx="1">
+            <a:schemeClr val="accent1"/>
+          </a:effectRef>
+          <a:fontRef idx="minor">
+            <a:schemeClr val="tx1"/>
+          </a:fontRef>
+        </p:style>
+      </p:cxnSp>
+      <p:sp>
+        <p:nvSpPr>
+          <p:cNvPr id="13" name="Rectangle 12"/>
+          <p:cNvSpPr/>
+          <p:nvPr/>
+        </p:nvSpPr>
+        <p:spPr>
+          <a:xfrm>
+            <a:off x="3699937" y="3533858"/>
+            <a:ext cx="1730320" cy="396667"/>
+          </a:xfrm>
+          <a:prstGeom prst="rect">
+            <a:avLst/>
+          </a:prstGeom>
+          <a:solidFill>
+            <a:schemeClr val="accent4"/>
+          </a:solidFill>
+          <a:ln w="28575" cmpd="sng">
+            <a:solidFill>
+              <a:schemeClr val="accent1"/>
+            </a:solidFill>
+          </a:ln>
+          <a:effectLst/>
+        </p:spPr>
+        <p:style>
+          <a:lnRef idx="1">
+            <a:schemeClr val="accent1"/>
+          </a:lnRef>
+          <a:fillRef idx="3">
+            <a:schemeClr val="accent1"/>
+          </a:fillRef>
+          <a:effectRef idx="2">
+            <a:schemeClr val="accent1"/>
+          </a:effectRef>
+          <a:fontRef idx="minor">
+            <a:schemeClr val="lt1"/>
+          </a:fontRef>
+        </p:style>
+        <p:txBody>
+          <a:bodyPr rtlCol="0" anchor="ctr"/>
+          <a:lstStyle/>
+          <a:p>
+            <a:pPr algn="ctr"/>
+            <a:r>
+              <a:rPr lang="en-US" dirty="0" smtClean="0">
+                <a:solidFill>
+                  <a:srgbClr val="F8F8F8"/>
+                </a:solidFill>
+              </a:rPr>
+              <a:t>interpret input</a:t>
+            </a:r>
+            <a:endParaRPr lang="en-US" dirty="0">
+              <a:solidFill>
+                <a:srgbClr val="F8F8F8"/>
+              </a:solidFill>
+            </a:endParaRPr>
+          </a:p>
+        </p:txBody>
+      </p:sp>
+      <p:cxnSp>
+        <p:nvCxnSpPr>
+          <p:cNvPr id="17" name="Straight Arrow Connector 16"/>
+          <p:cNvCxnSpPr/>
+          <p:nvPr/>
+        </p:nvCxnSpPr>
+        <p:spPr>
+          <a:xfrm flipH="1">
+            <a:off x="2445133" y="4494636"/>
+            <a:ext cx="1218407" cy="0"/>
+          </a:xfrm>
+          <a:prstGeom prst="straightConnector1">
+            <a:avLst/>
+          </a:prstGeom>
+          <a:ln w="57150" cmpd="sng">
+            <a:solidFill>
+              <a:schemeClr val="accent2"/>
+            </a:solidFill>
+            <a:headEnd type="none"/>
+            <a:tailEnd type="triangle"/>
+          </a:ln>
+          <a:effectLst/>
+        </p:spPr>
+        <p:style>
+          <a:lnRef idx="2">
+            <a:schemeClr val="accent1"/>
+          </a:lnRef>
+          <a:fillRef idx="0">
+            <a:schemeClr val="accent1"/>
+          </a:fillRef>
+          <a:effectRef idx="1">
+            <a:schemeClr val="accent1"/>
+          </a:effectRef>
+          <a:fontRef idx="minor">
+            <a:schemeClr val="tx1"/>
+          </a:fontRef>
+        </p:style>
+      </p:cxnSp>
+      <p:sp>
+        <p:nvSpPr>
+          <p:cNvPr id="14" name="Rectangle 13"/>
+          <p:cNvSpPr/>
+          <p:nvPr/>
+        </p:nvSpPr>
+        <p:spPr>
+          <a:xfrm>
+            <a:off x="3699937" y="4285338"/>
+            <a:ext cx="1730320" cy="396667"/>
+          </a:xfrm>
+          <a:prstGeom prst="rect">
+            <a:avLst/>
+          </a:prstGeom>
+          <a:solidFill>
+            <a:schemeClr val="accent4"/>
+          </a:solidFill>
+          <a:ln w="28575" cmpd="sng">
+            <a:solidFill>
+              <a:schemeClr val="accent1"/>
+            </a:solidFill>
+          </a:ln>
+          <a:effectLst/>
+        </p:spPr>
+        <p:style>
+          <a:lnRef idx="1">
+            <a:schemeClr val="accent1"/>
+          </a:lnRef>
+          <a:fillRef idx="3">
+            <a:schemeClr val="accent1"/>
+          </a:fillRef>
+          <a:effectRef idx="2">
+            <a:schemeClr val="accent1"/>
+          </a:effectRef>
+          <a:fontRef idx="minor">
+            <a:schemeClr val="lt1"/>
+          </a:fontRef>
+        </p:style>
+        <p:txBody>
+          <a:bodyPr rtlCol="0" anchor="ctr"/>
+          <a:lstStyle/>
+          <a:p>
+            <a:pPr algn="ctr"/>
+            <a:r>
+              <a:rPr lang="en-US" dirty="0" smtClean="0">
+                <a:solidFill>
+                  <a:srgbClr val="F8F8F8"/>
+                </a:solidFill>
+              </a:rPr>
+              <a:t>request data</a:t>
+            </a:r>
+            <a:endParaRPr lang="en-US" dirty="0">
+              <a:solidFill>
+                <a:srgbClr val="F8F8F8"/>
+              </a:solidFill>
+            </a:endParaRPr>
+          </a:p>
+        </p:txBody>
+      </p:sp>
+      <p:cxnSp>
+        <p:nvCxnSpPr>
+          <p:cNvPr id="19" name="Straight Arrow Connector 18"/>
+          <p:cNvCxnSpPr/>
+          <p:nvPr/>
+        </p:nvCxnSpPr>
+        <p:spPr>
+          <a:xfrm>
+            <a:off x="1567897" y="4410894"/>
+            <a:ext cx="0" cy="614240"/>
+          </a:xfrm>
+          <a:prstGeom prst="straightConnector1">
+            <a:avLst/>
+          </a:prstGeom>
+          <a:ln w="57150" cmpd="sng">
+            <a:solidFill>
+              <a:schemeClr val="accent2"/>
+            </a:solidFill>
+            <a:headEnd type="none"/>
+            <a:tailEnd type="triangle"/>
+          </a:ln>
+          <a:effectLst/>
+        </p:spPr>
+        <p:style>
+          <a:lnRef idx="2">
+            <a:schemeClr val="accent1"/>
+          </a:lnRef>
+          <a:fillRef idx="0">
+            <a:schemeClr val="accent1"/>
+          </a:fillRef>
+          <a:effectRef idx="1">
+            <a:schemeClr val="accent1"/>
+          </a:effectRef>
+          <a:fontRef idx="minor">
+            <a:schemeClr val="tx1"/>
+          </a:fontRef>
+        </p:style>
+      </p:cxnSp>
+      <p:sp>
+        <p:nvSpPr>
+          <p:cNvPr id="16" name="Rectangle 15"/>
+          <p:cNvSpPr/>
+          <p:nvPr/>
+        </p:nvSpPr>
+        <p:spPr>
+          <a:xfrm>
+            <a:off x="702737" y="4285338"/>
+            <a:ext cx="1730320" cy="396667"/>
+          </a:xfrm>
+          <a:prstGeom prst="rect">
+            <a:avLst/>
+          </a:prstGeom>
+          <a:solidFill>
+            <a:schemeClr val="accent5"/>
+          </a:solidFill>
+          <a:ln w="28575" cmpd="sng">
+            <a:solidFill>
+              <a:schemeClr val="accent1"/>
+            </a:solidFill>
+          </a:ln>
+          <a:effectLst/>
+        </p:spPr>
+        <p:style>
+          <a:lnRef idx="1">
+            <a:schemeClr val="accent1"/>
+          </a:lnRef>
+          <a:fillRef idx="3">
+            <a:schemeClr val="accent1"/>
+          </a:fillRef>
+          <a:effectRef idx="2">
+            <a:schemeClr val="accent1"/>
+          </a:effectRef>
+          <a:fontRef idx="minor">
+            <a:schemeClr val="lt1"/>
+          </a:fontRef>
+        </p:style>
+        <p:txBody>
+          <a:bodyPr rtlCol="0" anchor="ctr"/>
+          <a:lstStyle/>
+          <a:p>
+            <a:pPr algn="ctr"/>
+            <a:r>
+              <a:rPr lang="en-US" dirty="0" smtClean="0">
+                <a:solidFill>
+                  <a:srgbClr val="F8F8F8"/>
+                </a:solidFill>
+              </a:rPr>
+              <a:t>gather data</a:t>
+            </a:r>
+            <a:endParaRPr lang="en-US" dirty="0">
+              <a:solidFill>
+                <a:srgbClr val="F8F8F8"/>
+              </a:solidFill>
+            </a:endParaRPr>
+          </a:p>
+        </p:txBody>
+      </p:sp>
+      <p:cxnSp>
+        <p:nvCxnSpPr>
+          <p:cNvPr id="21" name="Straight Arrow Connector 20"/>
+          <p:cNvCxnSpPr/>
+          <p:nvPr/>
+        </p:nvCxnSpPr>
+        <p:spPr>
+          <a:xfrm>
+            <a:off x="2382257" y="5300588"/>
+            <a:ext cx="1218407" cy="0"/>
+          </a:xfrm>
+          <a:prstGeom prst="straightConnector1">
+            <a:avLst/>
+          </a:prstGeom>
+          <a:ln w="57150" cmpd="sng">
+            <a:solidFill>
+              <a:schemeClr val="accent2"/>
+            </a:solidFill>
+            <a:headEnd type="none"/>
+            <a:tailEnd type="triangle"/>
+          </a:ln>
+          <a:effectLst/>
+        </p:spPr>
+        <p:style>
+          <a:lnRef idx="2">
+            <a:schemeClr val="accent1"/>
+          </a:lnRef>
+          <a:fillRef idx="0">
+            <a:schemeClr val="accent1"/>
+          </a:fillRef>
+          <a:effectRef idx="1">
+            <a:schemeClr val="accent1"/>
+          </a:effectRef>
+          <a:fontRef idx="minor">
+            <a:schemeClr val="tx1"/>
+          </a:fontRef>
+        </p:style>
+      </p:cxnSp>
+      <p:sp>
+        <p:nvSpPr>
+          <p:cNvPr id="18" name="Rectangle 17"/>
+          <p:cNvSpPr/>
+          <p:nvPr/>
+        </p:nvSpPr>
+        <p:spPr>
+          <a:xfrm>
+            <a:off x="702737" y="5093893"/>
+            <a:ext cx="1730320" cy="396667"/>
+          </a:xfrm>
+          <a:prstGeom prst="rect">
+            <a:avLst/>
+          </a:prstGeom>
+          <a:solidFill>
+            <a:schemeClr val="accent5"/>
+          </a:solidFill>
+          <a:ln w="28575" cmpd="sng">
+            <a:solidFill>
+              <a:schemeClr val="accent1"/>
+            </a:solidFill>
+          </a:ln>
+          <a:effectLst/>
+        </p:spPr>
+        <p:style>
+          <a:lnRef idx="1">
+            <a:schemeClr val="accent1"/>
+          </a:lnRef>
+          <a:fillRef idx="3">
+            <a:schemeClr val="accent1"/>
+          </a:fillRef>
+          <a:effectRef idx="2">
+            <a:schemeClr val="accent1"/>
+          </a:effectRef>
+          <a:fontRef idx="minor">
+            <a:schemeClr val="lt1"/>
+          </a:fontRef>
+        </p:style>
+        <p:txBody>
+          <a:bodyPr rtlCol="0" anchor="ctr"/>
+          <a:lstStyle/>
+          <a:p>
+            <a:pPr algn="ctr"/>
+            <a:r>
+              <a:rPr lang="en-US" dirty="0" smtClean="0">
+                <a:solidFill>
+                  <a:srgbClr val="F8F8F8"/>
+                </a:solidFill>
+              </a:rPr>
+              <a:t>return data</a:t>
+            </a:r>
+            <a:endParaRPr lang="en-US" dirty="0">
+              <a:solidFill>
+                <a:srgbClr val="F8F8F8"/>
+              </a:solidFill>
+            </a:endParaRPr>
+          </a:p>
+        </p:txBody>
+      </p:sp>
+      <p:sp>
+        <p:nvSpPr>
+          <p:cNvPr id="22" name="Rectangle 21"/>
+          <p:cNvSpPr/>
+          <p:nvPr/>
+        </p:nvSpPr>
+        <p:spPr>
+          <a:xfrm>
+            <a:off x="6755607" y="5102254"/>
+            <a:ext cx="1730320" cy="396667"/>
+          </a:xfrm>
+          <a:prstGeom prst="rect">
+            <a:avLst/>
+          </a:prstGeom>
+          <a:solidFill>
+            <a:schemeClr val="accent6"/>
+          </a:solidFill>
+          <a:ln w="28575" cmpd="sng">
+            <a:solidFill>
+              <a:schemeClr val="accent1"/>
+            </a:solidFill>
+          </a:ln>
+          <a:effectLst/>
+        </p:spPr>
+        <p:style>
+          <a:lnRef idx="1">
+            <a:schemeClr val="accent1"/>
+          </a:lnRef>
+          <a:fillRef idx="3">
+            <a:schemeClr val="accent1"/>
+          </a:fillRef>
+          <a:effectRef idx="2">
+            <a:schemeClr val="accent1"/>
+          </a:effectRef>
+          <a:fontRef idx="minor">
+            <a:schemeClr val="lt1"/>
+          </a:fontRef>
+        </p:style>
+        <p:txBody>
+          <a:bodyPr rtlCol="0" anchor="ctr"/>
+          <a:lstStyle/>
+          <a:p>
+            <a:pPr algn="ctr"/>
+            <a:r>
+              <a:rPr lang="en-US" dirty="0" smtClean="0">
+                <a:solidFill>
+                  <a:srgbClr val="F8F8F8"/>
+                </a:solidFill>
+              </a:rPr>
+              <a:t>display data</a:t>
+            </a:r>
+            <a:endParaRPr lang="en-US" dirty="0">
+              <a:solidFill>
+                <a:srgbClr val="F8F8F8"/>
+              </a:solidFill>
+            </a:endParaRPr>
+          </a:p>
+        </p:txBody>
+      </p:sp>
+      <p:cxnSp>
+        <p:nvCxnSpPr>
+          <p:cNvPr id="23" name="Straight Arrow Connector 22"/>
+          <p:cNvCxnSpPr/>
+          <p:nvPr/>
+        </p:nvCxnSpPr>
+        <p:spPr>
+          <a:xfrm>
+            <a:off x="5430257" y="5300588"/>
+            <a:ext cx="1218407" cy="0"/>
+          </a:xfrm>
+          <a:prstGeom prst="straightConnector1">
+            <a:avLst/>
+          </a:prstGeom>
+          <a:ln w="57150" cmpd="sng">
+            <a:solidFill>
+              <a:schemeClr val="accent2"/>
+            </a:solidFill>
+            <a:headEnd type="none"/>
+            <a:tailEnd type="triangle"/>
+          </a:ln>
+          <a:effectLst/>
+        </p:spPr>
+        <p:style>
+          <a:lnRef idx="2">
+            <a:schemeClr val="accent1"/>
+          </a:lnRef>
+          <a:fillRef idx="0">
+            <a:schemeClr val="accent1"/>
+          </a:fillRef>
+          <a:effectRef idx="1">
+            <a:schemeClr val="accent1"/>
+          </a:effectRef>
+          <a:fontRef idx="minor">
+            <a:schemeClr val="tx1"/>
+          </a:fontRef>
+        </p:style>
+      </p:cxnSp>
+      <p:sp>
+        <p:nvSpPr>
+          <p:cNvPr id="20" name="Rectangle 19"/>
+          <p:cNvSpPr/>
+          <p:nvPr/>
+        </p:nvSpPr>
+        <p:spPr>
+          <a:xfrm>
+            <a:off x="3699937" y="5093893"/>
+            <a:ext cx="1730320" cy="396667"/>
+          </a:xfrm>
+          <a:prstGeom prst="rect">
+            <a:avLst/>
+          </a:prstGeom>
+          <a:solidFill>
+            <a:schemeClr val="accent4"/>
+          </a:solidFill>
+          <a:ln w="28575" cmpd="sng">
+            <a:solidFill>
+              <a:schemeClr val="accent1"/>
+            </a:solidFill>
+          </a:ln>
+          <a:effectLst/>
+        </p:spPr>
+        <p:style>
+          <a:lnRef idx="1">
+            <a:schemeClr val="accent1"/>
+          </a:lnRef>
+          <a:fillRef idx="3">
+            <a:schemeClr val="accent1"/>
+          </a:fillRef>
+          <a:effectRef idx="2">
+            <a:schemeClr val="accent1"/>
+          </a:effectRef>
+          <a:fontRef idx="minor">
+            <a:schemeClr val="lt1"/>
+          </a:fontRef>
+        </p:style>
+        <p:txBody>
+          <a:bodyPr rtlCol="0" anchor="ctr"/>
+          <a:lstStyle/>
+          <a:p>
+            <a:pPr algn="ctr"/>
+            <a:r>
+              <a:rPr lang="en-US" dirty="0" smtClean="0">
+                <a:solidFill>
+                  <a:srgbClr val="F8F8F8"/>
+                </a:solidFill>
+              </a:rPr>
+              <a:t>forward data</a:t>
+            </a:r>
+            <a:endParaRPr lang="en-US" dirty="0">
+              <a:solidFill>
+                <a:srgbClr val="F8F8F8"/>
+              </a:solidFill>
+            </a:endParaRPr>
+          </a:p>
+        </p:txBody>
+      </p:sp>
+      <p:cxnSp>
+        <p:nvCxnSpPr>
+          <p:cNvPr id="24" name="Straight Arrow Connector 23"/>
+          <p:cNvCxnSpPr/>
+          <p:nvPr/>
+        </p:nvCxnSpPr>
+        <p:spPr>
+          <a:xfrm>
+            <a:off x="5430257" y="3056995"/>
+            <a:ext cx="1325350" cy="0"/>
+          </a:xfrm>
+          <a:prstGeom prst="straightConnector1">
+            <a:avLst/>
+          </a:prstGeom>
+          <a:ln w="57150" cmpd="sng">
+            <a:solidFill>
+              <a:schemeClr val="accent2"/>
+            </a:solidFill>
+            <a:headEnd type="none"/>
+            <a:tailEnd type="triangle"/>
+          </a:ln>
+          <a:effectLst/>
+        </p:spPr>
+        <p:style>
+          <a:lnRef idx="2">
+            <a:schemeClr val="accent1"/>
+          </a:lnRef>
+          <a:fillRef idx="0">
+            <a:schemeClr val="accent1"/>
+          </a:fillRef>
+          <a:effectRef idx="1">
+            <a:schemeClr val="accent1"/>
+          </a:effectRef>
+          <a:fontRef idx="minor">
+            <a:schemeClr val="tx1"/>
+          </a:fontRef>
+        </p:style>
+      </p:cxnSp>
+      <p:cxnSp>
+        <p:nvCxnSpPr>
+          <p:cNvPr id="26" name="Straight Arrow Connector 25"/>
+          <p:cNvCxnSpPr/>
+          <p:nvPr/>
+        </p:nvCxnSpPr>
+        <p:spPr>
+          <a:xfrm>
+            <a:off x="7619091" y="2941410"/>
+            <a:ext cx="0" cy="614240"/>
+          </a:xfrm>
+          <a:prstGeom prst="straightConnector1">
+            <a:avLst/>
+          </a:prstGeom>
+          <a:ln w="57150" cmpd="sng">
+            <a:solidFill>
+              <a:schemeClr val="accent2"/>
+            </a:solidFill>
+            <a:headEnd type="none"/>
+            <a:tailEnd type="triangle"/>
+          </a:ln>
+          <a:effectLst/>
+        </p:spPr>
+        <p:style>
+          <a:lnRef idx="2">
+            <a:schemeClr val="accent1"/>
+          </a:lnRef>
+          <a:fillRef idx="0">
+            <a:schemeClr val="accent1"/>
+          </a:fillRef>
+          <a:effectRef idx="1">
+            <a:schemeClr val="accent1"/>
+          </a:effectRef>
+          <a:fontRef idx="minor">
+            <a:schemeClr val="tx1"/>
+          </a:fontRef>
+        </p:style>
+      </p:cxnSp>
+      <p:sp>
+        <p:nvSpPr>
+          <p:cNvPr id="25" name="Rectangle 24"/>
+          <p:cNvSpPr/>
+          <p:nvPr/>
+        </p:nvSpPr>
+        <p:spPr>
+          <a:xfrm>
+            <a:off x="6755607" y="2858661"/>
+            <a:ext cx="1730320" cy="396667"/>
+          </a:xfrm>
+          <a:prstGeom prst="rect">
+            <a:avLst/>
+          </a:prstGeom>
+          <a:solidFill>
+            <a:schemeClr val="accent6"/>
+          </a:solidFill>
+          <a:ln w="28575" cmpd="sng">
+            <a:solidFill>
+              <a:schemeClr val="accent1"/>
+            </a:solidFill>
+          </a:ln>
+          <a:effectLst/>
+        </p:spPr>
+        <p:style>
+          <a:lnRef idx="1">
+            <a:schemeClr val="accent1"/>
+          </a:lnRef>
+          <a:fillRef idx="3">
+            <a:schemeClr val="accent1"/>
+          </a:fillRef>
+          <a:effectRef idx="2">
+            <a:schemeClr val="accent1"/>
+          </a:effectRef>
+          <a:fontRef idx="minor">
+            <a:schemeClr val="lt1"/>
+          </a:fontRef>
+        </p:style>
+        <p:txBody>
+          <a:bodyPr rtlCol="0" anchor="ctr"/>
+          <a:lstStyle/>
+          <a:p>
+            <a:pPr algn="ctr"/>
+            <a:r>
+              <a:rPr lang="en-US" dirty="0">
+                <a:solidFill>
+                  <a:srgbClr val="F8F8F8"/>
+                </a:solidFill>
+              </a:rPr>
+              <a:t>p</a:t>
+            </a:r>
+            <a:r>
+              <a:rPr lang="en-US" dirty="0" smtClean="0">
+                <a:solidFill>
+                  <a:srgbClr val="F8F8F8"/>
+                </a:solidFill>
+              </a:rPr>
+              <a:t>rompt user</a:t>
+            </a:r>
+            <a:endParaRPr lang="en-US" dirty="0">
+              <a:solidFill>
+                <a:srgbClr val="F8F8F8"/>
+              </a:solidFill>
+            </a:endParaRPr>
+          </a:p>
+        </p:txBody>
+      </p:sp>
+      <p:sp>
+        <p:nvSpPr>
+          <p:cNvPr id="27" name="Rectangle 26"/>
+          <p:cNvSpPr/>
+          <p:nvPr/>
+        </p:nvSpPr>
+        <p:spPr>
+          <a:xfrm>
+            <a:off x="3699937" y="2858661"/>
+            <a:ext cx="1730320" cy="396667"/>
+          </a:xfrm>
+          <a:prstGeom prst="rect">
+            <a:avLst/>
+          </a:prstGeom>
+          <a:solidFill>
+            <a:schemeClr val="accent4"/>
+          </a:solidFill>
+          <a:ln w="28575" cmpd="sng">
+            <a:solidFill>
+              <a:schemeClr val="accent1"/>
+            </a:solidFill>
+          </a:ln>
+          <a:effectLst/>
+        </p:spPr>
+        <p:style>
+          <a:lnRef idx="1">
+            <a:schemeClr val="accent1"/>
+          </a:lnRef>
+          <a:fillRef idx="3">
+            <a:schemeClr val="accent1"/>
+          </a:fillRef>
+          <a:effectRef idx="2">
+            <a:schemeClr val="accent1"/>
+          </a:effectRef>
+          <a:fontRef idx="minor">
+            <a:schemeClr val="lt1"/>
+          </a:fontRef>
+        </p:style>
+        <p:txBody>
+          <a:bodyPr rtlCol="0" anchor="ctr"/>
+          <a:lstStyle/>
+          <a:p>
+            <a:pPr algn="ctr"/>
+            <a:r>
+              <a:rPr lang="en-US" dirty="0" smtClean="0">
+                <a:solidFill>
+                  <a:srgbClr val="F8F8F8"/>
+                </a:solidFill>
+              </a:rPr>
+              <a:t>Initiate Program</a:t>
+            </a:r>
+            <a:endParaRPr lang="en-US" dirty="0">
+              <a:solidFill>
+                <a:srgbClr val="F8F8F8"/>
+              </a:solidFill>
+            </a:endParaRPr>
+          </a:p>
+        </p:txBody>
+      </p:sp>
+      <p:sp>
+        <p:nvSpPr>
+          <p:cNvPr id="35" name="Rectangle 34"/>
+          <p:cNvSpPr/>
+          <p:nvPr/>
+        </p:nvSpPr>
+        <p:spPr>
+          <a:xfrm>
+            <a:off x="702737" y="2862107"/>
+            <a:ext cx="1730320" cy="396667"/>
+          </a:xfrm>
+          <a:prstGeom prst="rect">
+            <a:avLst/>
+          </a:prstGeom>
+          <a:solidFill>
+            <a:schemeClr val="accent5"/>
+          </a:solidFill>
+          <a:ln w="28575" cmpd="sng">
+            <a:solidFill>
+              <a:schemeClr val="accent1"/>
+            </a:solidFill>
+          </a:ln>
+          <a:effectLst/>
+        </p:spPr>
+        <p:style>
+          <a:lnRef idx="1">
+            <a:schemeClr val="accent1"/>
+          </a:lnRef>
+          <a:fillRef idx="3">
+            <a:schemeClr val="accent1"/>
+          </a:fillRef>
+          <a:effectRef idx="2">
+            <a:schemeClr val="accent1"/>
+          </a:effectRef>
+          <a:fontRef idx="minor">
+            <a:schemeClr val="lt1"/>
+          </a:fontRef>
+        </p:style>
+        <p:txBody>
+          <a:bodyPr rtlCol="0" anchor="ctr"/>
+          <a:lstStyle/>
+          <a:p>
+            <a:pPr algn="ctr"/>
+            <a:r>
+              <a:rPr lang="en-US" dirty="0">
+                <a:solidFill>
+                  <a:srgbClr val="F8F8F8"/>
+                </a:solidFill>
+              </a:rPr>
+              <a:t>i</a:t>
+            </a:r>
+            <a:r>
+              <a:rPr lang="en-US" dirty="0" smtClean="0">
+                <a:solidFill>
+                  <a:srgbClr val="F8F8F8"/>
+                </a:solidFill>
+              </a:rPr>
+              <a:t>nitiate data </a:t>
+            </a:r>
+            <a:endParaRPr lang="en-US" dirty="0">
+              <a:solidFill>
+                <a:srgbClr val="F8F8F8"/>
+              </a:solidFill>
+            </a:endParaRPr>
+          </a:p>
+        </p:txBody>
+      </p:sp>
+    </p:spTree>
+    <p:extLst>
+      <p:ext uri="{BB962C8B-B14F-4D97-AF65-F5344CB8AC3E}">
+        <p14:creationId xmlns:p14="http://schemas.microsoft.com/office/powerpoint/2010/main" val="1743989980"/>
+      </p:ext>
+    </p:extLst>
+  </p:cSld>
+  <p:clrMapOvr>
+    <a:masterClrMapping/>
+  </p:clrMapOvr>
+  <p:timing>
+    <p:tnLst>
+      <p:par>
+        <p:cTn xmlns:p14="http://schemas.microsoft.com/office/powerpoint/2010/main" id="1" dur="indefinite" restart="never" nodeType="tmRoot"/>
+      </p:par>
+    </p:tnLst>
+  </p:timing>
+</p:sld>
+</file>
+
+<file path=ppt/slides/slide37.xml><?xml version="1.0" encoding="utf-8"?>
+<p:sld xmlns:a="http://schemas.openxmlformats.org/drawingml/2006/main" xmlns:r="http://schemas.openxmlformats.org/officeDocument/2006/relationships" xmlns:p="http://schemas.openxmlformats.org/presentationml/2006/main">
+  <p:cSld>
+    <p:spTree>
+      <p:nvGrpSpPr>
+        <p:cNvPr id="1" name=""/>
+        <p:cNvGrpSpPr/>
+        <p:nvPr/>
+      </p:nvGrpSpPr>
+      <p:grpSpPr>
+        <a:xfrm>
+          <a:off x="0" y="0"/>
+          <a:ext cx="0" cy="0"/>
+          <a:chOff x="0" y="0"/>
+          <a:chExt cx="0" cy="0"/>
+        </a:xfrm>
+      </p:grpSpPr>
+      <p:sp>
+        <p:nvSpPr>
+          <p:cNvPr id="2" name="Title 1"/>
+          <p:cNvSpPr>
+            <a:spLocks noGrp="1"/>
+          </p:cNvSpPr>
+          <p:nvPr>
+            <p:ph type="title"/>
+          </p:nvPr>
+        </p:nvSpPr>
+        <p:spPr>
+          <a:xfrm>
+            <a:off x="285416" y="105308"/>
+            <a:ext cx="8648090" cy="1143000"/>
+          </a:xfrm>
+        </p:spPr>
+        <p:txBody>
+          <a:bodyPr>
             <a:normAutofit fontScale="90000"/>
           </a:bodyPr>
           <a:lstStyle/>
@@ -17229,7 +17598,7 @@
 </p:sld>
 </file>
 
-<file path=ppt/slides/slide36.xml><?xml version="1.0" encoding="utf-8"?>
+<file path=ppt/slides/slide38.xml><?xml version="1.0" encoding="utf-8"?>
 <p:sld xmlns:a="http://schemas.openxmlformats.org/drawingml/2006/main" xmlns:r="http://schemas.openxmlformats.org/officeDocument/2006/relationships" xmlns:p="http://schemas.openxmlformats.org/presentationml/2006/main">
   <p:cSld>
     <p:spTree>
@@ -17504,7 +17873,7 @@
         <p:spPr/>
         <p:txBody>
           <a:bodyPr>
-            <a:normAutofit fontScale="92500" lnSpcReduction="20000"/>
+            <a:normAutofit/>
           </a:bodyPr>
           <a:lstStyle/>
           <a:p>
@@ -17514,17 +17883,35 @@
             </a:r>
             <a:r>
               <a:rPr lang="en-US" dirty="0"/>
-              <a:t>design pattern is a general reusable solution to a commonly occurring problem within a given context in software design. </a:t>
+              <a:t>design pattern is a general reusable solution to a commonly occurring problem within a given context </a:t>
+            </a:r>
+            <a:r>
+              <a:rPr lang="en-US" dirty="0" smtClean="0"/>
+              <a:t>of</a:t>
+            </a:r>
+            <a:r>
+              <a:rPr lang="en-US" dirty="0" smtClean="0"/>
+              <a:t> </a:t>
+            </a:r>
+            <a:r>
+              <a:rPr lang="en-US" dirty="0"/>
+              <a:t>software design. </a:t>
             </a:r>
             <a:endParaRPr lang="en-US" dirty="0" smtClean="0"/>
           </a:p>
           <a:p>
-            <a:endParaRPr lang="en-US" dirty="0"/>
-          </a:p>
-          <a:p>
-            <a:r>
-              <a:rPr lang="en-US" dirty="0" smtClean="0"/>
-              <a:t>Get used to this term. Start thinking of everything you do as implementing some pattern. You’re just following a blueprint, filling in the gaps as needed with as little distinction from the standard pattern as possible.</a:t>
+            <a:pPr marL="0" indent="0">
+              <a:buNone/>
+            </a:pPr>
+            <a:r>
+              <a:rPr lang="en-US" dirty="0"/>
+              <a:t> </a:t>
+            </a:r>
+          </a:p>
+          <a:p>
+            <a:r>
+              <a:rPr lang="en-US" dirty="0"/>
+              <a:t>Get used to this term. It can have a transformational impact on how you think about the art of code.</a:t>
             </a:r>
           </a:p>
           <a:p>
@@ -17594,7 +17981,7 @@
       </p:grpSpPr>
       <p:sp>
         <p:nvSpPr>
-          <p:cNvPr id="3" name="Title 2"/>
+          <p:cNvPr id="2" name="Title 1"/>
           <p:cNvSpPr>
             <a:spLocks noGrp="1"/>
           </p:cNvSpPr>
@@ -17609,54 +17996,89 @@
           <a:p>
             <a:r>
               <a:rPr lang="en-US" dirty="0" smtClean="0"/>
-              <a:t>M-V-C </a:t>
-            </a:r>
-            <a:r>
-              <a:rPr lang="en-US" dirty="0" smtClean="0"/>
-              <a:t>Summation: </a:t>
-            </a:r>
-            <a:r>
-              <a:rPr lang="en-US" dirty="0" smtClean="0"/>
-              <a:t>	 </a:t>
+              <a:t>Design Patterns</a:t>
             </a:r>
             <a:endParaRPr lang="en-US" dirty="0"/>
           </a:p>
         </p:txBody>
       </p:sp>
-      <p:pic>
-        <p:nvPicPr>
-          <p:cNvPr id="5" name="Content Placeholder 4" descr="MVC.jpg"/>
-          <p:cNvPicPr>
-            <a:picLocks noGrp="1" noChangeAspect="1"/>
-          </p:cNvPicPr>
+      <p:sp>
+        <p:nvSpPr>
+          <p:cNvPr id="3" name="Content Placeholder 2"/>
+          <p:cNvSpPr>
+            <a:spLocks noGrp="1"/>
+          </p:cNvSpPr>
           <p:nvPr>
             <p:ph idx="1"/>
           </p:nvPr>
-        </p:nvPicPr>
-        <p:blipFill>
-          <a:blip r:embed="rId2">
-            <a:extLst>
-              <a:ext uri="{28A0092B-C50C-407E-A947-70E740481C1C}">
-                <a14:useLocalDpi xmlns:a14="http://schemas.microsoft.com/office/drawing/2010/main" val="0"/>
-              </a:ext>
-            </a:extLst>
-          </a:blip>
-          <a:srcRect l="-843" r="-843"/>
-          <a:stretch>
-            <a:fillRect/>
-          </a:stretch>
-        </p:blipFill>
-        <p:spPr>
-          <a:xfrm>
-            <a:off x="457200" y="1612900"/>
-            <a:ext cx="8229600" cy="4127500"/>
-          </a:xfrm>
-        </p:spPr>
-      </p:pic>
+        </p:nvSpPr>
+        <p:spPr>
+          <a:xfrm>
+            <a:off x="230899" y="1862667"/>
+            <a:ext cx="8702043" cy="3877733"/>
+          </a:xfrm>
+        </p:spPr>
+        <p:txBody>
+          <a:bodyPr>
+            <a:normAutofit/>
+          </a:bodyPr>
+          <a:lstStyle/>
+          <a:p>
+            <a:r>
+              <a:rPr lang="en-US" dirty="0" smtClean="0"/>
+              <a:t>Start </a:t>
+            </a:r>
+            <a:r>
+              <a:rPr lang="en-US" dirty="0" smtClean="0"/>
+              <a:t>thinking of everything you do as implementing some pattern. </a:t>
+            </a:r>
+            <a:endParaRPr lang="en-US" dirty="0" smtClean="0"/>
+          </a:p>
+          <a:p>
+            <a:endParaRPr lang="en-US" dirty="0"/>
+          </a:p>
+          <a:p>
+            <a:r>
+              <a:rPr lang="en-US" dirty="0" smtClean="0"/>
+              <a:t>You’re </a:t>
+            </a:r>
+            <a:r>
+              <a:rPr lang="en-US" dirty="0" smtClean="0"/>
+              <a:t>just following a blueprint, filling in the gaps as needed with as little distinction from the standard pattern as possible.</a:t>
+            </a:r>
+          </a:p>
+          <a:p>
+            <a:endParaRPr lang="en-US" dirty="0" smtClean="0"/>
+          </a:p>
+        </p:txBody>
+      </p:sp>
+      <p:sp>
+        <p:nvSpPr>
+          <p:cNvPr id="4" name="Footer Placeholder 3"/>
+          <p:cNvSpPr>
+            <a:spLocks noGrp="1"/>
+          </p:cNvSpPr>
+          <p:nvPr>
+            <p:ph type="ftr" sz="quarter" idx="3"/>
+          </p:nvPr>
+        </p:nvSpPr>
+        <p:spPr/>
+        <p:txBody>
+          <a:bodyPr/>
+          <a:lstStyle/>
+          <a:p>
+            <a:r>
+              <a:rPr lang="en-US" smtClean="0"/>
+              <a:t>Model – View – Controller: A Design Pattern</a:t>
+            </a:r>
+            <a:endParaRPr lang="en-US" dirty="0"/>
+          </a:p>
+        </p:txBody>
+      </p:sp>
     </p:spTree>
     <p:extLst>
       <p:ext uri="{BB962C8B-B14F-4D97-AF65-F5344CB8AC3E}">
-        <p14:creationId xmlns:p14="http://schemas.microsoft.com/office/powerpoint/2010/main" val="2268475127"/>
+        <p14:creationId xmlns:p14="http://schemas.microsoft.com/office/powerpoint/2010/main" val="707231772"/>
       </p:ext>
     </p:extLst>
   </p:cSld>
@@ -17692,70 +18114,7 @@
       </p:grpSpPr>
       <p:sp>
         <p:nvSpPr>
-          <p:cNvPr id="3" name="Content Placeholder 2"/>
-          <p:cNvSpPr>
-            <a:spLocks noGrp="1"/>
-          </p:cNvSpPr>
-          <p:nvPr>
-            <p:ph idx="1"/>
-          </p:nvPr>
-        </p:nvSpPr>
-        <p:spPr/>
-        <p:txBody>
-          <a:bodyPr>
-            <a:noAutofit/>
-          </a:bodyPr>
-          <a:lstStyle/>
-          <a:p>
-            <a:pPr marL="0" indent="0">
-              <a:buNone/>
-            </a:pPr>
-            <a:r>
-              <a:rPr lang="en-US" sz="2500" dirty="0" smtClean="0"/>
-              <a:t>Sure, you can write all the codes… But where do you put it?</a:t>
-            </a:r>
-          </a:p>
-          <a:p>
-            <a:pPr marL="0" indent="0">
-              <a:buNone/>
-            </a:pPr>
-            <a:endParaRPr lang="en-US" sz="2500" dirty="0" smtClean="0"/>
-          </a:p>
-          <a:p>
-            <a:r>
-              <a:rPr lang="en-US" sz="2500" dirty="0" smtClean="0"/>
-              <a:t>Whose business is it to talk to users?</a:t>
-            </a:r>
-          </a:p>
-          <a:p>
-            <a:r>
-              <a:rPr lang="en-US" sz="2500" dirty="0" smtClean="0"/>
-              <a:t>What about displaying output?</a:t>
-            </a:r>
-          </a:p>
-          <a:p>
-            <a:r>
-              <a:rPr lang="en-US" sz="2500" dirty="0" smtClean="0"/>
-              <a:t>Should your classes all know how to parse user input?</a:t>
-            </a:r>
-          </a:p>
-          <a:p>
-            <a:r>
-              <a:rPr lang="en-US" sz="2500" dirty="0" smtClean="0"/>
-              <a:t>Where do heavy algorithms run?</a:t>
-            </a:r>
-          </a:p>
-          <a:p>
-            <a:r>
-              <a:rPr lang="en-US" sz="2500" dirty="0" smtClean="0"/>
-              <a:t>How do you separate 10,000 lines of code into a manageable structure?</a:t>
-            </a:r>
-          </a:p>
-        </p:txBody>
-      </p:sp>
-      <p:sp>
-        <p:nvSpPr>
-          <p:cNvPr id="2" name="Title 1"/>
+          <p:cNvPr id="3" name="Title 2"/>
           <p:cNvSpPr>
             <a:spLocks noGrp="1"/>
           </p:cNvSpPr>
@@ -17770,16 +18129,46 @@
           <a:p>
             <a:r>
               <a:rPr lang="en-US" dirty="0" smtClean="0"/>
-              <a:t>There’s a lot of data out there…</a:t>
+              <a:t>M-V-C Summation: 	 </a:t>
             </a:r>
             <a:endParaRPr lang="en-US" dirty="0"/>
           </a:p>
         </p:txBody>
       </p:sp>
+      <p:pic>
+        <p:nvPicPr>
+          <p:cNvPr id="5" name="Content Placeholder 4" descr="MVC.jpg"/>
+          <p:cNvPicPr>
+            <a:picLocks noGrp="1" noChangeAspect="1"/>
+          </p:cNvPicPr>
+          <p:nvPr>
+            <p:ph idx="1"/>
+          </p:nvPr>
+        </p:nvPicPr>
+        <p:blipFill>
+          <a:blip r:embed="rId2">
+            <a:extLst>
+              <a:ext uri="{28A0092B-C50C-407E-A947-70E740481C1C}">
+                <a14:useLocalDpi xmlns:a14="http://schemas.microsoft.com/office/drawing/2010/main" val="0"/>
+              </a:ext>
+            </a:extLst>
+          </a:blip>
+          <a:srcRect l="-843" r="-843"/>
+          <a:stretch>
+            <a:fillRect/>
+          </a:stretch>
+        </p:blipFill>
+        <p:spPr>
+          <a:xfrm>
+            <a:off x="457200" y="1612900"/>
+            <a:ext cx="8229600" cy="4127500"/>
+          </a:xfrm>
+        </p:spPr>
+      </p:pic>
     </p:spTree>
     <p:extLst>
       <p:ext uri="{BB962C8B-B14F-4D97-AF65-F5344CB8AC3E}">
-        <p14:creationId xmlns:p14="http://schemas.microsoft.com/office/powerpoint/2010/main" val="45111289"/>
+        <p14:creationId xmlns:p14="http://schemas.microsoft.com/office/powerpoint/2010/main" val="2268475127"/>
       </p:ext>
     </p:extLst>
   </p:cSld>
@@ -17815,7 +18204,7 @@
       </p:grpSpPr>
       <p:sp>
         <p:nvSpPr>
-          <p:cNvPr id="2" name="Content Placeholder 1"/>
+          <p:cNvPr id="3" name="Content Placeholder 2"/>
           <p:cNvSpPr>
             <a:spLocks noGrp="1"/>
           </p:cNvSpPr>
@@ -17826,81 +18215,68 @@
         <p:spPr/>
         <p:txBody>
           <a:bodyPr>
-            <a:normAutofit/>
+            <a:noAutofit/>
           </a:bodyPr>
           <a:lstStyle/>
           <a:p>
+            <a:pPr marL="0" indent="0">
+              <a:buNone/>
+            </a:pPr>
             <a:r>
               <a:rPr lang="en-US" sz="2500" dirty="0" smtClean="0"/>
-              <a:t>Does your waiter make your food?</a:t>
-            </a:r>
-          </a:p>
-          <a:p>
+              <a:t>Sure, you can write all the codes… </a:t>
+            </a:r>
             <a:r>
               <a:rPr lang="en-US" sz="2500" dirty="0" smtClean="0"/>
-              <a:t>Do they know all the recipes?</a:t>
-            </a:r>
-          </a:p>
-          <a:p>
+              <a:t>Where does it go</a:t>
+            </a:r>
             <a:r>
               <a:rPr lang="en-US" sz="2500" dirty="0" smtClean="0"/>
-              <a:t>Do they run the kitchen?</a:t>
-            </a:r>
-            <a:endParaRPr lang="en-US" sz="2500" dirty="0"/>
-          </a:p>
-          <a:p>
-            <a:r>
-              <a:rPr lang="en-US" sz="2500" dirty="0" smtClean="0"/>
-              <a:t>What </a:t>
-            </a:r>
-            <a:r>
-              <a:rPr lang="en-US" sz="2500" i="1" dirty="0" smtClean="0"/>
-              <a:t>is</a:t>
-            </a:r>
-            <a:r>
-              <a:rPr lang="en-US" sz="2500" dirty="0" smtClean="0"/>
-              <a:t> a waiter responsible for?</a:t>
-            </a:r>
-            <a:endParaRPr lang="en-US" sz="2500" dirty="0"/>
-          </a:p>
-          <a:p>
-            <a:pPr marL="45720" indent="0">
+              <a:t>?</a:t>
+            </a:r>
+            <a:endParaRPr lang="en-US" sz="2500" dirty="0" smtClean="0"/>
+          </a:p>
+          <a:p>
+            <a:pPr marL="0" indent="0">
               <a:buNone/>
             </a:pPr>
             <a:endParaRPr lang="en-US" sz="2500" dirty="0" smtClean="0"/>
           </a:p>
           <a:p>
-            <a:pPr marL="45720" indent="0" algn="ctr">
-              <a:buNone/>
-            </a:pPr>
             <a:r>
               <a:rPr lang="en-US" sz="2500" dirty="0" smtClean="0"/>
-              <a:t>Everyone has their own role.</a:t>
-            </a:r>
-          </a:p>
-          <a:p>
-            <a:pPr marL="45720" indent="0" algn="ctr">
-              <a:buNone/>
-            </a:pPr>
+              <a:t>Whose business is it to talk to users?</a:t>
+            </a:r>
+          </a:p>
+          <a:p>
             <a:r>
               <a:rPr lang="en-US" sz="2500" dirty="0" smtClean="0"/>
-              <a:t>If you want a well-run restaurant,</a:t>
-            </a:r>
-          </a:p>
-          <a:p>
-            <a:pPr marL="45720" indent="0" algn="ctr">
-              <a:buNone/>
-            </a:pPr>
+              <a:t>What about displaying output?</a:t>
+            </a:r>
+          </a:p>
+          <a:p>
             <a:r>
               <a:rPr lang="en-US" sz="2500" dirty="0" smtClean="0"/>
-              <a:t>you need to divvy up the work.</a:t>
-            </a:r>
-          </a:p>
-        </p:txBody>
-      </p:sp>
-      <p:sp>
-        <p:nvSpPr>
-          <p:cNvPr id="3" name="Title 2"/>
+              <a:t>Should your classes all know how to parse user input?</a:t>
+            </a:r>
+          </a:p>
+          <a:p>
+            <a:r>
+              <a:rPr lang="en-US" sz="2500" dirty="0" smtClean="0"/>
+              <a:t>Where do heavy algorithms run?</a:t>
+            </a:r>
+          </a:p>
+          <a:p>
+            <a:r>
+              <a:rPr lang="en-US" sz="2500" dirty="0" smtClean="0"/>
+              <a:t>How do you separate 10,000 lines of code into a manageable structure?</a:t>
+            </a:r>
+          </a:p>
+        </p:txBody>
+      </p:sp>
+      <p:sp>
+        <p:nvSpPr>
+          <p:cNvPr id="2" name="Title 1"/>
           <p:cNvSpPr>
             <a:spLocks noGrp="1"/>
           </p:cNvSpPr>
@@ -17915,7 +18291,7 @@
           <a:p>
             <a:r>
               <a:rPr lang="en-US" dirty="0" smtClean="0"/>
-              <a:t>Think about a restaurant.</a:t>
+              <a:t>There’s a lot of data out there…</a:t>
             </a:r>
             <a:endParaRPr lang="en-US" dirty="0"/>
           </a:p>
@@ -17924,7 +18300,7 @@
     </p:spTree>
     <p:extLst>
       <p:ext uri="{BB962C8B-B14F-4D97-AF65-F5344CB8AC3E}">
-        <p14:creationId xmlns:p14="http://schemas.microsoft.com/office/powerpoint/2010/main" val="3412075118"/>
+        <p14:creationId xmlns:p14="http://schemas.microsoft.com/office/powerpoint/2010/main" val="45111289"/>
       </p:ext>
     </p:extLst>
   </p:cSld>
@@ -17968,12 +18344,7 @@
             <p:ph idx="1"/>
           </p:nvPr>
         </p:nvSpPr>
-        <p:spPr>
-          <a:xfrm>
-            <a:off x="380999" y="1533574"/>
-            <a:ext cx="8407893" cy="4760416"/>
-          </a:xfrm>
-        </p:spPr>
+        <p:spPr/>
         <p:txBody>
           <a:bodyPr>
             <a:normAutofit/>
@@ -17982,81 +18353,69 @@
           <a:p>
             <a:r>
               <a:rPr lang="en-US" sz="2500" dirty="0" smtClean="0"/>
-              <a:t>The </a:t>
-            </a:r>
-            <a:r>
-              <a:rPr lang="en-US" sz="2500" dirty="0" smtClean="0">
-                <a:solidFill>
-                  <a:srgbClr val="FF0000"/>
-                </a:solidFill>
-              </a:rPr>
-              <a:t>waiters</a:t>
-            </a:r>
+              <a:t>Does your waiter make your food?</a:t>
+            </a:r>
+          </a:p>
+          <a:p>
             <a:r>
               <a:rPr lang="en-US" sz="2500" dirty="0" smtClean="0"/>
-              <a:t> handle customer interaction</a:t>
+              <a:t>Do they know all the recipes?</a:t>
             </a:r>
           </a:p>
           <a:p>
             <a:r>
               <a:rPr lang="en-US" sz="2500" dirty="0" smtClean="0"/>
-              <a:t>They take your order and deliver your food</a:t>
-            </a:r>
-          </a:p>
-          <a:p>
+              <a:t>Do they run the kitchen?</a:t>
+            </a:r>
+            <a:endParaRPr lang="en-US" sz="2500" dirty="0"/>
+          </a:p>
+          <a:p>
+            <a:r>
+              <a:rPr lang="en-US" sz="2500" dirty="0" smtClean="0"/>
+              <a:t>What </a:t>
+            </a:r>
+            <a:r>
+              <a:rPr lang="en-US" sz="2500" i="1" dirty="0" smtClean="0"/>
+              <a:t>is</a:t>
+            </a:r>
+            <a:r>
+              <a:rPr lang="en-US" sz="2500" dirty="0" smtClean="0"/>
+              <a:t> a waiter responsible for?</a:t>
+            </a:r>
+            <a:endParaRPr lang="en-US" sz="2500" dirty="0"/>
+          </a:p>
+          <a:p>
+            <a:pPr marL="45720" indent="0">
+              <a:buNone/>
+            </a:pPr>
             <a:endParaRPr lang="en-US" sz="2500" dirty="0" smtClean="0"/>
           </a:p>
           <a:p>
+            <a:pPr marL="45720" indent="0" algn="ctr">
+              <a:buNone/>
+            </a:pPr>
             <a:r>
               <a:rPr lang="en-US" sz="2500" dirty="0" smtClean="0"/>
-              <a:t>The </a:t>
-            </a:r>
-            <a:r>
-              <a:rPr lang="en-US" sz="2500" dirty="0" smtClean="0">
-                <a:solidFill>
-                  <a:srgbClr val="FF0000"/>
-                </a:solidFill>
-              </a:rPr>
-              <a:t>Chef</a:t>
-            </a:r>
+              <a:t>Everyone has their own role.</a:t>
+            </a:r>
+          </a:p>
+          <a:p>
+            <a:pPr marL="45720" indent="0" algn="ctr">
+              <a:buNone/>
+            </a:pPr>
             <a:r>
               <a:rPr lang="en-US" sz="2500" dirty="0" smtClean="0"/>
-              <a:t> combines ingredients to make the food</a:t>
-            </a:r>
-          </a:p>
-          <a:p>
+              <a:t>If you want a well-run restaurant,</a:t>
+            </a:r>
+          </a:p>
+          <a:p>
+            <a:pPr marL="45720" indent="0" algn="ctr">
+              <a:buNone/>
+            </a:pPr>
             <a:r>
               <a:rPr lang="en-US" sz="2500" dirty="0" smtClean="0"/>
-              <a:t>They know the recipes and put everything together</a:t>
-            </a:r>
-          </a:p>
-          <a:p>
-            <a:endParaRPr lang="en-US" sz="2500" dirty="0" smtClean="0"/>
-          </a:p>
-          <a:p>
-            <a:r>
-              <a:rPr lang="en-US" sz="2500" dirty="0" smtClean="0"/>
-              <a:t>The </a:t>
-            </a:r>
-            <a:r>
-              <a:rPr lang="en-US" sz="2500" dirty="0" smtClean="0">
-                <a:solidFill>
-                  <a:srgbClr val="FF0000"/>
-                </a:solidFill>
-              </a:rPr>
-              <a:t>kitchen manager </a:t>
-            </a:r>
-            <a:r>
-              <a:rPr lang="en-US" sz="2500" dirty="0" smtClean="0"/>
-              <a:t>manages the whole shebang</a:t>
-            </a:r>
-          </a:p>
-          <a:p>
-            <a:r>
-              <a:rPr lang="en-US" sz="2500" dirty="0" smtClean="0"/>
-              <a:t>They manage the orders coming in, tell the cooks what they need to make, and ensure the orders go to the servers for delivery. </a:t>
-            </a:r>
-            <a:endParaRPr lang="en-US" sz="2500" dirty="0"/>
+              <a:t>you need to divvy up the work.</a:t>
+            </a:r>
           </a:p>
         </p:txBody>
       </p:sp>
@@ -18077,7 +18436,7 @@
           <a:p>
             <a:r>
               <a:rPr lang="en-US" dirty="0" smtClean="0"/>
-              <a:t>WHAT ROLES DO WE NEED?</a:t>
+              <a:t>Think about a restaurant.</a:t>
             </a:r>
             <a:endParaRPr lang="en-US" dirty="0"/>
           </a:p>
@@ -18086,7 +18445,7 @@
     </p:spTree>
     <p:extLst>
       <p:ext uri="{BB962C8B-B14F-4D97-AF65-F5344CB8AC3E}">
-        <p14:creationId xmlns:p14="http://schemas.microsoft.com/office/powerpoint/2010/main" val="1521072834"/>
+        <p14:creationId xmlns:p14="http://schemas.microsoft.com/office/powerpoint/2010/main" val="3412075118"/>
       </p:ext>
     </p:extLst>
   </p:cSld>

--- a/1phase/mvc-single-res/HT-MVC.pptx
+++ b/1phase/mvc-single-res/HT-MVC.pptx
@@ -5,10 +5,10 @@
     <p:sldMasterId id="2147483660" r:id="rId1"/>
   </p:sldMasterIdLst>
   <p:notesMasterIdLst>
-    <p:notesMasterId r:id="rId40"/>
+    <p:notesMasterId r:id="rId41"/>
   </p:notesMasterIdLst>
   <p:handoutMasterIdLst>
-    <p:handoutMasterId r:id="rId41"/>
+    <p:handoutMasterId r:id="rId42"/>
   </p:handoutMasterIdLst>
   <p:sldIdLst>
     <p:sldId id="256" r:id="rId2"/>
@@ -38,17 +38,18 @@
     <p:sldId id="280" r:id="rId26"/>
     <p:sldId id="291" r:id="rId27"/>
     <p:sldId id="307" r:id="rId28"/>
-    <p:sldId id="303" r:id="rId29"/>
-    <p:sldId id="304" r:id="rId30"/>
-    <p:sldId id="302" r:id="rId31"/>
-    <p:sldId id="298" r:id="rId32"/>
-    <p:sldId id="301" r:id="rId33"/>
-    <p:sldId id="300" r:id="rId34"/>
-    <p:sldId id="299" r:id="rId35"/>
-    <p:sldId id="297" r:id="rId36"/>
-    <p:sldId id="296" r:id="rId37"/>
-    <p:sldId id="305" r:id="rId38"/>
-    <p:sldId id="292" r:id="rId39"/>
+    <p:sldId id="308" r:id="rId29"/>
+    <p:sldId id="303" r:id="rId30"/>
+    <p:sldId id="304" r:id="rId31"/>
+    <p:sldId id="302" r:id="rId32"/>
+    <p:sldId id="298" r:id="rId33"/>
+    <p:sldId id="301" r:id="rId34"/>
+    <p:sldId id="300" r:id="rId35"/>
+    <p:sldId id="299" r:id="rId36"/>
+    <p:sldId id="297" r:id="rId37"/>
+    <p:sldId id="296" r:id="rId38"/>
+    <p:sldId id="305" r:id="rId39"/>
+    <p:sldId id="292" r:id="rId40"/>
   </p:sldIdLst>
   <p:sldSz cx="9144000" cy="6858000" type="screen4x3"/>
   <p:notesSz cx="6858000" cy="9144000"/>
@@ -2484,6 +2485,48 @@
           <a:lstStyle/>
           <a:p>
             <a:r>
+              <a:rPr lang="en-US" sz="2300" dirty="0"/>
+              <a:t>The </a:t>
+            </a:r>
+            <a:r>
+              <a:rPr lang="en-US" sz="2300" dirty="0">
+                <a:solidFill>
+                  <a:srgbClr val="FF0000"/>
+                </a:solidFill>
+              </a:rPr>
+              <a:t>model (chef)</a:t>
+            </a:r>
+            <a:r>
+              <a:rPr lang="en-US" sz="2300" dirty="0"/>
+              <a:t> handles all the data</a:t>
+            </a:r>
+          </a:p>
+          <a:p>
+            <a:pPr marL="0" indent="0">
+              <a:buNone/>
+            </a:pPr>
+            <a:r>
+              <a:rPr lang="en-US" sz="2300" dirty="0" smtClean="0"/>
+              <a:t>	Interacts </a:t>
+            </a:r>
+            <a:r>
+              <a:rPr lang="en-US" sz="2300" dirty="0"/>
+              <a:t>with a DB, Web API or other data store, crunches the </a:t>
+            </a:r>
+            <a:r>
+              <a:rPr lang="en-US" sz="2300" dirty="0" smtClean="0"/>
+              <a:t>	numbers </a:t>
+            </a:r>
+            <a:r>
+              <a:rPr lang="en-US" sz="2300" dirty="0"/>
+              <a:t>and does the ‘heavy lifting’ in your application.</a:t>
+            </a:r>
+          </a:p>
+          <a:p>
+            <a:endParaRPr lang="en-US" sz="2300" dirty="0" smtClean="0"/>
+          </a:p>
+          <a:p>
+            <a:r>
               <a:rPr lang="en-US" sz="2300" dirty="0" smtClean="0"/>
               <a:t>The </a:t>
             </a:r>
@@ -2501,58 +2544,30 @@
             </a:r>
           </a:p>
           <a:p>
+            <a:pPr marL="0" indent="0">
+              <a:buNone/>
+            </a:pPr>
             <a:r>
               <a:rPr lang="en-US" sz="2300" dirty="0" smtClean="0"/>
-              <a:t>It shows information to the user and gets user input</a:t>
-            </a:r>
-          </a:p>
-          <a:p>
+              <a:t>	</a:t>
+            </a:r>
+            <a:r>
+              <a:rPr lang="en-US" sz="2300" dirty="0"/>
+              <a:t>S</a:t>
+            </a:r>
+            <a:r>
+              <a:rPr lang="en-US" sz="2300" dirty="0" smtClean="0"/>
+              <a:t>hows </a:t>
+            </a:r>
+            <a:r>
+              <a:rPr lang="en-US" sz="2300" dirty="0" smtClean="0"/>
+              <a:t>information to the user and gets user </a:t>
+            </a:r>
+            <a:r>
+              <a:rPr lang="en-US" sz="2300" dirty="0" smtClean="0"/>
+              <a:t>input</a:t>
+            </a:r>
             <a:endParaRPr lang="en-US" sz="2300" dirty="0"/>
-          </a:p>
-          <a:p>
-            <a:r>
-              <a:rPr lang="en-US" sz="2300" dirty="0" smtClean="0"/>
-              <a:t>The </a:t>
-            </a:r>
-            <a:r>
-              <a:rPr lang="en-US" sz="2300" dirty="0" smtClean="0">
-                <a:solidFill>
-                  <a:srgbClr val="FF0000"/>
-                </a:solidFill>
-              </a:rPr>
-              <a:t>model (chef)</a:t>
-            </a:r>
-            <a:r>
-              <a:rPr lang="en-US" sz="2300" dirty="0" smtClean="0"/>
-              <a:t> handles </a:t>
-            </a:r>
-            <a:r>
-              <a:rPr lang="en-US" sz="2300" dirty="0" smtClean="0"/>
-              <a:t>all the data</a:t>
-            </a:r>
-            <a:endParaRPr lang="en-US" sz="2300" dirty="0" smtClean="0"/>
-          </a:p>
-          <a:p>
-            <a:r>
-              <a:rPr lang="en-US" sz="2300" dirty="0" smtClean="0"/>
-              <a:t>It interacts with a </a:t>
-            </a:r>
-            <a:r>
-              <a:rPr lang="en-US" sz="2300" dirty="0" smtClean="0"/>
-              <a:t>DB, Web API </a:t>
-            </a:r>
-            <a:r>
-              <a:rPr lang="en-US" sz="2300" dirty="0" smtClean="0"/>
-              <a:t>or </a:t>
-            </a:r>
-            <a:r>
-              <a:rPr lang="en-US" sz="2300" dirty="0" smtClean="0"/>
-              <a:t>other data store, </a:t>
-            </a:r>
-            <a:r>
-              <a:rPr lang="en-US" sz="2300" dirty="0" smtClean="0"/>
-              <a:t>crunches the numbers and does the ‘heavy lifting’ in your application.</a:t>
-            </a:r>
           </a:p>
           <a:p>
             <a:endParaRPr lang="en-US" sz="2300" dirty="0"/>
@@ -2620,17 +2635,28 @@
             </a:endParaRPr>
           </a:p>
           <a:p>
+            <a:pPr marL="0" indent="0">
+              <a:buNone/>
+            </a:pPr>
             <a:r>
               <a:rPr lang="en-US" sz="2300" dirty="0" smtClean="0"/>
-              <a:t>It kicks off various functionalities within your application based on the input it receives. Acquiring necessary information from the </a:t>
+              <a:t>	</a:t>
+            </a:r>
+            <a:r>
+              <a:rPr lang="en-US" sz="2300" dirty="0"/>
+              <a:t>K</a:t>
             </a:r>
             <a:r>
               <a:rPr lang="en-US" sz="2300" dirty="0" smtClean="0"/>
-              <a:t>model, and </a:t>
+              <a:t>icks off various functionalities within your application based on the 	input it receives. Acquiring necessary information from the </a:t>
             </a:r>
             <a:r>
               <a:rPr lang="en-US" sz="2300" dirty="0" smtClean="0"/>
-              <a:t>passing </a:t>
+              <a:t>model, </a:t>
+            </a:r>
+            <a:r>
+              <a:rPr lang="en-US" sz="2300" dirty="0" smtClean="0"/>
+              <a:t>	and passing </a:t>
             </a:r>
             <a:r>
               <a:rPr lang="en-US" sz="2300" dirty="0" smtClean="0"/>
@@ -8335,11 +8361,7 @@
             </a:pPr>
             <a:r>
               <a:rPr lang="en-US" sz="3200" dirty="0" smtClean="0"/>
-              <a:t>Greatly increases the modularity and reusability of your </a:t>
-            </a:r>
-            <a:r>
-              <a:rPr lang="en-US" sz="3200" smtClean="0"/>
-              <a:t>code base.</a:t>
+              <a:t>Greatly increases the modularity and reusability of your code base.</a:t>
             </a:r>
             <a:endParaRPr lang="en-US" sz="3200" dirty="0"/>
           </a:p>
@@ -8437,184 +8459,14 @@
       </p:sp>
       <p:sp>
         <p:nvSpPr>
-          <p:cNvPr id="4" name="Rectangle 3"/>
-          <p:cNvSpPr/>
-          <p:nvPr/>
-        </p:nvSpPr>
-        <p:spPr>
-          <a:xfrm>
-            <a:off x="512064" y="2723877"/>
-            <a:ext cx="2150017" cy="3058909"/>
-          </a:xfrm>
-          <a:prstGeom prst="rect">
-            <a:avLst/>
-          </a:prstGeom>
-          <a:solidFill>
-            <a:srgbClr val="00A9B9"/>
-          </a:solidFill>
-          <a:ln>
-            <a:noFill/>
-          </a:ln>
-          <a:effectLst/>
-        </p:spPr>
-        <p:style>
-          <a:lnRef idx="1">
-            <a:schemeClr val="accent1"/>
-          </a:lnRef>
-          <a:fillRef idx="3">
-            <a:schemeClr val="accent1"/>
-          </a:fillRef>
-          <a:effectRef idx="2">
-            <a:schemeClr val="accent1"/>
-          </a:effectRef>
-          <a:fontRef idx="minor">
-            <a:schemeClr val="lt1"/>
-          </a:fontRef>
-        </p:style>
-        <p:txBody>
-          <a:bodyPr rtlCol="0" anchor="t"/>
-          <a:lstStyle/>
-          <a:p>
-            <a:endParaRPr lang="en-US" sz="2200" dirty="0">
-              <a:solidFill>
-                <a:schemeClr val="accent1"/>
-              </a:solidFill>
-            </a:endParaRPr>
-          </a:p>
-          <a:p>
-            <a:pPr marL="111125"/>
-            <a:endParaRPr lang="en-US" sz="2200" dirty="0" smtClean="0">
-              <a:solidFill>
-                <a:schemeClr val="accent1"/>
-              </a:solidFill>
-            </a:endParaRPr>
-          </a:p>
-        </p:txBody>
-      </p:sp>
-      <p:sp>
-        <p:nvSpPr>
-          <p:cNvPr id="5" name="Rectangle 4"/>
-          <p:cNvSpPr/>
-          <p:nvPr/>
-        </p:nvSpPr>
-        <p:spPr>
-          <a:xfrm>
-            <a:off x="3493911" y="2668662"/>
-            <a:ext cx="2150017" cy="3058909"/>
-          </a:xfrm>
-          <a:prstGeom prst="rect">
-            <a:avLst/>
-          </a:prstGeom>
-          <a:solidFill>
-            <a:srgbClr val="EA4A3C"/>
-          </a:solidFill>
-          <a:ln>
-            <a:noFill/>
-          </a:ln>
-          <a:effectLst/>
-        </p:spPr>
-        <p:style>
-          <a:lnRef idx="1">
-            <a:schemeClr val="accent1"/>
-          </a:lnRef>
-          <a:fillRef idx="3">
-            <a:schemeClr val="accent1"/>
-          </a:fillRef>
-          <a:effectRef idx="2">
-            <a:schemeClr val="accent1"/>
-          </a:effectRef>
-          <a:fontRef idx="minor">
-            <a:schemeClr val="lt1"/>
-          </a:fontRef>
-        </p:style>
-        <p:txBody>
-          <a:bodyPr rtlCol="0" anchor="t"/>
-          <a:lstStyle/>
-          <a:p>
-            <a:pPr marL="111125"/>
-            <a:endParaRPr lang="en-US" sz="2200" dirty="0" smtClean="0">
-              <a:solidFill>
-                <a:srgbClr val="F8F8F8"/>
-              </a:solidFill>
-            </a:endParaRPr>
-          </a:p>
-          <a:p>
-            <a:pPr marL="111125"/>
-            <a:endParaRPr lang="en-US" sz="2200" dirty="0" smtClean="0">
-              <a:solidFill>
-                <a:srgbClr val="F8F8F8"/>
-              </a:solidFill>
-            </a:endParaRPr>
-          </a:p>
-        </p:txBody>
-      </p:sp>
-      <p:sp>
-        <p:nvSpPr>
-          <p:cNvPr id="6" name="Rectangle 5"/>
-          <p:cNvSpPr/>
-          <p:nvPr/>
-        </p:nvSpPr>
-        <p:spPr>
-          <a:xfrm>
-            <a:off x="6536783" y="2723877"/>
-            <a:ext cx="2150017" cy="3058909"/>
-          </a:xfrm>
-          <a:prstGeom prst="rect">
-            <a:avLst/>
-          </a:prstGeom>
-          <a:solidFill>
-            <a:schemeClr val="accent6"/>
-          </a:solidFill>
-          <a:ln>
-            <a:noFill/>
-          </a:ln>
-          <a:effectLst/>
-        </p:spPr>
-        <p:style>
-          <a:lnRef idx="1">
-            <a:schemeClr val="accent1"/>
-          </a:lnRef>
-          <a:fillRef idx="3">
-            <a:schemeClr val="accent1"/>
-          </a:fillRef>
-          <a:effectRef idx="2">
-            <a:schemeClr val="accent1"/>
-          </a:effectRef>
-          <a:fontRef idx="minor">
-            <a:schemeClr val="lt1"/>
-          </a:fontRef>
-        </p:style>
-        <p:txBody>
-          <a:bodyPr rtlCol="0" anchor="t"/>
-          <a:lstStyle/>
-          <a:p>
-            <a:pPr marL="111125"/>
-            <a:endParaRPr lang="en-US" sz="2200" dirty="0" smtClean="0">
-              <a:solidFill>
-                <a:srgbClr val="F8F8F8"/>
-              </a:solidFill>
-            </a:endParaRPr>
-          </a:p>
-          <a:p>
-            <a:pPr marL="111125"/>
-            <a:endParaRPr lang="en-US" sz="2200" dirty="0" smtClean="0">
-              <a:solidFill>
-                <a:srgbClr val="F8F8F8"/>
-              </a:solidFill>
-            </a:endParaRPr>
-          </a:p>
-        </p:txBody>
-      </p:sp>
-      <p:sp>
-        <p:nvSpPr>
-          <p:cNvPr id="8" name="TextBox 7"/>
+          <p:cNvPr id="7" name="TextBox 6"/>
           <p:cNvSpPr txBox="1"/>
           <p:nvPr/>
         </p:nvSpPr>
         <p:spPr>
           <a:xfrm>
-            <a:off x="457200" y="1865376"/>
-            <a:ext cx="2204881" cy="584776"/>
+            <a:off x="131396" y="1876429"/>
+            <a:ext cx="8802110" cy="1569660"/>
           </a:xfrm>
           <a:prstGeom prst="rect">
             <a:avLst/>
@@ -8630,137 +8482,30 @@
             <a:pPr algn="ctr"/>
             <a:r>
               <a:rPr lang="en-US" sz="3200" dirty="0" smtClean="0"/>
-              <a:t>Model</a:t>
+              <a:t>What does the </a:t>
+            </a:r>
+          </a:p>
+          <a:p>
+            <a:pPr algn="ctr"/>
+            <a:r>
+              <a:rPr lang="en-US" sz="3200" dirty="0" smtClean="0"/>
+              <a:t>Single Responsibility Message Pattern</a:t>
+            </a:r>
+          </a:p>
+          <a:p>
+            <a:pPr algn="ctr"/>
+            <a:r>
+              <a:rPr lang="en-US" sz="3200" dirty="0" smtClean="0"/>
+              <a:t> look like in MVC?</a:t>
             </a:r>
             <a:endParaRPr lang="en-US" sz="3200" dirty="0"/>
-          </a:p>
-        </p:txBody>
-      </p:sp>
-      <p:sp>
-        <p:nvSpPr>
-          <p:cNvPr id="10" name="TextBox 9"/>
-          <p:cNvSpPr txBox="1"/>
-          <p:nvPr/>
-        </p:nvSpPr>
-        <p:spPr>
-          <a:xfrm>
-            <a:off x="3493911" y="1865376"/>
-            <a:ext cx="2204881" cy="584776"/>
-          </a:xfrm>
-          <a:prstGeom prst="rect">
-            <a:avLst/>
-          </a:prstGeom>
-          <a:noFill/>
-        </p:spPr>
-        <p:txBody>
-          <a:bodyPr wrap="square" rtlCol="0">
-            <a:spAutoFit/>
-          </a:bodyPr>
-          <a:lstStyle/>
-          <a:p>
-            <a:pPr algn="ctr"/>
-            <a:r>
-              <a:rPr lang="en-US" sz="3200" dirty="0" smtClean="0"/>
-              <a:t>Controller</a:t>
-            </a:r>
-            <a:endParaRPr lang="en-US" sz="3200" dirty="0"/>
-          </a:p>
-        </p:txBody>
-      </p:sp>
-      <p:sp>
-        <p:nvSpPr>
-          <p:cNvPr id="11" name="TextBox 10"/>
-          <p:cNvSpPr txBox="1"/>
-          <p:nvPr/>
-        </p:nvSpPr>
-        <p:spPr>
-          <a:xfrm>
-            <a:off x="6536783" y="1865376"/>
-            <a:ext cx="2204881" cy="584776"/>
-          </a:xfrm>
-          <a:prstGeom prst="rect">
-            <a:avLst/>
-          </a:prstGeom>
-          <a:noFill/>
-        </p:spPr>
-        <p:txBody>
-          <a:bodyPr wrap="square" rtlCol="0">
-            <a:spAutoFit/>
-          </a:bodyPr>
-          <a:lstStyle/>
-          <a:p>
-            <a:pPr algn="ctr"/>
-            <a:r>
-              <a:rPr lang="en-US" sz="3200" dirty="0" smtClean="0"/>
-              <a:t>View</a:t>
-            </a:r>
-            <a:endParaRPr lang="en-US" sz="3200" dirty="0"/>
-          </a:p>
-        </p:txBody>
-      </p:sp>
-      <p:sp>
-        <p:nvSpPr>
-          <p:cNvPr id="27" name="Rectangle 26"/>
-          <p:cNvSpPr/>
-          <p:nvPr/>
-        </p:nvSpPr>
-        <p:spPr>
-          <a:xfrm>
-            <a:off x="3699937" y="2858661"/>
-            <a:ext cx="1730320" cy="396667"/>
-          </a:xfrm>
-          <a:prstGeom prst="rect">
-            <a:avLst/>
-          </a:prstGeom>
-          <a:solidFill>
-            <a:schemeClr val="accent4"/>
-          </a:solidFill>
-          <a:ln w="28575" cmpd="sng">
-            <a:solidFill>
-              <a:schemeClr val="accent1"/>
-            </a:solidFill>
-          </a:ln>
-          <a:effectLst/>
-        </p:spPr>
-        <p:style>
-          <a:lnRef idx="1">
-            <a:schemeClr val="accent1"/>
-          </a:lnRef>
-          <a:fillRef idx="3">
-            <a:schemeClr val="accent1"/>
-          </a:fillRef>
-          <a:effectRef idx="2">
-            <a:schemeClr val="accent1"/>
-          </a:effectRef>
-          <a:fontRef idx="minor">
-            <a:schemeClr val="lt1"/>
-          </a:fontRef>
-        </p:style>
-        <p:txBody>
-          <a:bodyPr rtlCol="0" anchor="ctr"/>
-          <a:lstStyle/>
-          <a:p>
-            <a:pPr algn="ctr"/>
-            <a:r>
-              <a:rPr lang="en-US" dirty="0" smtClean="0">
-                <a:solidFill>
-                  <a:srgbClr val="F8F8F8"/>
-                </a:solidFill>
-              </a:rPr>
-              <a:t>Initiate Program</a:t>
-            </a:r>
-            <a:endParaRPr lang="en-US" dirty="0">
-              <a:solidFill>
-                <a:srgbClr val="F8F8F8"/>
-              </a:solidFill>
-            </a:endParaRPr>
           </a:p>
         </p:txBody>
       </p:sp>
     </p:spTree>
     <p:extLst>
       <p:ext uri="{BB962C8B-B14F-4D97-AF65-F5344CB8AC3E}">
-        <p14:creationId xmlns:p14="http://schemas.microsoft.com/office/powerpoint/2010/main" val="3774287812"/>
+        <p14:creationId xmlns:p14="http://schemas.microsoft.com/office/powerpoint/2010/main" val="2909969707"/>
       </p:ext>
     </p:extLst>
   </p:cSld>
@@ -9110,111 +8855,6 @@
           </a:p>
         </p:txBody>
       </p:sp>
-      <p:cxnSp>
-        <p:nvCxnSpPr>
-          <p:cNvPr id="24" name="Straight Arrow Connector 23"/>
-          <p:cNvCxnSpPr/>
-          <p:nvPr/>
-        </p:nvCxnSpPr>
-        <p:spPr>
-          <a:xfrm>
-            <a:off x="5430257" y="3056995"/>
-            <a:ext cx="1325350" cy="0"/>
-          </a:xfrm>
-          <a:prstGeom prst="straightConnector1">
-            <a:avLst/>
-          </a:prstGeom>
-          <a:ln w="57150" cmpd="sng">
-            <a:solidFill>
-              <a:schemeClr val="accent2"/>
-            </a:solidFill>
-            <a:headEnd type="none"/>
-            <a:tailEnd type="triangle"/>
-          </a:ln>
-          <a:effectLst/>
-        </p:spPr>
-        <p:style>
-          <a:lnRef idx="2">
-            <a:schemeClr val="accent1"/>
-          </a:lnRef>
-          <a:fillRef idx="0">
-            <a:schemeClr val="accent1"/>
-          </a:fillRef>
-          <a:effectRef idx="1">
-            <a:schemeClr val="accent1"/>
-          </a:effectRef>
-          <a:fontRef idx="minor">
-            <a:schemeClr val="tx1"/>
-          </a:fontRef>
-        </p:style>
-      </p:cxnSp>
-      <p:sp>
-        <p:nvSpPr>
-          <p:cNvPr id="25" name="Rectangle 24"/>
-          <p:cNvSpPr/>
-          <p:nvPr/>
-        </p:nvSpPr>
-        <p:spPr>
-          <a:xfrm>
-            <a:off x="6755607" y="2858661"/>
-            <a:ext cx="1730320" cy="396667"/>
-          </a:xfrm>
-          <a:prstGeom prst="rect">
-            <a:avLst/>
-          </a:prstGeom>
-          <a:solidFill>
-            <a:schemeClr val="accent6"/>
-          </a:solidFill>
-          <a:ln w="28575" cmpd="sng">
-            <a:solidFill>
-              <a:schemeClr val="accent1"/>
-            </a:solidFill>
-          </a:ln>
-          <a:effectLst/>
-        </p:spPr>
-        <p:style>
-          <a:lnRef idx="1">
-            <a:schemeClr val="accent1"/>
-          </a:lnRef>
-          <a:fillRef idx="3">
-            <a:schemeClr val="accent1"/>
-          </a:fillRef>
-          <a:effectRef idx="2">
-            <a:schemeClr val="accent1"/>
-          </a:effectRef>
-          <a:fontRef idx="minor">
-            <a:schemeClr val="lt1"/>
-          </a:fontRef>
-        </p:style>
-        <p:txBody>
-          <a:bodyPr rtlCol="0" anchor="ctr"/>
-          <a:lstStyle/>
-          <a:p>
-            <a:pPr algn="ctr"/>
-            <a:r>
-              <a:rPr lang="en-US" dirty="0">
-                <a:solidFill>
-                  <a:srgbClr val="F8F8F8"/>
-                </a:solidFill>
-              </a:rPr>
-              <a:t>p</a:t>
-            </a:r>
-            <a:r>
-              <a:rPr lang="en-US" dirty="0" smtClean="0">
-                <a:solidFill>
-                  <a:srgbClr val="F8F8F8"/>
-                </a:solidFill>
-              </a:rPr>
-              <a:t>rompt user</a:t>
-            </a:r>
-            <a:endParaRPr lang="en-US" dirty="0">
-              <a:solidFill>
-                <a:srgbClr val="F8F8F8"/>
-              </a:solidFill>
-            </a:endParaRPr>
-          </a:p>
-        </p:txBody>
-      </p:sp>
       <p:sp>
         <p:nvSpPr>
           <p:cNvPr id="27" name="Rectangle 26"/>
@@ -9274,77 +8914,10 @@
           </a:p>
         </p:txBody>
       </p:sp>
-      <p:sp>
-        <p:nvSpPr>
-          <p:cNvPr id="35" name="Rectangle 34"/>
-          <p:cNvSpPr/>
-          <p:nvPr/>
-        </p:nvSpPr>
-        <p:spPr>
-          <a:xfrm>
-            <a:off x="702737" y="2862107"/>
-            <a:ext cx="1730320" cy="396667"/>
-          </a:xfrm>
-          <a:prstGeom prst="rect">
-            <a:avLst/>
-          </a:prstGeom>
-          <a:solidFill>
-            <a:schemeClr val="accent5"/>
-          </a:solidFill>
-          <a:ln w="28575" cmpd="sng">
-            <a:solidFill>
-              <a:schemeClr val="accent1"/>
-            </a:solidFill>
-          </a:ln>
-          <a:effectLst/>
-        </p:spPr>
-        <p:style>
-          <a:lnRef idx="1">
-            <a:schemeClr val="accent1"/>
-          </a:lnRef>
-          <a:fillRef idx="3">
-            <a:schemeClr val="accent1"/>
-          </a:fillRef>
-          <a:effectRef idx="2">
-            <a:schemeClr val="accent1"/>
-          </a:effectRef>
-          <a:fontRef idx="minor">
-            <a:schemeClr val="lt1"/>
-          </a:fontRef>
-        </p:style>
-        <p:txBody>
-          <a:bodyPr rtlCol="0" anchor="ctr"/>
-          <a:lstStyle/>
-          <a:p>
-            <a:pPr algn="ctr"/>
-            <a:r>
-              <a:rPr lang="en-US" dirty="0">
-                <a:solidFill>
-                  <a:srgbClr val="F8F8F8"/>
-                </a:solidFill>
-              </a:rPr>
-              <a:t>i</a:t>
-            </a:r>
-            <a:r>
-              <a:rPr lang="en-US" dirty="0" smtClean="0">
-                <a:solidFill>
-                  <a:srgbClr val="F8F8F8"/>
-                </a:solidFill>
-              </a:rPr>
-              <a:t>nitiate data </a:t>
-            </a:r>
-            <a:endParaRPr lang="en-US" dirty="0">
-              <a:solidFill>
-                <a:srgbClr val="F8F8F8"/>
-              </a:solidFill>
-            </a:endParaRPr>
-          </a:p>
-        </p:txBody>
-      </p:sp>
     </p:spTree>
     <p:extLst>
       <p:ext uri="{BB962C8B-B14F-4D97-AF65-F5344CB8AC3E}">
-        <p14:creationId xmlns:p14="http://schemas.microsoft.com/office/powerpoint/2010/main" val="3440086341"/>
+        <p14:creationId xmlns:p14="http://schemas.microsoft.com/office/powerpoint/2010/main" val="3774287812"/>
       </p:ext>
     </p:extLst>
   </p:cSld>
@@ -9811,15 +9384,53 @@
           </a:p>
         </p:txBody>
       </p:sp>
-      <p:sp>
-        <p:nvSpPr>
-          <p:cNvPr id="7" name="Rectangle 6"/>
+      <p:cxnSp>
+        <p:nvCxnSpPr>
+          <p:cNvPr id="24" name="Straight Arrow Connector 23"/>
+          <p:cNvCxnSpPr/>
+          <p:nvPr/>
+        </p:nvCxnSpPr>
+        <p:spPr>
+          <a:xfrm>
+            <a:off x="5430257" y="3056995"/>
+            <a:ext cx="1325350" cy="0"/>
+          </a:xfrm>
+          <a:prstGeom prst="straightConnector1">
+            <a:avLst/>
+          </a:prstGeom>
+          <a:ln w="57150" cmpd="sng">
+            <a:solidFill>
+              <a:schemeClr val="accent2"/>
+            </a:solidFill>
+            <a:headEnd type="none"/>
+            <a:tailEnd type="triangle"/>
+          </a:ln>
+          <a:effectLst/>
+        </p:spPr>
+        <p:style>
+          <a:lnRef idx="2">
+            <a:schemeClr val="accent1"/>
+          </a:lnRef>
+          <a:fillRef idx="0">
+            <a:schemeClr val="accent1"/>
+          </a:fillRef>
+          <a:effectRef idx="1">
+            <a:schemeClr val="accent1"/>
+          </a:effectRef>
+          <a:fontRef idx="minor">
+            <a:schemeClr val="tx1"/>
+          </a:fontRef>
+        </p:style>
+      </p:cxnSp>
+      <p:sp>
+        <p:nvSpPr>
+          <p:cNvPr id="25" name="Rectangle 24"/>
           <p:cNvSpPr/>
           <p:nvPr/>
         </p:nvSpPr>
         <p:spPr>
           <a:xfrm>
-            <a:off x="6755607" y="3533858"/>
+            <a:off x="6755607" y="2858661"/>
             <a:ext cx="1730320" cy="396667"/>
           </a:xfrm>
           <a:prstGeom prst="rect">
@@ -9855,141 +9466,6 @@
           <a:p>
             <a:pPr algn="ctr"/>
             <a:r>
-              <a:rPr lang="en-US" dirty="0" smtClean="0">
-                <a:solidFill>
-                  <a:srgbClr val="F8F8F8"/>
-                </a:solidFill>
-              </a:rPr>
-              <a:t>send input</a:t>
-            </a:r>
-            <a:endParaRPr lang="en-US" dirty="0">
-              <a:solidFill>
-                <a:srgbClr val="F8F8F8"/>
-              </a:solidFill>
-            </a:endParaRPr>
-          </a:p>
-        </p:txBody>
-      </p:sp>
-      <p:cxnSp>
-        <p:nvCxnSpPr>
-          <p:cNvPr id="24" name="Straight Arrow Connector 23"/>
-          <p:cNvCxnSpPr/>
-          <p:nvPr/>
-        </p:nvCxnSpPr>
-        <p:spPr>
-          <a:xfrm>
-            <a:off x="5430257" y="3056995"/>
-            <a:ext cx="1325350" cy="0"/>
-          </a:xfrm>
-          <a:prstGeom prst="straightConnector1">
-            <a:avLst/>
-          </a:prstGeom>
-          <a:ln w="57150" cmpd="sng">
-            <a:solidFill>
-              <a:schemeClr val="accent2"/>
-            </a:solidFill>
-            <a:headEnd type="none"/>
-            <a:tailEnd type="triangle"/>
-          </a:ln>
-          <a:effectLst/>
-        </p:spPr>
-        <p:style>
-          <a:lnRef idx="2">
-            <a:schemeClr val="accent1"/>
-          </a:lnRef>
-          <a:fillRef idx="0">
-            <a:schemeClr val="accent1"/>
-          </a:fillRef>
-          <a:effectRef idx="1">
-            <a:schemeClr val="accent1"/>
-          </a:effectRef>
-          <a:fontRef idx="minor">
-            <a:schemeClr val="tx1"/>
-          </a:fontRef>
-        </p:style>
-      </p:cxnSp>
-      <p:cxnSp>
-        <p:nvCxnSpPr>
-          <p:cNvPr id="26" name="Straight Arrow Connector 25"/>
-          <p:cNvCxnSpPr/>
-          <p:nvPr/>
-        </p:nvCxnSpPr>
-        <p:spPr>
-          <a:xfrm>
-            <a:off x="7619091" y="2941410"/>
-            <a:ext cx="0" cy="614240"/>
-          </a:xfrm>
-          <a:prstGeom prst="straightConnector1">
-            <a:avLst/>
-          </a:prstGeom>
-          <a:ln w="57150" cmpd="sng">
-            <a:solidFill>
-              <a:schemeClr val="accent2"/>
-            </a:solidFill>
-            <a:headEnd type="none"/>
-            <a:tailEnd type="triangle"/>
-          </a:ln>
-          <a:effectLst/>
-        </p:spPr>
-        <p:style>
-          <a:lnRef idx="2">
-            <a:schemeClr val="accent1"/>
-          </a:lnRef>
-          <a:fillRef idx="0">
-            <a:schemeClr val="accent1"/>
-          </a:fillRef>
-          <a:effectRef idx="1">
-            <a:schemeClr val="accent1"/>
-          </a:effectRef>
-          <a:fontRef idx="minor">
-            <a:schemeClr val="tx1"/>
-          </a:fontRef>
-        </p:style>
-      </p:cxnSp>
-      <p:sp>
-        <p:nvSpPr>
-          <p:cNvPr id="25" name="Rectangle 24"/>
-          <p:cNvSpPr/>
-          <p:nvPr/>
-        </p:nvSpPr>
-        <p:spPr>
-          <a:xfrm>
-            <a:off x="6755607" y="2858661"/>
-            <a:ext cx="1730320" cy="396667"/>
-          </a:xfrm>
-          <a:prstGeom prst="rect">
-            <a:avLst/>
-          </a:prstGeom>
-          <a:solidFill>
-            <a:schemeClr val="accent6"/>
-          </a:solidFill>
-          <a:ln w="28575" cmpd="sng">
-            <a:solidFill>
-              <a:schemeClr val="accent1"/>
-            </a:solidFill>
-          </a:ln>
-          <a:effectLst/>
-        </p:spPr>
-        <p:style>
-          <a:lnRef idx="1">
-            <a:schemeClr val="accent1"/>
-          </a:lnRef>
-          <a:fillRef idx="3">
-            <a:schemeClr val="accent1"/>
-          </a:fillRef>
-          <a:effectRef idx="2">
-            <a:schemeClr val="accent1"/>
-          </a:effectRef>
-          <a:fontRef idx="minor">
-            <a:schemeClr val="lt1"/>
-          </a:fontRef>
-        </p:style>
-        <p:txBody>
-          <a:bodyPr rtlCol="0" anchor="ctr"/>
-          <a:lstStyle/>
-          <a:p>
-            <a:pPr algn="ctr"/>
-            <a:r>
               <a:rPr lang="en-US" dirty="0">
                 <a:solidFill>
                   <a:srgbClr val="F8F8F8"/>
@@ -10142,7 +9618,7 @@
     </p:spTree>
     <p:extLst>
       <p:ext uri="{BB962C8B-B14F-4D97-AF65-F5344CB8AC3E}">
-        <p14:creationId xmlns:p14="http://schemas.microsoft.com/office/powerpoint/2010/main" val="1766437960"/>
+        <p14:creationId xmlns:p14="http://schemas.microsoft.com/office/powerpoint/2010/main" val="3440086341"/>
       </p:ext>
     </p:extLst>
   </p:cSld>
@@ -10492,46 +9968,6 @@
           </a:p>
         </p:txBody>
       </p:sp>
-      <p:cxnSp>
-        <p:nvCxnSpPr>
-          <p:cNvPr id="12" name="Straight Arrow Connector 11"/>
-          <p:cNvCxnSpPr>
-            <a:stCxn id="7" idx="1"/>
-          </p:cNvCxnSpPr>
-          <p:nvPr/>
-        </p:nvCxnSpPr>
-        <p:spPr>
-          <a:xfrm flipH="1">
-            <a:off x="5537200" y="3732192"/>
-            <a:ext cx="1218407" cy="0"/>
-          </a:xfrm>
-          <a:prstGeom prst="straightConnector1">
-            <a:avLst/>
-          </a:prstGeom>
-          <a:ln w="57150" cmpd="sng">
-            <a:solidFill>
-              <a:schemeClr val="accent2"/>
-            </a:solidFill>
-            <a:headEnd type="none"/>
-            <a:tailEnd type="triangle"/>
-          </a:ln>
-          <a:effectLst/>
-        </p:spPr>
-        <p:style>
-          <a:lnRef idx="2">
-            <a:schemeClr val="accent1"/>
-          </a:lnRef>
-          <a:fillRef idx="0">
-            <a:schemeClr val="accent1"/>
-          </a:fillRef>
-          <a:effectRef idx="1">
-            <a:schemeClr val="accent1"/>
-          </a:effectRef>
-          <a:fontRef idx="minor">
-            <a:schemeClr val="tx1"/>
-          </a:fontRef>
-        </p:style>
-      </p:cxnSp>
       <p:sp>
         <p:nvSpPr>
           <p:cNvPr id="7" name="Rectangle 6"/>
@@ -10582,65 +10018,6 @@
                 </a:solidFill>
               </a:rPr>
               <a:t>send input</a:t>
-            </a:r>
-            <a:endParaRPr lang="en-US" dirty="0">
-              <a:solidFill>
-                <a:srgbClr val="F8F8F8"/>
-              </a:solidFill>
-            </a:endParaRPr>
-          </a:p>
-        </p:txBody>
-      </p:sp>
-      <p:sp>
-        <p:nvSpPr>
-          <p:cNvPr id="13" name="Rectangle 12"/>
-          <p:cNvSpPr/>
-          <p:nvPr/>
-        </p:nvSpPr>
-        <p:spPr>
-          <a:xfrm>
-            <a:off x="3699937" y="3533858"/>
-            <a:ext cx="1730320" cy="396667"/>
-          </a:xfrm>
-          <a:prstGeom prst="rect">
-            <a:avLst/>
-          </a:prstGeom>
-          <a:solidFill>
-            <a:schemeClr val="accent4"/>
-          </a:solidFill>
-          <a:ln w="28575" cmpd="sng">
-            <a:solidFill>
-              <a:schemeClr val="accent1"/>
-            </a:solidFill>
-          </a:ln>
-          <a:effectLst/>
-        </p:spPr>
-        <p:style>
-          <a:lnRef idx="1">
-            <a:schemeClr val="accent1"/>
-          </a:lnRef>
-          <a:fillRef idx="3">
-            <a:schemeClr val="accent1"/>
-          </a:fillRef>
-          <a:effectRef idx="2">
-            <a:schemeClr val="accent1"/>
-          </a:effectRef>
-          <a:fontRef idx="minor">
-            <a:schemeClr val="lt1"/>
-          </a:fontRef>
-        </p:style>
-        <p:txBody>
-          <a:bodyPr rtlCol="0" anchor="ctr"/>
-          <a:lstStyle/>
-          <a:p>
-            <a:pPr algn="ctr"/>
-            <a:r>
-              <a:rPr lang="en-US" dirty="0" smtClean="0">
-                <a:solidFill>
-                  <a:srgbClr val="F8F8F8"/>
-                </a:solidFill>
-              </a:rPr>
-              <a:t>interpret input</a:t>
             </a:r>
             <a:endParaRPr lang="en-US" dirty="0">
               <a:solidFill>
@@ -10922,7 +10299,7 @@
     </p:spTree>
     <p:extLst>
       <p:ext uri="{BB962C8B-B14F-4D97-AF65-F5344CB8AC3E}">
-        <p14:creationId xmlns:p14="http://schemas.microsoft.com/office/powerpoint/2010/main" val="4268115242"/>
+        <p14:creationId xmlns:p14="http://schemas.microsoft.com/office/powerpoint/2010/main" val="1766437960"/>
       </p:ext>
     </p:extLst>
   </p:cSld>
@@ -11371,44 +10748,6 @@
           </a:p>
         </p:txBody>
       </p:sp>
-      <p:cxnSp>
-        <p:nvCxnSpPr>
-          <p:cNvPr id="15" name="Straight Arrow Connector 14"/>
-          <p:cNvCxnSpPr/>
-          <p:nvPr/>
-        </p:nvCxnSpPr>
-        <p:spPr>
-          <a:xfrm>
-            <a:off x="4565097" y="3673683"/>
-            <a:ext cx="0" cy="614240"/>
-          </a:xfrm>
-          <a:prstGeom prst="straightConnector1">
-            <a:avLst/>
-          </a:prstGeom>
-          <a:ln w="57150" cmpd="sng">
-            <a:solidFill>
-              <a:schemeClr val="accent2"/>
-            </a:solidFill>
-            <a:headEnd type="none"/>
-            <a:tailEnd type="triangle"/>
-          </a:ln>
-          <a:effectLst/>
-        </p:spPr>
-        <p:style>
-          <a:lnRef idx="2">
-            <a:schemeClr val="accent1"/>
-          </a:lnRef>
-          <a:fillRef idx="0">
-            <a:schemeClr val="accent1"/>
-          </a:fillRef>
-          <a:effectRef idx="1">
-            <a:schemeClr val="accent1"/>
-          </a:effectRef>
-          <a:fontRef idx="minor">
-            <a:schemeClr val="tx1"/>
-          </a:fontRef>
-        </p:style>
-      </p:cxnSp>
       <p:sp>
         <p:nvSpPr>
           <p:cNvPr id="13" name="Rectangle 12"/>
@@ -11459,65 +10798,6 @@
                 </a:solidFill>
               </a:rPr>
               <a:t>interpret input</a:t>
-            </a:r>
-            <a:endParaRPr lang="en-US" dirty="0">
-              <a:solidFill>
-                <a:srgbClr val="F8F8F8"/>
-              </a:solidFill>
-            </a:endParaRPr>
-          </a:p>
-        </p:txBody>
-      </p:sp>
-      <p:sp>
-        <p:nvSpPr>
-          <p:cNvPr id="14" name="Rectangle 13"/>
-          <p:cNvSpPr/>
-          <p:nvPr/>
-        </p:nvSpPr>
-        <p:spPr>
-          <a:xfrm>
-            <a:off x="3699937" y="4285338"/>
-            <a:ext cx="1730320" cy="396667"/>
-          </a:xfrm>
-          <a:prstGeom prst="rect">
-            <a:avLst/>
-          </a:prstGeom>
-          <a:solidFill>
-            <a:schemeClr val="accent4"/>
-          </a:solidFill>
-          <a:ln w="28575" cmpd="sng">
-            <a:solidFill>
-              <a:schemeClr val="accent1"/>
-            </a:solidFill>
-          </a:ln>
-          <a:effectLst/>
-        </p:spPr>
-        <p:style>
-          <a:lnRef idx="1">
-            <a:schemeClr val="accent1"/>
-          </a:lnRef>
-          <a:fillRef idx="3">
-            <a:schemeClr val="accent1"/>
-          </a:fillRef>
-          <a:effectRef idx="2">
-            <a:schemeClr val="accent1"/>
-          </a:effectRef>
-          <a:fontRef idx="minor">
-            <a:schemeClr val="lt1"/>
-          </a:fontRef>
-        </p:style>
-        <p:txBody>
-          <a:bodyPr rtlCol="0" anchor="ctr"/>
-          <a:lstStyle/>
-          <a:p>
-            <a:pPr algn="ctr"/>
-            <a:r>
-              <a:rPr lang="en-US" dirty="0" smtClean="0">
-                <a:solidFill>
-                  <a:srgbClr val="F8F8F8"/>
-                </a:solidFill>
-              </a:rPr>
-              <a:t>request data</a:t>
             </a:r>
             <a:endParaRPr lang="en-US" dirty="0">
               <a:solidFill>
@@ -11799,7 +11079,7 @@
     </p:spTree>
     <p:extLst>
       <p:ext uri="{BB962C8B-B14F-4D97-AF65-F5344CB8AC3E}">
-        <p14:creationId xmlns:p14="http://schemas.microsoft.com/office/powerpoint/2010/main" val="1228894101"/>
+        <p14:creationId xmlns:p14="http://schemas.microsoft.com/office/powerpoint/2010/main" val="4268115242"/>
       </p:ext>
     </p:extLst>
   </p:cSld>
@@ -12345,44 +11625,6 @@
           </a:p>
         </p:txBody>
       </p:sp>
-      <p:cxnSp>
-        <p:nvCxnSpPr>
-          <p:cNvPr id="17" name="Straight Arrow Connector 16"/>
-          <p:cNvCxnSpPr/>
-          <p:nvPr/>
-        </p:nvCxnSpPr>
-        <p:spPr>
-          <a:xfrm flipH="1">
-            <a:off x="2445133" y="4494636"/>
-            <a:ext cx="1218407" cy="0"/>
-          </a:xfrm>
-          <a:prstGeom prst="straightConnector1">
-            <a:avLst/>
-          </a:prstGeom>
-          <a:ln w="57150" cmpd="sng">
-            <a:solidFill>
-              <a:schemeClr val="accent2"/>
-            </a:solidFill>
-            <a:headEnd type="none"/>
-            <a:tailEnd type="triangle"/>
-          </a:ln>
-          <a:effectLst/>
-        </p:spPr>
-        <p:style>
-          <a:lnRef idx="2">
-            <a:schemeClr val="accent1"/>
-          </a:lnRef>
-          <a:fillRef idx="0">
-            <a:schemeClr val="accent1"/>
-          </a:fillRef>
-          <a:effectRef idx="1">
-            <a:schemeClr val="accent1"/>
-          </a:effectRef>
-          <a:fontRef idx="minor">
-            <a:schemeClr val="tx1"/>
-          </a:fontRef>
-        </p:style>
-      </p:cxnSp>
       <p:sp>
         <p:nvSpPr>
           <p:cNvPr id="14" name="Rectangle 13"/>
@@ -12433,65 +11675,6 @@
                 </a:solidFill>
               </a:rPr>
               <a:t>request data</a:t>
-            </a:r>
-            <a:endParaRPr lang="en-US" dirty="0">
-              <a:solidFill>
-                <a:srgbClr val="F8F8F8"/>
-              </a:solidFill>
-            </a:endParaRPr>
-          </a:p>
-        </p:txBody>
-      </p:sp>
-      <p:sp>
-        <p:nvSpPr>
-          <p:cNvPr id="16" name="Rectangle 15"/>
-          <p:cNvSpPr/>
-          <p:nvPr/>
-        </p:nvSpPr>
-        <p:spPr>
-          <a:xfrm>
-            <a:off x="702737" y="4285338"/>
-            <a:ext cx="1730320" cy="396667"/>
-          </a:xfrm>
-          <a:prstGeom prst="rect">
-            <a:avLst/>
-          </a:prstGeom>
-          <a:solidFill>
-            <a:schemeClr val="accent5"/>
-          </a:solidFill>
-          <a:ln w="28575" cmpd="sng">
-            <a:solidFill>
-              <a:schemeClr val="accent1"/>
-            </a:solidFill>
-          </a:ln>
-          <a:effectLst/>
-        </p:spPr>
-        <p:style>
-          <a:lnRef idx="1">
-            <a:schemeClr val="accent1"/>
-          </a:lnRef>
-          <a:fillRef idx="3">
-            <a:schemeClr val="accent1"/>
-          </a:fillRef>
-          <a:effectRef idx="2">
-            <a:schemeClr val="accent1"/>
-          </a:effectRef>
-          <a:fontRef idx="minor">
-            <a:schemeClr val="lt1"/>
-          </a:fontRef>
-        </p:style>
-        <p:txBody>
-          <a:bodyPr rtlCol="0" anchor="ctr"/>
-          <a:lstStyle/>
-          <a:p>
-            <a:pPr algn="ctr"/>
-            <a:r>
-              <a:rPr lang="en-US" dirty="0" smtClean="0">
-                <a:solidFill>
-                  <a:srgbClr val="F8F8F8"/>
-                </a:solidFill>
-              </a:rPr>
-              <a:t>gather data</a:t>
             </a:r>
             <a:endParaRPr lang="en-US" dirty="0">
               <a:solidFill>
@@ -12773,7 +11956,7 @@
     </p:spTree>
     <p:extLst>
       <p:ext uri="{BB962C8B-B14F-4D97-AF65-F5344CB8AC3E}">
-        <p14:creationId xmlns:p14="http://schemas.microsoft.com/office/powerpoint/2010/main" val="1911309529"/>
+        <p14:creationId xmlns:p14="http://schemas.microsoft.com/office/powerpoint/2010/main" val="1228894101"/>
       </p:ext>
     </p:extLst>
   </p:cSld>
@@ -13416,44 +12599,6 @@
           </a:p>
         </p:txBody>
       </p:sp>
-      <p:cxnSp>
-        <p:nvCxnSpPr>
-          <p:cNvPr id="19" name="Straight Arrow Connector 18"/>
-          <p:cNvCxnSpPr/>
-          <p:nvPr/>
-        </p:nvCxnSpPr>
-        <p:spPr>
-          <a:xfrm>
-            <a:off x="1567897" y="4410894"/>
-            <a:ext cx="0" cy="614240"/>
-          </a:xfrm>
-          <a:prstGeom prst="straightConnector1">
-            <a:avLst/>
-          </a:prstGeom>
-          <a:ln w="57150" cmpd="sng">
-            <a:solidFill>
-              <a:schemeClr val="accent2"/>
-            </a:solidFill>
-            <a:headEnd type="none"/>
-            <a:tailEnd type="triangle"/>
-          </a:ln>
-          <a:effectLst/>
-        </p:spPr>
-        <p:style>
-          <a:lnRef idx="2">
-            <a:schemeClr val="accent1"/>
-          </a:lnRef>
-          <a:fillRef idx="0">
-            <a:schemeClr val="accent1"/>
-          </a:fillRef>
-          <a:effectRef idx="1">
-            <a:schemeClr val="accent1"/>
-          </a:effectRef>
-          <a:fontRef idx="minor">
-            <a:schemeClr val="tx1"/>
-          </a:fontRef>
-        </p:style>
-      </p:cxnSp>
       <p:sp>
         <p:nvSpPr>
           <p:cNvPr id="16" name="Rectangle 15"/>
@@ -13504,65 +12649,6 @@
                 </a:solidFill>
               </a:rPr>
               <a:t>gather data</a:t>
-            </a:r>
-            <a:endParaRPr lang="en-US" dirty="0">
-              <a:solidFill>
-                <a:srgbClr val="F8F8F8"/>
-              </a:solidFill>
-            </a:endParaRPr>
-          </a:p>
-        </p:txBody>
-      </p:sp>
-      <p:sp>
-        <p:nvSpPr>
-          <p:cNvPr id="18" name="Rectangle 17"/>
-          <p:cNvSpPr/>
-          <p:nvPr/>
-        </p:nvSpPr>
-        <p:spPr>
-          <a:xfrm>
-            <a:off x="702737" y="5093893"/>
-            <a:ext cx="1730320" cy="396667"/>
-          </a:xfrm>
-          <a:prstGeom prst="rect">
-            <a:avLst/>
-          </a:prstGeom>
-          <a:solidFill>
-            <a:schemeClr val="accent5"/>
-          </a:solidFill>
-          <a:ln w="28575" cmpd="sng">
-            <a:solidFill>
-              <a:schemeClr val="accent1"/>
-            </a:solidFill>
-          </a:ln>
-          <a:effectLst/>
-        </p:spPr>
-        <p:style>
-          <a:lnRef idx="1">
-            <a:schemeClr val="accent1"/>
-          </a:lnRef>
-          <a:fillRef idx="3">
-            <a:schemeClr val="accent1"/>
-          </a:fillRef>
-          <a:effectRef idx="2">
-            <a:schemeClr val="accent1"/>
-          </a:effectRef>
-          <a:fontRef idx="minor">
-            <a:schemeClr val="lt1"/>
-          </a:fontRef>
-        </p:style>
-        <p:txBody>
-          <a:bodyPr rtlCol="0" anchor="ctr"/>
-          <a:lstStyle/>
-          <a:p>
-            <a:pPr algn="ctr"/>
-            <a:r>
-              <a:rPr lang="en-US" dirty="0" smtClean="0">
-                <a:solidFill>
-                  <a:srgbClr val="F8F8F8"/>
-                </a:solidFill>
-              </a:rPr>
-              <a:t>return data</a:t>
             </a:r>
             <a:endParaRPr lang="en-US" dirty="0">
               <a:solidFill>
@@ -13844,7 +12930,7 @@
     </p:spTree>
     <p:extLst>
       <p:ext uri="{BB962C8B-B14F-4D97-AF65-F5344CB8AC3E}">
-        <p14:creationId xmlns:p14="http://schemas.microsoft.com/office/powerpoint/2010/main" val="2161236216"/>
+        <p14:creationId xmlns:p14="http://schemas.microsoft.com/office/powerpoint/2010/main" val="1911309529"/>
       </p:ext>
     </p:extLst>
   </p:cSld>
@@ -14584,44 +13670,6 @@
           </a:p>
         </p:txBody>
       </p:sp>
-      <p:cxnSp>
-        <p:nvCxnSpPr>
-          <p:cNvPr id="21" name="Straight Arrow Connector 20"/>
-          <p:cNvCxnSpPr/>
-          <p:nvPr/>
-        </p:nvCxnSpPr>
-        <p:spPr>
-          <a:xfrm>
-            <a:off x="2382257" y="5300588"/>
-            <a:ext cx="1218407" cy="0"/>
-          </a:xfrm>
-          <a:prstGeom prst="straightConnector1">
-            <a:avLst/>
-          </a:prstGeom>
-          <a:ln w="57150" cmpd="sng">
-            <a:solidFill>
-              <a:schemeClr val="accent2"/>
-            </a:solidFill>
-            <a:headEnd type="none"/>
-            <a:tailEnd type="triangle"/>
-          </a:ln>
-          <a:effectLst/>
-        </p:spPr>
-        <p:style>
-          <a:lnRef idx="2">
-            <a:schemeClr val="accent1"/>
-          </a:lnRef>
-          <a:fillRef idx="0">
-            <a:schemeClr val="accent1"/>
-          </a:fillRef>
-          <a:effectRef idx="1">
-            <a:schemeClr val="accent1"/>
-          </a:effectRef>
-          <a:fontRef idx="minor">
-            <a:schemeClr val="tx1"/>
-          </a:fontRef>
-        </p:style>
-      </p:cxnSp>
       <p:sp>
         <p:nvSpPr>
           <p:cNvPr id="18" name="Rectangle 17"/>
@@ -14672,65 +13720,6 @@
                 </a:solidFill>
               </a:rPr>
               <a:t>return data</a:t>
-            </a:r>
-            <a:endParaRPr lang="en-US" dirty="0">
-              <a:solidFill>
-                <a:srgbClr val="F8F8F8"/>
-              </a:solidFill>
-            </a:endParaRPr>
-          </a:p>
-        </p:txBody>
-      </p:sp>
-      <p:sp>
-        <p:nvSpPr>
-          <p:cNvPr id="20" name="Rectangle 19"/>
-          <p:cNvSpPr/>
-          <p:nvPr/>
-        </p:nvSpPr>
-        <p:spPr>
-          <a:xfrm>
-            <a:off x="3699937" y="5093893"/>
-            <a:ext cx="1730320" cy="396667"/>
-          </a:xfrm>
-          <a:prstGeom prst="rect">
-            <a:avLst/>
-          </a:prstGeom>
-          <a:solidFill>
-            <a:schemeClr val="accent4"/>
-          </a:solidFill>
-          <a:ln w="28575" cmpd="sng">
-            <a:solidFill>
-              <a:schemeClr val="accent1"/>
-            </a:solidFill>
-          </a:ln>
-          <a:effectLst/>
-        </p:spPr>
-        <p:style>
-          <a:lnRef idx="1">
-            <a:schemeClr val="accent1"/>
-          </a:lnRef>
-          <a:fillRef idx="3">
-            <a:schemeClr val="accent1"/>
-          </a:fillRef>
-          <a:effectRef idx="2">
-            <a:schemeClr val="accent1"/>
-          </a:effectRef>
-          <a:fontRef idx="minor">
-            <a:schemeClr val="lt1"/>
-          </a:fontRef>
-        </p:style>
-        <p:txBody>
-          <a:bodyPr rtlCol="0" anchor="ctr"/>
-          <a:lstStyle/>
-          <a:p>
-            <a:pPr algn="ctr"/>
-            <a:r>
-              <a:rPr lang="en-US" dirty="0" smtClean="0">
-                <a:solidFill>
-                  <a:srgbClr val="F8F8F8"/>
-                </a:solidFill>
-              </a:rPr>
-              <a:t>forward data</a:t>
             </a:r>
             <a:endParaRPr lang="en-US" dirty="0">
               <a:solidFill>
@@ -15012,7 +14001,7 @@
     </p:spTree>
     <p:extLst>
       <p:ext uri="{BB962C8B-B14F-4D97-AF65-F5344CB8AC3E}">
-        <p14:creationId xmlns:p14="http://schemas.microsoft.com/office/powerpoint/2010/main" val="4197247014"/>
+        <p14:creationId xmlns:p14="http://schemas.microsoft.com/office/powerpoint/2010/main" val="2161236216"/>
       </p:ext>
     </p:extLst>
   </p:cSld>
@@ -15851,103 +14840,6 @@
       </p:sp>
       <p:sp>
         <p:nvSpPr>
-          <p:cNvPr id="22" name="Rectangle 21"/>
-          <p:cNvSpPr/>
-          <p:nvPr/>
-        </p:nvSpPr>
-        <p:spPr>
-          <a:xfrm>
-            <a:off x="6755607" y="5102254"/>
-            <a:ext cx="1730320" cy="396667"/>
-          </a:xfrm>
-          <a:prstGeom prst="rect">
-            <a:avLst/>
-          </a:prstGeom>
-          <a:solidFill>
-            <a:schemeClr val="accent6"/>
-          </a:solidFill>
-          <a:ln w="28575" cmpd="sng">
-            <a:solidFill>
-              <a:schemeClr val="accent1"/>
-            </a:solidFill>
-          </a:ln>
-          <a:effectLst/>
-        </p:spPr>
-        <p:style>
-          <a:lnRef idx="1">
-            <a:schemeClr val="accent1"/>
-          </a:lnRef>
-          <a:fillRef idx="3">
-            <a:schemeClr val="accent1"/>
-          </a:fillRef>
-          <a:effectRef idx="2">
-            <a:schemeClr val="accent1"/>
-          </a:effectRef>
-          <a:fontRef idx="minor">
-            <a:schemeClr val="lt1"/>
-          </a:fontRef>
-        </p:style>
-        <p:txBody>
-          <a:bodyPr rtlCol="0" anchor="ctr"/>
-          <a:lstStyle/>
-          <a:p>
-            <a:pPr algn="ctr"/>
-            <a:r>
-              <a:rPr lang="en-US" dirty="0" smtClean="0">
-                <a:solidFill>
-                  <a:srgbClr val="F8F8F8"/>
-                </a:solidFill>
-              </a:rPr>
-              <a:t>display data</a:t>
-            </a:r>
-            <a:endParaRPr lang="en-US" dirty="0">
-              <a:solidFill>
-                <a:srgbClr val="F8F8F8"/>
-              </a:solidFill>
-            </a:endParaRPr>
-          </a:p>
-        </p:txBody>
-      </p:sp>
-      <p:cxnSp>
-        <p:nvCxnSpPr>
-          <p:cNvPr id="23" name="Straight Arrow Connector 22"/>
-          <p:cNvCxnSpPr/>
-          <p:nvPr/>
-        </p:nvCxnSpPr>
-        <p:spPr>
-          <a:xfrm>
-            <a:off x="5430257" y="5300588"/>
-            <a:ext cx="1218407" cy="0"/>
-          </a:xfrm>
-          <a:prstGeom prst="straightConnector1">
-            <a:avLst/>
-          </a:prstGeom>
-          <a:ln w="57150" cmpd="sng">
-            <a:solidFill>
-              <a:schemeClr val="accent2"/>
-            </a:solidFill>
-            <a:headEnd type="none"/>
-            <a:tailEnd type="triangle"/>
-          </a:ln>
-          <a:effectLst/>
-        </p:spPr>
-        <p:style>
-          <a:lnRef idx="2">
-            <a:schemeClr val="accent1"/>
-          </a:lnRef>
-          <a:fillRef idx="0">
-            <a:schemeClr val="accent1"/>
-          </a:fillRef>
-          <a:effectRef idx="1">
-            <a:schemeClr val="accent1"/>
-          </a:effectRef>
-          <a:fontRef idx="minor">
-            <a:schemeClr val="tx1"/>
-          </a:fontRef>
-        </p:style>
-      </p:cxnSp>
-      <p:sp>
-        <p:nvSpPr>
           <p:cNvPr id="20" name="Rectangle 19"/>
           <p:cNvSpPr/>
           <p:nvPr/>
@@ -16277,7 +15169,7 @@
     </p:spTree>
     <p:extLst>
       <p:ext uri="{BB962C8B-B14F-4D97-AF65-F5344CB8AC3E}">
-        <p14:creationId xmlns:p14="http://schemas.microsoft.com/office/powerpoint/2010/main" val="1743989980"/>
+        <p14:creationId xmlns:p14="http://schemas.microsoft.com/office/powerpoint/2010/main" val="4197247014"/>
       </p:ext>
     </p:extLst>
   </p:cSld>
@@ -16329,6 +15221,1271 @@
         </p:spPr>
         <p:txBody>
           <a:bodyPr>
+            <a:normAutofit/>
+          </a:bodyPr>
+          <a:lstStyle/>
+          <a:p>
+            <a:r>
+              <a:rPr lang="en-US" dirty="0" smtClean="0"/>
+              <a:t>TODO’s: List</a:t>
+            </a:r>
+            <a:endParaRPr lang="en-US" dirty="0"/>
+          </a:p>
+        </p:txBody>
+      </p:sp>
+      <p:sp>
+        <p:nvSpPr>
+          <p:cNvPr id="3" name="Footer Placeholder 2"/>
+          <p:cNvSpPr>
+            <a:spLocks noGrp="1"/>
+          </p:cNvSpPr>
+          <p:nvPr>
+            <p:ph type="ftr" sz="quarter" idx="3"/>
+          </p:nvPr>
+        </p:nvSpPr>
+        <p:spPr/>
+        <p:txBody>
+          <a:bodyPr/>
+          <a:lstStyle/>
+          <a:p>
+            <a:r>
+              <a:rPr lang="en-US" smtClean="0"/>
+              <a:t>Model – View – Controller: A Design Pattern</a:t>
+            </a:r>
+            <a:endParaRPr lang="en-US" dirty="0"/>
+          </a:p>
+        </p:txBody>
+      </p:sp>
+      <p:sp>
+        <p:nvSpPr>
+          <p:cNvPr id="4" name="Rectangle 3"/>
+          <p:cNvSpPr/>
+          <p:nvPr/>
+        </p:nvSpPr>
+        <p:spPr>
+          <a:xfrm>
+            <a:off x="512064" y="2723877"/>
+            <a:ext cx="2150017" cy="3058909"/>
+          </a:xfrm>
+          <a:prstGeom prst="rect">
+            <a:avLst/>
+          </a:prstGeom>
+          <a:solidFill>
+            <a:srgbClr val="00A9B9"/>
+          </a:solidFill>
+          <a:ln>
+            <a:noFill/>
+          </a:ln>
+          <a:effectLst/>
+        </p:spPr>
+        <p:style>
+          <a:lnRef idx="1">
+            <a:schemeClr val="accent1"/>
+          </a:lnRef>
+          <a:fillRef idx="3">
+            <a:schemeClr val="accent1"/>
+          </a:fillRef>
+          <a:effectRef idx="2">
+            <a:schemeClr val="accent1"/>
+          </a:effectRef>
+          <a:fontRef idx="minor">
+            <a:schemeClr val="lt1"/>
+          </a:fontRef>
+        </p:style>
+        <p:txBody>
+          <a:bodyPr rtlCol="0" anchor="t"/>
+          <a:lstStyle/>
+          <a:p>
+            <a:endParaRPr lang="en-US" sz="2200" dirty="0">
+              <a:solidFill>
+                <a:schemeClr val="accent1"/>
+              </a:solidFill>
+            </a:endParaRPr>
+          </a:p>
+          <a:p>
+            <a:pPr marL="111125"/>
+            <a:endParaRPr lang="en-US" sz="2200" dirty="0" smtClean="0">
+              <a:solidFill>
+                <a:schemeClr val="accent1"/>
+              </a:solidFill>
+            </a:endParaRPr>
+          </a:p>
+        </p:txBody>
+      </p:sp>
+      <p:sp>
+        <p:nvSpPr>
+          <p:cNvPr id="5" name="Rectangle 4"/>
+          <p:cNvSpPr/>
+          <p:nvPr/>
+        </p:nvSpPr>
+        <p:spPr>
+          <a:xfrm>
+            <a:off x="3493911" y="2668662"/>
+            <a:ext cx="2150017" cy="3058909"/>
+          </a:xfrm>
+          <a:prstGeom prst="rect">
+            <a:avLst/>
+          </a:prstGeom>
+          <a:solidFill>
+            <a:srgbClr val="EA4A3C"/>
+          </a:solidFill>
+          <a:ln>
+            <a:noFill/>
+          </a:ln>
+          <a:effectLst/>
+        </p:spPr>
+        <p:style>
+          <a:lnRef idx="1">
+            <a:schemeClr val="accent1"/>
+          </a:lnRef>
+          <a:fillRef idx="3">
+            <a:schemeClr val="accent1"/>
+          </a:fillRef>
+          <a:effectRef idx="2">
+            <a:schemeClr val="accent1"/>
+          </a:effectRef>
+          <a:fontRef idx="minor">
+            <a:schemeClr val="lt1"/>
+          </a:fontRef>
+        </p:style>
+        <p:txBody>
+          <a:bodyPr rtlCol="0" anchor="t"/>
+          <a:lstStyle/>
+          <a:p>
+            <a:pPr marL="111125"/>
+            <a:endParaRPr lang="en-US" sz="2200" dirty="0" smtClean="0">
+              <a:solidFill>
+                <a:srgbClr val="F8F8F8"/>
+              </a:solidFill>
+            </a:endParaRPr>
+          </a:p>
+          <a:p>
+            <a:pPr marL="111125"/>
+            <a:endParaRPr lang="en-US" sz="2200" dirty="0" smtClean="0">
+              <a:solidFill>
+                <a:srgbClr val="F8F8F8"/>
+              </a:solidFill>
+            </a:endParaRPr>
+          </a:p>
+        </p:txBody>
+      </p:sp>
+      <p:sp>
+        <p:nvSpPr>
+          <p:cNvPr id="6" name="Rectangle 5"/>
+          <p:cNvSpPr/>
+          <p:nvPr/>
+        </p:nvSpPr>
+        <p:spPr>
+          <a:xfrm>
+            <a:off x="6536783" y="2723877"/>
+            <a:ext cx="2150017" cy="3058909"/>
+          </a:xfrm>
+          <a:prstGeom prst="rect">
+            <a:avLst/>
+          </a:prstGeom>
+          <a:solidFill>
+            <a:schemeClr val="accent6"/>
+          </a:solidFill>
+          <a:ln>
+            <a:noFill/>
+          </a:ln>
+          <a:effectLst/>
+        </p:spPr>
+        <p:style>
+          <a:lnRef idx="1">
+            <a:schemeClr val="accent1"/>
+          </a:lnRef>
+          <a:fillRef idx="3">
+            <a:schemeClr val="accent1"/>
+          </a:fillRef>
+          <a:effectRef idx="2">
+            <a:schemeClr val="accent1"/>
+          </a:effectRef>
+          <a:fontRef idx="minor">
+            <a:schemeClr val="lt1"/>
+          </a:fontRef>
+        </p:style>
+        <p:txBody>
+          <a:bodyPr rtlCol="0" anchor="t"/>
+          <a:lstStyle/>
+          <a:p>
+            <a:pPr marL="111125"/>
+            <a:endParaRPr lang="en-US" sz="2200" dirty="0" smtClean="0">
+              <a:solidFill>
+                <a:srgbClr val="F8F8F8"/>
+              </a:solidFill>
+            </a:endParaRPr>
+          </a:p>
+          <a:p>
+            <a:pPr marL="111125"/>
+            <a:endParaRPr lang="en-US" sz="2200" dirty="0" smtClean="0">
+              <a:solidFill>
+                <a:srgbClr val="F8F8F8"/>
+              </a:solidFill>
+            </a:endParaRPr>
+          </a:p>
+        </p:txBody>
+      </p:sp>
+      <p:sp>
+        <p:nvSpPr>
+          <p:cNvPr id="8" name="TextBox 7"/>
+          <p:cNvSpPr txBox="1"/>
+          <p:nvPr/>
+        </p:nvSpPr>
+        <p:spPr>
+          <a:xfrm>
+            <a:off x="457200" y="1865376"/>
+            <a:ext cx="2204881" cy="584776"/>
+          </a:xfrm>
+          <a:prstGeom prst="rect">
+            <a:avLst/>
+          </a:prstGeom>
+          <a:noFill/>
+        </p:spPr>
+        <p:txBody>
+          <a:bodyPr wrap="square" rtlCol="0">
+            <a:spAutoFit/>
+          </a:bodyPr>
+          <a:lstStyle/>
+          <a:p>
+            <a:pPr algn="ctr"/>
+            <a:r>
+              <a:rPr lang="en-US" sz="3200" dirty="0" smtClean="0"/>
+              <a:t>Model</a:t>
+            </a:r>
+            <a:endParaRPr lang="en-US" sz="3200" dirty="0"/>
+          </a:p>
+        </p:txBody>
+      </p:sp>
+      <p:sp>
+        <p:nvSpPr>
+          <p:cNvPr id="10" name="TextBox 9"/>
+          <p:cNvSpPr txBox="1"/>
+          <p:nvPr/>
+        </p:nvSpPr>
+        <p:spPr>
+          <a:xfrm>
+            <a:off x="3493911" y="1865376"/>
+            <a:ext cx="2204881" cy="584776"/>
+          </a:xfrm>
+          <a:prstGeom prst="rect">
+            <a:avLst/>
+          </a:prstGeom>
+          <a:noFill/>
+        </p:spPr>
+        <p:txBody>
+          <a:bodyPr wrap="square" rtlCol="0">
+            <a:spAutoFit/>
+          </a:bodyPr>
+          <a:lstStyle/>
+          <a:p>
+            <a:pPr algn="ctr"/>
+            <a:r>
+              <a:rPr lang="en-US" sz="3200" dirty="0" smtClean="0"/>
+              <a:t>Controller</a:t>
+            </a:r>
+            <a:endParaRPr lang="en-US" sz="3200" dirty="0"/>
+          </a:p>
+        </p:txBody>
+      </p:sp>
+      <p:sp>
+        <p:nvSpPr>
+          <p:cNvPr id="11" name="TextBox 10"/>
+          <p:cNvSpPr txBox="1"/>
+          <p:nvPr/>
+        </p:nvSpPr>
+        <p:spPr>
+          <a:xfrm>
+            <a:off x="6536783" y="1865376"/>
+            <a:ext cx="2204881" cy="584776"/>
+          </a:xfrm>
+          <a:prstGeom prst="rect">
+            <a:avLst/>
+          </a:prstGeom>
+          <a:noFill/>
+        </p:spPr>
+        <p:txBody>
+          <a:bodyPr wrap="square" rtlCol="0">
+            <a:spAutoFit/>
+          </a:bodyPr>
+          <a:lstStyle/>
+          <a:p>
+            <a:pPr algn="ctr"/>
+            <a:r>
+              <a:rPr lang="en-US" sz="3200" dirty="0" smtClean="0"/>
+              <a:t>View</a:t>
+            </a:r>
+            <a:endParaRPr lang="en-US" sz="3200" dirty="0"/>
+          </a:p>
+        </p:txBody>
+      </p:sp>
+      <p:cxnSp>
+        <p:nvCxnSpPr>
+          <p:cNvPr id="12" name="Straight Arrow Connector 11"/>
+          <p:cNvCxnSpPr>
+            <a:stCxn id="7" idx="1"/>
+          </p:cNvCxnSpPr>
+          <p:nvPr/>
+        </p:nvCxnSpPr>
+        <p:spPr>
+          <a:xfrm flipH="1">
+            <a:off x="5537200" y="3732192"/>
+            <a:ext cx="1218407" cy="0"/>
+          </a:xfrm>
+          <a:prstGeom prst="straightConnector1">
+            <a:avLst/>
+          </a:prstGeom>
+          <a:ln w="57150" cmpd="sng">
+            <a:solidFill>
+              <a:schemeClr val="accent2"/>
+            </a:solidFill>
+            <a:headEnd type="none"/>
+            <a:tailEnd type="triangle"/>
+          </a:ln>
+          <a:effectLst/>
+        </p:spPr>
+        <p:style>
+          <a:lnRef idx="2">
+            <a:schemeClr val="accent1"/>
+          </a:lnRef>
+          <a:fillRef idx="0">
+            <a:schemeClr val="accent1"/>
+          </a:fillRef>
+          <a:effectRef idx="1">
+            <a:schemeClr val="accent1"/>
+          </a:effectRef>
+          <a:fontRef idx="minor">
+            <a:schemeClr val="tx1"/>
+          </a:fontRef>
+        </p:style>
+      </p:cxnSp>
+      <p:sp>
+        <p:nvSpPr>
+          <p:cNvPr id="7" name="Rectangle 6"/>
+          <p:cNvSpPr/>
+          <p:nvPr/>
+        </p:nvSpPr>
+        <p:spPr>
+          <a:xfrm>
+            <a:off x="6755607" y="3533858"/>
+            <a:ext cx="1730320" cy="396667"/>
+          </a:xfrm>
+          <a:prstGeom prst="rect">
+            <a:avLst/>
+          </a:prstGeom>
+          <a:solidFill>
+            <a:schemeClr val="accent6"/>
+          </a:solidFill>
+          <a:ln w="28575" cmpd="sng">
+            <a:solidFill>
+              <a:schemeClr val="accent1"/>
+            </a:solidFill>
+          </a:ln>
+          <a:effectLst/>
+        </p:spPr>
+        <p:style>
+          <a:lnRef idx="1">
+            <a:schemeClr val="accent1"/>
+          </a:lnRef>
+          <a:fillRef idx="3">
+            <a:schemeClr val="accent1"/>
+          </a:fillRef>
+          <a:effectRef idx="2">
+            <a:schemeClr val="accent1"/>
+          </a:effectRef>
+          <a:fontRef idx="minor">
+            <a:schemeClr val="lt1"/>
+          </a:fontRef>
+        </p:style>
+        <p:txBody>
+          <a:bodyPr rtlCol="0" anchor="ctr"/>
+          <a:lstStyle/>
+          <a:p>
+            <a:pPr algn="ctr"/>
+            <a:r>
+              <a:rPr lang="en-US" dirty="0" smtClean="0">
+                <a:solidFill>
+                  <a:srgbClr val="F8F8F8"/>
+                </a:solidFill>
+              </a:rPr>
+              <a:t>send input</a:t>
+            </a:r>
+            <a:endParaRPr lang="en-US" dirty="0">
+              <a:solidFill>
+                <a:srgbClr val="F8F8F8"/>
+              </a:solidFill>
+            </a:endParaRPr>
+          </a:p>
+        </p:txBody>
+      </p:sp>
+      <p:cxnSp>
+        <p:nvCxnSpPr>
+          <p:cNvPr id="15" name="Straight Arrow Connector 14"/>
+          <p:cNvCxnSpPr/>
+          <p:nvPr/>
+        </p:nvCxnSpPr>
+        <p:spPr>
+          <a:xfrm>
+            <a:off x="4565097" y="3673683"/>
+            <a:ext cx="0" cy="614240"/>
+          </a:xfrm>
+          <a:prstGeom prst="straightConnector1">
+            <a:avLst/>
+          </a:prstGeom>
+          <a:ln w="57150" cmpd="sng">
+            <a:solidFill>
+              <a:schemeClr val="accent2"/>
+            </a:solidFill>
+            <a:headEnd type="none"/>
+            <a:tailEnd type="triangle"/>
+          </a:ln>
+          <a:effectLst/>
+        </p:spPr>
+        <p:style>
+          <a:lnRef idx="2">
+            <a:schemeClr val="accent1"/>
+          </a:lnRef>
+          <a:fillRef idx="0">
+            <a:schemeClr val="accent1"/>
+          </a:fillRef>
+          <a:effectRef idx="1">
+            <a:schemeClr val="accent1"/>
+          </a:effectRef>
+          <a:fontRef idx="minor">
+            <a:schemeClr val="tx1"/>
+          </a:fontRef>
+        </p:style>
+      </p:cxnSp>
+      <p:sp>
+        <p:nvSpPr>
+          <p:cNvPr id="13" name="Rectangle 12"/>
+          <p:cNvSpPr/>
+          <p:nvPr/>
+        </p:nvSpPr>
+        <p:spPr>
+          <a:xfrm>
+            <a:off x="3699937" y="3533858"/>
+            <a:ext cx="1730320" cy="396667"/>
+          </a:xfrm>
+          <a:prstGeom prst="rect">
+            <a:avLst/>
+          </a:prstGeom>
+          <a:solidFill>
+            <a:schemeClr val="accent4"/>
+          </a:solidFill>
+          <a:ln w="28575" cmpd="sng">
+            <a:solidFill>
+              <a:schemeClr val="accent1"/>
+            </a:solidFill>
+          </a:ln>
+          <a:effectLst/>
+        </p:spPr>
+        <p:style>
+          <a:lnRef idx="1">
+            <a:schemeClr val="accent1"/>
+          </a:lnRef>
+          <a:fillRef idx="3">
+            <a:schemeClr val="accent1"/>
+          </a:fillRef>
+          <a:effectRef idx="2">
+            <a:schemeClr val="accent1"/>
+          </a:effectRef>
+          <a:fontRef idx="minor">
+            <a:schemeClr val="lt1"/>
+          </a:fontRef>
+        </p:style>
+        <p:txBody>
+          <a:bodyPr rtlCol="0" anchor="ctr"/>
+          <a:lstStyle/>
+          <a:p>
+            <a:pPr algn="ctr"/>
+            <a:r>
+              <a:rPr lang="en-US" dirty="0" smtClean="0">
+                <a:solidFill>
+                  <a:srgbClr val="F8F8F8"/>
+                </a:solidFill>
+              </a:rPr>
+              <a:t>interpret input</a:t>
+            </a:r>
+            <a:endParaRPr lang="en-US" dirty="0">
+              <a:solidFill>
+                <a:srgbClr val="F8F8F8"/>
+              </a:solidFill>
+            </a:endParaRPr>
+          </a:p>
+        </p:txBody>
+      </p:sp>
+      <p:cxnSp>
+        <p:nvCxnSpPr>
+          <p:cNvPr id="17" name="Straight Arrow Connector 16"/>
+          <p:cNvCxnSpPr/>
+          <p:nvPr/>
+        </p:nvCxnSpPr>
+        <p:spPr>
+          <a:xfrm flipH="1">
+            <a:off x="2445133" y="4494636"/>
+            <a:ext cx="1218407" cy="0"/>
+          </a:xfrm>
+          <a:prstGeom prst="straightConnector1">
+            <a:avLst/>
+          </a:prstGeom>
+          <a:ln w="57150" cmpd="sng">
+            <a:solidFill>
+              <a:schemeClr val="accent2"/>
+            </a:solidFill>
+            <a:headEnd type="none"/>
+            <a:tailEnd type="triangle"/>
+          </a:ln>
+          <a:effectLst/>
+        </p:spPr>
+        <p:style>
+          <a:lnRef idx="2">
+            <a:schemeClr val="accent1"/>
+          </a:lnRef>
+          <a:fillRef idx="0">
+            <a:schemeClr val="accent1"/>
+          </a:fillRef>
+          <a:effectRef idx="1">
+            <a:schemeClr val="accent1"/>
+          </a:effectRef>
+          <a:fontRef idx="minor">
+            <a:schemeClr val="tx1"/>
+          </a:fontRef>
+        </p:style>
+      </p:cxnSp>
+      <p:sp>
+        <p:nvSpPr>
+          <p:cNvPr id="14" name="Rectangle 13"/>
+          <p:cNvSpPr/>
+          <p:nvPr/>
+        </p:nvSpPr>
+        <p:spPr>
+          <a:xfrm>
+            <a:off x="3699937" y="4285338"/>
+            <a:ext cx="1730320" cy="396667"/>
+          </a:xfrm>
+          <a:prstGeom prst="rect">
+            <a:avLst/>
+          </a:prstGeom>
+          <a:solidFill>
+            <a:schemeClr val="accent4"/>
+          </a:solidFill>
+          <a:ln w="28575" cmpd="sng">
+            <a:solidFill>
+              <a:schemeClr val="accent1"/>
+            </a:solidFill>
+          </a:ln>
+          <a:effectLst/>
+        </p:spPr>
+        <p:style>
+          <a:lnRef idx="1">
+            <a:schemeClr val="accent1"/>
+          </a:lnRef>
+          <a:fillRef idx="3">
+            <a:schemeClr val="accent1"/>
+          </a:fillRef>
+          <a:effectRef idx="2">
+            <a:schemeClr val="accent1"/>
+          </a:effectRef>
+          <a:fontRef idx="minor">
+            <a:schemeClr val="lt1"/>
+          </a:fontRef>
+        </p:style>
+        <p:txBody>
+          <a:bodyPr rtlCol="0" anchor="ctr"/>
+          <a:lstStyle/>
+          <a:p>
+            <a:pPr algn="ctr"/>
+            <a:r>
+              <a:rPr lang="en-US" dirty="0" smtClean="0">
+                <a:solidFill>
+                  <a:srgbClr val="F8F8F8"/>
+                </a:solidFill>
+              </a:rPr>
+              <a:t>request data</a:t>
+            </a:r>
+            <a:endParaRPr lang="en-US" dirty="0">
+              <a:solidFill>
+                <a:srgbClr val="F8F8F8"/>
+              </a:solidFill>
+            </a:endParaRPr>
+          </a:p>
+        </p:txBody>
+      </p:sp>
+      <p:cxnSp>
+        <p:nvCxnSpPr>
+          <p:cNvPr id="19" name="Straight Arrow Connector 18"/>
+          <p:cNvCxnSpPr/>
+          <p:nvPr/>
+        </p:nvCxnSpPr>
+        <p:spPr>
+          <a:xfrm>
+            <a:off x="1567897" y="4410894"/>
+            <a:ext cx="0" cy="614240"/>
+          </a:xfrm>
+          <a:prstGeom prst="straightConnector1">
+            <a:avLst/>
+          </a:prstGeom>
+          <a:ln w="57150" cmpd="sng">
+            <a:solidFill>
+              <a:schemeClr val="accent2"/>
+            </a:solidFill>
+            <a:headEnd type="none"/>
+            <a:tailEnd type="triangle"/>
+          </a:ln>
+          <a:effectLst/>
+        </p:spPr>
+        <p:style>
+          <a:lnRef idx="2">
+            <a:schemeClr val="accent1"/>
+          </a:lnRef>
+          <a:fillRef idx="0">
+            <a:schemeClr val="accent1"/>
+          </a:fillRef>
+          <a:effectRef idx="1">
+            <a:schemeClr val="accent1"/>
+          </a:effectRef>
+          <a:fontRef idx="minor">
+            <a:schemeClr val="tx1"/>
+          </a:fontRef>
+        </p:style>
+      </p:cxnSp>
+      <p:sp>
+        <p:nvSpPr>
+          <p:cNvPr id="16" name="Rectangle 15"/>
+          <p:cNvSpPr/>
+          <p:nvPr/>
+        </p:nvSpPr>
+        <p:spPr>
+          <a:xfrm>
+            <a:off x="702737" y="4285338"/>
+            <a:ext cx="1730320" cy="396667"/>
+          </a:xfrm>
+          <a:prstGeom prst="rect">
+            <a:avLst/>
+          </a:prstGeom>
+          <a:solidFill>
+            <a:schemeClr val="accent5"/>
+          </a:solidFill>
+          <a:ln w="28575" cmpd="sng">
+            <a:solidFill>
+              <a:schemeClr val="accent1"/>
+            </a:solidFill>
+          </a:ln>
+          <a:effectLst/>
+        </p:spPr>
+        <p:style>
+          <a:lnRef idx="1">
+            <a:schemeClr val="accent1"/>
+          </a:lnRef>
+          <a:fillRef idx="3">
+            <a:schemeClr val="accent1"/>
+          </a:fillRef>
+          <a:effectRef idx="2">
+            <a:schemeClr val="accent1"/>
+          </a:effectRef>
+          <a:fontRef idx="minor">
+            <a:schemeClr val="lt1"/>
+          </a:fontRef>
+        </p:style>
+        <p:txBody>
+          <a:bodyPr rtlCol="0" anchor="ctr"/>
+          <a:lstStyle/>
+          <a:p>
+            <a:pPr algn="ctr"/>
+            <a:r>
+              <a:rPr lang="en-US" dirty="0" smtClean="0">
+                <a:solidFill>
+                  <a:srgbClr val="F8F8F8"/>
+                </a:solidFill>
+              </a:rPr>
+              <a:t>gather data</a:t>
+            </a:r>
+            <a:endParaRPr lang="en-US" dirty="0">
+              <a:solidFill>
+                <a:srgbClr val="F8F8F8"/>
+              </a:solidFill>
+            </a:endParaRPr>
+          </a:p>
+        </p:txBody>
+      </p:sp>
+      <p:cxnSp>
+        <p:nvCxnSpPr>
+          <p:cNvPr id="21" name="Straight Arrow Connector 20"/>
+          <p:cNvCxnSpPr/>
+          <p:nvPr/>
+        </p:nvCxnSpPr>
+        <p:spPr>
+          <a:xfrm>
+            <a:off x="2382257" y="5300588"/>
+            <a:ext cx="1218407" cy="0"/>
+          </a:xfrm>
+          <a:prstGeom prst="straightConnector1">
+            <a:avLst/>
+          </a:prstGeom>
+          <a:ln w="57150" cmpd="sng">
+            <a:solidFill>
+              <a:schemeClr val="accent2"/>
+            </a:solidFill>
+            <a:headEnd type="none"/>
+            <a:tailEnd type="triangle"/>
+          </a:ln>
+          <a:effectLst/>
+        </p:spPr>
+        <p:style>
+          <a:lnRef idx="2">
+            <a:schemeClr val="accent1"/>
+          </a:lnRef>
+          <a:fillRef idx="0">
+            <a:schemeClr val="accent1"/>
+          </a:fillRef>
+          <a:effectRef idx="1">
+            <a:schemeClr val="accent1"/>
+          </a:effectRef>
+          <a:fontRef idx="minor">
+            <a:schemeClr val="tx1"/>
+          </a:fontRef>
+        </p:style>
+      </p:cxnSp>
+      <p:sp>
+        <p:nvSpPr>
+          <p:cNvPr id="18" name="Rectangle 17"/>
+          <p:cNvSpPr/>
+          <p:nvPr/>
+        </p:nvSpPr>
+        <p:spPr>
+          <a:xfrm>
+            <a:off x="702737" y="5093893"/>
+            <a:ext cx="1730320" cy="396667"/>
+          </a:xfrm>
+          <a:prstGeom prst="rect">
+            <a:avLst/>
+          </a:prstGeom>
+          <a:solidFill>
+            <a:schemeClr val="accent5"/>
+          </a:solidFill>
+          <a:ln w="28575" cmpd="sng">
+            <a:solidFill>
+              <a:schemeClr val="accent1"/>
+            </a:solidFill>
+          </a:ln>
+          <a:effectLst/>
+        </p:spPr>
+        <p:style>
+          <a:lnRef idx="1">
+            <a:schemeClr val="accent1"/>
+          </a:lnRef>
+          <a:fillRef idx="3">
+            <a:schemeClr val="accent1"/>
+          </a:fillRef>
+          <a:effectRef idx="2">
+            <a:schemeClr val="accent1"/>
+          </a:effectRef>
+          <a:fontRef idx="minor">
+            <a:schemeClr val="lt1"/>
+          </a:fontRef>
+        </p:style>
+        <p:txBody>
+          <a:bodyPr rtlCol="0" anchor="ctr"/>
+          <a:lstStyle/>
+          <a:p>
+            <a:pPr algn="ctr"/>
+            <a:r>
+              <a:rPr lang="en-US" dirty="0" smtClean="0">
+                <a:solidFill>
+                  <a:srgbClr val="F8F8F8"/>
+                </a:solidFill>
+              </a:rPr>
+              <a:t>return data</a:t>
+            </a:r>
+            <a:endParaRPr lang="en-US" dirty="0">
+              <a:solidFill>
+                <a:srgbClr val="F8F8F8"/>
+              </a:solidFill>
+            </a:endParaRPr>
+          </a:p>
+        </p:txBody>
+      </p:sp>
+      <p:sp>
+        <p:nvSpPr>
+          <p:cNvPr id="22" name="Rectangle 21"/>
+          <p:cNvSpPr/>
+          <p:nvPr/>
+        </p:nvSpPr>
+        <p:spPr>
+          <a:xfrm>
+            <a:off x="6755607" y="5102254"/>
+            <a:ext cx="1730320" cy="396667"/>
+          </a:xfrm>
+          <a:prstGeom prst="rect">
+            <a:avLst/>
+          </a:prstGeom>
+          <a:solidFill>
+            <a:schemeClr val="accent6"/>
+          </a:solidFill>
+          <a:ln w="28575" cmpd="sng">
+            <a:solidFill>
+              <a:schemeClr val="accent1"/>
+            </a:solidFill>
+          </a:ln>
+          <a:effectLst/>
+        </p:spPr>
+        <p:style>
+          <a:lnRef idx="1">
+            <a:schemeClr val="accent1"/>
+          </a:lnRef>
+          <a:fillRef idx="3">
+            <a:schemeClr val="accent1"/>
+          </a:fillRef>
+          <a:effectRef idx="2">
+            <a:schemeClr val="accent1"/>
+          </a:effectRef>
+          <a:fontRef idx="minor">
+            <a:schemeClr val="lt1"/>
+          </a:fontRef>
+        </p:style>
+        <p:txBody>
+          <a:bodyPr rtlCol="0" anchor="ctr"/>
+          <a:lstStyle/>
+          <a:p>
+            <a:pPr algn="ctr"/>
+            <a:r>
+              <a:rPr lang="en-US" dirty="0" smtClean="0">
+                <a:solidFill>
+                  <a:srgbClr val="F8F8F8"/>
+                </a:solidFill>
+              </a:rPr>
+              <a:t>display data</a:t>
+            </a:r>
+            <a:endParaRPr lang="en-US" dirty="0">
+              <a:solidFill>
+                <a:srgbClr val="F8F8F8"/>
+              </a:solidFill>
+            </a:endParaRPr>
+          </a:p>
+        </p:txBody>
+      </p:sp>
+      <p:cxnSp>
+        <p:nvCxnSpPr>
+          <p:cNvPr id="23" name="Straight Arrow Connector 22"/>
+          <p:cNvCxnSpPr/>
+          <p:nvPr/>
+        </p:nvCxnSpPr>
+        <p:spPr>
+          <a:xfrm>
+            <a:off x="5430257" y="5300588"/>
+            <a:ext cx="1218407" cy="0"/>
+          </a:xfrm>
+          <a:prstGeom prst="straightConnector1">
+            <a:avLst/>
+          </a:prstGeom>
+          <a:ln w="57150" cmpd="sng">
+            <a:solidFill>
+              <a:schemeClr val="accent2"/>
+            </a:solidFill>
+            <a:headEnd type="none"/>
+            <a:tailEnd type="triangle"/>
+          </a:ln>
+          <a:effectLst/>
+        </p:spPr>
+        <p:style>
+          <a:lnRef idx="2">
+            <a:schemeClr val="accent1"/>
+          </a:lnRef>
+          <a:fillRef idx="0">
+            <a:schemeClr val="accent1"/>
+          </a:fillRef>
+          <a:effectRef idx="1">
+            <a:schemeClr val="accent1"/>
+          </a:effectRef>
+          <a:fontRef idx="minor">
+            <a:schemeClr val="tx1"/>
+          </a:fontRef>
+        </p:style>
+      </p:cxnSp>
+      <p:sp>
+        <p:nvSpPr>
+          <p:cNvPr id="20" name="Rectangle 19"/>
+          <p:cNvSpPr/>
+          <p:nvPr/>
+        </p:nvSpPr>
+        <p:spPr>
+          <a:xfrm>
+            <a:off x="3699937" y="5093893"/>
+            <a:ext cx="1730320" cy="396667"/>
+          </a:xfrm>
+          <a:prstGeom prst="rect">
+            <a:avLst/>
+          </a:prstGeom>
+          <a:solidFill>
+            <a:schemeClr val="accent4"/>
+          </a:solidFill>
+          <a:ln w="28575" cmpd="sng">
+            <a:solidFill>
+              <a:schemeClr val="accent1"/>
+            </a:solidFill>
+          </a:ln>
+          <a:effectLst/>
+        </p:spPr>
+        <p:style>
+          <a:lnRef idx="1">
+            <a:schemeClr val="accent1"/>
+          </a:lnRef>
+          <a:fillRef idx="3">
+            <a:schemeClr val="accent1"/>
+          </a:fillRef>
+          <a:effectRef idx="2">
+            <a:schemeClr val="accent1"/>
+          </a:effectRef>
+          <a:fontRef idx="minor">
+            <a:schemeClr val="lt1"/>
+          </a:fontRef>
+        </p:style>
+        <p:txBody>
+          <a:bodyPr rtlCol="0" anchor="ctr"/>
+          <a:lstStyle/>
+          <a:p>
+            <a:pPr algn="ctr"/>
+            <a:r>
+              <a:rPr lang="en-US" dirty="0" smtClean="0">
+                <a:solidFill>
+                  <a:srgbClr val="F8F8F8"/>
+                </a:solidFill>
+              </a:rPr>
+              <a:t>forward data</a:t>
+            </a:r>
+            <a:endParaRPr lang="en-US" dirty="0">
+              <a:solidFill>
+                <a:srgbClr val="F8F8F8"/>
+              </a:solidFill>
+            </a:endParaRPr>
+          </a:p>
+        </p:txBody>
+      </p:sp>
+      <p:cxnSp>
+        <p:nvCxnSpPr>
+          <p:cNvPr id="24" name="Straight Arrow Connector 23"/>
+          <p:cNvCxnSpPr/>
+          <p:nvPr/>
+        </p:nvCxnSpPr>
+        <p:spPr>
+          <a:xfrm>
+            <a:off x="5430257" y="3056995"/>
+            <a:ext cx="1325350" cy="0"/>
+          </a:xfrm>
+          <a:prstGeom prst="straightConnector1">
+            <a:avLst/>
+          </a:prstGeom>
+          <a:ln w="57150" cmpd="sng">
+            <a:solidFill>
+              <a:schemeClr val="accent2"/>
+            </a:solidFill>
+            <a:headEnd type="none"/>
+            <a:tailEnd type="triangle"/>
+          </a:ln>
+          <a:effectLst/>
+        </p:spPr>
+        <p:style>
+          <a:lnRef idx="2">
+            <a:schemeClr val="accent1"/>
+          </a:lnRef>
+          <a:fillRef idx="0">
+            <a:schemeClr val="accent1"/>
+          </a:fillRef>
+          <a:effectRef idx="1">
+            <a:schemeClr val="accent1"/>
+          </a:effectRef>
+          <a:fontRef idx="minor">
+            <a:schemeClr val="tx1"/>
+          </a:fontRef>
+        </p:style>
+      </p:cxnSp>
+      <p:cxnSp>
+        <p:nvCxnSpPr>
+          <p:cNvPr id="26" name="Straight Arrow Connector 25"/>
+          <p:cNvCxnSpPr/>
+          <p:nvPr/>
+        </p:nvCxnSpPr>
+        <p:spPr>
+          <a:xfrm>
+            <a:off x="7619091" y="2941410"/>
+            <a:ext cx="0" cy="614240"/>
+          </a:xfrm>
+          <a:prstGeom prst="straightConnector1">
+            <a:avLst/>
+          </a:prstGeom>
+          <a:ln w="57150" cmpd="sng">
+            <a:solidFill>
+              <a:schemeClr val="accent2"/>
+            </a:solidFill>
+            <a:headEnd type="none"/>
+            <a:tailEnd type="triangle"/>
+          </a:ln>
+          <a:effectLst/>
+        </p:spPr>
+        <p:style>
+          <a:lnRef idx="2">
+            <a:schemeClr val="accent1"/>
+          </a:lnRef>
+          <a:fillRef idx="0">
+            <a:schemeClr val="accent1"/>
+          </a:fillRef>
+          <a:effectRef idx="1">
+            <a:schemeClr val="accent1"/>
+          </a:effectRef>
+          <a:fontRef idx="minor">
+            <a:schemeClr val="tx1"/>
+          </a:fontRef>
+        </p:style>
+      </p:cxnSp>
+      <p:sp>
+        <p:nvSpPr>
+          <p:cNvPr id="25" name="Rectangle 24"/>
+          <p:cNvSpPr/>
+          <p:nvPr/>
+        </p:nvSpPr>
+        <p:spPr>
+          <a:xfrm>
+            <a:off x="6755607" y="2858661"/>
+            <a:ext cx="1730320" cy="396667"/>
+          </a:xfrm>
+          <a:prstGeom prst="rect">
+            <a:avLst/>
+          </a:prstGeom>
+          <a:solidFill>
+            <a:schemeClr val="accent6"/>
+          </a:solidFill>
+          <a:ln w="28575" cmpd="sng">
+            <a:solidFill>
+              <a:schemeClr val="accent1"/>
+            </a:solidFill>
+          </a:ln>
+          <a:effectLst/>
+        </p:spPr>
+        <p:style>
+          <a:lnRef idx="1">
+            <a:schemeClr val="accent1"/>
+          </a:lnRef>
+          <a:fillRef idx="3">
+            <a:schemeClr val="accent1"/>
+          </a:fillRef>
+          <a:effectRef idx="2">
+            <a:schemeClr val="accent1"/>
+          </a:effectRef>
+          <a:fontRef idx="minor">
+            <a:schemeClr val="lt1"/>
+          </a:fontRef>
+        </p:style>
+        <p:txBody>
+          <a:bodyPr rtlCol="0" anchor="ctr"/>
+          <a:lstStyle/>
+          <a:p>
+            <a:pPr algn="ctr"/>
+            <a:r>
+              <a:rPr lang="en-US" dirty="0">
+                <a:solidFill>
+                  <a:srgbClr val="F8F8F8"/>
+                </a:solidFill>
+              </a:rPr>
+              <a:t>p</a:t>
+            </a:r>
+            <a:r>
+              <a:rPr lang="en-US" dirty="0" smtClean="0">
+                <a:solidFill>
+                  <a:srgbClr val="F8F8F8"/>
+                </a:solidFill>
+              </a:rPr>
+              <a:t>rompt user</a:t>
+            </a:r>
+            <a:endParaRPr lang="en-US" dirty="0">
+              <a:solidFill>
+                <a:srgbClr val="F8F8F8"/>
+              </a:solidFill>
+            </a:endParaRPr>
+          </a:p>
+        </p:txBody>
+      </p:sp>
+      <p:sp>
+        <p:nvSpPr>
+          <p:cNvPr id="27" name="Rectangle 26"/>
+          <p:cNvSpPr/>
+          <p:nvPr/>
+        </p:nvSpPr>
+        <p:spPr>
+          <a:xfrm>
+            <a:off x="3699937" y="2858661"/>
+            <a:ext cx="1730320" cy="396667"/>
+          </a:xfrm>
+          <a:prstGeom prst="rect">
+            <a:avLst/>
+          </a:prstGeom>
+          <a:solidFill>
+            <a:schemeClr val="accent4"/>
+          </a:solidFill>
+          <a:ln w="28575" cmpd="sng">
+            <a:solidFill>
+              <a:schemeClr val="accent1"/>
+            </a:solidFill>
+          </a:ln>
+          <a:effectLst/>
+        </p:spPr>
+        <p:style>
+          <a:lnRef idx="1">
+            <a:schemeClr val="accent1"/>
+          </a:lnRef>
+          <a:fillRef idx="3">
+            <a:schemeClr val="accent1"/>
+          </a:fillRef>
+          <a:effectRef idx="2">
+            <a:schemeClr val="accent1"/>
+          </a:effectRef>
+          <a:fontRef idx="minor">
+            <a:schemeClr val="lt1"/>
+          </a:fontRef>
+        </p:style>
+        <p:txBody>
+          <a:bodyPr rtlCol="0" anchor="ctr"/>
+          <a:lstStyle/>
+          <a:p>
+            <a:pPr algn="ctr"/>
+            <a:r>
+              <a:rPr lang="en-US" dirty="0" smtClean="0">
+                <a:solidFill>
+                  <a:srgbClr val="F8F8F8"/>
+                </a:solidFill>
+              </a:rPr>
+              <a:t>Initiate Program</a:t>
+            </a:r>
+            <a:endParaRPr lang="en-US" dirty="0">
+              <a:solidFill>
+                <a:srgbClr val="F8F8F8"/>
+              </a:solidFill>
+            </a:endParaRPr>
+          </a:p>
+        </p:txBody>
+      </p:sp>
+      <p:sp>
+        <p:nvSpPr>
+          <p:cNvPr id="35" name="Rectangle 34"/>
+          <p:cNvSpPr/>
+          <p:nvPr/>
+        </p:nvSpPr>
+        <p:spPr>
+          <a:xfrm>
+            <a:off x="702737" y="2862107"/>
+            <a:ext cx="1730320" cy="396667"/>
+          </a:xfrm>
+          <a:prstGeom prst="rect">
+            <a:avLst/>
+          </a:prstGeom>
+          <a:solidFill>
+            <a:schemeClr val="accent5"/>
+          </a:solidFill>
+          <a:ln w="28575" cmpd="sng">
+            <a:solidFill>
+              <a:schemeClr val="accent1"/>
+            </a:solidFill>
+          </a:ln>
+          <a:effectLst/>
+        </p:spPr>
+        <p:style>
+          <a:lnRef idx="1">
+            <a:schemeClr val="accent1"/>
+          </a:lnRef>
+          <a:fillRef idx="3">
+            <a:schemeClr val="accent1"/>
+          </a:fillRef>
+          <a:effectRef idx="2">
+            <a:schemeClr val="accent1"/>
+          </a:effectRef>
+          <a:fontRef idx="minor">
+            <a:schemeClr val="lt1"/>
+          </a:fontRef>
+        </p:style>
+        <p:txBody>
+          <a:bodyPr rtlCol="0" anchor="ctr"/>
+          <a:lstStyle/>
+          <a:p>
+            <a:pPr algn="ctr"/>
+            <a:r>
+              <a:rPr lang="en-US" dirty="0">
+                <a:solidFill>
+                  <a:srgbClr val="F8F8F8"/>
+                </a:solidFill>
+              </a:rPr>
+              <a:t>i</a:t>
+            </a:r>
+            <a:r>
+              <a:rPr lang="en-US" dirty="0" smtClean="0">
+                <a:solidFill>
+                  <a:srgbClr val="F8F8F8"/>
+                </a:solidFill>
+              </a:rPr>
+              <a:t>nitiate data </a:t>
+            </a:r>
+            <a:endParaRPr lang="en-US" dirty="0">
+              <a:solidFill>
+                <a:srgbClr val="F8F8F8"/>
+              </a:solidFill>
+            </a:endParaRPr>
+          </a:p>
+        </p:txBody>
+      </p:sp>
+    </p:spTree>
+    <p:extLst>
+      <p:ext uri="{BB962C8B-B14F-4D97-AF65-F5344CB8AC3E}">
+        <p14:creationId xmlns:p14="http://schemas.microsoft.com/office/powerpoint/2010/main" val="1743989980"/>
+      </p:ext>
+    </p:extLst>
+  </p:cSld>
+  <p:clrMapOvr>
+    <a:masterClrMapping/>
+  </p:clrMapOvr>
+  <p:timing>
+    <p:tnLst>
+      <p:par>
+        <p:cTn xmlns:p14="http://schemas.microsoft.com/office/powerpoint/2010/main" id="1" dur="indefinite" restart="never" nodeType="tmRoot"/>
+      </p:par>
+    </p:tnLst>
+  </p:timing>
+</p:sld>
+</file>
+
+<file path=ppt/slides/slide38.xml><?xml version="1.0" encoding="utf-8"?>
+<p:sld xmlns:a="http://schemas.openxmlformats.org/drawingml/2006/main" xmlns:r="http://schemas.openxmlformats.org/officeDocument/2006/relationships" xmlns:p="http://schemas.openxmlformats.org/presentationml/2006/main">
+  <p:cSld>
+    <p:spTree>
+      <p:nvGrpSpPr>
+        <p:cNvPr id="1" name=""/>
+        <p:cNvGrpSpPr/>
+        <p:nvPr/>
+      </p:nvGrpSpPr>
+      <p:grpSpPr>
+        <a:xfrm>
+          <a:off x="0" y="0"/>
+          <a:ext cx="0" cy="0"/>
+          <a:chOff x="0" y="0"/>
+          <a:chExt cx="0" cy="0"/>
+        </a:xfrm>
+      </p:grpSpPr>
+      <p:sp>
+        <p:nvSpPr>
+          <p:cNvPr id="2" name="Title 1"/>
+          <p:cNvSpPr>
+            <a:spLocks noGrp="1"/>
+          </p:cNvSpPr>
+          <p:nvPr>
+            <p:ph type="title"/>
+          </p:nvPr>
+        </p:nvSpPr>
+        <p:spPr>
+          <a:xfrm>
+            <a:off x="285416" y="105308"/>
+            <a:ext cx="8648090" cy="1143000"/>
+          </a:xfrm>
+        </p:spPr>
+        <p:txBody>
+          <a:bodyPr>
             <a:normAutofit fontScale="90000"/>
           </a:bodyPr>
           <a:lstStyle/>
@@ -17598,7 +17755,7 @@
 </p:sld>
 </file>
 
-<file path=ppt/slides/slide38.xml><?xml version="1.0" encoding="utf-8"?>
+<file path=ppt/slides/slide39.xml><?xml version="1.0" encoding="utf-8"?>
 <p:sld xmlns:a="http://schemas.openxmlformats.org/drawingml/2006/main" xmlns:r="http://schemas.openxmlformats.org/officeDocument/2006/relationships" xmlns:p="http://schemas.openxmlformats.org/presentationml/2006/main">
   <p:cSld>
     <p:spTree>
@@ -17883,7 +18040,15 @@
             </a:r>
             <a:r>
               <a:rPr lang="en-US" dirty="0"/>
-              <a:t>design pattern is a general reusable solution to a commonly occurring problem within a given context </a:t>
+              <a:t>design </a:t>
+            </a:r>
+            <a:r>
+              <a:rPr lang="en-US" dirty="0" smtClean="0"/>
+              <a:t>pattern </a:t>
+            </a:r>
+            <a:r>
+              <a:rPr lang="en-US" dirty="0"/>
+              <a:t>is a general reusable solution to a commonly occurring problem within a given context </a:t>
             </a:r>
             <a:r>
               <a:rPr lang="en-US" dirty="0" smtClean="0"/>

--- a/1phase/mvc-single-res/HT-MVC.pptx
+++ b/1phase/mvc-single-res/HT-MVC.pptx
@@ -2742,12 +2742,22 @@
         </p:nvSpPr>
         <p:spPr/>
         <p:txBody>
-          <a:bodyPr/>
+          <a:bodyPr>
+            <a:normAutofit fontScale="90000"/>
+          </a:bodyPr>
           <a:lstStyle/>
           <a:p>
             <a:r>
               <a:rPr lang="en-US" dirty="0" smtClean="0"/>
-              <a:t>Recurring Problem for M-V-C</a:t>
+              <a:t>Recurring Problem </a:t>
+            </a:r>
+            <a:r>
+              <a:rPr lang="en-US" smtClean="0"/>
+              <a:t>solved with </a:t>
+            </a:r>
+            <a:r>
+              <a:rPr lang="en-US" dirty="0" smtClean="0"/>
+              <a:t>M-V-C</a:t>
             </a:r>
             <a:endParaRPr lang="en-US" dirty="0"/>
           </a:p>

--- a/1phase/mvc-single-res/HT-MVC.pptx
+++ b/1phase/mvc-single-res/HT-MVC.pptx
@@ -5,10 +5,10 @@
     <p:sldMasterId id="2147483660" r:id="rId1"/>
   </p:sldMasterIdLst>
   <p:notesMasterIdLst>
-    <p:notesMasterId r:id="rId41"/>
+    <p:notesMasterId r:id="rId42"/>
   </p:notesMasterIdLst>
   <p:handoutMasterIdLst>
-    <p:handoutMasterId r:id="rId42"/>
+    <p:handoutMasterId r:id="rId43"/>
   </p:handoutMasterIdLst>
   <p:sldIdLst>
     <p:sldId id="256" r:id="rId2"/>
@@ -38,18 +38,19 @@
     <p:sldId id="280" r:id="rId26"/>
     <p:sldId id="291" r:id="rId27"/>
     <p:sldId id="307" r:id="rId28"/>
-    <p:sldId id="308" r:id="rId29"/>
-    <p:sldId id="303" r:id="rId30"/>
-    <p:sldId id="304" r:id="rId31"/>
-    <p:sldId id="302" r:id="rId32"/>
-    <p:sldId id="298" r:id="rId33"/>
-    <p:sldId id="301" r:id="rId34"/>
-    <p:sldId id="300" r:id="rId35"/>
-    <p:sldId id="299" r:id="rId36"/>
-    <p:sldId id="297" r:id="rId37"/>
-    <p:sldId id="296" r:id="rId38"/>
-    <p:sldId id="305" r:id="rId39"/>
-    <p:sldId id="292" r:id="rId40"/>
+    <p:sldId id="309" r:id="rId29"/>
+    <p:sldId id="308" r:id="rId30"/>
+    <p:sldId id="303" r:id="rId31"/>
+    <p:sldId id="304" r:id="rId32"/>
+    <p:sldId id="302" r:id="rId33"/>
+    <p:sldId id="298" r:id="rId34"/>
+    <p:sldId id="301" r:id="rId35"/>
+    <p:sldId id="300" r:id="rId36"/>
+    <p:sldId id="299" r:id="rId37"/>
+    <p:sldId id="297" r:id="rId38"/>
+    <p:sldId id="296" r:id="rId39"/>
+    <p:sldId id="305" r:id="rId40"/>
+    <p:sldId id="292" r:id="rId41"/>
   </p:sldIdLst>
   <p:sldSz cx="9144000" cy="6858000" type="screen4x3"/>
   <p:notesSz cx="6858000" cy="9144000"/>
@@ -233,7 +234,7 @@
           <a:p>
             <a:fld id="{CAA47771-BE1A-0F41-A2AB-502D986D5C71}" type="datetimeFigureOut">
               <a:rPr lang="en-US" smtClean="0"/>
-              <a:t>10/29/15</a:t>
+              <a:t>12/11/15</a:t>
             </a:fld>
             <a:endParaRPr lang="en-US"/>
           </a:p>
@@ -399,7 +400,7 @@
           <a:p>
             <a:fld id="{4083CDE4-3FA1-6A4B-862D-E61F193A4941}" type="datetimeFigureOut">
               <a:rPr lang="en-US" smtClean="0"/>
-              <a:t>10/29/15</a:t>
+              <a:t>12/11/15</a:t>
             </a:fld>
             <a:endParaRPr lang="en-US"/>
           </a:p>
@@ -2224,7 +2225,61 @@
                   <a:schemeClr val="accent3"/>
                 </a:solidFill>
               </a:rPr>
-              <a:t>Author:  Hunter Chapman</a:t>
+              <a:t>Hunter </a:t>
+            </a:r>
+            <a:r>
+              <a:rPr lang="en-US" dirty="0" smtClean="0">
+                <a:solidFill>
+                  <a:schemeClr val="accent3"/>
+                </a:solidFill>
+              </a:rPr>
+              <a:t>Chapman</a:t>
+            </a:r>
+            <a:endParaRPr lang="en-US" dirty="0">
+              <a:solidFill>
+                <a:schemeClr val="accent3"/>
+              </a:solidFill>
+            </a:endParaRPr>
+          </a:p>
+        </p:txBody>
+      </p:sp>
+      <p:sp>
+        <p:nvSpPr>
+          <p:cNvPr id="6" name="TextBox 5"/>
+          <p:cNvSpPr txBox="1"/>
+          <p:nvPr/>
+        </p:nvSpPr>
+        <p:spPr>
+          <a:xfrm>
+            <a:off x="4366859" y="6324603"/>
+            <a:ext cx="3810202" cy="369332"/>
+          </a:xfrm>
+          <a:prstGeom prst="rect">
+            <a:avLst/>
+          </a:prstGeom>
+          <a:noFill/>
+        </p:spPr>
+        <p:txBody>
+          <a:bodyPr wrap="square" rtlCol="0">
+            <a:spAutoFit/>
+          </a:bodyPr>
+          <a:lstStyle/>
+          <a:p>
+            <a:r>
+              <a:rPr lang="en-US" dirty="0" smtClean="0">
+                <a:solidFill>
+                  <a:schemeClr val="accent3"/>
+                </a:solidFill>
+              </a:rPr>
+              <a:t>Suggestions: PR @</a:t>
+            </a:r>
+            <a:r>
+              <a:rPr lang="en-US" dirty="0" err="1" smtClean="0">
+                <a:solidFill>
+                  <a:schemeClr val="accent3"/>
+                </a:solidFill>
+              </a:rPr>
+              <a:t>BootCoder</a:t>
             </a:r>
             <a:endParaRPr lang="en-US" dirty="0">
               <a:solidFill>
@@ -2340,11 +2395,7 @@
           <a:p>
             <a:r>
               <a:rPr lang="en-US" sz="2500" dirty="0" smtClean="0"/>
-              <a:t>They know the recipes </a:t>
-            </a:r>
-            <a:r>
-              <a:rPr lang="en-US" sz="2500" dirty="0" smtClean="0"/>
-              <a:t>and gather ingredients</a:t>
+              <a:t>They know the recipes and gather ingredients</a:t>
             </a:r>
           </a:p>
           <a:p>
@@ -2365,38 +2416,13 @@
             </a:r>
             <a:r>
               <a:rPr lang="en-US" sz="2500" dirty="0" smtClean="0"/>
-              <a:t>oversees the </a:t>
-            </a:r>
+              <a:t>oversees the whole process</a:t>
+            </a:r>
+          </a:p>
+          <a:p>
             <a:r>
               <a:rPr lang="en-US" sz="2500" dirty="0" smtClean="0"/>
-              <a:t>whole </a:t>
-            </a:r>
-            <a:r>
-              <a:rPr lang="en-US" sz="2500" dirty="0" smtClean="0"/>
-              <a:t>process</a:t>
-            </a:r>
-            <a:endParaRPr lang="en-US" sz="2500" dirty="0" smtClean="0"/>
-          </a:p>
-          <a:p>
-            <a:r>
-              <a:rPr lang="en-US" sz="2500" dirty="0" smtClean="0"/>
-              <a:t>They manage the orders coming in, tell the cooks what they need to make, and ensure the orders </a:t>
-            </a:r>
-            <a:r>
-              <a:rPr lang="en-US" sz="2500" dirty="0" smtClean="0"/>
-              <a:t>are</a:t>
-            </a:r>
-            <a:r>
-              <a:rPr lang="en-US" sz="2500" dirty="0" smtClean="0"/>
-              <a:t> properly put together </a:t>
-            </a:r>
-            <a:r>
-              <a:rPr lang="en-US" sz="2500" dirty="0" smtClean="0"/>
-              <a:t>for </a:t>
-            </a:r>
-            <a:r>
-              <a:rPr lang="en-US" sz="2500" dirty="0" smtClean="0"/>
-              <a:t>delivery to the waiter</a:t>
+              <a:t>They manage the orders coming in, tell the cooks what they need to make, and ensure the orders are properly put together for delivery to the waiter</a:t>
             </a:r>
             <a:endParaRPr lang="en-US" sz="2500" dirty="0"/>
           </a:p>
@@ -2557,15 +2583,7 @@
             </a:r>
             <a:r>
               <a:rPr lang="en-US" sz="2300" dirty="0" smtClean="0"/>
-              <a:t>hows </a:t>
-            </a:r>
-            <a:r>
-              <a:rPr lang="en-US" sz="2300" dirty="0" smtClean="0"/>
-              <a:t>information to the user and gets user </a:t>
-            </a:r>
-            <a:r>
-              <a:rPr lang="en-US" sz="2300" dirty="0" smtClean="0"/>
-              <a:t>input</a:t>
+              <a:t>hows information to the user and gets user input</a:t>
             </a:r>
             <a:endParaRPr lang="en-US" sz="2300" dirty="0"/>
           </a:p>
@@ -2648,25 +2666,8 @@
             </a:r>
             <a:r>
               <a:rPr lang="en-US" sz="2300" dirty="0" smtClean="0"/>
-              <a:t>icks off various functionalities within your application based on the 	input it receives. Acquiring necessary information from the </a:t>
-            </a:r>
-            <a:r>
-              <a:rPr lang="en-US" sz="2300" dirty="0" smtClean="0"/>
-              <a:t>model, </a:t>
-            </a:r>
-            <a:r>
-              <a:rPr lang="en-US" sz="2300" dirty="0" smtClean="0"/>
-              <a:t>	and passing </a:t>
-            </a:r>
-            <a:r>
-              <a:rPr lang="en-US" sz="2300" dirty="0" smtClean="0"/>
-              <a:t>it back to the view</a:t>
-            </a:r>
-            <a:r>
-              <a:rPr lang="en-US" sz="2300" dirty="0" smtClean="0"/>
-              <a:t>.</a:t>
-            </a:r>
-            <a:endParaRPr lang="en-US" sz="2300" dirty="0" smtClean="0"/>
+              <a:t>icks off various functionalities within your application based on the 	input it receives. Acquiring necessary information from the model, 	and passing it back to the view.</a:t>
+            </a:r>
           </a:p>
         </p:txBody>
       </p:sp>
@@ -2780,17 +2781,8 @@
           <a:p>
             <a:r>
               <a:rPr lang="en-US" dirty="0" smtClean="0"/>
-              <a:t>You have some data </a:t>
-            </a:r>
-            <a:r>
-              <a:rPr lang="en-US" dirty="0" smtClean="0"/>
-              <a:t>and business </a:t>
-            </a:r>
-            <a:r>
-              <a:rPr lang="en-US" dirty="0" smtClean="0"/>
-              <a:t>logic that a backend team takes care of. </a:t>
-            </a:r>
-            <a:endParaRPr lang="en-US" dirty="0" smtClean="0"/>
+              <a:t>You have some data and business logic that a backend team takes care of. </a:t>
+            </a:r>
           </a:p>
           <a:p>
             <a:r>
@@ -2805,14 +2797,12 @@
               <a:rPr lang="en-US" dirty="0" smtClean="0"/>
               <a:t>ser interface is changing on a regular basis and rendered across multiple devices.</a:t>
             </a:r>
-            <a:endParaRPr lang="en-US" dirty="0" smtClean="0"/>
           </a:p>
           <a:p>
             <a:r>
               <a:rPr lang="en-US" dirty="0" smtClean="0"/>
               <a:t>You need to facilitate communications between them.</a:t>
             </a:r>
-            <a:endParaRPr lang="en-US" dirty="0" smtClean="0"/>
           </a:p>
         </p:txBody>
       </p:sp>
@@ -5485,15 +5475,7 @@
           <a:p>
             <a:r>
               <a:rPr lang="en-US" sz="3400" dirty="0" smtClean="0"/>
-              <a:t>MVC code pattern makes it super easy for you to follow other </a:t>
-            </a:r>
-            <a:r>
-              <a:rPr lang="en-US" sz="3400" dirty="0" smtClean="0"/>
-              <a:t>Developers </a:t>
-            </a:r>
-            <a:r>
-              <a:rPr lang="en-US" sz="3400" dirty="0" smtClean="0"/>
-              <a:t>code.</a:t>
+              <a:t>MVC code pattern makes it super easy for you to follow other Developers code.</a:t>
             </a:r>
           </a:p>
           <a:p>
@@ -8424,21 +8406,14 @@
             <p:ph type="title"/>
           </p:nvPr>
         </p:nvSpPr>
-        <p:spPr>
-          <a:xfrm>
-            <a:off x="285416" y="105308"/>
-            <a:ext cx="8648090" cy="1143000"/>
-          </a:xfrm>
-        </p:spPr>
-        <p:txBody>
-          <a:bodyPr>
-            <a:normAutofit/>
-          </a:bodyPr>
+        <p:spPr/>
+        <p:txBody>
+          <a:bodyPr/>
           <a:lstStyle/>
           <a:p>
             <a:r>
               <a:rPr lang="en-US" dirty="0" smtClean="0"/>
-              <a:t>TODO’s: List</a:t>
+              <a:t>Single Responsibility</a:t>
             </a:r>
             <a:endParaRPr lang="en-US" dirty="0"/>
           </a:p>
@@ -8475,8 +8450,8 @@
         </p:nvSpPr>
         <p:spPr>
           <a:xfrm>
-            <a:off x="131396" y="1876429"/>
-            <a:ext cx="8802110" cy="1569660"/>
+            <a:off x="512064" y="1755076"/>
+            <a:ext cx="8174737" cy="2554545"/>
           </a:xfrm>
           <a:prstGeom prst="rect">
             <a:avLst/>
@@ -8489,25 +8464,51 @@
           </a:bodyPr>
           <a:lstStyle/>
           <a:p>
-            <a:pPr algn="ctr"/>
+            <a:pPr marL="457200" indent="-457200">
+              <a:buFont typeface="Arial"/>
+              <a:buChar char="•"/>
+            </a:pPr>
             <a:r>
               <a:rPr lang="en-US" sz="3200" dirty="0" smtClean="0"/>
-              <a:t>What does the </a:t>
-            </a:r>
-          </a:p>
-          <a:p>
-            <a:pPr algn="ctr"/>
+              <a:t>Good </a:t>
+            </a:r>
+            <a:r>
+              <a:rPr lang="en-US" sz="3200" dirty="0"/>
+              <a:t>walkthrough </a:t>
+            </a:r>
             <a:r>
               <a:rPr lang="en-US" sz="3200" dirty="0" smtClean="0"/>
-              <a:t>Single Responsibility Message Pattern</a:t>
-            </a:r>
-          </a:p>
-          <a:p>
-            <a:pPr algn="ctr"/>
-            <a:r>
+              <a:t>@</a:t>
+            </a:r>
+            <a:br>
               <a:rPr lang="en-US" sz="3200" dirty="0" smtClean="0"/>
-              <a:t> look like in MVC?</a:t>
-            </a:r>
+            </a:br>
+            <a:r>
+              <a:rPr lang="en-US" sz="3200" dirty="0"/>
+              <a:t/>
+            </a:r>
+            <a:br>
+              <a:rPr lang="en-US" sz="3200" dirty="0"/>
+            </a:br>
+            <a:r>
+              <a:rPr lang="en-US" sz="3200" dirty="0"/>
+              <a:t>http://</a:t>
+            </a:r>
+            <a:r>
+              <a:rPr lang="en-US" sz="3200" dirty="0" err="1"/>
+              <a:t>jjbohn.info</a:t>
+            </a:r>
+            <a:r>
+              <a:rPr lang="en-US" sz="3200" dirty="0"/>
+              <a:t>/blog/2014/07/28/single-responsibility-principle-a-solid-week/</a:t>
+            </a:r>
+            <a:endParaRPr lang="en-US" sz="3200" dirty="0" smtClean="0"/>
+          </a:p>
+          <a:p>
+            <a:pPr marL="457200" indent="-457200">
+              <a:buFont typeface="Arial"/>
+              <a:buChar char="•"/>
+            </a:pPr>
             <a:endParaRPr lang="en-US" sz="3200" dirty="0"/>
           </a:p>
         </p:txBody>
@@ -8515,7 +8516,7 @@
     </p:spTree>
     <p:extLst>
       <p:ext uri="{BB962C8B-B14F-4D97-AF65-F5344CB8AC3E}">
-        <p14:creationId xmlns:p14="http://schemas.microsoft.com/office/powerpoint/2010/main" val="2909969707"/>
+        <p14:creationId xmlns:p14="http://schemas.microsoft.com/office/powerpoint/2010/main" val="2746608110"/>
       </p:ext>
     </p:extLst>
   </p:cSld>
@@ -8604,184 +8605,14 @@
       </p:sp>
       <p:sp>
         <p:nvSpPr>
-          <p:cNvPr id="4" name="Rectangle 3"/>
-          <p:cNvSpPr/>
-          <p:nvPr/>
-        </p:nvSpPr>
-        <p:spPr>
-          <a:xfrm>
-            <a:off x="512064" y="2723877"/>
-            <a:ext cx="2150017" cy="3058909"/>
-          </a:xfrm>
-          <a:prstGeom prst="rect">
-            <a:avLst/>
-          </a:prstGeom>
-          <a:solidFill>
-            <a:srgbClr val="00A9B9"/>
-          </a:solidFill>
-          <a:ln>
-            <a:noFill/>
-          </a:ln>
-          <a:effectLst/>
-        </p:spPr>
-        <p:style>
-          <a:lnRef idx="1">
-            <a:schemeClr val="accent1"/>
-          </a:lnRef>
-          <a:fillRef idx="3">
-            <a:schemeClr val="accent1"/>
-          </a:fillRef>
-          <a:effectRef idx="2">
-            <a:schemeClr val="accent1"/>
-          </a:effectRef>
-          <a:fontRef idx="minor">
-            <a:schemeClr val="lt1"/>
-          </a:fontRef>
-        </p:style>
-        <p:txBody>
-          <a:bodyPr rtlCol="0" anchor="t"/>
-          <a:lstStyle/>
-          <a:p>
-            <a:endParaRPr lang="en-US" sz="2200" dirty="0">
-              <a:solidFill>
-                <a:schemeClr val="accent1"/>
-              </a:solidFill>
-            </a:endParaRPr>
-          </a:p>
-          <a:p>
-            <a:pPr marL="111125"/>
-            <a:endParaRPr lang="en-US" sz="2200" dirty="0" smtClean="0">
-              <a:solidFill>
-                <a:schemeClr val="accent1"/>
-              </a:solidFill>
-            </a:endParaRPr>
-          </a:p>
-        </p:txBody>
-      </p:sp>
-      <p:sp>
-        <p:nvSpPr>
-          <p:cNvPr id="5" name="Rectangle 4"/>
-          <p:cNvSpPr/>
-          <p:nvPr/>
-        </p:nvSpPr>
-        <p:spPr>
-          <a:xfrm>
-            <a:off x="3493911" y="2668662"/>
-            <a:ext cx="2150017" cy="3058909"/>
-          </a:xfrm>
-          <a:prstGeom prst="rect">
-            <a:avLst/>
-          </a:prstGeom>
-          <a:solidFill>
-            <a:srgbClr val="EA4A3C"/>
-          </a:solidFill>
-          <a:ln>
-            <a:noFill/>
-          </a:ln>
-          <a:effectLst/>
-        </p:spPr>
-        <p:style>
-          <a:lnRef idx="1">
-            <a:schemeClr val="accent1"/>
-          </a:lnRef>
-          <a:fillRef idx="3">
-            <a:schemeClr val="accent1"/>
-          </a:fillRef>
-          <a:effectRef idx="2">
-            <a:schemeClr val="accent1"/>
-          </a:effectRef>
-          <a:fontRef idx="minor">
-            <a:schemeClr val="lt1"/>
-          </a:fontRef>
-        </p:style>
-        <p:txBody>
-          <a:bodyPr rtlCol="0" anchor="t"/>
-          <a:lstStyle/>
-          <a:p>
-            <a:pPr marL="111125"/>
-            <a:endParaRPr lang="en-US" sz="2200" dirty="0" smtClean="0">
-              <a:solidFill>
-                <a:srgbClr val="F8F8F8"/>
-              </a:solidFill>
-            </a:endParaRPr>
-          </a:p>
-          <a:p>
-            <a:pPr marL="111125"/>
-            <a:endParaRPr lang="en-US" sz="2200" dirty="0" smtClean="0">
-              <a:solidFill>
-                <a:srgbClr val="F8F8F8"/>
-              </a:solidFill>
-            </a:endParaRPr>
-          </a:p>
-        </p:txBody>
-      </p:sp>
-      <p:sp>
-        <p:nvSpPr>
-          <p:cNvPr id="6" name="Rectangle 5"/>
-          <p:cNvSpPr/>
-          <p:nvPr/>
-        </p:nvSpPr>
-        <p:spPr>
-          <a:xfrm>
-            <a:off x="6536783" y="2723877"/>
-            <a:ext cx="2150017" cy="3058909"/>
-          </a:xfrm>
-          <a:prstGeom prst="rect">
-            <a:avLst/>
-          </a:prstGeom>
-          <a:solidFill>
-            <a:schemeClr val="accent6"/>
-          </a:solidFill>
-          <a:ln>
-            <a:noFill/>
-          </a:ln>
-          <a:effectLst/>
-        </p:spPr>
-        <p:style>
-          <a:lnRef idx="1">
-            <a:schemeClr val="accent1"/>
-          </a:lnRef>
-          <a:fillRef idx="3">
-            <a:schemeClr val="accent1"/>
-          </a:fillRef>
-          <a:effectRef idx="2">
-            <a:schemeClr val="accent1"/>
-          </a:effectRef>
-          <a:fontRef idx="minor">
-            <a:schemeClr val="lt1"/>
-          </a:fontRef>
-        </p:style>
-        <p:txBody>
-          <a:bodyPr rtlCol="0" anchor="t"/>
-          <a:lstStyle/>
-          <a:p>
-            <a:pPr marL="111125"/>
-            <a:endParaRPr lang="en-US" sz="2200" dirty="0" smtClean="0">
-              <a:solidFill>
-                <a:srgbClr val="F8F8F8"/>
-              </a:solidFill>
-            </a:endParaRPr>
-          </a:p>
-          <a:p>
-            <a:pPr marL="111125"/>
-            <a:endParaRPr lang="en-US" sz="2200" dirty="0" smtClean="0">
-              <a:solidFill>
-                <a:srgbClr val="F8F8F8"/>
-              </a:solidFill>
-            </a:endParaRPr>
-          </a:p>
-        </p:txBody>
-      </p:sp>
-      <p:sp>
-        <p:nvSpPr>
-          <p:cNvPr id="8" name="TextBox 7"/>
+          <p:cNvPr id="7" name="TextBox 6"/>
           <p:cNvSpPr txBox="1"/>
           <p:nvPr/>
         </p:nvSpPr>
         <p:spPr>
           <a:xfrm>
-            <a:off x="457200" y="1865376"/>
-            <a:ext cx="2204881" cy="584776"/>
+            <a:off x="131396" y="1876429"/>
+            <a:ext cx="8802110" cy="1569660"/>
           </a:xfrm>
           <a:prstGeom prst="rect">
             <a:avLst/>
@@ -8797,137 +8628,30 @@
             <a:pPr algn="ctr"/>
             <a:r>
               <a:rPr lang="en-US" sz="3200" dirty="0" smtClean="0"/>
-              <a:t>Model</a:t>
+              <a:t>What does the </a:t>
+            </a:r>
+          </a:p>
+          <a:p>
+            <a:pPr algn="ctr"/>
+            <a:r>
+              <a:rPr lang="en-US" sz="3200" dirty="0" smtClean="0"/>
+              <a:t>Single Responsibility Message Pattern</a:t>
+            </a:r>
+          </a:p>
+          <a:p>
+            <a:pPr algn="ctr"/>
+            <a:r>
+              <a:rPr lang="en-US" sz="3200" dirty="0" smtClean="0"/>
+              <a:t> look like in MVC?</a:t>
             </a:r>
             <a:endParaRPr lang="en-US" sz="3200" dirty="0"/>
-          </a:p>
-        </p:txBody>
-      </p:sp>
-      <p:sp>
-        <p:nvSpPr>
-          <p:cNvPr id="10" name="TextBox 9"/>
-          <p:cNvSpPr txBox="1"/>
-          <p:nvPr/>
-        </p:nvSpPr>
-        <p:spPr>
-          <a:xfrm>
-            <a:off x="3493911" y="1865376"/>
-            <a:ext cx="2204881" cy="584776"/>
-          </a:xfrm>
-          <a:prstGeom prst="rect">
-            <a:avLst/>
-          </a:prstGeom>
-          <a:noFill/>
-        </p:spPr>
-        <p:txBody>
-          <a:bodyPr wrap="square" rtlCol="0">
-            <a:spAutoFit/>
-          </a:bodyPr>
-          <a:lstStyle/>
-          <a:p>
-            <a:pPr algn="ctr"/>
-            <a:r>
-              <a:rPr lang="en-US" sz="3200" dirty="0" smtClean="0"/>
-              <a:t>Controller</a:t>
-            </a:r>
-            <a:endParaRPr lang="en-US" sz="3200" dirty="0"/>
-          </a:p>
-        </p:txBody>
-      </p:sp>
-      <p:sp>
-        <p:nvSpPr>
-          <p:cNvPr id="11" name="TextBox 10"/>
-          <p:cNvSpPr txBox="1"/>
-          <p:nvPr/>
-        </p:nvSpPr>
-        <p:spPr>
-          <a:xfrm>
-            <a:off x="6536783" y="1865376"/>
-            <a:ext cx="2204881" cy="584776"/>
-          </a:xfrm>
-          <a:prstGeom prst="rect">
-            <a:avLst/>
-          </a:prstGeom>
-          <a:noFill/>
-        </p:spPr>
-        <p:txBody>
-          <a:bodyPr wrap="square" rtlCol="0">
-            <a:spAutoFit/>
-          </a:bodyPr>
-          <a:lstStyle/>
-          <a:p>
-            <a:pPr algn="ctr"/>
-            <a:r>
-              <a:rPr lang="en-US" sz="3200" dirty="0" smtClean="0"/>
-              <a:t>View</a:t>
-            </a:r>
-            <a:endParaRPr lang="en-US" sz="3200" dirty="0"/>
-          </a:p>
-        </p:txBody>
-      </p:sp>
-      <p:sp>
-        <p:nvSpPr>
-          <p:cNvPr id="27" name="Rectangle 26"/>
-          <p:cNvSpPr/>
-          <p:nvPr/>
-        </p:nvSpPr>
-        <p:spPr>
-          <a:xfrm>
-            <a:off x="3699937" y="2858661"/>
-            <a:ext cx="1730320" cy="396667"/>
-          </a:xfrm>
-          <a:prstGeom prst="rect">
-            <a:avLst/>
-          </a:prstGeom>
-          <a:solidFill>
-            <a:schemeClr val="accent4"/>
-          </a:solidFill>
-          <a:ln w="28575" cmpd="sng">
-            <a:solidFill>
-              <a:schemeClr val="accent1"/>
-            </a:solidFill>
-          </a:ln>
-          <a:effectLst/>
-        </p:spPr>
-        <p:style>
-          <a:lnRef idx="1">
-            <a:schemeClr val="accent1"/>
-          </a:lnRef>
-          <a:fillRef idx="3">
-            <a:schemeClr val="accent1"/>
-          </a:fillRef>
-          <a:effectRef idx="2">
-            <a:schemeClr val="accent1"/>
-          </a:effectRef>
-          <a:fontRef idx="minor">
-            <a:schemeClr val="lt1"/>
-          </a:fontRef>
-        </p:style>
-        <p:txBody>
-          <a:bodyPr rtlCol="0" anchor="ctr"/>
-          <a:lstStyle/>
-          <a:p>
-            <a:pPr algn="ctr"/>
-            <a:r>
-              <a:rPr lang="en-US" dirty="0" smtClean="0">
-                <a:solidFill>
-                  <a:srgbClr val="F8F8F8"/>
-                </a:solidFill>
-              </a:rPr>
-              <a:t>Initiate Program</a:t>
-            </a:r>
-            <a:endParaRPr lang="en-US" dirty="0">
-              <a:solidFill>
-                <a:srgbClr val="F8F8F8"/>
-              </a:solidFill>
-            </a:endParaRPr>
           </a:p>
         </p:txBody>
       </p:sp>
     </p:spTree>
     <p:extLst>
       <p:ext uri="{BB962C8B-B14F-4D97-AF65-F5344CB8AC3E}">
-        <p14:creationId xmlns:p14="http://schemas.microsoft.com/office/powerpoint/2010/main" val="3774287812"/>
+        <p14:creationId xmlns:p14="http://schemas.microsoft.com/office/powerpoint/2010/main" val="2909969707"/>
       </p:ext>
     </p:extLst>
   </p:cSld>
@@ -9394,111 +9118,6 @@
           </a:p>
         </p:txBody>
       </p:sp>
-      <p:cxnSp>
-        <p:nvCxnSpPr>
-          <p:cNvPr id="24" name="Straight Arrow Connector 23"/>
-          <p:cNvCxnSpPr/>
-          <p:nvPr/>
-        </p:nvCxnSpPr>
-        <p:spPr>
-          <a:xfrm>
-            <a:off x="5430257" y="3056995"/>
-            <a:ext cx="1325350" cy="0"/>
-          </a:xfrm>
-          <a:prstGeom prst="straightConnector1">
-            <a:avLst/>
-          </a:prstGeom>
-          <a:ln w="57150" cmpd="sng">
-            <a:solidFill>
-              <a:schemeClr val="accent2"/>
-            </a:solidFill>
-            <a:headEnd type="none"/>
-            <a:tailEnd type="triangle"/>
-          </a:ln>
-          <a:effectLst/>
-        </p:spPr>
-        <p:style>
-          <a:lnRef idx="2">
-            <a:schemeClr val="accent1"/>
-          </a:lnRef>
-          <a:fillRef idx="0">
-            <a:schemeClr val="accent1"/>
-          </a:fillRef>
-          <a:effectRef idx="1">
-            <a:schemeClr val="accent1"/>
-          </a:effectRef>
-          <a:fontRef idx="minor">
-            <a:schemeClr val="tx1"/>
-          </a:fontRef>
-        </p:style>
-      </p:cxnSp>
-      <p:sp>
-        <p:nvSpPr>
-          <p:cNvPr id="25" name="Rectangle 24"/>
-          <p:cNvSpPr/>
-          <p:nvPr/>
-        </p:nvSpPr>
-        <p:spPr>
-          <a:xfrm>
-            <a:off x="6755607" y="2858661"/>
-            <a:ext cx="1730320" cy="396667"/>
-          </a:xfrm>
-          <a:prstGeom prst="rect">
-            <a:avLst/>
-          </a:prstGeom>
-          <a:solidFill>
-            <a:schemeClr val="accent6"/>
-          </a:solidFill>
-          <a:ln w="28575" cmpd="sng">
-            <a:solidFill>
-              <a:schemeClr val="accent1"/>
-            </a:solidFill>
-          </a:ln>
-          <a:effectLst/>
-        </p:spPr>
-        <p:style>
-          <a:lnRef idx="1">
-            <a:schemeClr val="accent1"/>
-          </a:lnRef>
-          <a:fillRef idx="3">
-            <a:schemeClr val="accent1"/>
-          </a:fillRef>
-          <a:effectRef idx="2">
-            <a:schemeClr val="accent1"/>
-          </a:effectRef>
-          <a:fontRef idx="minor">
-            <a:schemeClr val="lt1"/>
-          </a:fontRef>
-        </p:style>
-        <p:txBody>
-          <a:bodyPr rtlCol="0" anchor="ctr"/>
-          <a:lstStyle/>
-          <a:p>
-            <a:pPr algn="ctr"/>
-            <a:r>
-              <a:rPr lang="en-US" dirty="0">
-                <a:solidFill>
-                  <a:srgbClr val="F8F8F8"/>
-                </a:solidFill>
-              </a:rPr>
-              <a:t>p</a:t>
-            </a:r>
-            <a:r>
-              <a:rPr lang="en-US" dirty="0" smtClean="0">
-                <a:solidFill>
-                  <a:srgbClr val="F8F8F8"/>
-                </a:solidFill>
-              </a:rPr>
-              <a:t>rompt user</a:t>
-            </a:r>
-            <a:endParaRPr lang="en-US" dirty="0">
-              <a:solidFill>
-                <a:srgbClr val="F8F8F8"/>
-              </a:solidFill>
-            </a:endParaRPr>
-          </a:p>
-        </p:txBody>
-      </p:sp>
       <p:sp>
         <p:nvSpPr>
           <p:cNvPr id="27" name="Rectangle 26"/>
@@ -9558,77 +9177,10 @@
           </a:p>
         </p:txBody>
       </p:sp>
-      <p:sp>
-        <p:nvSpPr>
-          <p:cNvPr id="35" name="Rectangle 34"/>
-          <p:cNvSpPr/>
-          <p:nvPr/>
-        </p:nvSpPr>
-        <p:spPr>
-          <a:xfrm>
-            <a:off x="702737" y="2862107"/>
-            <a:ext cx="1730320" cy="396667"/>
-          </a:xfrm>
-          <a:prstGeom prst="rect">
-            <a:avLst/>
-          </a:prstGeom>
-          <a:solidFill>
-            <a:schemeClr val="accent5"/>
-          </a:solidFill>
-          <a:ln w="28575" cmpd="sng">
-            <a:solidFill>
-              <a:schemeClr val="accent1"/>
-            </a:solidFill>
-          </a:ln>
-          <a:effectLst/>
-        </p:spPr>
-        <p:style>
-          <a:lnRef idx="1">
-            <a:schemeClr val="accent1"/>
-          </a:lnRef>
-          <a:fillRef idx="3">
-            <a:schemeClr val="accent1"/>
-          </a:fillRef>
-          <a:effectRef idx="2">
-            <a:schemeClr val="accent1"/>
-          </a:effectRef>
-          <a:fontRef idx="minor">
-            <a:schemeClr val="lt1"/>
-          </a:fontRef>
-        </p:style>
-        <p:txBody>
-          <a:bodyPr rtlCol="0" anchor="ctr"/>
-          <a:lstStyle/>
-          <a:p>
-            <a:pPr algn="ctr"/>
-            <a:r>
-              <a:rPr lang="en-US" dirty="0">
-                <a:solidFill>
-                  <a:srgbClr val="F8F8F8"/>
-                </a:solidFill>
-              </a:rPr>
-              <a:t>i</a:t>
-            </a:r>
-            <a:r>
-              <a:rPr lang="en-US" dirty="0" smtClean="0">
-                <a:solidFill>
-                  <a:srgbClr val="F8F8F8"/>
-                </a:solidFill>
-              </a:rPr>
-              <a:t>nitiate data </a:t>
-            </a:r>
-            <a:endParaRPr lang="en-US" dirty="0">
-              <a:solidFill>
-                <a:srgbClr val="F8F8F8"/>
-              </a:solidFill>
-            </a:endParaRPr>
-          </a:p>
-        </p:txBody>
-      </p:sp>
     </p:spTree>
     <p:extLst>
       <p:ext uri="{BB962C8B-B14F-4D97-AF65-F5344CB8AC3E}">
-        <p14:creationId xmlns:p14="http://schemas.microsoft.com/office/powerpoint/2010/main" val="3440086341"/>
+        <p14:creationId xmlns:p14="http://schemas.microsoft.com/office/powerpoint/2010/main" val="3774287812"/>
       </p:ext>
     </p:extLst>
   </p:cSld>
@@ -9978,15 +9530,53 @@
           </a:p>
         </p:txBody>
       </p:sp>
-      <p:sp>
-        <p:nvSpPr>
-          <p:cNvPr id="7" name="Rectangle 6"/>
+      <p:cxnSp>
+        <p:nvCxnSpPr>
+          <p:cNvPr id="24" name="Straight Arrow Connector 23"/>
+          <p:cNvCxnSpPr/>
+          <p:nvPr/>
+        </p:nvCxnSpPr>
+        <p:spPr>
+          <a:xfrm>
+            <a:off x="5430257" y="3056995"/>
+            <a:ext cx="1325350" cy="0"/>
+          </a:xfrm>
+          <a:prstGeom prst="straightConnector1">
+            <a:avLst/>
+          </a:prstGeom>
+          <a:ln w="57150" cmpd="sng">
+            <a:solidFill>
+              <a:schemeClr val="accent2"/>
+            </a:solidFill>
+            <a:headEnd type="none"/>
+            <a:tailEnd type="triangle"/>
+          </a:ln>
+          <a:effectLst/>
+        </p:spPr>
+        <p:style>
+          <a:lnRef idx="2">
+            <a:schemeClr val="accent1"/>
+          </a:lnRef>
+          <a:fillRef idx="0">
+            <a:schemeClr val="accent1"/>
+          </a:fillRef>
+          <a:effectRef idx="1">
+            <a:schemeClr val="accent1"/>
+          </a:effectRef>
+          <a:fontRef idx="minor">
+            <a:schemeClr val="tx1"/>
+          </a:fontRef>
+        </p:style>
+      </p:cxnSp>
+      <p:sp>
+        <p:nvSpPr>
+          <p:cNvPr id="25" name="Rectangle 24"/>
           <p:cNvSpPr/>
           <p:nvPr/>
         </p:nvSpPr>
         <p:spPr>
           <a:xfrm>
-            <a:off x="6755607" y="3533858"/>
+            <a:off x="6755607" y="2858661"/>
             <a:ext cx="1730320" cy="396667"/>
           </a:xfrm>
           <a:prstGeom prst="rect">
@@ -10022,141 +9612,6 @@
           <a:p>
             <a:pPr algn="ctr"/>
             <a:r>
-              <a:rPr lang="en-US" dirty="0" smtClean="0">
-                <a:solidFill>
-                  <a:srgbClr val="F8F8F8"/>
-                </a:solidFill>
-              </a:rPr>
-              <a:t>send input</a:t>
-            </a:r>
-            <a:endParaRPr lang="en-US" dirty="0">
-              <a:solidFill>
-                <a:srgbClr val="F8F8F8"/>
-              </a:solidFill>
-            </a:endParaRPr>
-          </a:p>
-        </p:txBody>
-      </p:sp>
-      <p:cxnSp>
-        <p:nvCxnSpPr>
-          <p:cNvPr id="24" name="Straight Arrow Connector 23"/>
-          <p:cNvCxnSpPr/>
-          <p:nvPr/>
-        </p:nvCxnSpPr>
-        <p:spPr>
-          <a:xfrm>
-            <a:off x="5430257" y="3056995"/>
-            <a:ext cx="1325350" cy="0"/>
-          </a:xfrm>
-          <a:prstGeom prst="straightConnector1">
-            <a:avLst/>
-          </a:prstGeom>
-          <a:ln w="57150" cmpd="sng">
-            <a:solidFill>
-              <a:schemeClr val="accent2"/>
-            </a:solidFill>
-            <a:headEnd type="none"/>
-            <a:tailEnd type="triangle"/>
-          </a:ln>
-          <a:effectLst/>
-        </p:spPr>
-        <p:style>
-          <a:lnRef idx="2">
-            <a:schemeClr val="accent1"/>
-          </a:lnRef>
-          <a:fillRef idx="0">
-            <a:schemeClr val="accent1"/>
-          </a:fillRef>
-          <a:effectRef idx="1">
-            <a:schemeClr val="accent1"/>
-          </a:effectRef>
-          <a:fontRef idx="minor">
-            <a:schemeClr val="tx1"/>
-          </a:fontRef>
-        </p:style>
-      </p:cxnSp>
-      <p:cxnSp>
-        <p:nvCxnSpPr>
-          <p:cNvPr id="26" name="Straight Arrow Connector 25"/>
-          <p:cNvCxnSpPr/>
-          <p:nvPr/>
-        </p:nvCxnSpPr>
-        <p:spPr>
-          <a:xfrm>
-            <a:off x="7619091" y="2941410"/>
-            <a:ext cx="0" cy="614240"/>
-          </a:xfrm>
-          <a:prstGeom prst="straightConnector1">
-            <a:avLst/>
-          </a:prstGeom>
-          <a:ln w="57150" cmpd="sng">
-            <a:solidFill>
-              <a:schemeClr val="accent2"/>
-            </a:solidFill>
-            <a:headEnd type="none"/>
-            <a:tailEnd type="triangle"/>
-          </a:ln>
-          <a:effectLst/>
-        </p:spPr>
-        <p:style>
-          <a:lnRef idx="2">
-            <a:schemeClr val="accent1"/>
-          </a:lnRef>
-          <a:fillRef idx="0">
-            <a:schemeClr val="accent1"/>
-          </a:fillRef>
-          <a:effectRef idx="1">
-            <a:schemeClr val="accent1"/>
-          </a:effectRef>
-          <a:fontRef idx="minor">
-            <a:schemeClr val="tx1"/>
-          </a:fontRef>
-        </p:style>
-      </p:cxnSp>
-      <p:sp>
-        <p:nvSpPr>
-          <p:cNvPr id="25" name="Rectangle 24"/>
-          <p:cNvSpPr/>
-          <p:nvPr/>
-        </p:nvSpPr>
-        <p:spPr>
-          <a:xfrm>
-            <a:off x="6755607" y="2858661"/>
-            <a:ext cx="1730320" cy="396667"/>
-          </a:xfrm>
-          <a:prstGeom prst="rect">
-            <a:avLst/>
-          </a:prstGeom>
-          <a:solidFill>
-            <a:schemeClr val="accent6"/>
-          </a:solidFill>
-          <a:ln w="28575" cmpd="sng">
-            <a:solidFill>
-              <a:schemeClr val="accent1"/>
-            </a:solidFill>
-          </a:ln>
-          <a:effectLst/>
-        </p:spPr>
-        <p:style>
-          <a:lnRef idx="1">
-            <a:schemeClr val="accent1"/>
-          </a:lnRef>
-          <a:fillRef idx="3">
-            <a:schemeClr val="accent1"/>
-          </a:fillRef>
-          <a:effectRef idx="2">
-            <a:schemeClr val="accent1"/>
-          </a:effectRef>
-          <a:fontRef idx="minor">
-            <a:schemeClr val="lt1"/>
-          </a:fontRef>
-        </p:style>
-        <p:txBody>
-          <a:bodyPr rtlCol="0" anchor="ctr"/>
-          <a:lstStyle/>
-          <a:p>
-            <a:pPr algn="ctr"/>
-            <a:r>
               <a:rPr lang="en-US" dirty="0">
                 <a:solidFill>
                   <a:srgbClr val="F8F8F8"/>
@@ -10309,7 +9764,7 @@
     </p:spTree>
     <p:extLst>
       <p:ext uri="{BB962C8B-B14F-4D97-AF65-F5344CB8AC3E}">
-        <p14:creationId xmlns:p14="http://schemas.microsoft.com/office/powerpoint/2010/main" val="1766437960"/>
+        <p14:creationId xmlns:p14="http://schemas.microsoft.com/office/powerpoint/2010/main" val="3440086341"/>
       </p:ext>
     </p:extLst>
   </p:cSld>
@@ -10659,46 +10114,6 @@
           </a:p>
         </p:txBody>
       </p:sp>
-      <p:cxnSp>
-        <p:nvCxnSpPr>
-          <p:cNvPr id="12" name="Straight Arrow Connector 11"/>
-          <p:cNvCxnSpPr>
-            <a:stCxn id="7" idx="1"/>
-          </p:cNvCxnSpPr>
-          <p:nvPr/>
-        </p:nvCxnSpPr>
-        <p:spPr>
-          <a:xfrm flipH="1">
-            <a:off x="5537200" y="3732192"/>
-            <a:ext cx="1218407" cy="0"/>
-          </a:xfrm>
-          <a:prstGeom prst="straightConnector1">
-            <a:avLst/>
-          </a:prstGeom>
-          <a:ln w="57150" cmpd="sng">
-            <a:solidFill>
-              <a:schemeClr val="accent2"/>
-            </a:solidFill>
-            <a:headEnd type="none"/>
-            <a:tailEnd type="triangle"/>
-          </a:ln>
-          <a:effectLst/>
-        </p:spPr>
-        <p:style>
-          <a:lnRef idx="2">
-            <a:schemeClr val="accent1"/>
-          </a:lnRef>
-          <a:fillRef idx="0">
-            <a:schemeClr val="accent1"/>
-          </a:fillRef>
-          <a:effectRef idx="1">
-            <a:schemeClr val="accent1"/>
-          </a:effectRef>
-          <a:fontRef idx="minor">
-            <a:schemeClr val="tx1"/>
-          </a:fontRef>
-        </p:style>
-      </p:cxnSp>
       <p:sp>
         <p:nvSpPr>
           <p:cNvPr id="7" name="Rectangle 6"/>
@@ -10749,65 +10164,6 @@
                 </a:solidFill>
               </a:rPr>
               <a:t>send input</a:t>
-            </a:r>
-            <a:endParaRPr lang="en-US" dirty="0">
-              <a:solidFill>
-                <a:srgbClr val="F8F8F8"/>
-              </a:solidFill>
-            </a:endParaRPr>
-          </a:p>
-        </p:txBody>
-      </p:sp>
-      <p:sp>
-        <p:nvSpPr>
-          <p:cNvPr id="13" name="Rectangle 12"/>
-          <p:cNvSpPr/>
-          <p:nvPr/>
-        </p:nvSpPr>
-        <p:spPr>
-          <a:xfrm>
-            <a:off x="3699937" y="3533858"/>
-            <a:ext cx="1730320" cy="396667"/>
-          </a:xfrm>
-          <a:prstGeom prst="rect">
-            <a:avLst/>
-          </a:prstGeom>
-          <a:solidFill>
-            <a:schemeClr val="accent4"/>
-          </a:solidFill>
-          <a:ln w="28575" cmpd="sng">
-            <a:solidFill>
-              <a:schemeClr val="accent1"/>
-            </a:solidFill>
-          </a:ln>
-          <a:effectLst/>
-        </p:spPr>
-        <p:style>
-          <a:lnRef idx="1">
-            <a:schemeClr val="accent1"/>
-          </a:lnRef>
-          <a:fillRef idx="3">
-            <a:schemeClr val="accent1"/>
-          </a:fillRef>
-          <a:effectRef idx="2">
-            <a:schemeClr val="accent1"/>
-          </a:effectRef>
-          <a:fontRef idx="minor">
-            <a:schemeClr val="lt1"/>
-          </a:fontRef>
-        </p:style>
-        <p:txBody>
-          <a:bodyPr rtlCol="0" anchor="ctr"/>
-          <a:lstStyle/>
-          <a:p>
-            <a:pPr algn="ctr"/>
-            <a:r>
-              <a:rPr lang="en-US" dirty="0" smtClean="0">
-                <a:solidFill>
-                  <a:srgbClr val="F8F8F8"/>
-                </a:solidFill>
-              </a:rPr>
-              <a:t>interpret input</a:t>
             </a:r>
             <a:endParaRPr lang="en-US" dirty="0">
               <a:solidFill>
@@ -11089,7 +10445,7 @@
     </p:spTree>
     <p:extLst>
       <p:ext uri="{BB962C8B-B14F-4D97-AF65-F5344CB8AC3E}">
-        <p14:creationId xmlns:p14="http://schemas.microsoft.com/office/powerpoint/2010/main" val="4268115242"/>
+        <p14:creationId xmlns:p14="http://schemas.microsoft.com/office/powerpoint/2010/main" val="1766437960"/>
       </p:ext>
     </p:extLst>
   </p:cSld>
@@ -11538,44 +10894,6 @@
           </a:p>
         </p:txBody>
       </p:sp>
-      <p:cxnSp>
-        <p:nvCxnSpPr>
-          <p:cNvPr id="15" name="Straight Arrow Connector 14"/>
-          <p:cNvCxnSpPr/>
-          <p:nvPr/>
-        </p:nvCxnSpPr>
-        <p:spPr>
-          <a:xfrm>
-            <a:off x="4565097" y="3673683"/>
-            <a:ext cx="0" cy="614240"/>
-          </a:xfrm>
-          <a:prstGeom prst="straightConnector1">
-            <a:avLst/>
-          </a:prstGeom>
-          <a:ln w="57150" cmpd="sng">
-            <a:solidFill>
-              <a:schemeClr val="accent2"/>
-            </a:solidFill>
-            <a:headEnd type="none"/>
-            <a:tailEnd type="triangle"/>
-          </a:ln>
-          <a:effectLst/>
-        </p:spPr>
-        <p:style>
-          <a:lnRef idx="2">
-            <a:schemeClr val="accent1"/>
-          </a:lnRef>
-          <a:fillRef idx="0">
-            <a:schemeClr val="accent1"/>
-          </a:fillRef>
-          <a:effectRef idx="1">
-            <a:schemeClr val="accent1"/>
-          </a:effectRef>
-          <a:fontRef idx="minor">
-            <a:schemeClr val="tx1"/>
-          </a:fontRef>
-        </p:style>
-      </p:cxnSp>
       <p:sp>
         <p:nvSpPr>
           <p:cNvPr id="13" name="Rectangle 12"/>
@@ -11626,65 +10944,6 @@
                 </a:solidFill>
               </a:rPr>
               <a:t>interpret input</a:t>
-            </a:r>
-            <a:endParaRPr lang="en-US" dirty="0">
-              <a:solidFill>
-                <a:srgbClr val="F8F8F8"/>
-              </a:solidFill>
-            </a:endParaRPr>
-          </a:p>
-        </p:txBody>
-      </p:sp>
-      <p:sp>
-        <p:nvSpPr>
-          <p:cNvPr id="14" name="Rectangle 13"/>
-          <p:cNvSpPr/>
-          <p:nvPr/>
-        </p:nvSpPr>
-        <p:spPr>
-          <a:xfrm>
-            <a:off x="3699937" y="4285338"/>
-            <a:ext cx="1730320" cy="396667"/>
-          </a:xfrm>
-          <a:prstGeom prst="rect">
-            <a:avLst/>
-          </a:prstGeom>
-          <a:solidFill>
-            <a:schemeClr val="accent4"/>
-          </a:solidFill>
-          <a:ln w="28575" cmpd="sng">
-            <a:solidFill>
-              <a:schemeClr val="accent1"/>
-            </a:solidFill>
-          </a:ln>
-          <a:effectLst/>
-        </p:spPr>
-        <p:style>
-          <a:lnRef idx="1">
-            <a:schemeClr val="accent1"/>
-          </a:lnRef>
-          <a:fillRef idx="3">
-            <a:schemeClr val="accent1"/>
-          </a:fillRef>
-          <a:effectRef idx="2">
-            <a:schemeClr val="accent1"/>
-          </a:effectRef>
-          <a:fontRef idx="minor">
-            <a:schemeClr val="lt1"/>
-          </a:fontRef>
-        </p:style>
-        <p:txBody>
-          <a:bodyPr rtlCol="0" anchor="ctr"/>
-          <a:lstStyle/>
-          <a:p>
-            <a:pPr algn="ctr"/>
-            <a:r>
-              <a:rPr lang="en-US" dirty="0" smtClean="0">
-                <a:solidFill>
-                  <a:srgbClr val="F8F8F8"/>
-                </a:solidFill>
-              </a:rPr>
-              <a:t>request data</a:t>
             </a:r>
             <a:endParaRPr lang="en-US" dirty="0">
               <a:solidFill>
@@ -11966,7 +11225,7 @@
     </p:spTree>
     <p:extLst>
       <p:ext uri="{BB962C8B-B14F-4D97-AF65-F5344CB8AC3E}">
-        <p14:creationId xmlns:p14="http://schemas.microsoft.com/office/powerpoint/2010/main" val="1228894101"/>
+        <p14:creationId xmlns:p14="http://schemas.microsoft.com/office/powerpoint/2010/main" val="4268115242"/>
       </p:ext>
     </p:extLst>
   </p:cSld>
@@ -12512,44 +11771,6 @@
           </a:p>
         </p:txBody>
       </p:sp>
-      <p:cxnSp>
-        <p:nvCxnSpPr>
-          <p:cNvPr id="17" name="Straight Arrow Connector 16"/>
-          <p:cNvCxnSpPr/>
-          <p:nvPr/>
-        </p:nvCxnSpPr>
-        <p:spPr>
-          <a:xfrm flipH="1">
-            <a:off x="2445133" y="4494636"/>
-            <a:ext cx="1218407" cy="0"/>
-          </a:xfrm>
-          <a:prstGeom prst="straightConnector1">
-            <a:avLst/>
-          </a:prstGeom>
-          <a:ln w="57150" cmpd="sng">
-            <a:solidFill>
-              <a:schemeClr val="accent2"/>
-            </a:solidFill>
-            <a:headEnd type="none"/>
-            <a:tailEnd type="triangle"/>
-          </a:ln>
-          <a:effectLst/>
-        </p:spPr>
-        <p:style>
-          <a:lnRef idx="2">
-            <a:schemeClr val="accent1"/>
-          </a:lnRef>
-          <a:fillRef idx="0">
-            <a:schemeClr val="accent1"/>
-          </a:fillRef>
-          <a:effectRef idx="1">
-            <a:schemeClr val="accent1"/>
-          </a:effectRef>
-          <a:fontRef idx="minor">
-            <a:schemeClr val="tx1"/>
-          </a:fontRef>
-        </p:style>
-      </p:cxnSp>
       <p:sp>
         <p:nvSpPr>
           <p:cNvPr id="14" name="Rectangle 13"/>
@@ -12600,65 +11821,6 @@
                 </a:solidFill>
               </a:rPr>
               <a:t>request data</a:t>
-            </a:r>
-            <a:endParaRPr lang="en-US" dirty="0">
-              <a:solidFill>
-                <a:srgbClr val="F8F8F8"/>
-              </a:solidFill>
-            </a:endParaRPr>
-          </a:p>
-        </p:txBody>
-      </p:sp>
-      <p:sp>
-        <p:nvSpPr>
-          <p:cNvPr id="16" name="Rectangle 15"/>
-          <p:cNvSpPr/>
-          <p:nvPr/>
-        </p:nvSpPr>
-        <p:spPr>
-          <a:xfrm>
-            <a:off x="702737" y="4285338"/>
-            <a:ext cx="1730320" cy="396667"/>
-          </a:xfrm>
-          <a:prstGeom prst="rect">
-            <a:avLst/>
-          </a:prstGeom>
-          <a:solidFill>
-            <a:schemeClr val="accent5"/>
-          </a:solidFill>
-          <a:ln w="28575" cmpd="sng">
-            <a:solidFill>
-              <a:schemeClr val="accent1"/>
-            </a:solidFill>
-          </a:ln>
-          <a:effectLst/>
-        </p:spPr>
-        <p:style>
-          <a:lnRef idx="1">
-            <a:schemeClr val="accent1"/>
-          </a:lnRef>
-          <a:fillRef idx="3">
-            <a:schemeClr val="accent1"/>
-          </a:fillRef>
-          <a:effectRef idx="2">
-            <a:schemeClr val="accent1"/>
-          </a:effectRef>
-          <a:fontRef idx="minor">
-            <a:schemeClr val="lt1"/>
-          </a:fontRef>
-        </p:style>
-        <p:txBody>
-          <a:bodyPr rtlCol="0" anchor="ctr"/>
-          <a:lstStyle/>
-          <a:p>
-            <a:pPr algn="ctr"/>
-            <a:r>
-              <a:rPr lang="en-US" dirty="0" smtClean="0">
-                <a:solidFill>
-                  <a:srgbClr val="F8F8F8"/>
-                </a:solidFill>
-              </a:rPr>
-              <a:t>gather data</a:t>
             </a:r>
             <a:endParaRPr lang="en-US" dirty="0">
               <a:solidFill>
@@ -12940,7 +12102,7 @@
     </p:spTree>
     <p:extLst>
       <p:ext uri="{BB962C8B-B14F-4D97-AF65-F5344CB8AC3E}">
-        <p14:creationId xmlns:p14="http://schemas.microsoft.com/office/powerpoint/2010/main" val="1911309529"/>
+        <p14:creationId xmlns:p14="http://schemas.microsoft.com/office/powerpoint/2010/main" val="1228894101"/>
       </p:ext>
     </p:extLst>
   </p:cSld>
@@ -13583,44 +12745,6 @@
           </a:p>
         </p:txBody>
       </p:sp>
-      <p:cxnSp>
-        <p:nvCxnSpPr>
-          <p:cNvPr id="19" name="Straight Arrow Connector 18"/>
-          <p:cNvCxnSpPr/>
-          <p:nvPr/>
-        </p:nvCxnSpPr>
-        <p:spPr>
-          <a:xfrm>
-            <a:off x="1567897" y="4410894"/>
-            <a:ext cx="0" cy="614240"/>
-          </a:xfrm>
-          <a:prstGeom prst="straightConnector1">
-            <a:avLst/>
-          </a:prstGeom>
-          <a:ln w="57150" cmpd="sng">
-            <a:solidFill>
-              <a:schemeClr val="accent2"/>
-            </a:solidFill>
-            <a:headEnd type="none"/>
-            <a:tailEnd type="triangle"/>
-          </a:ln>
-          <a:effectLst/>
-        </p:spPr>
-        <p:style>
-          <a:lnRef idx="2">
-            <a:schemeClr val="accent1"/>
-          </a:lnRef>
-          <a:fillRef idx="0">
-            <a:schemeClr val="accent1"/>
-          </a:fillRef>
-          <a:effectRef idx="1">
-            <a:schemeClr val="accent1"/>
-          </a:effectRef>
-          <a:fontRef idx="minor">
-            <a:schemeClr val="tx1"/>
-          </a:fontRef>
-        </p:style>
-      </p:cxnSp>
       <p:sp>
         <p:nvSpPr>
           <p:cNvPr id="16" name="Rectangle 15"/>
@@ -13671,65 +12795,6 @@
                 </a:solidFill>
               </a:rPr>
               <a:t>gather data</a:t>
-            </a:r>
-            <a:endParaRPr lang="en-US" dirty="0">
-              <a:solidFill>
-                <a:srgbClr val="F8F8F8"/>
-              </a:solidFill>
-            </a:endParaRPr>
-          </a:p>
-        </p:txBody>
-      </p:sp>
-      <p:sp>
-        <p:nvSpPr>
-          <p:cNvPr id="18" name="Rectangle 17"/>
-          <p:cNvSpPr/>
-          <p:nvPr/>
-        </p:nvSpPr>
-        <p:spPr>
-          <a:xfrm>
-            <a:off x="702737" y="5093893"/>
-            <a:ext cx="1730320" cy="396667"/>
-          </a:xfrm>
-          <a:prstGeom prst="rect">
-            <a:avLst/>
-          </a:prstGeom>
-          <a:solidFill>
-            <a:schemeClr val="accent5"/>
-          </a:solidFill>
-          <a:ln w="28575" cmpd="sng">
-            <a:solidFill>
-              <a:schemeClr val="accent1"/>
-            </a:solidFill>
-          </a:ln>
-          <a:effectLst/>
-        </p:spPr>
-        <p:style>
-          <a:lnRef idx="1">
-            <a:schemeClr val="accent1"/>
-          </a:lnRef>
-          <a:fillRef idx="3">
-            <a:schemeClr val="accent1"/>
-          </a:fillRef>
-          <a:effectRef idx="2">
-            <a:schemeClr val="accent1"/>
-          </a:effectRef>
-          <a:fontRef idx="minor">
-            <a:schemeClr val="lt1"/>
-          </a:fontRef>
-        </p:style>
-        <p:txBody>
-          <a:bodyPr rtlCol="0" anchor="ctr"/>
-          <a:lstStyle/>
-          <a:p>
-            <a:pPr algn="ctr"/>
-            <a:r>
-              <a:rPr lang="en-US" dirty="0" smtClean="0">
-                <a:solidFill>
-                  <a:srgbClr val="F8F8F8"/>
-                </a:solidFill>
-              </a:rPr>
-              <a:t>return data</a:t>
             </a:r>
             <a:endParaRPr lang="en-US" dirty="0">
               <a:solidFill>
@@ -14011,7 +13076,7 @@
     </p:spTree>
     <p:extLst>
       <p:ext uri="{BB962C8B-B14F-4D97-AF65-F5344CB8AC3E}">
-        <p14:creationId xmlns:p14="http://schemas.microsoft.com/office/powerpoint/2010/main" val="2161236216"/>
+        <p14:creationId xmlns:p14="http://schemas.microsoft.com/office/powerpoint/2010/main" val="1911309529"/>
       </p:ext>
     </p:extLst>
   </p:cSld>
@@ -14751,44 +13816,6 @@
           </a:p>
         </p:txBody>
       </p:sp>
-      <p:cxnSp>
-        <p:nvCxnSpPr>
-          <p:cNvPr id="21" name="Straight Arrow Connector 20"/>
-          <p:cNvCxnSpPr/>
-          <p:nvPr/>
-        </p:nvCxnSpPr>
-        <p:spPr>
-          <a:xfrm>
-            <a:off x="2382257" y="5300588"/>
-            <a:ext cx="1218407" cy="0"/>
-          </a:xfrm>
-          <a:prstGeom prst="straightConnector1">
-            <a:avLst/>
-          </a:prstGeom>
-          <a:ln w="57150" cmpd="sng">
-            <a:solidFill>
-              <a:schemeClr val="accent2"/>
-            </a:solidFill>
-            <a:headEnd type="none"/>
-            <a:tailEnd type="triangle"/>
-          </a:ln>
-          <a:effectLst/>
-        </p:spPr>
-        <p:style>
-          <a:lnRef idx="2">
-            <a:schemeClr val="accent1"/>
-          </a:lnRef>
-          <a:fillRef idx="0">
-            <a:schemeClr val="accent1"/>
-          </a:fillRef>
-          <a:effectRef idx="1">
-            <a:schemeClr val="accent1"/>
-          </a:effectRef>
-          <a:fontRef idx="minor">
-            <a:schemeClr val="tx1"/>
-          </a:fontRef>
-        </p:style>
-      </p:cxnSp>
       <p:sp>
         <p:nvSpPr>
           <p:cNvPr id="18" name="Rectangle 17"/>
@@ -14839,65 +13866,6 @@
                 </a:solidFill>
               </a:rPr>
               <a:t>return data</a:t>
-            </a:r>
-            <a:endParaRPr lang="en-US" dirty="0">
-              <a:solidFill>
-                <a:srgbClr val="F8F8F8"/>
-              </a:solidFill>
-            </a:endParaRPr>
-          </a:p>
-        </p:txBody>
-      </p:sp>
-      <p:sp>
-        <p:nvSpPr>
-          <p:cNvPr id="20" name="Rectangle 19"/>
-          <p:cNvSpPr/>
-          <p:nvPr/>
-        </p:nvSpPr>
-        <p:spPr>
-          <a:xfrm>
-            <a:off x="3699937" y="5093893"/>
-            <a:ext cx="1730320" cy="396667"/>
-          </a:xfrm>
-          <a:prstGeom prst="rect">
-            <a:avLst/>
-          </a:prstGeom>
-          <a:solidFill>
-            <a:schemeClr val="accent4"/>
-          </a:solidFill>
-          <a:ln w="28575" cmpd="sng">
-            <a:solidFill>
-              <a:schemeClr val="accent1"/>
-            </a:solidFill>
-          </a:ln>
-          <a:effectLst/>
-        </p:spPr>
-        <p:style>
-          <a:lnRef idx="1">
-            <a:schemeClr val="accent1"/>
-          </a:lnRef>
-          <a:fillRef idx="3">
-            <a:schemeClr val="accent1"/>
-          </a:fillRef>
-          <a:effectRef idx="2">
-            <a:schemeClr val="accent1"/>
-          </a:effectRef>
-          <a:fontRef idx="minor">
-            <a:schemeClr val="lt1"/>
-          </a:fontRef>
-        </p:style>
-        <p:txBody>
-          <a:bodyPr rtlCol="0" anchor="ctr"/>
-          <a:lstStyle/>
-          <a:p>
-            <a:pPr algn="ctr"/>
-            <a:r>
-              <a:rPr lang="en-US" dirty="0" smtClean="0">
-                <a:solidFill>
-                  <a:srgbClr val="F8F8F8"/>
-                </a:solidFill>
-              </a:rPr>
-              <a:t>forward data</a:t>
             </a:r>
             <a:endParaRPr lang="en-US" dirty="0">
               <a:solidFill>
@@ -15179,7 +14147,7 @@
     </p:spTree>
     <p:extLst>
       <p:ext uri="{BB962C8B-B14F-4D97-AF65-F5344CB8AC3E}">
-        <p14:creationId xmlns:p14="http://schemas.microsoft.com/office/powerpoint/2010/main" val="4197247014"/>
+        <p14:creationId xmlns:p14="http://schemas.microsoft.com/office/powerpoint/2010/main" val="2161236216"/>
       </p:ext>
     </p:extLst>
   </p:cSld>
@@ -16018,103 +14986,6 @@
       </p:sp>
       <p:sp>
         <p:nvSpPr>
-          <p:cNvPr id="22" name="Rectangle 21"/>
-          <p:cNvSpPr/>
-          <p:nvPr/>
-        </p:nvSpPr>
-        <p:spPr>
-          <a:xfrm>
-            <a:off x="6755607" y="5102254"/>
-            <a:ext cx="1730320" cy="396667"/>
-          </a:xfrm>
-          <a:prstGeom prst="rect">
-            <a:avLst/>
-          </a:prstGeom>
-          <a:solidFill>
-            <a:schemeClr val="accent6"/>
-          </a:solidFill>
-          <a:ln w="28575" cmpd="sng">
-            <a:solidFill>
-              <a:schemeClr val="accent1"/>
-            </a:solidFill>
-          </a:ln>
-          <a:effectLst/>
-        </p:spPr>
-        <p:style>
-          <a:lnRef idx="1">
-            <a:schemeClr val="accent1"/>
-          </a:lnRef>
-          <a:fillRef idx="3">
-            <a:schemeClr val="accent1"/>
-          </a:fillRef>
-          <a:effectRef idx="2">
-            <a:schemeClr val="accent1"/>
-          </a:effectRef>
-          <a:fontRef idx="minor">
-            <a:schemeClr val="lt1"/>
-          </a:fontRef>
-        </p:style>
-        <p:txBody>
-          <a:bodyPr rtlCol="0" anchor="ctr"/>
-          <a:lstStyle/>
-          <a:p>
-            <a:pPr algn="ctr"/>
-            <a:r>
-              <a:rPr lang="en-US" dirty="0" smtClean="0">
-                <a:solidFill>
-                  <a:srgbClr val="F8F8F8"/>
-                </a:solidFill>
-              </a:rPr>
-              <a:t>display data</a:t>
-            </a:r>
-            <a:endParaRPr lang="en-US" dirty="0">
-              <a:solidFill>
-                <a:srgbClr val="F8F8F8"/>
-              </a:solidFill>
-            </a:endParaRPr>
-          </a:p>
-        </p:txBody>
-      </p:sp>
-      <p:cxnSp>
-        <p:nvCxnSpPr>
-          <p:cNvPr id="23" name="Straight Arrow Connector 22"/>
-          <p:cNvCxnSpPr/>
-          <p:nvPr/>
-        </p:nvCxnSpPr>
-        <p:spPr>
-          <a:xfrm>
-            <a:off x="5430257" y="5300588"/>
-            <a:ext cx="1218407" cy="0"/>
-          </a:xfrm>
-          <a:prstGeom prst="straightConnector1">
-            <a:avLst/>
-          </a:prstGeom>
-          <a:ln w="57150" cmpd="sng">
-            <a:solidFill>
-              <a:schemeClr val="accent2"/>
-            </a:solidFill>
-            <a:headEnd type="none"/>
-            <a:tailEnd type="triangle"/>
-          </a:ln>
-          <a:effectLst/>
-        </p:spPr>
-        <p:style>
-          <a:lnRef idx="2">
-            <a:schemeClr val="accent1"/>
-          </a:lnRef>
-          <a:fillRef idx="0">
-            <a:schemeClr val="accent1"/>
-          </a:fillRef>
-          <a:effectRef idx="1">
-            <a:schemeClr val="accent1"/>
-          </a:effectRef>
-          <a:fontRef idx="minor">
-            <a:schemeClr val="tx1"/>
-          </a:fontRef>
-        </p:style>
-      </p:cxnSp>
-      <p:sp>
-        <p:nvSpPr>
           <p:cNvPr id="20" name="Rectangle 19"/>
           <p:cNvSpPr/>
           <p:nvPr/>
@@ -16444,7 +15315,7 @@
     </p:spTree>
     <p:extLst>
       <p:ext uri="{BB962C8B-B14F-4D97-AF65-F5344CB8AC3E}">
-        <p14:creationId xmlns:p14="http://schemas.microsoft.com/office/powerpoint/2010/main" val="1743989980"/>
+        <p14:creationId xmlns:p14="http://schemas.microsoft.com/office/powerpoint/2010/main" val="4197247014"/>
       </p:ext>
     </p:extLst>
   </p:cSld>
@@ -16496,13 +15367,13 @@
         </p:spPr>
         <p:txBody>
           <a:bodyPr>
-            <a:normAutofit fontScale="90000"/>
+            <a:normAutofit/>
           </a:bodyPr>
           <a:lstStyle/>
           <a:p>
             <a:r>
               <a:rPr lang="en-US" dirty="0" smtClean="0"/>
-              <a:t>Everything you need to visualize MVC: </a:t>
+              <a:t>TODO’s: List</a:t>
             </a:r>
             <a:endParaRPr lang="en-US" dirty="0"/>
           </a:p>
@@ -17706,49 +16577,10 @@
           </a:p>
         </p:txBody>
       </p:sp>
-      <p:cxnSp>
-        <p:nvCxnSpPr>
-          <p:cNvPr id="28" name="Straight Arrow Connector 27"/>
-          <p:cNvCxnSpPr/>
-          <p:nvPr/>
-        </p:nvCxnSpPr>
-        <p:spPr>
-          <a:xfrm flipV="1">
-            <a:off x="8313171" y="3255328"/>
-            <a:ext cx="0" cy="1838566"/>
-          </a:xfrm>
-          <a:prstGeom prst="straightConnector1">
-            <a:avLst/>
-          </a:prstGeom>
-          <a:ln w="57150" cmpd="sng">
-            <a:solidFill>
-              <a:schemeClr val="accent2"/>
-            </a:solidFill>
-            <a:prstDash val="sysDot"/>
-            <a:headEnd type="none"/>
-            <a:tailEnd type="triangle"/>
-          </a:ln>
-          <a:effectLst/>
-        </p:spPr>
-        <p:style>
-          <a:lnRef idx="2">
-            <a:schemeClr val="accent1"/>
-          </a:lnRef>
-          <a:fillRef idx="0">
-            <a:schemeClr val="accent1"/>
-          </a:fillRef>
-          <a:effectRef idx="1">
-            <a:schemeClr val="accent1"/>
-          </a:effectRef>
-          <a:fontRef idx="minor">
-            <a:schemeClr val="tx1"/>
-          </a:fontRef>
-        </p:style>
-      </p:cxnSp>
     </p:spTree>
     <p:extLst>
       <p:ext uri="{BB962C8B-B14F-4D97-AF65-F5344CB8AC3E}">
-        <p14:creationId xmlns:p14="http://schemas.microsoft.com/office/powerpoint/2010/main" val="4269829460"/>
+        <p14:creationId xmlns:p14="http://schemas.microsoft.com/office/powerpoint/2010/main" val="1743989980"/>
       </p:ext>
     </p:extLst>
   </p:cSld>
@@ -17800,13 +16632,13 @@
         </p:spPr>
         <p:txBody>
           <a:bodyPr>
-            <a:normAutofit/>
+            <a:normAutofit fontScale="90000"/>
           </a:bodyPr>
           <a:lstStyle/>
           <a:p>
             <a:r>
-              <a:rPr lang="en-US" sz="3300" dirty="0" smtClean="0"/>
-              <a:t>FIN:</a:t>
+              <a:rPr lang="en-US" dirty="0" smtClean="0"/>
+              <a:t>Everything you need to visualize MVC: </a:t>
             </a:r>
             <a:endParaRPr lang="en-US" dirty="0"/>
           </a:p>
@@ -17835,10 +16667,1224 @@
           </a:p>
         </p:txBody>
       </p:sp>
+      <p:sp>
+        <p:nvSpPr>
+          <p:cNvPr id="4" name="Rectangle 3"/>
+          <p:cNvSpPr/>
+          <p:nvPr/>
+        </p:nvSpPr>
+        <p:spPr>
+          <a:xfrm>
+            <a:off x="512064" y="2723877"/>
+            <a:ext cx="2150017" cy="3058909"/>
+          </a:xfrm>
+          <a:prstGeom prst="rect">
+            <a:avLst/>
+          </a:prstGeom>
+          <a:solidFill>
+            <a:srgbClr val="00A9B9"/>
+          </a:solidFill>
+          <a:ln>
+            <a:noFill/>
+          </a:ln>
+          <a:effectLst/>
+        </p:spPr>
+        <p:style>
+          <a:lnRef idx="1">
+            <a:schemeClr val="accent1"/>
+          </a:lnRef>
+          <a:fillRef idx="3">
+            <a:schemeClr val="accent1"/>
+          </a:fillRef>
+          <a:effectRef idx="2">
+            <a:schemeClr val="accent1"/>
+          </a:effectRef>
+          <a:fontRef idx="minor">
+            <a:schemeClr val="lt1"/>
+          </a:fontRef>
+        </p:style>
+        <p:txBody>
+          <a:bodyPr rtlCol="0" anchor="t"/>
+          <a:lstStyle/>
+          <a:p>
+            <a:endParaRPr lang="en-US" sz="2200" dirty="0">
+              <a:solidFill>
+                <a:schemeClr val="accent1"/>
+              </a:solidFill>
+            </a:endParaRPr>
+          </a:p>
+          <a:p>
+            <a:pPr marL="111125"/>
+            <a:endParaRPr lang="en-US" sz="2200" dirty="0" smtClean="0">
+              <a:solidFill>
+                <a:schemeClr val="accent1"/>
+              </a:solidFill>
+            </a:endParaRPr>
+          </a:p>
+        </p:txBody>
+      </p:sp>
+      <p:sp>
+        <p:nvSpPr>
+          <p:cNvPr id="5" name="Rectangle 4"/>
+          <p:cNvSpPr/>
+          <p:nvPr/>
+        </p:nvSpPr>
+        <p:spPr>
+          <a:xfrm>
+            <a:off x="3493911" y="2668662"/>
+            <a:ext cx="2150017" cy="3058909"/>
+          </a:xfrm>
+          <a:prstGeom prst="rect">
+            <a:avLst/>
+          </a:prstGeom>
+          <a:solidFill>
+            <a:srgbClr val="EA4A3C"/>
+          </a:solidFill>
+          <a:ln>
+            <a:noFill/>
+          </a:ln>
+          <a:effectLst/>
+        </p:spPr>
+        <p:style>
+          <a:lnRef idx="1">
+            <a:schemeClr val="accent1"/>
+          </a:lnRef>
+          <a:fillRef idx="3">
+            <a:schemeClr val="accent1"/>
+          </a:fillRef>
+          <a:effectRef idx="2">
+            <a:schemeClr val="accent1"/>
+          </a:effectRef>
+          <a:fontRef idx="minor">
+            <a:schemeClr val="lt1"/>
+          </a:fontRef>
+        </p:style>
+        <p:txBody>
+          <a:bodyPr rtlCol="0" anchor="t"/>
+          <a:lstStyle/>
+          <a:p>
+            <a:pPr marL="111125"/>
+            <a:endParaRPr lang="en-US" sz="2200" dirty="0" smtClean="0">
+              <a:solidFill>
+                <a:srgbClr val="F8F8F8"/>
+              </a:solidFill>
+            </a:endParaRPr>
+          </a:p>
+          <a:p>
+            <a:pPr marL="111125"/>
+            <a:endParaRPr lang="en-US" sz="2200" dirty="0" smtClean="0">
+              <a:solidFill>
+                <a:srgbClr val="F8F8F8"/>
+              </a:solidFill>
+            </a:endParaRPr>
+          </a:p>
+        </p:txBody>
+      </p:sp>
+      <p:sp>
+        <p:nvSpPr>
+          <p:cNvPr id="6" name="Rectangle 5"/>
+          <p:cNvSpPr/>
+          <p:nvPr/>
+        </p:nvSpPr>
+        <p:spPr>
+          <a:xfrm>
+            <a:off x="6536783" y="2723877"/>
+            <a:ext cx="2150017" cy="3058909"/>
+          </a:xfrm>
+          <a:prstGeom prst="rect">
+            <a:avLst/>
+          </a:prstGeom>
+          <a:solidFill>
+            <a:schemeClr val="accent6"/>
+          </a:solidFill>
+          <a:ln>
+            <a:noFill/>
+          </a:ln>
+          <a:effectLst/>
+        </p:spPr>
+        <p:style>
+          <a:lnRef idx="1">
+            <a:schemeClr val="accent1"/>
+          </a:lnRef>
+          <a:fillRef idx="3">
+            <a:schemeClr val="accent1"/>
+          </a:fillRef>
+          <a:effectRef idx="2">
+            <a:schemeClr val="accent1"/>
+          </a:effectRef>
+          <a:fontRef idx="minor">
+            <a:schemeClr val="lt1"/>
+          </a:fontRef>
+        </p:style>
+        <p:txBody>
+          <a:bodyPr rtlCol="0" anchor="t"/>
+          <a:lstStyle/>
+          <a:p>
+            <a:pPr marL="111125"/>
+            <a:endParaRPr lang="en-US" sz="2200" dirty="0" smtClean="0">
+              <a:solidFill>
+                <a:srgbClr val="F8F8F8"/>
+              </a:solidFill>
+            </a:endParaRPr>
+          </a:p>
+          <a:p>
+            <a:pPr marL="111125"/>
+            <a:endParaRPr lang="en-US" sz="2200" dirty="0" smtClean="0">
+              <a:solidFill>
+                <a:srgbClr val="F8F8F8"/>
+              </a:solidFill>
+            </a:endParaRPr>
+          </a:p>
+        </p:txBody>
+      </p:sp>
+      <p:sp>
+        <p:nvSpPr>
+          <p:cNvPr id="8" name="TextBox 7"/>
+          <p:cNvSpPr txBox="1"/>
+          <p:nvPr/>
+        </p:nvSpPr>
+        <p:spPr>
+          <a:xfrm>
+            <a:off x="457200" y="1865376"/>
+            <a:ext cx="2204881" cy="584776"/>
+          </a:xfrm>
+          <a:prstGeom prst="rect">
+            <a:avLst/>
+          </a:prstGeom>
+          <a:noFill/>
+        </p:spPr>
+        <p:txBody>
+          <a:bodyPr wrap="square" rtlCol="0">
+            <a:spAutoFit/>
+          </a:bodyPr>
+          <a:lstStyle/>
+          <a:p>
+            <a:pPr algn="ctr"/>
+            <a:r>
+              <a:rPr lang="en-US" sz="3200" dirty="0" smtClean="0"/>
+              <a:t>Model</a:t>
+            </a:r>
+            <a:endParaRPr lang="en-US" sz="3200" dirty="0"/>
+          </a:p>
+        </p:txBody>
+      </p:sp>
+      <p:sp>
+        <p:nvSpPr>
+          <p:cNvPr id="10" name="TextBox 9"/>
+          <p:cNvSpPr txBox="1"/>
+          <p:nvPr/>
+        </p:nvSpPr>
+        <p:spPr>
+          <a:xfrm>
+            <a:off x="3493911" y="1865376"/>
+            <a:ext cx="2204881" cy="584776"/>
+          </a:xfrm>
+          <a:prstGeom prst="rect">
+            <a:avLst/>
+          </a:prstGeom>
+          <a:noFill/>
+        </p:spPr>
+        <p:txBody>
+          <a:bodyPr wrap="square" rtlCol="0">
+            <a:spAutoFit/>
+          </a:bodyPr>
+          <a:lstStyle/>
+          <a:p>
+            <a:pPr algn="ctr"/>
+            <a:r>
+              <a:rPr lang="en-US" sz="3200" dirty="0" smtClean="0"/>
+              <a:t>Controller</a:t>
+            </a:r>
+            <a:endParaRPr lang="en-US" sz="3200" dirty="0"/>
+          </a:p>
+        </p:txBody>
+      </p:sp>
+      <p:sp>
+        <p:nvSpPr>
+          <p:cNvPr id="11" name="TextBox 10"/>
+          <p:cNvSpPr txBox="1"/>
+          <p:nvPr/>
+        </p:nvSpPr>
+        <p:spPr>
+          <a:xfrm>
+            <a:off x="6536783" y="1865376"/>
+            <a:ext cx="2204881" cy="584776"/>
+          </a:xfrm>
+          <a:prstGeom prst="rect">
+            <a:avLst/>
+          </a:prstGeom>
+          <a:noFill/>
+        </p:spPr>
+        <p:txBody>
+          <a:bodyPr wrap="square" rtlCol="0">
+            <a:spAutoFit/>
+          </a:bodyPr>
+          <a:lstStyle/>
+          <a:p>
+            <a:pPr algn="ctr"/>
+            <a:r>
+              <a:rPr lang="en-US" sz="3200" dirty="0" smtClean="0"/>
+              <a:t>View</a:t>
+            </a:r>
+            <a:endParaRPr lang="en-US" sz="3200" dirty="0"/>
+          </a:p>
+        </p:txBody>
+      </p:sp>
+      <p:cxnSp>
+        <p:nvCxnSpPr>
+          <p:cNvPr id="12" name="Straight Arrow Connector 11"/>
+          <p:cNvCxnSpPr>
+            <a:stCxn id="7" idx="1"/>
+          </p:cNvCxnSpPr>
+          <p:nvPr/>
+        </p:nvCxnSpPr>
+        <p:spPr>
+          <a:xfrm flipH="1">
+            <a:off x="5537200" y="3732192"/>
+            <a:ext cx="1218407" cy="0"/>
+          </a:xfrm>
+          <a:prstGeom prst="straightConnector1">
+            <a:avLst/>
+          </a:prstGeom>
+          <a:ln w="57150" cmpd="sng">
+            <a:solidFill>
+              <a:schemeClr val="accent2"/>
+            </a:solidFill>
+            <a:headEnd type="none"/>
+            <a:tailEnd type="triangle"/>
+          </a:ln>
+          <a:effectLst/>
+        </p:spPr>
+        <p:style>
+          <a:lnRef idx="2">
+            <a:schemeClr val="accent1"/>
+          </a:lnRef>
+          <a:fillRef idx="0">
+            <a:schemeClr val="accent1"/>
+          </a:fillRef>
+          <a:effectRef idx="1">
+            <a:schemeClr val="accent1"/>
+          </a:effectRef>
+          <a:fontRef idx="minor">
+            <a:schemeClr val="tx1"/>
+          </a:fontRef>
+        </p:style>
+      </p:cxnSp>
+      <p:sp>
+        <p:nvSpPr>
+          <p:cNvPr id="7" name="Rectangle 6"/>
+          <p:cNvSpPr/>
+          <p:nvPr/>
+        </p:nvSpPr>
+        <p:spPr>
+          <a:xfrm>
+            <a:off x="6755607" y="3533858"/>
+            <a:ext cx="1730320" cy="396667"/>
+          </a:xfrm>
+          <a:prstGeom prst="rect">
+            <a:avLst/>
+          </a:prstGeom>
+          <a:solidFill>
+            <a:schemeClr val="accent6"/>
+          </a:solidFill>
+          <a:ln w="28575" cmpd="sng">
+            <a:solidFill>
+              <a:schemeClr val="accent1"/>
+            </a:solidFill>
+          </a:ln>
+          <a:effectLst/>
+        </p:spPr>
+        <p:style>
+          <a:lnRef idx="1">
+            <a:schemeClr val="accent1"/>
+          </a:lnRef>
+          <a:fillRef idx="3">
+            <a:schemeClr val="accent1"/>
+          </a:fillRef>
+          <a:effectRef idx="2">
+            <a:schemeClr val="accent1"/>
+          </a:effectRef>
+          <a:fontRef idx="minor">
+            <a:schemeClr val="lt1"/>
+          </a:fontRef>
+        </p:style>
+        <p:txBody>
+          <a:bodyPr rtlCol="0" anchor="ctr"/>
+          <a:lstStyle/>
+          <a:p>
+            <a:pPr algn="ctr"/>
+            <a:r>
+              <a:rPr lang="en-US" dirty="0" smtClean="0">
+                <a:solidFill>
+                  <a:srgbClr val="F8F8F8"/>
+                </a:solidFill>
+              </a:rPr>
+              <a:t>send input</a:t>
+            </a:r>
+            <a:endParaRPr lang="en-US" dirty="0">
+              <a:solidFill>
+                <a:srgbClr val="F8F8F8"/>
+              </a:solidFill>
+            </a:endParaRPr>
+          </a:p>
+        </p:txBody>
+      </p:sp>
+      <p:cxnSp>
+        <p:nvCxnSpPr>
+          <p:cNvPr id="15" name="Straight Arrow Connector 14"/>
+          <p:cNvCxnSpPr/>
+          <p:nvPr/>
+        </p:nvCxnSpPr>
+        <p:spPr>
+          <a:xfrm>
+            <a:off x="4565097" y="3673683"/>
+            <a:ext cx="0" cy="614240"/>
+          </a:xfrm>
+          <a:prstGeom prst="straightConnector1">
+            <a:avLst/>
+          </a:prstGeom>
+          <a:ln w="57150" cmpd="sng">
+            <a:solidFill>
+              <a:schemeClr val="accent2"/>
+            </a:solidFill>
+            <a:headEnd type="none"/>
+            <a:tailEnd type="triangle"/>
+          </a:ln>
+          <a:effectLst/>
+        </p:spPr>
+        <p:style>
+          <a:lnRef idx="2">
+            <a:schemeClr val="accent1"/>
+          </a:lnRef>
+          <a:fillRef idx="0">
+            <a:schemeClr val="accent1"/>
+          </a:fillRef>
+          <a:effectRef idx="1">
+            <a:schemeClr val="accent1"/>
+          </a:effectRef>
+          <a:fontRef idx="minor">
+            <a:schemeClr val="tx1"/>
+          </a:fontRef>
+        </p:style>
+      </p:cxnSp>
+      <p:sp>
+        <p:nvSpPr>
+          <p:cNvPr id="13" name="Rectangle 12"/>
+          <p:cNvSpPr/>
+          <p:nvPr/>
+        </p:nvSpPr>
+        <p:spPr>
+          <a:xfrm>
+            <a:off x="3699937" y="3533858"/>
+            <a:ext cx="1730320" cy="396667"/>
+          </a:xfrm>
+          <a:prstGeom prst="rect">
+            <a:avLst/>
+          </a:prstGeom>
+          <a:solidFill>
+            <a:schemeClr val="accent4"/>
+          </a:solidFill>
+          <a:ln w="28575" cmpd="sng">
+            <a:solidFill>
+              <a:schemeClr val="accent1"/>
+            </a:solidFill>
+          </a:ln>
+          <a:effectLst/>
+        </p:spPr>
+        <p:style>
+          <a:lnRef idx="1">
+            <a:schemeClr val="accent1"/>
+          </a:lnRef>
+          <a:fillRef idx="3">
+            <a:schemeClr val="accent1"/>
+          </a:fillRef>
+          <a:effectRef idx="2">
+            <a:schemeClr val="accent1"/>
+          </a:effectRef>
+          <a:fontRef idx="minor">
+            <a:schemeClr val="lt1"/>
+          </a:fontRef>
+        </p:style>
+        <p:txBody>
+          <a:bodyPr rtlCol="0" anchor="ctr"/>
+          <a:lstStyle/>
+          <a:p>
+            <a:pPr algn="ctr"/>
+            <a:r>
+              <a:rPr lang="en-US" dirty="0" smtClean="0">
+                <a:solidFill>
+                  <a:srgbClr val="F8F8F8"/>
+                </a:solidFill>
+              </a:rPr>
+              <a:t>interpret input</a:t>
+            </a:r>
+            <a:endParaRPr lang="en-US" dirty="0">
+              <a:solidFill>
+                <a:srgbClr val="F8F8F8"/>
+              </a:solidFill>
+            </a:endParaRPr>
+          </a:p>
+        </p:txBody>
+      </p:sp>
+      <p:cxnSp>
+        <p:nvCxnSpPr>
+          <p:cNvPr id="17" name="Straight Arrow Connector 16"/>
+          <p:cNvCxnSpPr/>
+          <p:nvPr/>
+        </p:nvCxnSpPr>
+        <p:spPr>
+          <a:xfrm flipH="1">
+            <a:off x="2445133" y="4494636"/>
+            <a:ext cx="1218407" cy="0"/>
+          </a:xfrm>
+          <a:prstGeom prst="straightConnector1">
+            <a:avLst/>
+          </a:prstGeom>
+          <a:ln w="57150" cmpd="sng">
+            <a:solidFill>
+              <a:schemeClr val="accent2"/>
+            </a:solidFill>
+            <a:headEnd type="none"/>
+            <a:tailEnd type="triangle"/>
+          </a:ln>
+          <a:effectLst/>
+        </p:spPr>
+        <p:style>
+          <a:lnRef idx="2">
+            <a:schemeClr val="accent1"/>
+          </a:lnRef>
+          <a:fillRef idx="0">
+            <a:schemeClr val="accent1"/>
+          </a:fillRef>
+          <a:effectRef idx="1">
+            <a:schemeClr val="accent1"/>
+          </a:effectRef>
+          <a:fontRef idx="minor">
+            <a:schemeClr val="tx1"/>
+          </a:fontRef>
+        </p:style>
+      </p:cxnSp>
+      <p:sp>
+        <p:nvSpPr>
+          <p:cNvPr id="14" name="Rectangle 13"/>
+          <p:cNvSpPr/>
+          <p:nvPr/>
+        </p:nvSpPr>
+        <p:spPr>
+          <a:xfrm>
+            <a:off x="3699937" y="4285338"/>
+            <a:ext cx="1730320" cy="396667"/>
+          </a:xfrm>
+          <a:prstGeom prst="rect">
+            <a:avLst/>
+          </a:prstGeom>
+          <a:solidFill>
+            <a:schemeClr val="accent4"/>
+          </a:solidFill>
+          <a:ln w="28575" cmpd="sng">
+            <a:solidFill>
+              <a:schemeClr val="accent1"/>
+            </a:solidFill>
+          </a:ln>
+          <a:effectLst/>
+        </p:spPr>
+        <p:style>
+          <a:lnRef idx="1">
+            <a:schemeClr val="accent1"/>
+          </a:lnRef>
+          <a:fillRef idx="3">
+            <a:schemeClr val="accent1"/>
+          </a:fillRef>
+          <a:effectRef idx="2">
+            <a:schemeClr val="accent1"/>
+          </a:effectRef>
+          <a:fontRef idx="minor">
+            <a:schemeClr val="lt1"/>
+          </a:fontRef>
+        </p:style>
+        <p:txBody>
+          <a:bodyPr rtlCol="0" anchor="ctr"/>
+          <a:lstStyle/>
+          <a:p>
+            <a:pPr algn="ctr"/>
+            <a:r>
+              <a:rPr lang="en-US" dirty="0" smtClean="0">
+                <a:solidFill>
+                  <a:srgbClr val="F8F8F8"/>
+                </a:solidFill>
+              </a:rPr>
+              <a:t>request data</a:t>
+            </a:r>
+            <a:endParaRPr lang="en-US" dirty="0">
+              <a:solidFill>
+                <a:srgbClr val="F8F8F8"/>
+              </a:solidFill>
+            </a:endParaRPr>
+          </a:p>
+        </p:txBody>
+      </p:sp>
+      <p:cxnSp>
+        <p:nvCxnSpPr>
+          <p:cNvPr id="19" name="Straight Arrow Connector 18"/>
+          <p:cNvCxnSpPr/>
+          <p:nvPr/>
+        </p:nvCxnSpPr>
+        <p:spPr>
+          <a:xfrm>
+            <a:off x="1567897" y="4410894"/>
+            <a:ext cx="0" cy="614240"/>
+          </a:xfrm>
+          <a:prstGeom prst="straightConnector1">
+            <a:avLst/>
+          </a:prstGeom>
+          <a:ln w="57150" cmpd="sng">
+            <a:solidFill>
+              <a:schemeClr val="accent2"/>
+            </a:solidFill>
+            <a:headEnd type="none"/>
+            <a:tailEnd type="triangle"/>
+          </a:ln>
+          <a:effectLst/>
+        </p:spPr>
+        <p:style>
+          <a:lnRef idx="2">
+            <a:schemeClr val="accent1"/>
+          </a:lnRef>
+          <a:fillRef idx="0">
+            <a:schemeClr val="accent1"/>
+          </a:fillRef>
+          <a:effectRef idx="1">
+            <a:schemeClr val="accent1"/>
+          </a:effectRef>
+          <a:fontRef idx="minor">
+            <a:schemeClr val="tx1"/>
+          </a:fontRef>
+        </p:style>
+      </p:cxnSp>
+      <p:sp>
+        <p:nvSpPr>
+          <p:cNvPr id="16" name="Rectangle 15"/>
+          <p:cNvSpPr/>
+          <p:nvPr/>
+        </p:nvSpPr>
+        <p:spPr>
+          <a:xfrm>
+            <a:off x="702737" y="4285338"/>
+            <a:ext cx="1730320" cy="396667"/>
+          </a:xfrm>
+          <a:prstGeom prst="rect">
+            <a:avLst/>
+          </a:prstGeom>
+          <a:solidFill>
+            <a:schemeClr val="accent5"/>
+          </a:solidFill>
+          <a:ln w="28575" cmpd="sng">
+            <a:solidFill>
+              <a:schemeClr val="accent1"/>
+            </a:solidFill>
+          </a:ln>
+          <a:effectLst/>
+        </p:spPr>
+        <p:style>
+          <a:lnRef idx="1">
+            <a:schemeClr val="accent1"/>
+          </a:lnRef>
+          <a:fillRef idx="3">
+            <a:schemeClr val="accent1"/>
+          </a:fillRef>
+          <a:effectRef idx="2">
+            <a:schemeClr val="accent1"/>
+          </a:effectRef>
+          <a:fontRef idx="minor">
+            <a:schemeClr val="lt1"/>
+          </a:fontRef>
+        </p:style>
+        <p:txBody>
+          <a:bodyPr rtlCol="0" anchor="ctr"/>
+          <a:lstStyle/>
+          <a:p>
+            <a:pPr algn="ctr"/>
+            <a:r>
+              <a:rPr lang="en-US" dirty="0" smtClean="0">
+                <a:solidFill>
+                  <a:srgbClr val="F8F8F8"/>
+                </a:solidFill>
+              </a:rPr>
+              <a:t>gather data</a:t>
+            </a:r>
+            <a:endParaRPr lang="en-US" dirty="0">
+              <a:solidFill>
+                <a:srgbClr val="F8F8F8"/>
+              </a:solidFill>
+            </a:endParaRPr>
+          </a:p>
+        </p:txBody>
+      </p:sp>
+      <p:cxnSp>
+        <p:nvCxnSpPr>
+          <p:cNvPr id="21" name="Straight Arrow Connector 20"/>
+          <p:cNvCxnSpPr/>
+          <p:nvPr/>
+        </p:nvCxnSpPr>
+        <p:spPr>
+          <a:xfrm>
+            <a:off x="2382257" y="5300588"/>
+            <a:ext cx="1218407" cy="0"/>
+          </a:xfrm>
+          <a:prstGeom prst="straightConnector1">
+            <a:avLst/>
+          </a:prstGeom>
+          <a:ln w="57150" cmpd="sng">
+            <a:solidFill>
+              <a:schemeClr val="accent2"/>
+            </a:solidFill>
+            <a:headEnd type="none"/>
+            <a:tailEnd type="triangle"/>
+          </a:ln>
+          <a:effectLst/>
+        </p:spPr>
+        <p:style>
+          <a:lnRef idx="2">
+            <a:schemeClr val="accent1"/>
+          </a:lnRef>
+          <a:fillRef idx="0">
+            <a:schemeClr val="accent1"/>
+          </a:fillRef>
+          <a:effectRef idx="1">
+            <a:schemeClr val="accent1"/>
+          </a:effectRef>
+          <a:fontRef idx="minor">
+            <a:schemeClr val="tx1"/>
+          </a:fontRef>
+        </p:style>
+      </p:cxnSp>
+      <p:sp>
+        <p:nvSpPr>
+          <p:cNvPr id="18" name="Rectangle 17"/>
+          <p:cNvSpPr/>
+          <p:nvPr/>
+        </p:nvSpPr>
+        <p:spPr>
+          <a:xfrm>
+            <a:off x="702737" y="5093893"/>
+            <a:ext cx="1730320" cy="396667"/>
+          </a:xfrm>
+          <a:prstGeom prst="rect">
+            <a:avLst/>
+          </a:prstGeom>
+          <a:solidFill>
+            <a:schemeClr val="accent5"/>
+          </a:solidFill>
+          <a:ln w="28575" cmpd="sng">
+            <a:solidFill>
+              <a:schemeClr val="accent1"/>
+            </a:solidFill>
+          </a:ln>
+          <a:effectLst/>
+        </p:spPr>
+        <p:style>
+          <a:lnRef idx="1">
+            <a:schemeClr val="accent1"/>
+          </a:lnRef>
+          <a:fillRef idx="3">
+            <a:schemeClr val="accent1"/>
+          </a:fillRef>
+          <a:effectRef idx="2">
+            <a:schemeClr val="accent1"/>
+          </a:effectRef>
+          <a:fontRef idx="minor">
+            <a:schemeClr val="lt1"/>
+          </a:fontRef>
+        </p:style>
+        <p:txBody>
+          <a:bodyPr rtlCol="0" anchor="ctr"/>
+          <a:lstStyle/>
+          <a:p>
+            <a:pPr algn="ctr"/>
+            <a:r>
+              <a:rPr lang="en-US" dirty="0" smtClean="0">
+                <a:solidFill>
+                  <a:srgbClr val="F8F8F8"/>
+                </a:solidFill>
+              </a:rPr>
+              <a:t>return data</a:t>
+            </a:r>
+            <a:endParaRPr lang="en-US" dirty="0">
+              <a:solidFill>
+                <a:srgbClr val="F8F8F8"/>
+              </a:solidFill>
+            </a:endParaRPr>
+          </a:p>
+        </p:txBody>
+      </p:sp>
+      <p:sp>
+        <p:nvSpPr>
+          <p:cNvPr id="22" name="Rectangle 21"/>
+          <p:cNvSpPr/>
+          <p:nvPr/>
+        </p:nvSpPr>
+        <p:spPr>
+          <a:xfrm>
+            <a:off x="6755607" y="5102254"/>
+            <a:ext cx="1730320" cy="396667"/>
+          </a:xfrm>
+          <a:prstGeom prst="rect">
+            <a:avLst/>
+          </a:prstGeom>
+          <a:solidFill>
+            <a:schemeClr val="accent6"/>
+          </a:solidFill>
+          <a:ln w="28575" cmpd="sng">
+            <a:solidFill>
+              <a:schemeClr val="accent1"/>
+            </a:solidFill>
+          </a:ln>
+          <a:effectLst/>
+        </p:spPr>
+        <p:style>
+          <a:lnRef idx="1">
+            <a:schemeClr val="accent1"/>
+          </a:lnRef>
+          <a:fillRef idx="3">
+            <a:schemeClr val="accent1"/>
+          </a:fillRef>
+          <a:effectRef idx="2">
+            <a:schemeClr val="accent1"/>
+          </a:effectRef>
+          <a:fontRef idx="minor">
+            <a:schemeClr val="lt1"/>
+          </a:fontRef>
+        </p:style>
+        <p:txBody>
+          <a:bodyPr rtlCol="0" anchor="ctr"/>
+          <a:lstStyle/>
+          <a:p>
+            <a:pPr algn="ctr"/>
+            <a:r>
+              <a:rPr lang="en-US" dirty="0" smtClean="0">
+                <a:solidFill>
+                  <a:srgbClr val="F8F8F8"/>
+                </a:solidFill>
+              </a:rPr>
+              <a:t>display data</a:t>
+            </a:r>
+            <a:endParaRPr lang="en-US" dirty="0">
+              <a:solidFill>
+                <a:srgbClr val="F8F8F8"/>
+              </a:solidFill>
+            </a:endParaRPr>
+          </a:p>
+        </p:txBody>
+      </p:sp>
+      <p:cxnSp>
+        <p:nvCxnSpPr>
+          <p:cNvPr id="23" name="Straight Arrow Connector 22"/>
+          <p:cNvCxnSpPr/>
+          <p:nvPr/>
+        </p:nvCxnSpPr>
+        <p:spPr>
+          <a:xfrm>
+            <a:off x="5430257" y="5300588"/>
+            <a:ext cx="1218407" cy="0"/>
+          </a:xfrm>
+          <a:prstGeom prst="straightConnector1">
+            <a:avLst/>
+          </a:prstGeom>
+          <a:ln w="57150" cmpd="sng">
+            <a:solidFill>
+              <a:schemeClr val="accent2"/>
+            </a:solidFill>
+            <a:headEnd type="none"/>
+            <a:tailEnd type="triangle"/>
+          </a:ln>
+          <a:effectLst/>
+        </p:spPr>
+        <p:style>
+          <a:lnRef idx="2">
+            <a:schemeClr val="accent1"/>
+          </a:lnRef>
+          <a:fillRef idx="0">
+            <a:schemeClr val="accent1"/>
+          </a:fillRef>
+          <a:effectRef idx="1">
+            <a:schemeClr val="accent1"/>
+          </a:effectRef>
+          <a:fontRef idx="minor">
+            <a:schemeClr val="tx1"/>
+          </a:fontRef>
+        </p:style>
+      </p:cxnSp>
+      <p:sp>
+        <p:nvSpPr>
+          <p:cNvPr id="20" name="Rectangle 19"/>
+          <p:cNvSpPr/>
+          <p:nvPr/>
+        </p:nvSpPr>
+        <p:spPr>
+          <a:xfrm>
+            <a:off x="3699937" y="5093893"/>
+            <a:ext cx="1730320" cy="396667"/>
+          </a:xfrm>
+          <a:prstGeom prst="rect">
+            <a:avLst/>
+          </a:prstGeom>
+          <a:solidFill>
+            <a:schemeClr val="accent4"/>
+          </a:solidFill>
+          <a:ln w="28575" cmpd="sng">
+            <a:solidFill>
+              <a:schemeClr val="accent1"/>
+            </a:solidFill>
+          </a:ln>
+          <a:effectLst/>
+        </p:spPr>
+        <p:style>
+          <a:lnRef idx="1">
+            <a:schemeClr val="accent1"/>
+          </a:lnRef>
+          <a:fillRef idx="3">
+            <a:schemeClr val="accent1"/>
+          </a:fillRef>
+          <a:effectRef idx="2">
+            <a:schemeClr val="accent1"/>
+          </a:effectRef>
+          <a:fontRef idx="minor">
+            <a:schemeClr val="lt1"/>
+          </a:fontRef>
+        </p:style>
+        <p:txBody>
+          <a:bodyPr rtlCol="0" anchor="ctr"/>
+          <a:lstStyle/>
+          <a:p>
+            <a:pPr algn="ctr"/>
+            <a:r>
+              <a:rPr lang="en-US" dirty="0" smtClean="0">
+                <a:solidFill>
+                  <a:srgbClr val="F8F8F8"/>
+                </a:solidFill>
+              </a:rPr>
+              <a:t>forward data</a:t>
+            </a:r>
+            <a:endParaRPr lang="en-US" dirty="0">
+              <a:solidFill>
+                <a:srgbClr val="F8F8F8"/>
+              </a:solidFill>
+            </a:endParaRPr>
+          </a:p>
+        </p:txBody>
+      </p:sp>
+      <p:cxnSp>
+        <p:nvCxnSpPr>
+          <p:cNvPr id="24" name="Straight Arrow Connector 23"/>
+          <p:cNvCxnSpPr/>
+          <p:nvPr/>
+        </p:nvCxnSpPr>
+        <p:spPr>
+          <a:xfrm>
+            <a:off x="5430257" y="3056995"/>
+            <a:ext cx="1325350" cy="0"/>
+          </a:xfrm>
+          <a:prstGeom prst="straightConnector1">
+            <a:avLst/>
+          </a:prstGeom>
+          <a:ln w="57150" cmpd="sng">
+            <a:solidFill>
+              <a:schemeClr val="accent2"/>
+            </a:solidFill>
+            <a:headEnd type="none"/>
+            <a:tailEnd type="triangle"/>
+          </a:ln>
+          <a:effectLst/>
+        </p:spPr>
+        <p:style>
+          <a:lnRef idx="2">
+            <a:schemeClr val="accent1"/>
+          </a:lnRef>
+          <a:fillRef idx="0">
+            <a:schemeClr val="accent1"/>
+          </a:fillRef>
+          <a:effectRef idx="1">
+            <a:schemeClr val="accent1"/>
+          </a:effectRef>
+          <a:fontRef idx="minor">
+            <a:schemeClr val="tx1"/>
+          </a:fontRef>
+        </p:style>
+      </p:cxnSp>
+      <p:cxnSp>
+        <p:nvCxnSpPr>
+          <p:cNvPr id="26" name="Straight Arrow Connector 25"/>
+          <p:cNvCxnSpPr/>
+          <p:nvPr/>
+        </p:nvCxnSpPr>
+        <p:spPr>
+          <a:xfrm>
+            <a:off x="7619091" y="2941410"/>
+            <a:ext cx="0" cy="614240"/>
+          </a:xfrm>
+          <a:prstGeom prst="straightConnector1">
+            <a:avLst/>
+          </a:prstGeom>
+          <a:ln w="57150" cmpd="sng">
+            <a:solidFill>
+              <a:schemeClr val="accent2"/>
+            </a:solidFill>
+            <a:headEnd type="none"/>
+            <a:tailEnd type="triangle"/>
+          </a:ln>
+          <a:effectLst/>
+        </p:spPr>
+        <p:style>
+          <a:lnRef idx="2">
+            <a:schemeClr val="accent1"/>
+          </a:lnRef>
+          <a:fillRef idx="0">
+            <a:schemeClr val="accent1"/>
+          </a:fillRef>
+          <a:effectRef idx="1">
+            <a:schemeClr val="accent1"/>
+          </a:effectRef>
+          <a:fontRef idx="minor">
+            <a:schemeClr val="tx1"/>
+          </a:fontRef>
+        </p:style>
+      </p:cxnSp>
+      <p:sp>
+        <p:nvSpPr>
+          <p:cNvPr id="25" name="Rectangle 24"/>
+          <p:cNvSpPr/>
+          <p:nvPr/>
+        </p:nvSpPr>
+        <p:spPr>
+          <a:xfrm>
+            <a:off x="6755607" y="2858661"/>
+            <a:ext cx="1730320" cy="396667"/>
+          </a:xfrm>
+          <a:prstGeom prst="rect">
+            <a:avLst/>
+          </a:prstGeom>
+          <a:solidFill>
+            <a:schemeClr val="accent6"/>
+          </a:solidFill>
+          <a:ln w="28575" cmpd="sng">
+            <a:solidFill>
+              <a:schemeClr val="accent1"/>
+            </a:solidFill>
+          </a:ln>
+          <a:effectLst/>
+        </p:spPr>
+        <p:style>
+          <a:lnRef idx="1">
+            <a:schemeClr val="accent1"/>
+          </a:lnRef>
+          <a:fillRef idx="3">
+            <a:schemeClr val="accent1"/>
+          </a:fillRef>
+          <a:effectRef idx="2">
+            <a:schemeClr val="accent1"/>
+          </a:effectRef>
+          <a:fontRef idx="minor">
+            <a:schemeClr val="lt1"/>
+          </a:fontRef>
+        </p:style>
+        <p:txBody>
+          <a:bodyPr rtlCol="0" anchor="ctr"/>
+          <a:lstStyle/>
+          <a:p>
+            <a:pPr algn="ctr"/>
+            <a:r>
+              <a:rPr lang="en-US" dirty="0">
+                <a:solidFill>
+                  <a:srgbClr val="F8F8F8"/>
+                </a:solidFill>
+              </a:rPr>
+              <a:t>p</a:t>
+            </a:r>
+            <a:r>
+              <a:rPr lang="en-US" dirty="0" smtClean="0">
+                <a:solidFill>
+                  <a:srgbClr val="F8F8F8"/>
+                </a:solidFill>
+              </a:rPr>
+              <a:t>rompt user</a:t>
+            </a:r>
+            <a:endParaRPr lang="en-US" dirty="0">
+              <a:solidFill>
+                <a:srgbClr val="F8F8F8"/>
+              </a:solidFill>
+            </a:endParaRPr>
+          </a:p>
+        </p:txBody>
+      </p:sp>
+      <p:sp>
+        <p:nvSpPr>
+          <p:cNvPr id="27" name="Rectangle 26"/>
+          <p:cNvSpPr/>
+          <p:nvPr/>
+        </p:nvSpPr>
+        <p:spPr>
+          <a:xfrm>
+            <a:off x="3699937" y="2858661"/>
+            <a:ext cx="1730320" cy="396667"/>
+          </a:xfrm>
+          <a:prstGeom prst="rect">
+            <a:avLst/>
+          </a:prstGeom>
+          <a:solidFill>
+            <a:schemeClr val="accent4"/>
+          </a:solidFill>
+          <a:ln w="28575" cmpd="sng">
+            <a:solidFill>
+              <a:schemeClr val="accent1"/>
+            </a:solidFill>
+          </a:ln>
+          <a:effectLst/>
+        </p:spPr>
+        <p:style>
+          <a:lnRef idx="1">
+            <a:schemeClr val="accent1"/>
+          </a:lnRef>
+          <a:fillRef idx="3">
+            <a:schemeClr val="accent1"/>
+          </a:fillRef>
+          <a:effectRef idx="2">
+            <a:schemeClr val="accent1"/>
+          </a:effectRef>
+          <a:fontRef idx="minor">
+            <a:schemeClr val="lt1"/>
+          </a:fontRef>
+        </p:style>
+        <p:txBody>
+          <a:bodyPr rtlCol="0" anchor="ctr"/>
+          <a:lstStyle/>
+          <a:p>
+            <a:pPr algn="ctr"/>
+            <a:r>
+              <a:rPr lang="en-US" dirty="0" smtClean="0">
+                <a:solidFill>
+                  <a:srgbClr val="F8F8F8"/>
+                </a:solidFill>
+              </a:rPr>
+              <a:t>Initiate Program</a:t>
+            </a:r>
+            <a:endParaRPr lang="en-US" dirty="0">
+              <a:solidFill>
+                <a:srgbClr val="F8F8F8"/>
+              </a:solidFill>
+            </a:endParaRPr>
+          </a:p>
+        </p:txBody>
+      </p:sp>
+      <p:sp>
+        <p:nvSpPr>
+          <p:cNvPr id="35" name="Rectangle 34"/>
+          <p:cNvSpPr/>
+          <p:nvPr/>
+        </p:nvSpPr>
+        <p:spPr>
+          <a:xfrm>
+            <a:off x="702737" y="2862107"/>
+            <a:ext cx="1730320" cy="396667"/>
+          </a:xfrm>
+          <a:prstGeom prst="rect">
+            <a:avLst/>
+          </a:prstGeom>
+          <a:solidFill>
+            <a:schemeClr val="accent5"/>
+          </a:solidFill>
+          <a:ln w="28575" cmpd="sng">
+            <a:solidFill>
+              <a:schemeClr val="accent1"/>
+            </a:solidFill>
+          </a:ln>
+          <a:effectLst/>
+        </p:spPr>
+        <p:style>
+          <a:lnRef idx="1">
+            <a:schemeClr val="accent1"/>
+          </a:lnRef>
+          <a:fillRef idx="3">
+            <a:schemeClr val="accent1"/>
+          </a:fillRef>
+          <a:effectRef idx="2">
+            <a:schemeClr val="accent1"/>
+          </a:effectRef>
+          <a:fontRef idx="minor">
+            <a:schemeClr val="lt1"/>
+          </a:fontRef>
+        </p:style>
+        <p:txBody>
+          <a:bodyPr rtlCol="0" anchor="ctr"/>
+          <a:lstStyle/>
+          <a:p>
+            <a:pPr algn="ctr"/>
+            <a:r>
+              <a:rPr lang="en-US" dirty="0">
+                <a:solidFill>
+                  <a:srgbClr val="F8F8F8"/>
+                </a:solidFill>
+              </a:rPr>
+              <a:t>i</a:t>
+            </a:r>
+            <a:r>
+              <a:rPr lang="en-US" dirty="0" smtClean="0">
+                <a:solidFill>
+                  <a:srgbClr val="F8F8F8"/>
+                </a:solidFill>
+              </a:rPr>
+              <a:t>nitiate data </a:t>
+            </a:r>
+            <a:endParaRPr lang="en-US" dirty="0">
+              <a:solidFill>
+                <a:srgbClr val="F8F8F8"/>
+              </a:solidFill>
+            </a:endParaRPr>
+          </a:p>
+        </p:txBody>
+      </p:sp>
+      <p:cxnSp>
+        <p:nvCxnSpPr>
+          <p:cNvPr id="28" name="Straight Arrow Connector 27"/>
+          <p:cNvCxnSpPr/>
+          <p:nvPr/>
+        </p:nvCxnSpPr>
+        <p:spPr>
+          <a:xfrm flipV="1">
+            <a:off x="8313171" y="3255328"/>
+            <a:ext cx="0" cy="1838566"/>
+          </a:xfrm>
+          <a:prstGeom prst="straightConnector1">
+            <a:avLst/>
+          </a:prstGeom>
+          <a:ln w="57150" cmpd="sng">
+            <a:solidFill>
+              <a:schemeClr val="accent2"/>
+            </a:solidFill>
+            <a:prstDash val="sysDot"/>
+            <a:headEnd type="none"/>
+            <a:tailEnd type="triangle"/>
+          </a:ln>
+          <a:effectLst/>
+        </p:spPr>
+        <p:style>
+          <a:lnRef idx="2">
+            <a:schemeClr val="accent1"/>
+          </a:lnRef>
+          <a:fillRef idx="0">
+            <a:schemeClr val="accent1"/>
+          </a:fillRef>
+          <a:effectRef idx="1">
+            <a:schemeClr val="accent1"/>
+          </a:effectRef>
+          <a:fontRef idx="minor">
+            <a:schemeClr val="tx1"/>
+          </a:fontRef>
+        </p:style>
+      </p:cxnSp>
     </p:spTree>
     <p:extLst>
       <p:ext uri="{BB962C8B-B14F-4D97-AF65-F5344CB8AC3E}">
-        <p14:creationId xmlns:p14="http://schemas.microsoft.com/office/powerpoint/2010/main" val="2332603335"/>
+        <p14:creationId xmlns:p14="http://schemas.microsoft.com/office/powerpoint/2010/main" val="4269829460"/>
       </p:ext>
     </p:extLst>
   </p:cSld>
@@ -17987,6 +18033,96 @@
 </p:sld>
 </file>
 
+<file path=ppt/slides/slide40.xml><?xml version="1.0" encoding="utf-8"?>
+<p:sld xmlns:a="http://schemas.openxmlformats.org/drawingml/2006/main" xmlns:r="http://schemas.openxmlformats.org/officeDocument/2006/relationships" xmlns:p="http://schemas.openxmlformats.org/presentationml/2006/main">
+  <p:cSld>
+    <p:spTree>
+      <p:nvGrpSpPr>
+        <p:cNvPr id="1" name=""/>
+        <p:cNvGrpSpPr/>
+        <p:nvPr/>
+      </p:nvGrpSpPr>
+      <p:grpSpPr>
+        <a:xfrm>
+          <a:off x="0" y="0"/>
+          <a:ext cx="0" cy="0"/>
+          <a:chOff x="0" y="0"/>
+          <a:chExt cx="0" cy="0"/>
+        </a:xfrm>
+      </p:grpSpPr>
+      <p:sp>
+        <p:nvSpPr>
+          <p:cNvPr id="2" name="Title 1"/>
+          <p:cNvSpPr>
+            <a:spLocks noGrp="1"/>
+          </p:cNvSpPr>
+          <p:nvPr>
+            <p:ph type="title"/>
+          </p:nvPr>
+        </p:nvSpPr>
+        <p:spPr>
+          <a:xfrm>
+            <a:off x="285416" y="105308"/>
+            <a:ext cx="8648090" cy="1143000"/>
+          </a:xfrm>
+        </p:spPr>
+        <p:txBody>
+          <a:bodyPr>
+            <a:normAutofit/>
+          </a:bodyPr>
+          <a:lstStyle/>
+          <a:p>
+            <a:r>
+              <a:rPr lang="en-US" sz="3300" dirty="0" smtClean="0"/>
+              <a:t>FIN:</a:t>
+            </a:r>
+            <a:endParaRPr lang="en-US" dirty="0"/>
+          </a:p>
+        </p:txBody>
+      </p:sp>
+      <p:sp>
+        <p:nvSpPr>
+          <p:cNvPr id="3" name="Footer Placeholder 2"/>
+          <p:cNvSpPr>
+            <a:spLocks noGrp="1"/>
+          </p:cNvSpPr>
+          <p:nvPr>
+            <p:ph type="ftr" sz="quarter" idx="3"/>
+          </p:nvPr>
+        </p:nvSpPr>
+        <p:spPr/>
+        <p:txBody>
+          <a:bodyPr/>
+          <a:lstStyle/>
+          <a:p>
+            <a:r>
+              <a:rPr lang="en-US" smtClean="0"/>
+              <a:t>Model – View – Controller: A Design Pattern</a:t>
+            </a:r>
+            <a:endParaRPr lang="en-US" dirty="0"/>
+          </a:p>
+        </p:txBody>
+      </p:sp>
+    </p:spTree>
+    <p:extLst>
+      <p:ext uri="{BB962C8B-B14F-4D97-AF65-F5344CB8AC3E}">
+        <p14:creationId xmlns:p14="http://schemas.microsoft.com/office/powerpoint/2010/main" val="2332603335"/>
+      </p:ext>
+    </p:extLst>
+  </p:cSld>
+  <p:clrMapOvr>
+    <a:masterClrMapping/>
+  </p:clrMapOvr>
+  <p:timing>
+    <p:tnLst>
+      <p:par>
+        <p:cTn xmlns:p14="http://schemas.microsoft.com/office/powerpoint/2010/main" id="1" dur="indefinite" restart="never" nodeType="tmRoot"/>
+      </p:par>
+    </p:tnLst>
+  </p:timing>
+</p:sld>
+</file>
+
 <file path=ppt/slides/slide5.xml><?xml version="1.0" encoding="utf-8"?>
 <p:sld xmlns:a="http://schemas.openxmlformats.org/drawingml/2006/main" xmlns:r="http://schemas.openxmlformats.org/officeDocument/2006/relationships" xmlns:p="http://schemas.openxmlformats.org/presentationml/2006/main">
   <p:cSld>
@@ -18062,11 +18198,7 @@
             </a:r>
             <a:r>
               <a:rPr lang="en-US" dirty="0" smtClean="0"/>
-              <a:t>of</a:t>
-            </a:r>
-            <a:r>
-              <a:rPr lang="en-US" dirty="0" smtClean="0"/>
-              <a:t> </a:t>
+              <a:t>of </a:t>
             </a:r>
             <a:r>
               <a:rPr lang="en-US" dirty="0"/>
@@ -18201,25 +18333,16 @@
           <a:p>
             <a:r>
               <a:rPr lang="en-US" dirty="0" smtClean="0"/>
-              <a:t>Start </a:t>
-            </a:r>
+              <a:t>Start thinking of everything you do as implementing some pattern. </a:t>
+            </a:r>
+          </a:p>
+          <a:p>
+            <a:endParaRPr lang="en-US" dirty="0"/>
+          </a:p>
+          <a:p>
             <a:r>
               <a:rPr lang="en-US" dirty="0" smtClean="0"/>
-              <a:t>thinking of everything you do as implementing some pattern. </a:t>
-            </a:r>
-            <a:endParaRPr lang="en-US" dirty="0" smtClean="0"/>
-          </a:p>
-          <a:p>
-            <a:endParaRPr lang="en-US" dirty="0"/>
-          </a:p>
-          <a:p>
-            <a:r>
-              <a:rPr lang="en-US" dirty="0" smtClean="0"/>
-              <a:t>You’re </a:t>
-            </a:r>
-            <a:r>
-              <a:rPr lang="en-US" dirty="0" smtClean="0"/>
-              <a:t>just following a blueprint, filling in the gaps as needed with as little distinction from the standard pattern as possible.</a:t>
+              <a:t>You’re just following a blueprint, filling in the gaps as needed with as little distinction from the standard pattern as possible.</a:t>
             </a:r>
           </a:p>
           <a:p>
@@ -18399,17 +18522,8 @@
             </a:pPr>
             <a:r>
               <a:rPr lang="en-US" sz="2500" dirty="0" smtClean="0"/>
-              <a:t>Sure, you can write all the codes… </a:t>
-            </a:r>
-            <a:r>
-              <a:rPr lang="en-US" sz="2500" dirty="0" smtClean="0"/>
-              <a:t>Where does it go</a:t>
-            </a:r>
-            <a:r>
-              <a:rPr lang="en-US" sz="2500" dirty="0" smtClean="0"/>
-              <a:t>?</a:t>
-            </a:r>
-            <a:endParaRPr lang="en-US" sz="2500" dirty="0" smtClean="0"/>
+              <a:t>Sure, you can write all the codes… Where does it go?</a:t>
+            </a:r>
           </a:p>
           <a:p>
             <a:pPr marL="0" indent="0">

--- a/1phase/mvc-single-res/HT-MVC.pptx
+++ b/1phase/mvc-single-res/HT-MVC.pptx
@@ -234,7 +234,7 @@
           <a:p>
             <a:fld id="{CAA47771-BE1A-0F41-A2AB-502D986D5C71}" type="datetimeFigureOut">
               <a:rPr lang="en-US" smtClean="0"/>
-              <a:t>12/11/15</a:t>
+              <a:t>1/28/16</a:t>
             </a:fld>
             <a:endParaRPr lang="en-US"/>
           </a:p>
@@ -400,7 +400,7 @@
           <a:p>
             <a:fld id="{4083CDE4-3FA1-6A4B-862D-E61F193A4941}" type="datetimeFigureOut">
               <a:rPr lang="en-US" smtClean="0"/>
-              <a:t>12/11/15</a:t>
+              <a:t>1/28/16</a:t>
             </a:fld>
             <a:endParaRPr lang="en-US"/>
           </a:p>
@@ -2225,15 +2225,7 @@
                   <a:schemeClr val="accent3"/>
                 </a:solidFill>
               </a:rPr>
-              <a:t>Hunter </a:t>
-            </a:r>
-            <a:r>
-              <a:rPr lang="en-US" dirty="0" smtClean="0">
-                <a:solidFill>
-                  <a:schemeClr val="accent3"/>
-                </a:solidFill>
-              </a:rPr>
-              <a:t>Chapman</a:t>
+              <a:t>Hunter Chapman</a:t>
             </a:r>
             <a:endParaRPr lang="en-US" dirty="0">
               <a:solidFill>
@@ -8353,7 +8345,15 @@
             </a:pPr>
             <a:r>
               <a:rPr lang="en-US" sz="3200" dirty="0" smtClean="0"/>
-              <a:t>Greatly increases the modularity and reusability of your code base.</a:t>
+              <a:t>Means </a:t>
+            </a:r>
+            <a:r>
+              <a:rPr lang="en-US" sz="3200" smtClean="0"/>
+              <a:t>of increasing </a:t>
+            </a:r>
+            <a:r>
+              <a:rPr lang="en-US" sz="3200" dirty="0" smtClean="0"/>
+              <a:t>the modularity and reusability of your code base.</a:t>
             </a:r>
             <a:endParaRPr lang="en-US" sz="3200" dirty="0"/>
           </a:p>
